--- a/Revue n2/Presentation du projet SFL2  (Pierre) Revue 2.pptx
+++ b/Revue n2/Presentation du projet SFL2  (Pierre) Revue 2.pptx
@@ -17,7 +17,7 @@
     <p:sldId id="263" r:id="rId14"/>
     <p:sldId id="265" r:id="rId15"/>
     <p:sldId id="266" r:id="rId16"/>
-    <p:sldId id="272" r:id="rId17"/>
+    <p:sldId id="273" r:id="rId17"/>
   </p:sldIdLst>
   <p:sldSz cx="12192000" cy="6858000"/>
   <p:notesSz cx="6858000" cy="9144000"/>
@@ -124,10 +124,6 @@
 </p:presentation>
 </file>
 
-<file path=ppt/revisionInfo.xml><?xml version="1.0" encoding="utf-8"?>
-<p1510:revInfo xmlns:a="http://schemas.openxmlformats.org/drawingml/2006/main" xmlns:r="http://schemas.openxmlformats.org/officeDocument/2006/relationships" xmlns:p1510="http://schemas.microsoft.com/office/powerpoint/2015/10/main"/>
-</file>
-
 <file path=ppt/slideLayouts/slideLayout1.xml><?xml version="1.0" encoding="utf-8"?>
 <p:sldLayout xmlns:a="http://schemas.openxmlformats.org/drawingml/2006/main" xmlns:r="http://schemas.openxmlformats.org/officeDocument/2006/relationships" xmlns:p="http://schemas.openxmlformats.org/presentationml/2006/main" type="title" preserve="1">
   <p:cSld name="Diapositive de titre">
@@ -223,7 +219,7 @@
           <a:effectLst/>
           <a:extLst>
             <a:ext uri="{91240B29-F687-4f45-9708-019B960494DF}">
-              <a14:hiddenLine xmlns="" xmlns:a14="http://schemas.microsoft.com/office/drawing/2010/main" w="9525">
+              <a14:hiddenLine xmlns:a14="http://schemas.microsoft.com/office/drawing/2010/main" xmlns="" w="9525">
                 <a:solidFill>
                   <a:srgbClr val="000000"/>
                 </a:solidFill>
@@ -416,7 +412,7 @@
             <a:fld id="{08B9EBBA-996F-894A-B54A-D6246ED52CEA}" type="datetimeFigureOut">
               <a:rPr lang="en-US" dirty="0"/>
               <a:pPr/>
-              <a:t>2/5/2019</a:t>
+              <a:t>2/6/2019</a:t>
             </a:fld>
             <a:endParaRPr lang="en-US" dirty="0"/>
           </a:p>
@@ -731,7 +727,7 @@
             <a:fld id="{18C79C5D-2A6F-F04D-97DA-BEF2467B64E4}" type="datetimeFigureOut">
               <a:rPr lang="en-US" dirty="0"/>
               <a:pPr/>
-              <a:t>2/5/2019</a:t>
+              <a:t>2/6/2019</a:t>
             </a:fld>
             <a:endParaRPr lang="en-US" dirty="0"/>
           </a:p>
@@ -1216,7 +1212,7 @@
             <a:fld id="{8DFA1846-DA80-1C48-A609-854EA85C59AD}" type="datetimeFigureOut">
               <a:rPr lang="en-US" dirty="0"/>
               <a:pPr/>
-              <a:t>2/5/2019</a:t>
+              <a:t>2/6/2019</a:t>
             </a:fld>
             <a:endParaRPr lang="en-US" dirty="0"/>
           </a:p>
@@ -1582,7 +1578,7 @@
             <a:fld id="{FBF54567-0DE4-3F47-BF90-CB84690072F9}" type="datetimeFigureOut">
               <a:rPr lang="en-US" dirty="0"/>
               <a:pPr/>
-              <a:t>2/5/2019</a:t>
+              <a:t>2/6/2019</a:t>
             </a:fld>
             <a:endParaRPr lang="en-US" dirty="0"/>
           </a:p>
@@ -1733,7 +1729,7 @@
           <a:ln/>
           <a:extLst>
             <a:ext uri="{91240B29-F687-4f45-9708-019B960494DF}">
-              <a14:hiddenLine xmlns="" xmlns:a14="http://schemas.microsoft.com/office/drawing/2010/main" w="9525">
+              <a14:hiddenLine xmlns:a14="http://schemas.microsoft.com/office/drawing/2010/main" xmlns="" w="9525">
                 <a:solidFill>
                   <a:srgbClr val="000000"/>
                 </a:solidFill>
@@ -1852,7 +1848,7 @@
             <a:fld id="{C6C52C72-DE31-F449-A4ED-4C594FD91407}" type="datetimeFigureOut">
               <a:rPr lang="en-US" dirty="0"/>
               <a:pPr/>
-              <a:t>2/5/2019</a:t>
+              <a:t>2/6/2019</a:t>
             </a:fld>
             <a:endParaRPr lang="en-US" dirty="0"/>
           </a:p>
@@ -2005,7 +2001,7 @@
           <a:ln/>
           <a:extLst>
             <a:ext uri="{91240B29-F687-4f45-9708-019B960494DF}">
-              <a14:hiddenLine xmlns="" xmlns:a14="http://schemas.microsoft.com/office/drawing/2010/main" w="9525">
+              <a14:hiddenLine xmlns:a14="http://schemas.microsoft.com/office/drawing/2010/main" xmlns="" w="9525">
                 <a:solidFill>
                   <a:srgbClr val="000000"/>
                 </a:solidFill>
@@ -2134,7 +2130,7 @@
             <a:fld id="{ED62726E-379B-B349-9EED-81ED093FA806}" type="datetimeFigureOut">
               <a:rPr lang="en-US" dirty="0"/>
               <a:pPr/>
-              <a:t>2/5/2019</a:t>
+              <a:t>2/6/2019</a:t>
             </a:fld>
             <a:endParaRPr lang="en-US" dirty="0"/>
           </a:p>
@@ -2285,7 +2281,7 @@
           <a:ln/>
           <a:extLst>
             <a:ext uri="{91240B29-F687-4f45-9708-019B960494DF}">
-              <a14:hiddenLine xmlns="" xmlns:a14="http://schemas.microsoft.com/office/drawing/2010/main" w="9525">
+              <a14:hiddenLine xmlns:a14="http://schemas.microsoft.com/office/drawing/2010/main" xmlns="" w="9525">
                 <a:solidFill>
                   <a:srgbClr val="000000"/>
                 </a:solidFill>
@@ -2414,7 +2410,7 @@
             <a:fld id="{9B3A1323-8D79-1946-B0D7-40001CF92E9D}" type="datetimeFigureOut">
               <a:rPr lang="en-US" dirty="0"/>
               <a:pPr/>
-              <a:t>2/5/2019</a:t>
+              <a:t>2/6/2019</a:t>
             </a:fld>
             <a:endParaRPr lang="en-US" dirty="0"/>
           </a:p>
@@ -2754,7 +2750,7 @@
             <a:fld id="{8DFA1846-DA80-1C48-A609-854EA85C59AD}" type="datetimeFigureOut">
               <a:rPr lang="en-US" dirty="0"/>
               <a:pPr/>
-              <a:t>2/5/2019</a:t>
+              <a:t>2/6/2019</a:t>
             </a:fld>
             <a:endParaRPr lang="en-US" dirty="0"/>
           </a:p>
@@ -2905,7 +2901,7 @@
           <a:ln/>
           <a:extLst>
             <a:ext uri="{91240B29-F687-4f45-9708-019B960494DF}">
-              <a14:hiddenLine xmlns="" xmlns:a14="http://schemas.microsoft.com/office/drawing/2010/main" w="9525">
+              <a14:hiddenLine xmlns:a14="http://schemas.microsoft.com/office/drawing/2010/main" xmlns="" w="9525">
                 <a:solidFill>
                   <a:srgbClr val="000000"/>
                 </a:solidFill>
@@ -3090,7 +3086,7 @@
             <a:fld id="{57302355-E14B-8545-A8F8-0FE83CC9D524}" type="datetimeFigureOut">
               <a:rPr lang="en-US" dirty="0"/>
               <a:pPr/>
-              <a:t>2/5/2019</a:t>
+              <a:t>2/6/2019</a:t>
             </a:fld>
             <a:endParaRPr lang="en-US" dirty="0"/>
           </a:p>
@@ -3241,7 +3237,7 @@
           <a:ln/>
           <a:extLst>
             <a:ext uri="{91240B29-F687-4f45-9708-019B960494DF}">
-              <a14:hiddenLine xmlns="" xmlns:a14="http://schemas.microsoft.com/office/drawing/2010/main" w="9525">
+              <a14:hiddenLine xmlns:a14="http://schemas.microsoft.com/office/drawing/2010/main" xmlns="" w="9525">
                 <a:solidFill>
                   <a:srgbClr val="000000"/>
                 </a:solidFill>
@@ -3564,7 +3560,7 @@
             <a:fld id="{02640F58-564D-2B4F-AE67-E407BA4FCF45}" type="datetimeFigureOut">
               <a:rPr lang="en-US" dirty="0"/>
               <a:pPr/>
-              <a:t>2/5/2019</a:t>
+              <a:t>2/6/2019</a:t>
             </a:fld>
             <a:endParaRPr lang="en-US" dirty="0"/>
           </a:p>
@@ -3715,7 +3711,7 @@
           <a:ln/>
           <a:extLst>
             <a:ext uri="{91240B29-F687-4f45-9708-019B960494DF}">
-              <a14:hiddenLine xmlns="" xmlns:a14="http://schemas.microsoft.com/office/drawing/2010/main" w="9525">
+              <a14:hiddenLine xmlns:a14="http://schemas.microsoft.com/office/drawing/2010/main" xmlns="" w="9525">
                 <a:solidFill>
                   <a:srgbClr val="000000"/>
                 </a:solidFill>
@@ -3782,7 +3778,7 @@
             <a:fld id="{F13A34C8-038E-2045-AF43-DF7DBB8E0E9E}" type="datetimeFigureOut">
               <a:rPr lang="en-US" dirty="0"/>
               <a:pPr/>
-              <a:t>2/5/2019</a:t>
+              <a:t>2/6/2019</a:t>
             </a:fld>
             <a:endParaRPr lang="en-US" dirty="0"/>
           </a:p>
@@ -3874,7 +3870,7 @@
             <a:fld id="{8818C68F-D26B-8F47-958C-23B49CF8A634}" type="datetimeFigureOut">
               <a:rPr lang="en-US" dirty="0"/>
               <a:pPr/>
-              <a:t>2/5/2019</a:t>
+              <a:t>2/6/2019</a:t>
             </a:fld>
             <a:endParaRPr lang="en-US" dirty="0"/>
           </a:p>
@@ -4138,7 +4134,7 @@
           <a:ln/>
           <a:extLst>
             <a:ext uri="{91240B29-F687-4f45-9708-019B960494DF}">
-              <a14:hiddenLine xmlns="" xmlns:a14="http://schemas.microsoft.com/office/drawing/2010/main" w="9525">
+              <a14:hiddenLine xmlns:a14="http://schemas.microsoft.com/office/drawing/2010/main" xmlns="" w="9525">
                 <a:solidFill>
                   <a:srgbClr val="000000"/>
                 </a:solidFill>
@@ -4338,7 +4334,7 @@
             <a:fld id="{D0DF5E60-9974-AC48-9591-99C2BB44B7CF}" type="datetimeFigureOut">
               <a:rPr lang="en-US" dirty="0"/>
               <a:pPr/>
-              <a:t>2/5/2019</a:t>
+              <a:t>2/6/2019</a:t>
             </a:fld>
             <a:endParaRPr lang="en-US" dirty="0"/>
           </a:p>
@@ -4648,7 +4644,7 @@
             <a:fld id="{18C79C5D-2A6F-F04D-97DA-BEF2467B64E4}" type="datetimeFigureOut">
               <a:rPr lang="en-US" dirty="0"/>
               <a:pPr/>
-              <a:t>2/5/2019</a:t>
+              <a:t>2/6/2019</a:t>
             </a:fld>
             <a:endParaRPr lang="en-US" dirty="0"/>
           </a:p>
@@ -4915,7 +4911,7 @@
             <a:fld id="{09B482E8-6E0E-1B4F-B1FD-C69DB9E858D9}" type="datetimeFigureOut">
               <a:rPr lang="en-US" dirty="0"/>
               <a:pPr/>
-              <a:t>2/5/2019</a:t>
+              <a:t>2/6/2019</a:t>
             </a:fld>
             <a:endParaRPr lang="en-US" dirty="0"/>
           </a:p>
@@ -5480,7 +5476,7 @@
                 <a16:creationId xmlns:a16="http://schemas.microsoft.com/office/drawing/2014/main" id="{E7597382-59B5-427B-9E49-55383F0A5561}"/>
               </a:ext>
               <a:ext uri="{C183D7F6-B498-43B3-948B-1728B52AA6E4}">
-                <adec:decorative xmlns:adec="http://schemas.microsoft.com/office/drawing/2017/decorative" xmlns="" val="1"/>
+                <adec:decorative xmlns:adec="http://schemas.microsoft.com/office/drawing/2017/decorative" val="1"/>
               </a:ext>
             </a:extLst>
           </p:cNvPr>
@@ -5568,7 +5564,7 @@
           </a:ln>
           <a:extLst>
             <a:ext uri="{91240B29-F687-4f45-9708-019B960494DF}">
-              <a14:hiddenLine xmlns:a14="http://schemas.microsoft.com/office/drawing/2010/main" xmlns:p14="http://schemas.microsoft.com/office/powerpoint/2010/main" xmlns:a16="http://schemas.microsoft.com/office/drawing/2014/main" xmlns="" w="9525">
+              <a14:hiddenLine xmlns="" xmlns:a16="http://schemas.microsoft.com/office/drawing/2014/main" xmlns:p14="http://schemas.microsoft.com/office/powerpoint/2010/main" xmlns:a14="http://schemas.microsoft.com/office/drawing/2010/main" w="9525">
                 <a:solidFill>
                   <a:srgbClr val="000000"/>
                 </a:solidFill>
@@ -5602,7 +5598,7 @@
                 <a16:creationId xmlns:a16="http://schemas.microsoft.com/office/drawing/2014/main" id="{26471DC7-FA6E-40EF-A167-93BB0BCE16AD}"/>
               </a:ext>
               <a:ext uri="{C183D7F6-B498-43B3-948B-1728B52AA6E4}">
-                <adec:decorative xmlns:adec="http://schemas.microsoft.com/office/drawing/2017/decorative" xmlns="" val="1"/>
+                <adec:decorative xmlns:adec="http://schemas.microsoft.com/office/drawing/2017/decorative" val="1"/>
               </a:ext>
             </a:extLst>
           </p:cNvPr>
@@ -5777,7 +5773,7 @@
                 <a16:creationId xmlns:a16="http://schemas.microsoft.com/office/drawing/2014/main" id="{E7597382-59B5-427B-9E49-55383F0A5561}"/>
               </a:ext>
               <a:ext uri="{C183D7F6-B498-43B3-948B-1728B52AA6E4}">
-                <adec:decorative xmlns:adec="http://schemas.microsoft.com/office/drawing/2017/decorative" xmlns="" val="1"/>
+                <adec:decorative xmlns:adec="http://schemas.microsoft.com/office/drawing/2017/decorative" val="1"/>
               </a:ext>
             </a:extLst>
           </p:cNvPr>
@@ -5865,7 +5861,7 @@
           </a:ln>
           <a:extLst>
             <a:ext uri="{91240B29-F687-4f45-9708-019B960494DF}">
-              <a14:hiddenLine xmlns:a14="http://schemas.microsoft.com/office/drawing/2010/main" xmlns:p14="http://schemas.microsoft.com/office/powerpoint/2010/main" xmlns:a16="http://schemas.microsoft.com/office/drawing/2014/main" xmlns="" w="9525">
+              <a14:hiddenLine xmlns="" xmlns:a16="http://schemas.microsoft.com/office/drawing/2014/main" xmlns:p14="http://schemas.microsoft.com/office/powerpoint/2010/main" xmlns:a14="http://schemas.microsoft.com/office/drawing/2010/main" w="9525">
                 <a:solidFill>
                   <a:srgbClr val="000000"/>
                 </a:solidFill>
@@ -5899,7 +5895,7 @@
                 <a16:creationId xmlns:a16="http://schemas.microsoft.com/office/drawing/2014/main" id="{26471DC7-FA6E-40EF-A167-93BB0BCE16AD}"/>
               </a:ext>
               <a:ext uri="{C183D7F6-B498-43B3-948B-1728B52AA6E4}">
-                <adec:decorative xmlns:adec="http://schemas.microsoft.com/office/drawing/2017/decorative" xmlns="" val="1"/>
+                <adec:decorative xmlns:adec="http://schemas.microsoft.com/office/drawing/2017/decorative" val="1"/>
               </a:ext>
             </a:extLst>
           </p:cNvPr>
@@ -6071,7 +6067,7 @@
                 <a16:creationId xmlns:a16="http://schemas.microsoft.com/office/drawing/2014/main" id="{E7597382-59B5-427B-9E49-55383F0A5561}"/>
               </a:ext>
               <a:ext uri="{C183D7F6-B498-43B3-948B-1728B52AA6E4}">
-                <adec:decorative xmlns:adec="http://schemas.microsoft.com/office/drawing/2017/decorative" xmlns="" val="1"/>
+                <adec:decorative xmlns:adec="http://schemas.microsoft.com/office/drawing/2017/decorative" val="1"/>
               </a:ext>
             </a:extLst>
           </p:cNvPr>
@@ -6159,7 +6155,7 @@
           </a:ln>
           <a:extLst>
             <a:ext uri="{91240B29-F687-4f45-9708-019B960494DF}">
-              <a14:hiddenLine xmlns:a14="http://schemas.microsoft.com/office/drawing/2010/main" xmlns:p14="http://schemas.microsoft.com/office/powerpoint/2010/main" xmlns:a16="http://schemas.microsoft.com/office/drawing/2014/main" xmlns="" w="9525">
+              <a14:hiddenLine xmlns="" xmlns:a16="http://schemas.microsoft.com/office/drawing/2014/main" xmlns:p14="http://schemas.microsoft.com/office/powerpoint/2010/main" xmlns:a14="http://schemas.microsoft.com/office/drawing/2010/main" w="9525">
                 <a:solidFill>
                   <a:srgbClr val="000000"/>
                 </a:solidFill>
@@ -6193,7 +6189,7 @@
                 <a16:creationId xmlns:a16="http://schemas.microsoft.com/office/drawing/2014/main" id="{26471DC7-FA6E-40EF-A167-93BB0BCE16AD}"/>
               </a:ext>
               <a:ext uri="{C183D7F6-B498-43B3-948B-1728B52AA6E4}">
-                <adec:decorative xmlns:adec="http://schemas.microsoft.com/office/drawing/2017/decorative" xmlns="" val="1"/>
+                <adec:decorative xmlns:adec="http://schemas.microsoft.com/office/drawing/2017/decorative" val="1"/>
               </a:ext>
             </a:extLst>
           </p:cNvPr>
@@ -6335,6 +6331,14 @@
 <file path=ppt/slides/slide13.xml><?xml version="1.0" encoding="utf-8"?>
 <p:sld xmlns:a="http://schemas.openxmlformats.org/drawingml/2006/main" xmlns:r="http://schemas.openxmlformats.org/officeDocument/2006/relationships" xmlns:p="http://schemas.openxmlformats.org/presentationml/2006/main">
   <p:cSld>
+    <p:bg>
+      <p:bgPr>
+        <a:solidFill>
+          <a:schemeClr val="bg2"/>
+        </a:solidFill>
+        <a:effectLst/>
+      </p:bgPr>
+    </p:bg>
     <p:spTree>
       <p:nvGrpSpPr>
         <p:cNvPr id="1" name=""/>
@@ -6351,61 +6355,98 @@
       </p:grpSpPr>
       <p:sp>
         <p:nvSpPr>
-          <p:cNvPr id="4" name="Titre 3">
+          <p:cNvPr id="10" name="Rectangle 9">
             <a:extLst>
               <a:ext uri="{FF2B5EF4-FFF2-40B4-BE49-F238E27FC236}">
-                <a16:creationId xmlns:a16="http://schemas.microsoft.com/office/drawing/2014/main" id="{97F5D228-F056-41E8-BE1E-4CC3432C5914}"/>
+                <a16:creationId xmlns:a16="http://schemas.microsoft.com/office/drawing/2014/main" id="{6A01907A-BF04-440F-BA0D-49BC9627344C}"/>
+              </a:ext>
+              <a:ext uri="{C183D7F6-B498-43B3-948B-1728B52AA6E4}">
+                <adec:decorative xmlns:adec="http://schemas.microsoft.com/office/drawing/2017/decorative" val="1"/>
               </a:ext>
             </a:extLst>
           </p:cNvPr>
           <p:cNvSpPr>
-            <a:spLocks noGrp="1"/>
-          </p:cNvSpPr>
-          <p:nvPr>
-            <p:ph type="title"/>
-          </p:nvPr>
-        </p:nvSpPr>
-        <p:spPr/>
-        <p:txBody>
-          <a:bodyPr/>
+            <a:spLocks noGrp="1" noRot="1" noChangeAspect="1" noMove="1" noResize="1" noEditPoints="1" noAdjustHandles="1" noChangeArrowheads="1" noChangeShapeType="1" noTextEdit="1"/>
+          </p:cNvSpPr>
+          <p:nvPr>
+            <p:extLst>
+              <p:ext uri="{386F3935-93C4-4BCD-93E2-E3B085C9AB24}">
+                <p16:designElem xmlns:p16="http://schemas.microsoft.com/office/powerpoint/2015/main" val="1"/>
+              </p:ext>
+            </p:extLst>
+          </p:nvPr>
+        </p:nvSpPr>
+        <p:spPr>
+          <a:xfrm>
+            <a:off x="0" y="0"/>
+            <a:ext cx="12192000" cy="6858000"/>
+          </a:xfrm>
+          <a:prstGeom prst="rect">
+            <a:avLst/>
+          </a:prstGeom>
+          <a:ln>
+            <a:noFill/>
+          </a:ln>
+        </p:spPr>
+        <p:style>
+          <a:lnRef idx="1">
+            <a:schemeClr val="dk1"/>
+          </a:lnRef>
+          <a:fillRef idx="3">
+            <a:schemeClr val="dk1"/>
+          </a:fillRef>
+          <a:effectRef idx="2">
+            <a:schemeClr val="dk1"/>
+          </a:effectRef>
+          <a:fontRef idx="minor">
+            <a:schemeClr val="lt1"/>
+          </a:fontRef>
+        </p:style>
+        <p:txBody>
+          <a:bodyPr rtlCol="0" anchor="ctr"/>
           <a:lstStyle/>
           <a:p>
-            <a:r>
-              <a:rPr lang="fr-FR" dirty="0"/>
-              <a:t>Diagramme de planification</a:t>
-            </a:r>
-          </a:p>
-        </p:txBody>
-      </p:sp>
-      <p:sp>
-        <p:nvSpPr>
+            <a:pPr algn="ctr"/>
+            <a:endParaRPr lang="en-US"/>
+          </a:p>
+        </p:txBody>
+      </p:sp>
+      <p:pic>
+        <p:nvPicPr>
           <p:cNvPr id="5" name="Espace réservé du contenu 4">
             <a:extLst>
               <a:ext uri="{FF2B5EF4-FFF2-40B4-BE49-F238E27FC236}">
-                <a16:creationId xmlns:a16="http://schemas.microsoft.com/office/drawing/2014/main" id="{85B3E982-8E18-45E1-B85B-C42C587A599D}"/>
+                <a16:creationId xmlns:a16="http://schemas.microsoft.com/office/drawing/2014/main" id="{B945844E-7FA3-4332-8D8F-FF0AF4080F3E}"/>
               </a:ext>
             </a:extLst>
           </p:cNvPr>
-          <p:cNvSpPr>
-            <a:spLocks noGrp="1"/>
-          </p:cNvSpPr>
+          <p:cNvPicPr>
+            <a:picLocks noGrp="1" noChangeAspect="1"/>
+          </p:cNvPicPr>
           <p:nvPr>
             <p:ph idx="1"/>
           </p:nvPr>
-        </p:nvSpPr>
-        <p:spPr/>
-        <p:txBody>
-          <a:bodyPr/>
-          <a:lstStyle/>
-          <a:p>
-            <a:endParaRPr lang="fr-FR" dirty="0"/>
-          </a:p>
-        </p:txBody>
-      </p:sp>
+        </p:nvPicPr>
+        <p:blipFill>
+          <a:blip r:embed="rId2"/>
+          <a:stretch>
+            <a:fillRect/>
+          </a:stretch>
+        </p:blipFill>
+        <p:spPr>
+          <a:xfrm>
+            <a:off x="933403" y="86219"/>
+            <a:ext cx="10325194" cy="6685562"/>
+          </a:xfrm>
+          <a:prstGeom prst="rect">
+            <a:avLst/>
+          </a:prstGeom>
+        </p:spPr>
+      </p:pic>
     </p:spTree>
     <p:extLst>
       <p:ext uri="{BB962C8B-B14F-4D97-AF65-F5344CB8AC3E}">
-        <p14:creationId xmlns:p14="http://schemas.microsoft.com/office/powerpoint/2010/main" val="635712282"/>
+        <p14:creationId xmlns:p14="http://schemas.microsoft.com/office/powerpoint/2010/main" val="1274234660"/>
       </p:ext>
     </p:extLst>
   </p:cSld>
@@ -6448,7 +6489,7 @@
                 <a16:creationId xmlns:a16="http://schemas.microsoft.com/office/drawing/2014/main" id="{E2264E67-6F59-4D8D-8E5F-8245B0FEAE76}"/>
               </a:ext>
               <a:ext uri="{C183D7F6-B498-43B3-948B-1728B52AA6E4}">
-                <adec:decorative xmlns:adec="http://schemas.microsoft.com/office/drawing/2017/decorative" xmlns="" val="1"/>
+                <adec:decorative xmlns:adec="http://schemas.microsoft.com/office/drawing/2017/decorative" val="1"/>
               </a:ext>
             </a:extLst>
           </p:cNvPr>
@@ -6511,7 +6552,7 @@
                 <a16:creationId xmlns:a16="http://schemas.microsoft.com/office/drawing/2014/main" id="{158E1C6E-D299-4F5D-B15B-155EBF7F62FD}"/>
               </a:ext>
               <a:ext uri="{C183D7F6-B498-43B3-948B-1728B52AA6E4}">
-                <adec:decorative xmlns:adec="http://schemas.microsoft.com/office/drawing/2017/decorative" xmlns="" val="1"/>
+                <adec:decorative xmlns:adec="http://schemas.microsoft.com/office/drawing/2017/decorative" val="1"/>
               </a:ext>
             </a:extLst>
           </p:cNvPr>
@@ -6862,7 +6903,7 @@
                 <a16:creationId xmlns:a16="http://schemas.microsoft.com/office/drawing/2014/main" id="{A416E3E5-5186-46A4-AFBD-337387D3163D}"/>
               </a:ext>
               <a:ext uri="{C183D7F6-B498-43B3-948B-1728B52AA6E4}">
-                <adec:decorative xmlns="" xmlns:adec="http://schemas.microsoft.com/office/drawing/2017/decorative" val="1"/>
+                <adec:decorative xmlns:adec="http://schemas.microsoft.com/office/drawing/2017/decorative" val="1"/>
               </a:ext>
             </a:extLst>
           </p:cNvPr>
@@ -6925,7 +6966,7 @@
                 <a16:creationId xmlns:a16="http://schemas.microsoft.com/office/drawing/2014/main" id="{7B8FAACC-353E-4F84-BA62-A5514185D9A9}"/>
               </a:ext>
               <a:ext uri="{C183D7F6-B498-43B3-948B-1728B52AA6E4}">
-                <adec:decorative xmlns="" xmlns:adec="http://schemas.microsoft.com/office/drawing/2017/decorative" val="1"/>
+                <adec:decorative xmlns:adec="http://schemas.microsoft.com/office/drawing/2017/decorative" val="1"/>
               </a:ext>
             </a:extLst>
           </p:cNvPr>
@@ -8012,7 +8053,7 @@
                 <a16:creationId xmlns:a16="http://schemas.microsoft.com/office/drawing/2014/main" id="{133F8CB7-795C-4272-9073-64D8CF97F220}"/>
               </a:ext>
               <a:ext uri="{C183D7F6-B498-43B3-948B-1728B52AA6E4}">
-                <adec:decorative xmlns="" xmlns:adec="http://schemas.microsoft.com/office/drawing/2017/decorative" val="1"/>
+                <adec:decorative xmlns:adec="http://schemas.microsoft.com/office/drawing/2017/decorative" val="1"/>
               </a:ext>
             </a:extLst>
           </p:cNvPr>
@@ -8099,7 +8140,7 @@
           <a:effectLst/>
           <a:extLst>
             <a:ext uri="{91240B29-F687-4f45-9708-019B960494DF}">
-              <a14:hiddenLine xmlns="" xmlns:a16="http://schemas.microsoft.com/office/drawing/2014/main" xmlns:p14="http://schemas.microsoft.com/office/powerpoint/2010/main" xmlns:a14="http://schemas.microsoft.com/office/drawing/2010/main" w="9525">
+              <a14:hiddenLine xmlns:a14="http://schemas.microsoft.com/office/drawing/2010/main" xmlns:p14="http://schemas.microsoft.com/office/powerpoint/2010/main" xmlns:a16="http://schemas.microsoft.com/office/drawing/2014/main" xmlns="" w="9525">
                 <a:solidFill>
                   <a:srgbClr val="000000"/>
                 </a:solidFill>
@@ -8133,7 +8174,7 @@
                 <a16:creationId xmlns:a16="http://schemas.microsoft.com/office/drawing/2014/main" id="{B7743172-17A8-4FA4-8434-B813E03B7665}"/>
               </a:ext>
               <a:ext uri="{C183D7F6-B498-43B3-948B-1728B52AA6E4}">
-                <adec:decorative xmlns="" xmlns:adec="http://schemas.microsoft.com/office/drawing/2017/decorative" val="1"/>
+                <adec:decorative xmlns:adec="http://schemas.microsoft.com/office/drawing/2017/decorative" val="1"/>
               </a:ext>
             </a:extLst>
           </p:cNvPr>
@@ -8196,7 +8237,7 @@
                 <a16:creationId xmlns:a16="http://schemas.microsoft.com/office/drawing/2014/main" id="{4CE1233C-FD2F-489E-BFDE-086F5FED6491}"/>
               </a:ext>
               <a:ext uri="{C183D7F6-B498-43B3-948B-1728B52AA6E4}">
-                <adec:decorative xmlns="" xmlns:adec="http://schemas.microsoft.com/office/drawing/2017/decorative" val="1"/>
+                <adec:decorative xmlns:adec="http://schemas.microsoft.com/office/drawing/2017/decorative" val="1"/>
               </a:ext>
             </a:extLst>
           </p:cNvPr>
@@ -8519,7 +8560,7 @@
                 <a16:creationId xmlns:a16="http://schemas.microsoft.com/office/drawing/2014/main" id="{133F8CB7-795C-4272-9073-64D8CF97F220}"/>
               </a:ext>
               <a:ext uri="{C183D7F6-B498-43B3-948B-1728B52AA6E4}">
-                <adec:decorative xmlns="" xmlns:adec="http://schemas.microsoft.com/office/drawing/2017/decorative" val="1"/>
+                <adec:decorative xmlns:adec="http://schemas.microsoft.com/office/drawing/2017/decorative" val="1"/>
               </a:ext>
             </a:extLst>
           </p:cNvPr>
@@ -8606,7 +8647,7 @@
           <a:effectLst/>
           <a:extLst>
             <a:ext uri="{91240B29-F687-4f45-9708-019B960494DF}">
-              <a14:hiddenLine xmlns="" xmlns:a16="http://schemas.microsoft.com/office/drawing/2014/main" xmlns:p14="http://schemas.microsoft.com/office/powerpoint/2010/main" xmlns:a14="http://schemas.microsoft.com/office/drawing/2010/main" w="9525">
+              <a14:hiddenLine xmlns:a14="http://schemas.microsoft.com/office/drawing/2010/main" xmlns:p14="http://schemas.microsoft.com/office/powerpoint/2010/main" xmlns:a16="http://schemas.microsoft.com/office/drawing/2014/main" xmlns="" w="9525">
                 <a:solidFill>
                   <a:srgbClr val="000000"/>
                 </a:solidFill>
@@ -8689,7 +8730,7 @@
                 <a16:creationId xmlns:a16="http://schemas.microsoft.com/office/drawing/2014/main" id="{9674F1F8-962D-4FF5-B378-D9D2FFDFD27E}"/>
               </a:ext>
               <a:ext uri="{C183D7F6-B498-43B3-948B-1728B52AA6E4}">
-                <adec:decorative xmlns="" xmlns:adec="http://schemas.microsoft.com/office/drawing/2017/decorative" val="1"/>
+                <adec:decorative xmlns:adec="http://schemas.microsoft.com/office/drawing/2017/decorative" val="1"/>
               </a:ext>
             </a:extLst>
           </p:cNvPr>
@@ -8917,7 +8958,7 @@
                 <a16:creationId xmlns:a16="http://schemas.microsoft.com/office/drawing/2014/main" id="{C701CDB4-05E2-481A-9165-2455B6FE22A8}"/>
               </a:ext>
               <a:ext uri="{C183D7F6-B498-43B3-948B-1728B52AA6E4}">
-                <adec:decorative xmlns="" xmlns:adec="http://schemas.microsoft.com/office/drawing/2017/decorative" val="1"/>
+                <adec:decorative xmlns:adec="http://schemas.microsoft.com/office/drawing/2017/decorative" val="1"/>
               </a:ext>
             </a:extLst>
           </p:cNvPr>
@@ -8980,7 +9021,7 @@
                 <a16:creationId xmlns:a16="http://schemas.microsoft.com/office/drawing/2014/main" id="{93C43E0F-EC0A-4928-BA40-42313C09961E}"/>
               </a:ext>
               <a:ext uri="{C183D7F6-B498-43B3-948B-1728B52AA6E4}">
-                <adec:decorative xmlns="" xmlns:adec="http://schemas.microsoft.com/office/drawing/2017/decorative" val="1"/>
+                <adec:decorative xmlns:adec="http://schemas.microsoft.com/office/drawing/2017/decorative" val="1"/>
               </a:ext>
             </a:extLst>
           </p:cNvPr>
@@ -9116,7 +9157,7 @@
                 <a16:creationId xmlns:a16="http://schemas.microsoft.com/office/drawing/2014/main" id="{133F8CB7-795C-4272-9073-64D8CF97F220}"/>
               </a:ext>
               <a:ext uri="{C183D7F6-B498-43B3-948B-1728B52AA6E4}">
-                <adec:decorative xmlns="" xmlns:adec="http://schemas.microsoft.com/office/drawing/2017/decorative" val="1"/>
+                <adec:decorative xmlns:adec="http://schemas.microsoft.com/office/drawing/2017/decorative" val="1"/>
               </a:ext>
             </a:extLst>
           </p:cNvPr>
@@ -9203,7 +9244,7 @@
           <a:effectLst/>
           <a:extLst>
             <a:ext uri="{91240B29-F687-4f45-9708-019B960494DF}">
-              <a14:hiddenLine xmlns="" xmlns:a16="http://schemas.microsoft.com/office/drawing/2014/main" xmlns:p14="http://schemas.microsoft.com/office/powerpoint/2010/main" xmlns:a14="http://schemas.microsoft.com/office/drawing/2010/main" w="9525">
+              <a14:hiddenLine xmlns:a14="http://schemas.microsoft.com/office/drawing/2010/main" xmlns:p14="http://schemas.microsoft.com/office/powerpoint/2010/main" xmlns:a16="http://schemas.microsoft.com/office/drawing/2014/main" xmlns="" w="9525">
                 <a:solidFill>
                   <a:srgbClr val="000000"/>
                 </a:solidFill>
@@ -9237,7 +9278,7 @@
                 <a16:creationId xmlns:a16="http://schemas.microsoft.com/office/drawing/2014/main" id="{B7743172-17A8-4FA4-8434-B813E03B7665}"/>
               </a:ext>
               <a:ext uri="{C183D7F6-B498-43B3-948B-1728B52AA6E4}">
-                <adec:decorative xmlns="" xmlns:adec="http://schemas.microsoft.com/office/drawing/2017/decorative" val="1"/>
+                <adec:decorative xmlns:adec="http://schemas.microsoft.com/office/drawing/2017/decorative" val="1"/>
               </a:ext>
             </a:extLst>
           </p:cNvPr>
@@ -9300,7 +9341,7 @@
                 <a16:creationId xmlns:a16="http://schemas.microsoft.com/office/drawing/2014/main" id="{4CE1233C-FD2F-489E-BFDE-086F5FED6491}"/>
               </a:ext>
               <a:ext uri="{C183D7F6-B498-43B3-948B-1728B52AA6E4}">
-                <adec:decorative xmlns="" xmlns:adec="http://schemas.microsoft.com/office/drawing/2017/decorative" val="1"/>
+                <adec:decorative xmlns:adec="http://schemas.microsoft.com/office/drawing/2017/decorative" val="1"/>
               </a:ext>
             </a:extLst>
           </p:cNvPr>
@@ -9618,7 +9659,7 @@
                 <a16:creationId xmlns:a16="http://schemas.microsoft.com/office/drawing/2014/main" id="{E7597382-59B5-427B-9E49-55383F0A5561}"/>
               </a:ext>
               <a:ext uri="{C183D7F6-B498-43B3-948B-1728B52AA6E4}">
-                <adec:decorative xmlns:adec="http://schemas.microsoft.com/office/drawing/2017/decorative" xmlns="" val="1"/>
+                <adec:decorative xmlns:adec="http://schemas.microsoft.com/office/drawing/2017/decorative" val="1"/>
               </a:ext>
             </a:extLst>
           </p:cNvPr>
@@ -9706,7 +9747,7 @@
           </a:ln>
           <a:extLst>
             <a:ext uri="{91240B29-F687-4f45-9708-019B960494DF}">
-              <a14:hiddenLine xmlns:a14="http://schemas.microsoft.com/office/drawing/2010/main" xmlns:p14="http://schemas.microsoft.com/office/powerpoint/2010/main" xmlns:a16="http://schemas.microsoft.com/office/drawing/2014/main" xmlns="" w="9525">
+              <a14:hiddenLine xmlns="" xmlns:a16="http://schemas.microsoft.com/office/drawing/2014/main" xmlns:p14="http://schemas.microsoft.com/office/powerpoint/2010/main" xmlns:a14="http://schemas.microsoft.com/office/drawing/2010/main" w="9525">
                 <a:solidFill>
                   <a:srgbClr val="000000"/>
                 </a:solidFill>
@@ -9740,7 +9781,7 @@
                 <a16:creationId xmlns:a16="http://schemas.microsoft.com/office/drawing/2014/main" id="{26471DC7-FA6E-40EF-A167-93BB0BCE16AD}"/>
               </a:ext>
               <a:ext uri="{C183D7F6-B498-43B3-948B-1728B52AA6E4}">
-                <adec:decorative xmlns:adec="http://schemas.microsoft.com/office/drawing/2017/decorative" xmlns="" val="1"/>
+                <adec:decorative xmlns:adec="http://schemas.microsoft.com/office/drawing/2017/decorative" val="1"/>
               </a:ext>
             </a:extLst>
           </p:cNvPr>
@@ -10170,13 +10211,13 @@
 
 <file path=customXml/item2.xml><?xml version="1.0" encoding="utf-8"?>
 <Control xmlns="http://schemas.microsoft.com/VisualStudio/2011/storyboarding/control">
-  <Id Name="System.Storyboarding.WindowsDesktop.ListItemSmall" Revision="1" Stencil="System.Storyboarding.WindowsDesktop" StencilVersion="0.1"/>
+  <Id Name="System.Storyboarding.Annotation.StickyNote" Revision="1" Stencil="System.Storyboarding.Annotation" StencilVersion="0.1"/>
 </Control>
 </file>
 
 <file path=customXml/item3.xml><?xml version="1.0" encoding="utf-8"?>
 <Control xmlns="http://schemas.microsoft.com/VisualStudio/2011/storyboarding/control">
-  <Id Name="System.Storyboarding.Annotation.StickyNote" Revision="1" Stencil="System.Storyboarding.Annotation" StencilVersion="0.1"/>
+  <Id Name="System.Storyboarding.WindowsDesktop.ListItemSmall" Revision="1" Stencil="System.Storyboarding.WindowsDesktop" StencilVersion="0.1"/>
 </Control>
 </file>
 
@@ -10189,7 +10230,7 @@
 </file>
 
 <file path=customXml/itemProps2.xml><?xml version="1.0" encoding="utf-8"?>
-<ds:datastoreItem xmlns:ds="http://schemas.openxmlformats.org/officeDocument/2006/customXml" ds:itemID="{DBB0DF8D-2F1D-49BB-82C3-7B45422639DA}">
+<ds:datastoreItem xmlns:ds="http://schemas.openxmlformats.org/officeDocument/2006/customXml" ds:itemID="{853018AC-5FAD-4FD3-9EDF-33F2B2469FEE}">
   <ds:schemaRefs>
     <ds:schemaRef ds:uri="http://schemas.microsoft.com/VisualStudio/2011/storyboarding/control"/>
   </ds:schemaRefs>
@@ -10197,7 +10238,7 @@
 </file>
 
 <file path=customXml/itemProps3.xml><?xml version="1.0" encoding="utf-8"?>
-<ds:datastoreItem xmlns:ds="http://schemas.openxmlformats.org/officeDocument/2006/customXml" ds:itemID="{853018AC-5FAD-4FD3-9EDF-33F2B2469FEE}">
+<ds:datastoreItem xmlns:ds="http://schemas.openxmlformats.org/officeDocument/2006/customXml" ds:itemID="{DBB0DF8D-2F1D-49BB-82C3-7B45422639DA}">
   <ds:schemaRefs>
     <ds:schemaRef ds:uri="http://schemas.microsoft.com/VisualStudio/2011/storyboarding/control"/>
   </ds:schemaRefs>

--- a/Revue n2/Presentation du projet SFL2  (Pierre) Revue 2.pptx
+++ b/Revue n2/Presentation du projet SFL2  (Pierre) Revue 2.pptx
@@ -3,21 +3,22 @@
 <p:presentation xmlns:a="http://schemas.openxmlformats.org/drawingml/2006/main" xmlns:r="http://schemas.openxmlformats.org/officeDocument/2006/relationships" xmlns:p="http://schemas.openxmlformats.org/presentationml/2006/main" autoCompressPictures="0">
   <p:sldMasterIdLst>
     <p:sldMasterId id="2147483648" r:id="rId4"/>
+    <p:sldMasterId id="2147483667" r:id="rId5"/>
   </p:sldMasterIdLst>
   <p:sldIdLst>
-    <p:sldId id="256" r:id="rId5"/>
-    <p:sldId id="257" r:id="rId6"/>
-    <p:sldId id="264" r:id="rId7"/>
-    <p:sldId id="260" r:id="rId8"/>
-    <p:sldId id="261" r:id="rId9"/>
-    <p:sldId id="267" r:id="rId10"/>
-    <p:sldId id="269" r:id="rId11"/>
+    <p:sldId id="256" r:id="rId6"/>
+    <p:sldId id="257" r:id="rId7"/>
+    <p:sldId id="264" r:id="rId8"/>
+    <p:sldId id="260" r:id="rId9"/>
+    <p:sldId id="261" r:id="rId10"/>
+    <p:sldId id="267" r:id="rId11"/>
     <p:sldId id="271" r:id="rId12"/>
-    <p:sldId id="270" r:id="rId13"/>
-    <p:sldId id="263" r:id="rId14"/>
-    <p:sldId id="265" r:id="rId15"/>
-    <p:sldId id="266" r:id="rId16"/>
-    <p:sldId id="273" r:id="rId17"/>
+    <p:sldId id="269" r:id="rId13"/>
+    <p:sldId id="270" r:id="rId14"/>
+    <p:sldId id="263" r:id="rId15"/>
+    <p:sldId id="265" r:id="rId16"/>
+    <p:sldId id="266" r:id="rId17"/>
+    <p:sldId id="273" r:id="rId18"/>
   </p:sldIdLst>
   <p:sldSz cx="12192000" cy="6858000"/>
   <p:notesSz cx="6858000" cy="9144000"/>
@@ -219,7 +220,7 @@
           <a:effectLst/>
           <a:extLst>
             <a:ext uri="{91240B29-F687-4f45-9708-019B960494DF}">
-              <a14:hiddenLine xmlns:a14="http://schemas.microsoft.com/office/drawing/2010/main" xmlns="" w="9525">
+              <a14:hiddenLine xmlns="" xmlns:a14="http://schemas.microsoft.com/office/drawing/2010/main" w="9525">
                 <a:solidFill>
                   <a:srgbClr val="000000"/>
                 </a:solidFill>
@@ -260,6 +261,9 @@
             <a:off x="810001" y="1449147"/>
             <a:ext cx="10572000" cy="2971051"/>
           </a:xfrm>
+          <a:prstGeom prst="rect">
+            <a:avLst/>
+          </a:prstGeom>
         </p:spPr>
         <p:txBody>
           <a:bodyPr/>
@@ -292,6 +296,9 @@
             <a:off x="810001" y="5280847"/>
             <a:ext cx="10572000" cy="434974"/>
           </a:xfrm>
+          <a:prstGeom prst="rect">
+            <a:avLst/>
+          </a:prstGeom>
         </p:spPr>
         <p:txBody>
           <a:bodyPr anchor="t"/>
@@ -404,7 +411,15 @@
             <p:ph type="dt" sz="half" idx="10"/>
           </p:nvPr>
         </p:nvSpPr>
-        <p:spPr/>
+        <p:spPr>
+          <a:xfrm>
+            <a:off x="9334626" y="6041362"/>
+            <a:ext cx="1343706" cy="365125"/>
+          </a:xfrm>
+          <a:prstGeom prst="rect">
+            <a:avLst/>
+          </a:prstGeom>
+        </p:spPr>
         <p:txBody>
           <a:bodyPr/>
           <a:lstStyle/>
@@ -412,7 +427,7 @@
             <a:fld id="{08B9EBBA-996F-894A-B54A-D6246ED52CEA}" type="datetimeFigureOut">
               <a:rPr lang="en-US" dirty="0"/>
               <a:pPr/>
-              <a:t>2/6/2019</a:t>
+              <a:t>2/7/2019</a:t>
             </a:fld>
             <a:endParaRPr lang="en-US" dirty="0"/>
           </a:p>
@@ -447,7 +462,15 @@
             <p:ph type="sldNum" sz="quarter" idx="12"/>
           </p:nvPr>
         </p:nvSpPr>
-        <p:spPr/>
+        <p:spPr>
+          <a:xfrm>
+            <a:off x="10678331" y="5915888"/>
+            <a:ext cx="1062155" cy="490599"/>
+          </a:xfrm>
+          <a:prstGeom prst="rect">
+            <a:avLst/>
+          </a:prstGeom>
+        </p:spPr>
         <p:txBody>
           <a:bodyPr/>
           <a:lstStyle/>
@@ -501,6 +524,9 @@
             <a:off x="810000" y="4800600"/>
             <a:ext cx="10561418" cy="566738"/>
           </a:xfrm>
+          <a:prstGeom prst="rect">
+            <a:avLst/>
+          </a:prstGeom>
         </p:spPr>
         <p:txBody>
           <a:bodyPr anchor="b">
@@ -657,6 +683,9 @@
             <a:off x="810000" y="5367338"/>
             <a:ext cx="10561418" cy="493712"/>
           </a:xfrm>
+          <a:prstGeom prst="rect">
+            <a:avLst/>
+          </a:prstGeom>
         </p:spPr>
         <p:txBody>
           <a:bodyPr>
@@ -719,7 +748,15 @@
             <p:ph type="dt" sz="half" idx="10"/>
           </p:nvPr>
         </p:nvSpPr>
-        <p:spPr/>
+        <p:spPr>
+          <a:xfrm>
+            <a:off x="9334626" y="6041362"/>
+            <a:ext cx="1343706" cy="365125"/>
+          </a:xfrm>
+          <a:prstGeom prst="rect">
+            <a:avLst/>
+          </a:prstGeom>
+        </p:spPr>
         <p:txBody>
           <a:bodyPr/>
           <a:lstStyle/>
@@ -727,7 +764,7 @@
             <a:fld id="{18C79C5D-2A6F-F04D-97DA-BEF2467B64E4}" type="datetimeFigureOut">
               <a:rPr lang="en-US" dirty="0"/>
               <a:pPr/>
-              <a:t>2/6/2019</a:t>
+              <a:t>2/7/2019</a:t>
             </a:fld>
             <a:endParaRPr lang="en-US" dirty="0"/>
           </a:p>
@@ -762,7 +799,15 @@
             <p:ph type="sldNum" sz="quarter" idx="12"/>
           </p:nvPr>
         </p:nvSpPr>
-        <p:spPr/>
+        <p:spPr>
+          <a:xfrm>
+            <a:off x="10678331" y="5915888"/>
+            <a:ext cx="1062155" cy="490599"/>
+          </a:xfrm>
+          <a:prstGeom prst="rect">
+            <a:avLst/>
+          </a:prstGeom>
+        </p:spPr>
         <p:txBody>
           <a:bodyPr/>
           <a:lstStyle/>
@@ -1024,6 +1069,9 @@
             <a:off x="850985" y="1238502"/>
             <a:ext cx="5893840" cy="2645912"/>
           </a:xfrm>
+          <a:prstGeom prst="rect">
+            <a:avLst/>
+          </a:prstGeom>
         </p:spPr>
         <p:txBody>
           <a:bodyPr anchor="b"/>
@@ -1056,6 +1104,9 @@
             <a:off x="853190" y="4443680"/>
             <a:ext cx="5891636" cy="713241"/>
           </a:xfrm>
+          <a:prstGeom prst="rect">
+            <a:avLst/>
+          </a:prstGeom>
         </p:spPr>
         <p:txBody>
           <a:bodyPr anchor="t">
@@ -1175,6 +1226,9 @@
             <a:off x="7574642" y="1081456"/>
             <a:ext cx="3810001" cy="4075465"/>
           </a:xfrm>
+          <a:prstGeom prst="rect">
+            <a:avLst/>
+          </a:prstGeom>
         </p:spPr>
         <p:txBody>
           <a:bodyPr anchor="t"/>
@@ -1204,7 +1258,15 @@
             <p:ph type="dt" sz="half" idx="10"/>
           </p:nvPr>
         </p:nvSpPr>
-        <p:spPr/>
+        <p:spPr>
+          <a:xfrm>
+            <a:off x="9334626" y="6041362"/>
+            <a:ext cx="1343706" cy="365125"/>
+          </a:xfrm>
+          <a:prstGeom prst="rect">
+            <a:avLst/>
+          </a:prstGeom>
+        </p:spPr>
         <p:txBody>
           <a:bodyPr/>
           <a:lstStyle/>
@@ -1212,7 +1274,7 @@
             <a:fld id="{8DFA1846-DA80-1C48-A609-854EA85C59AD}" type="datetimeFigureOut">
               <a:rPr lang="en-US" dirty="0"/>
               <a:pPr/>
-              <a:t>2/6/2019</a:t>
+              <a:t>2/7/2019</a:t>
             </a:fld>
             <a:endParaRPr lang="en-US" dirty="0"/>
           </a:p>
@@ -1247,7 +1309,15 @@
             <p:ph type="sldNum" sz="quarter" idx="12"/>
           </p:nvPr>
         </p:nvSpPr>
-        <p:spPr/>
+        <p:spPr>
+          <a:xfrm>
+            <a:off x="10678331" y="5915888"/>
+            <a:ext cx="1062155" cy="490599"/>
+          </a:xfrm>
+          <a:prstGeom prst="rect">
+            <a:avLst/>
+          </a:prstGeom>
+        </p:spPr>
         <p:txBody>
           <a:bodyPr/>
           <a:lstStyle/>
@@ -1509,6 +1579,9 @@
             <a:off x="1357089" y="2435957"/>
             <a:ext cx="4382521" cy="2007789"/>
           </a:xfrm>
+          <a:prstGeom prst="rect">
+            <a:avLst/>
+          </a:prstGeom>
         </p:spPr>
         <p:txBody>
           <a:bodyPr/>
@@ -1541,6 +1614,9 @@
             <a:off x="6156000" y="2286000"/>
             <a:ext cx="4880300" cy="2295525"/>
           </a:xfrm>
+          <a:prstGeom prst="rect">
+            <a:avLst/>
+          </a:prstGeom>
         </p:spPr>
         <p:txBody>
           <a:bodyPr anchor="t"/>
@@ -1570,7 +1646,15 @@
             <p:ph type="dt" sz="half" idx="10"/>
           </p:nvPr>
         </p:nvSpPr>
-        <p:spPr/>
+        <p:spPr>
+          <a:xfrm>
+            <a:off x="9334626" y="6041362"/>
+            <a:ext cx="1343706" cy="365125"/>
+          </a:xfrm>
+          <a:prstGeom prst="rect">
+            <a:avLst/>
+          </a:prstGeom>
+        </p:spPr>
         <p:txBody>
           <a:bodyPr/>
           <a:lstStyle/>
@@ -1578,7 +1662,7 @@
             <a:fld id="{FBF54567-0DE4-3F47-BF90-CB84690072F9}" type="datetimeFigureOut">
               <a:rPr lang="en-US" dirty="0"/>
               <a:pPr/>
-              <a:t>2/6/2019</a:t>
+              <a:t>2/7/2019</a:t>
             </a:fld>
             <a:endParaRPr lang="en-US" dirty="0"/>
           </a:p>
@@ -1613,7 +1697,15 @@
             <p:ph type="sldNum" sz="quarter" idx="12"/>
           </p:nvPr>
         </p:nvSpPr>
-        <p:spPr/>
+        <p:spPr>
+          <a:xfrm>
+            <a:off x="10678331" y="5915888"/>
+            <a:ext cx="1062155" cy="490599"/>
+          </a:xfrm>
+          <a:prstGeom prst="rect">
+            <a:avLst/>
+          </a:prstGeom>
+        </p:spPr>
         <p:txBody>
           <a:bodyPr/>
           <a:lstStyle/>
@@ -1729,7 +1821,7 @@
           <a:ln/>
           <a:extLst>
             <a:ext uri="{91240B29-F687-4f45-9708-019B960494DF}">
-              <a14:hiddenLine xmlns:a14="http://schemas.microsoft.com/office/drawing/2010/main" xmlns="" w="9525">
+              <a14:hiddenLine xmlns="" xmlns:a14="http://schemas.microsoft.com/office/drawing/2010/main" w="9525">
                 <a:solidFill>
                   <a:srgbClr val="000000"/>
                 </a:solidFill>
@@ -1765,7 +1857,15 @@
             <p:ph type="title"/>
           </p:nvPr>
         </p:nvSpPr>
-        <p:spPr/>
+        <p:spPr>
+          <a:xfrm>
+            <a:off x="810000" y="447188"/>
+            <a:ext cx="10571998" cy="970450"/>
+          </a:xfrm>
+          <a:prstGeom prst="rect">
+            <a:avLst/>
+          </a:prstGeom>
+        </p:spPr>
         <p:txBody>
           <a:bodyPr/>
           <a:lstStyle/>
@@ -1788,7 +1888,15 @@
             <p:ph type="body" orient="vert" idx="1"/>
           </p:nvPr>
         </p:nvSpPr>
-        <p:spPr/>
+        <p:spPr>
+          <a:xfrm>
+            <a:off x="810000" y="2184401"/>
+            <a:ext cx="10563285" cy="3674397"/>
+          </a:xfrm>
+          <a:prstGeom prst="rect">
+            <a:avLst/>
+          </a:prstGeom>
+        </p:spPr>
         <p:txBody>
           <a:bodyPr vert="eaVert" anchor="t"/>
           <a:lstStyle/>
@@ -1840,7 +1948,15 @@
             <p:ph type="dt" sz="half" idx="10"/>
           </p:nvPr>
         </p:nvSpPr>
-        <p:spPr/>
+        <p:spPr>
+          <a:xfrm>
+            <a:off x="9334626" y="6041362"/>
+            <a:ext cx="1343706" cy="365125"/>
+          </a:xfrm>
+          <a:prstGeom prst="rect">
+            <a:avLst/>
+          </a:prstGeom>
+        </p:spPr>
         <p:txBody>
           <a:bodyPr/>
           <a:lstStyle/>
@@ -1848,7 +1964,7 @@
             <a:fld id="{C6C52C72-DE31-F449-A4ED-4C594FD91407}" type="datetimeFigureOut">
               <a:rPr lang="en-US" dirty="0"/>
               <a:pPr/>
-              <a:t>2/6/2019</a:t>
+              <a:t>2/7/2019</a:t>
             </a:fld>
             <a:endParaRPr lang="en-US" dirty="0"/>
           </a:p>
@@ -1883,7 +1999,15 @@
             <p:ph type="sldNum" sz="quarter" idx="12"/>
           </p:nvPr>
         </p:nvSpPr>
-        <p:spPr/>
+        <p:spPr>
+          <a:xfrm>
+            <a:off x="10678331" y="5915888"/>
+            <a:ext cx="1062155" cy="490599"/>
+          </a:xfrm>
+          <a:prstGeom prst="rect">
+            <a:avLst/>
+          </a:prstGeom>
+        </p:spPr>
         <p:txBody>
           <a:bodyPr/>
           <a:lstStyle/>
@@ -2001,7 +2125,7 @@
           <a:ln/>
           <a:extLst>
             <a:ext uri="{91240B29-F687-4f45-9708-019B960494DF}">
-              <a14:hiddenLine xmlns:a14="http://schemas.microsoft.com/office/drawing/2010/main" xmlns="" w="9525">
+              <a14:hiddenLine xmlns="" xmlns:a14="http://schemas.microsoft.com/office/drawing/2010/main" w="9525">
                 <a:solidFill>
                   <a:srgbClr val="000000"/>
                 </a:solidFill>
@@ -2042,6 +2166,9 @@
             <a:off x="8183540" y="586171"/>
             <a:ext cx="2494791" cy="5134798"/>
           </a:xfrm>
+          <a:prstGeom prst="rect">
+            <a:avLst/>
+          </a:prstGeom>
         </p:spPr>
         <p:txBody>
           <a:bodyPr vert="eaVert"/>
@@ -2070,6 +2197,9 @@
             <a:off x="810001" y="446089"/>
             <a:ext cx="6611540" cy="5414962"/>
           </a:xfrm>
+          <a:prstGeom prst="rect">
+            <a:avLst/>
+          </a:prstGeom>
         </p:spPr>
         <p:txBody>
           <a:bodyPr vert="eaVert" anchor="t"/>
@@ -2122,7 +2252,15 @@
             <p:ph type="dt" sz="half" idx="10"/>
           </p:nvPr>
         </p:nvSpPr>
-        <p:spPr/>
+        <p:spPr>
+          <a:xfrm>
+            <a:off x="9334626" y="6041362"/>
+            <a:ext cx="1343706" cy="365125"/>
+          </a:xfrm>
+          <a:prstGeom prst="rect">
+            <a:avLst/>
+          </a:prstGeom>
+        </p:spPr>
         <p:txBody>
           <a:bodyPr/>
           <a:lstStyle/>
@@ -2130,7 +2268,7 @@
             <a:fld id="{ED62726E-379B-B349-9EED-81ED093FA806}" type="datetimeFigureOut">
               <a:rPr lang="en-US" dirty="0"/>
               <a:pPr/>
-              <a:t>2/6/2019</a:t>
+              <a:t>2/7/2019</a:t>
             </a:fld>
             <a:endParaRPr lang="en-US" dirty="0"/>
           </a:p>
@@ -2165,7 +2303,15 @@
             <p:ph type="sldNum" sz="quarter" idx="12"/>
           </p:nvPr>
         </p:nvSpPr>
-        <p:spPr/>
+        <p:spPr>
+          <a:xfrm>
+            <a:off x="10678331" y="5915888"/>
+            <a:ext cx="1062155" cy="490599"/>
+          </a:xfrm>
+          <a:prstGeom prst="rect">
+            <a:avLst/>
+          </a:prstGeom>
+        </p:spPr>
         <p:txBody>
           <a:bodyPr/>
           <a:lstStyle/>
@@ -2180,6 +2326,1376 @@
         </p:txBody>
       </p:sp>
     </p:spTree>
+  </p:cSld>
+  <p:clrMapOvr>
+    <a:masterClrMapping/>
+  </p:clrMapOvr>
+</p:sldLayout>
+</file>
+
+<file path=ppt/slideLayouts/slideLayout15.xml><?xml version="1.0" encoding="utf-8"?>
+<p:sldLayout xmlns:a="http://schemas.openxmlformats.org/drawingml/2006/main" xmlns:r="http://schemas.openxmlformats.org/officeDocument/2006/relationships" xmlns:p="http://schemas.openxmlformats.org/presentationml/2006/main" type="title" preserve="1">
+  <p:cSld name="Diapositive de titre">
+    <p:spTree>
+      <p:nvGrpSpPr>
+        <p:cNvPr id="1" name=""/>
+        <p:cNvGrpSpPr/>
+        <p:nvPr/>
+      </p:nvGrpSpPr>
+      <p:grpSpPr>
+        <a:xfrm>
+          <a:off x="0" y="0"/>
+          <a:ext cx="0" cy="0"/>
+          <a:chOff x="0" y="0"/>
+          <a:chExt cx="0" cy="0"/>
+        </a:xfrm>
+      </p:grpSpPr>
+      <p:sp>
+        <p:nvSpPr>
+          <p:cNvPr id="2" name="Titre 1">
+            <a:extLst>
+              <a:ext uri="{FF2B5EF4-FFF2-40B4-BE49-F238E27FC236}">
+                <a16:creationId xmlns:a16="http://schemas.microsoft.com/office/drawing/2014/main" id="{FE44E834-9D51-43BD-BA7D-A7CDEC075C29}"/>
+              </a:ext>
+            </a:extLst>
+          </p:cNvPr>
+          <p:cNvSpPr>
+            <a:spLocks noGrp="1"/>
+          </p:cNvSpPr>
+          <p:nvPr>
+            <p:ph type="ctrTitle"/>
+          </p:nvPr>
+        </p:nvSpPr>
+        <p:spPr>
+          <a:xfrm>
+            <a:off x="1524000" y="1122363"/>
+            <a:ext cx="9144000" cy="2387600"/>
+          </a:xfrm>
+        </p:spPr>
+        <p:txBody>
+          <a:bodyPr anchor="b"/>
+          <a:lstStyle>
+            <a:lvl1pPr algn="ctr">
+              <a:defRPr sz="6000"/>
+            </a:lvl1pPr>
+          </a:lstStyle>
+          <a:p>
+            <a:r>
+              <a:rPr lang="fr-FR"/>
+              <a:t>Modifiez le style du titre</a:t>
+            </a:r>
+          </a:p>
+        </p:txBody>
+      </p:sp>
+      <p:sp>
+        <p:nvSpPr>
+          <p:cNvPr id="3" name="Sous-titre 2">
+            <a:extLst>
+              <a:ext uri="{FF2B5EF4-FFF2-40B4-BE49-F238E27FC236}">
+                <a16:creationId xmlns:a16="http://schemas.microsoft.com/office/drawing/2014/main" id="{24B440DA-FEFC-42D2-ABA2-5416C8A5DDDD}"/>
+              </a:ext>
+            </a:extLst>
+          </p:cNvPr>
+          <p:cNvSpPr>
+            <a:spLocks noGrp="1"/>
+          </p:cNvSpPr>
+          <p:nvPr>
+            <p:ph type="subTitle" idx="1"/>
+          </p:nvPr>
+        </p:nvSpPr>
+        <p:spPr>
+          <a:xfrm>
+            <a:off x="1524000" y="3602038"/>
+            <a:ext cx="9144000" cy="1655762"/>
+          </a:xfrm>
+        </p:spPr>
+        <p:txBody>
+          <a:bodyPr/>
+          <a:lstStyle>
+            <a:lvl1pPr marL="0" indent="0" algn="ctr">
+              <a:buNone/>
+              <a:defRPr sz="2400"/>
+            </a:lvl1pPr>
+            <a:lvl2pPr marL="457200" indent="0" algn="ctr">
+              <a:buNone/>
+              <a:defRPr sz="2000"/>
+            </a:lvl2pPr>
+            <a:lvl3pPr marL="914400" indent="0" algn="ctr">
+              <a:buNone/>
+              <a:defRPr sz="1800"/>
+            </a:lvl3pPr>
+            <a:lvl4pPr marL="1371600" indent="0" algn="ctr">
+              <a:buNone/>
+              <a:defRPr sz="1600"/>
+            </a:lvl4pPr>
+            <a:lvl5pPr marL="1828800" indent="0" algn="ctr">
+              <a:buNone/>
+              <a:defRPr sz="1600"/>
+            </a:lvl5pPr>
+            <a:lvl6pPr marL="2286000" indent="0" algn="ctr">
+              <a:buNone/>
+              <a:defRPr sz="1600"/>
+            </a:lvl6pPr>
+            <a:lvl7pPr marL="2743200" indent="0" algn="ctr">
+              <a:buNone/>
+              <a:defRPr sz="1600"/>
+            </a:lvl7pPr>
+            <a:lvl8pPr marL="3200400" indent="0" algn="ctr">
+              <a:buNone/>
+              <a:defRPr sz="1600"/>
+            </a:lvl8pPr>
+            <a:lvl9pPr marL="3657600" indent="0" algn="ctr">
+              <a:buNone/>
+              <a:defRPr sz="1600"/>
+            </a:lvl9pPr>
+          </a:lstStyle>
+          <a:p>
+            <a:r>
+              <a:rPr lang="fr-FR"/>
+              <a:t>Modifiez le style des sous-titres du masque</a:t>
+            </a:r>
+          </a:p>
+        </p:txBody>
+      </p:sp>
+      <p:sp>
+        <p:nvSpPr>
+          <p:cNvPr id="4" name="Espace réservé de la date 3">
+            <a:extLst>
+              <a:ext uri="{FF2B5EF4-FFF2-40B4-BE49-F238E27FC236}">
+                <a16:creationId xmlns:a16="http://schemas.microsoft.com/office/drawing/2014/main" id="{EB993D94-B255-4776-AACC-1DB6C64C9F85}"/>
+              </a:ext>
+            </a:extLst>
+          </p:cNvPr>
+          <p:cNvSpPr>
+            <a:spLocks noGrp="1"/>
+          </p:cNvSpPr>
+          <p:nvPr>
+            <p:ph type="dt" sz="half" idx="10"/>
+          </p:nvPr>
+        </p:nvSpPr>
+        <p:spPr/>
+        <p:txBody>
+          <a:bodyPr/>
+          <a:lstStyle/>
+          <a:p>
+            <a:fld id="{6B5966FC-E2A4-4A41-ABE3-89077E29579A}" type="datetimeFigureOut">
+              <a:rPr lang="fr-FR" smtClean="0"/>
+              <a:t>07/02/2019</a:t>
+            </a:fld>
+            <a:endParaRPr lang="fr-FR"/>
+          </a:p>
+        </p:txBody>
+      </p:sp>
+      <p:sp>
+        <p:nvSpPr>
+          <p:cNvPr id="5" name="Espace réservé du pied de page 4">
+            <a:extLst>
+              <a:ext uri="{FF2B5EF4-FFF2-40B4-BE49-F238E27FC236}">
+                <a16:creationId xmlns:a16="http://schemas.microsoft.com/office/drawing/2014/main" id="{2234437A-3EF7-4CBA-8127-46FA08CB7F77}"/>
+              </a:ext>
+            </a:extLst>
+          </p:cNvPr>
+          <p:cNvSpPr>
+            <a:spLocks noGrp="1"/>
+          </p:cNvSpPr>
+          <p:nvPr>
+            <p:ph type="ftr" sz="quarter" idx="11"/>
+          </p:nvPr>
+        </p:nvSpPr>
+        <p:spPr/>
+        <p:txBody>
+          <a:bodyPr/>
+          <a:lstStyle/>
+          <a:p>
+            <a:endParaRPr lang="fr-FR"/>
+          </a:p>
+        </p:txBody>
+      </p:sp>
+      <p:sp>
+        <p:nvSpPr>
+          <p:cNvPr id="6" name="Espace réservé du numéro de diapositive 5">
+            <a:extLst>
+              <a:ext uri="{FF2B5EF4-FFF2-40B4-BE49-F238E27FC236}">
+                <a16:creationId xmlns:a16="http://schemas.microsoft.com/office/drawing/2014/main" id="{3BB166F6-711D-47C6-BAC6-17AA7946B305}"/>
+              </a:ext>
+            </a:extLst>
+          </p:cNvPr>
+          <p:cNvSpPr>
+            <a:spLocks noGrp="1"/>
+          </p:cNvSpPr>
+          <p:nvPr>
+            <p:ph type="sldNum" sz="quarter" idx="12"/>
+          </p:nvPr>
+        </p:nvSpPr>
+        <p:spPr/>
+        <p:txBody>
+          <a:bodyPr/>
+          <a:lstStyle/>
+          <a:p>
+            <a:fld id="{3991DC1B-8E41-4C6D-8018-8A9D9F046406}" type="slidenum">
+              <a:rPr lang="fr-FR" smtClean="0"/>
+              <a:t>‹N°›</a:t>
+            </a:fld>
+            <a:endParaRPr lang="fr-FR"/>
+          </a:p>
+        </p:txBody>
+      </p:sp>
+    </p:spTree>
+    <p:extLst>
+      <p:ext uri="{BB962C8B-B14F-4D97-AF65-F5344CB8AC3E}">
+        <p14:creationId xmlns:p14="http://schemas.microsoft.com/office/powerpoint/2010/main" val="477889945"/>
+      </p:ext>
+    </p:extLst>
+  </p:cSld>
+  <p:clrMapOvr>
+    <a:masterClrMapping/>
+  </p:clrMapOvr>
+</p:sldLayout>
+</file>
+
+<file path=ppt/slideLayouts/slideLayout16.xml><?xml version="1.0" encoding="utf-8"?>
+<p:sldLayout xmlns:a="http://schemas.openxmlformats.org/drawingml/2006/main" xmlns:r="http://schemas.openxmlformats.org/officeDocument/2006/relationships" xmlns:p="http://schemas.openxmlformats.org/presentationml/2006/main" type="obj" preserve="1">
+  <p:cSld name="Titre et contenu">
+    <p:spTree>
+      <p:nvGrpSpPr>
+        <p:cNvPr id="1" name=""/>
+        <p:cNvGrpSpPr/>
+        <p:nvPr/>
+      </p:nvGrpSpPr>
+      <p:grpSpPr>
+        <a:xfrm>
+          <a:off x="0" y="0"/>
+          <a:ext cx="0" cy="0"/>
+          <a:chOff x="0" y="0"/>
+          <a:chExt cx="0" cy="0"/>
+        </a:xfrm>
+      </p:grpSpPr>
+      <p:sp>
+        <p:nvSpPr>
+          <p:cNvPr id="2" name="Titre 1">
+            <a:extLst>
+              <a:ext uri="{FF2B5EF4-FFF2-40B4-BE49-F238E27FC236}">
+                <a16:creationId xmlns:a16="http://schemas.microsoft.com/office/drawing/2014/main" id="{1086B354-CC85-4741-889F-983B08FBA02B}"/>
+              </a:ext>
+            </a:extLst>
+          </p:cNvPr>
+          <p:cNvSpPr>
+            <a:spLocks noGrp="1"/>
+          </p:cNvSpPr>
+          <p:nvPr>
+            <p:ph type="title"/>
+          </p:nvPr>
+        </p:nvSpPr>
+        <p:spPr/>
+        <p:txBody>
+          <a:bodyPr/>
+          <a:lstStyle/>
+          <a:p>
+            <a:r>
+              <a:rPr lang="fr-FR"/>
+              <a:t>Modifiez le style du titre</a:t>
+            </a:r>
+          </a:p>
+        </p:txBody>
+      </p:sp>
+      <p:sp>
+        <p:nvSpPr>
+          <p:cNvPr id="3" name="Espace réservé du contenu 2">
+            <a:extLst>
+              <a:ext uri="{FF2B5EF4-FFF2-40B4-BE49-F238E27FC236}">
+                <a16:creationId xmlns:a16="http://schemas.microsoft.com/office/drawing/2014/main" id="{E95F5F62-3497-4F0C-AFB6-A0F75EA2285F}"/>
+              </a:ext>
+            </a:extLst>
+          </p:cNvPr>
+          <p:cNvSpPr>
+            <a:spLocks noGrp="1"/>
+          </p:cNvSpPr>
+          <p:nvPr>
+            <p:ph idx="1"/>
+          </p:nvPr>
+        </p:nvSpPr>
+        <p:spPr/>
+        <p:txBody>
+          <a:bodyPr/>
+          <a:lstStyle/>
+          <a:p>
+            <a:pPr lvl="0"/>
+            <a:r>
+              <a:rPr lang="fr-FR"/>
+              <a:t>Modifier les styles du texte du masque</a:t>
+            </a:r>
+          </a:p>
+          <a:p>
+            <a:pPr lvl="1"/>
+            <a:r>
+              <a:rPr lang="fr-FR"/>
+              <a:t>Deuxième niveau</a:t>
+            </a:r>
+          </a:p>
+          <a:p>
+            <a:pPr lvl="2"/>
+            <a:r>
+              <a:rPr lang="fr-FR"/>
+              <a:t>Troisième niveau</a:t>
+            </a:r>
+          </a:p>
+          <a:p>
+            <a:pPr lvl="3"/>
+            <a:r>
+              <a:rPr lang="fr-FR"/>
+              <a:t>Quatrième niveau</a:t>
+            </a:r>
+          </a:p>
+          <a:p>
+            <a:pPr lvl="4"/>
+            <a:r>
+              <a:rPr lang="fr-FR"/>
+              <a:t>Cinquième niveau</a:t>
+            </a:r>
+          </a:p>
+        </p:txBody>
+      </p:sp>
+      <p:sp>
+        <p:nvSpPr>
+          <p:cNvPr id="4" name="Espace réservé de la date 3">
+            <a:extLst>
+              <a:ext uri="{FF2B5EF4-FFF2-40B4-BE49-F238E27FC236}">
+                <a16:creationId xmlns:a16="http://schemas.microsoft.com/office/drawing/2014/main" id="{D7B10433-69B8-4262-AE59-39C79153B686}"/>
+              </a:ext>
+            </a:extLst>
+          </p:cNvPr>
+          <p:cNvSpPr>
+            <a:spLocks noGrp="1"/>
+          </p:cNvSpPr>
+          <p:nvPr>
+            <p:ph type="dt" sz="half" idx="10"/>
+          </p:nvPr>
+        </p:nvSpPr>
+        <p:spPr/>
+        <p:txBody>
+          <a:bodyPr/>
+          <a:lstStyle/>
+          <a:p>
+            <a:fld id="{6B5966FC-E2A4-4A41-ABE3-89077E29579A}" type="datetimeFigureOut">
+              <a:rPr lang="fr-FR" smtClean="0"/>
+              <a:t>07/02/2019</a:t>
+            </a:fld>
+            <a:endParaRPr lang="fr-FR"/>
+          </a:p>
+        </p:txBody>
+      </p:sp>
+      <p:sp>
+        <p:nvSpPr>
+          <p:cNvPr id="5" name="Espace réservé du pied de page 4">
+            <a:extLst>
+              <a:ext uri="{FF2B5EF4-FFF2-40B4-BE49-F238E27FC236}">
+                <a16:creationId xmlns:a16="http://schemas.microsoft.com/office/drawing/2014/main" id="{52E0DB2C-25BF-48A4-9A06-B50F7FCB8489}"/>
+              </a:ext>
+            </a:extLst>
+          </p:cNvPr>
+          <p:cNvSpPr>
+            <a:spLocks noGrp="1"/>
+          </p:cNvSpPr>
+          <p:nvPr>
+            <p:ph type="ftr" sz="quarter" idx="11"/>
+          </p:nvPr>
+        </p:nvSpPr>
+        <p:spPr/>
+        <p:txBody>
+          <a:bodyPr/>
+          <a:lstStyle/>
+          <a:p>
+            <a:endParaRPr lang="fr-FR"/>
+          </a:p>
+        </p:txBody>
+      </p:sp>
+      <p:sp>
+        <p:nvSpPr>
+          <p:cNvPr id="6" name="Espace réservé du numéro de diapositive 5">
+            <a:extLst>
+              <a:ext uri="{FF2B5EF4-FFF2-40B4-BE49-F238E27FC236}">
+                <a16:creationId xmlns:a16="http://schemas.microsoft.com/office/drawing/2014/main" id="{84D88D5D-AB92-4A3A-B369-5935263FA3B1}"/>
+              </a:ext>
+            </a:extLst>
+          </p:cNvPr>
+          <p:cNvSpPr>
+            <a:spLocks noGrp="1"/>
+          </p:cNvSpPr>
+          <p:nvPr>
+            <p:ph type="sldNum" sz="quarter" idx="12"/>
+          </p:nvPr>
+        </p:nvSpPr>
+        <p:spPr/>
+        <p:txBody>
+          <a:bodyPr/>
+          <a:lstStyle/>
+          <a:p>
+            <a:fld id="{3991DC1B-8E41-4C6D-8018-8A9D9F046406}" type="slidenum">
+              <a:rPr lang="fr-FR" smtClean="0"/>
+              <a:t>‹N°›</a:t>
+            </a:fld>
+            <a:endParaRPr lang="fr-FR"/>
+          </a:p>
+        </p:txBody>
+      </p:sp>
+    </p:spTree>
+    <p:extLst>
+      <p:ext uri="{BB962C8B-B14F-4D97-AF65-F5344CB8AC3E}">
+        <p14:creationId xmlns:p14="http://schemas.microsoft.com/office/powerpoint/2010/main" val="3500705745"/>
+      </p:ext>
+    </p:extLst>
+  </p:cSld>
+  <p:clrMapOvr>
+    <a:masterClrMapping/>
+  </p:clrMapOvr>
+</p:sldLayout>
+</file>
+
+<file path=ppt/slideLayouts/slideLayout17.xml><?xml version="1.0" encoding="utf-8"?>
+<p:sldLayout xmlns:a="http://schemas.openxmlformats.org/drawingml/2006/main" xmlns:r="http://schemas.openxmlformats.org/officeDocument/2006/relationships" xmlns:p="http://schemas.openxmlformats.org/presentationml/2006/main" type="secHead" preserve="1">
+  <p:cSld name="Titre de section">
+    <p:spTree>
+      <p:nvGrpSpPr>
+        <p:cNvPr id="1" name=""/>
+        <p:cNvGrpSpPr/>
+        <p:nvPr/>
+      </p:nvGrpSpPr>
+      <p:grpSpPr>
+        <a:xfrm>
+          <a:off x="0" y="0"/>
+          <a:ext cx="0" cy="0"/>
+          <a:chOff x="0" y="0"/>
+          <a:chExt cx="0" cy="0"/>
+        </a:xfrm>
+      </p:grpSpPr>
+      <p:sp>
+        <p:nvSpPr>
+          <p:cNvPr id="2" name="Titre 1">
+            <a:extLst>
+              <a:ext uri="{FF2B5EF4-FFF2-40B4-BE49-F238E27FC236}">
+                <a16:creationId xmlns:a16="http://schemas.microsoft.com/office/drawing/2014/main" id="{F18C0E1D-D57C-40DC-87C1-9D15BA9686E1}"/>
+              </a:ext>
+            </a:extLst>
+          </p:cNvPr>
+          <p:cNvSpPr>
+            <a:spLocks noGrp="1"/>
+          </p:cNvSpPr>
+          <p:nvPr>
+            <p:ph type="title"/>
+          </p:nvPr>
+        </p:nvSpPr>
+        <p:spPr>
+          <a:xfrm>
+            <a:off x="831850" y="1709738"/>
+            <a:ext cx="10515600" cy="2852737"/>
+          </a:xfrm>
+        </p:spPr>
+        <p:txBody>
+          <a:bodyPr anchor="b"/>
+          <a:lstStyle>
+            <a:lvl1pPr>
+              <a:defRPr sz="6000"/>
+            </a:lvl1pPr>
+          </a:lstStyle>
+          <a:p>
+            <a:r>
+              <a:rPr lang="fr-FR"/>
+              <a:t>Modifiez le style du titre</a:t>
+            </a:r>
+          </a:p>
+        </p:txBody>
+      </p:sp>
+      <p:sp>
+        <p:nvSpPr>
+          <p:cNvPr id="3" name="Espace réservé du texte 2">
+            <a:extLst>
+              <a:ext uri="{FF2B5EF4-FFF2-40B4-BE49-F238E27FC236}">
+                <a16:creationId xmlns:a16="http://schemas.microsoft.com/office/drawing/2014/main" id="{6F42C015-0FA8-4D28-903D-DC43BF5695AC}"/>
+              </a:ext>
+            </a:extLst>
+          </p:cNvPr>
+          <p:cNvSpPr>
+            <a:spLocks noGrp="1"/>
+          </p:cNvSpPr>
+          <p:nvPr>
+            <p:ph type="body" idx="1"/>
+          </p:nvPr>
+        </p:nvSpPr>
+        <p:spPr>
+          <a:xfrm>
+            <a:off x="831850" y="4589463"/>
+            <a:ext cx="10515600" cy="1500187"/>
+          </a:xfrm>
+        </p:spPr>
+        <p:txBody>
+          <a:bodyPr/>
+          <a:lstStyle>
+            <a:lvl1pPr marL="0" indent="0">
+              <a:buNone/>
+              <a:defRPr sz="2400">
+                <a:solidFill>
+                  <a:schemeClr val="tx1">
+                    <a:tint val="75000"/>
+                  </a:schemeClr>
+                </a:solidFill>
+              </a:defRPr>
+            </a:lvl1pPr>
+            <a:lvl2pPr marL="457200" indent="0">
+              <a:buNone/>
+              <a:defRPr sz="2000">
+                <a:solidFill>
+                  <a:schemeClr val="tx1">
+                    <a:tint val="75000"/>
+                  </a:schemeClr>
+                </a:solidFill>
+              </a:defRPr>
+            </a:lvl2pPr>
+            <a:lvl3pPr marL="914400" indent="0">
+              <a:buNone/>
+              <a:defRPr sz="1800">
+                <a:solidFill>
+                  <a:schemeClr val="tx1">
+                    <a:tint val="75000"/>
+                  </a:schemeClr>
+                </a:solidFill>
+              </a:defRPr>
+            </a:lvl3pPr>
+            <a:lvl4pPr marL="1371600" indent="0">
+              <a:buNone/>
+              <a:defRPr sz="1600">
+                <a:solidFill>
+                  <a:schemeClr val="tx1">
+                    <a:tint val="75000"/>
+                  </a:schemeClr>
+                </a:solidFill>
+              </a:defRPr>
+            </a:lvl4pPr>
+            <a:lvl5pPr marL="1828800" indent="0">
+              <a:buNone/>
+              <a:defRPr sz="1600">
+                <a:solidFill>
+                  <a:schemeClr val="tx1">
+                    <a:tint val="75000"/>
+                  </a:schemeClr>
+                </a:solidFill>
+              </a:defRPr>
+            </a:lvl5pPr>
+            <a:lvl6pPr marL="2286000" indent="0">
+              <a:buNone/>
+              <a:defRPr sz="1600">
+                <a:solidFill>
+                  <a:schemeClr val="tx1">
+                    <a:tint val="75000"/>
+                  </a:schemeClr>
+                </a:solidFill>
+              </a:defRPr>
+            </a:lvl6pPr>
+            <a:lvl7pPr marL="2743200" indent="0">
+              <a:buNone/>
+              <a:defRPr sz="1600">
+                <a:solidFill>
+                  <a:schemeClr val="tx1">
+                    <a:tint val="75000"/>
+                  </a:schemeClr>
+                </a:solidFill>
+              </a:defRPr>
+            </a:lvl7pPr>
+            <a:lvl8pPr marL="3200400" indent="0">
+              <a:buNone/>
+              <a:defRPr sz="1600">
+                <a:solidFill>
+                  <a:schemeClr val="tx1">
+                    <a:tint val="75000"/>
+                  </a:schemeClr>
+                </a:solidFill>
+              </a:defRPr>
+            </a:lvl8pPr>
+            <a:lvl9pPr marL="3657600" indent="0">
+              <a:buNone/>
+              <a:defRPr sz="1600">
+                <a:solidFill>
+                  <a:schemeClr val="tx1">
+                    <a:tint val="75000"/>
+                  </a:schemeClr>
+                </a:solidFill>
+              </a:defRPr>
+            </a:lvl9pPr>
+          </a:lstStyle>
+          <a:p>
+            <a:pPr lvl="0"/>
+            <a:r>
+              <a:rPr lang="fr-FR"/>
+              <a:t>Modifier les styles du texte du masque</a:t>
+            </a:r>
+          </a:p>
+        </p:txBody>
+      </p:sp>
+      <p:sp>
+        <p:nvSpPr>
+          <p:cNvPr id="4" name="Espace réservé de la date 3">
+            <a:extLst>
+              <a:ext uri="{FF2B5EF4-FFF2-40B4-BE49-F238E27FC236}">
+                <a16:creationId xmlns:a16="http://schemas.microsoft.com/office/drawing/2014/main" id="{51A67B73-9A45-4D7C-B387-3109BE4CC0F7}"/>
+              </a:ext>
+            </a:extLst>
+          </p:cNvPr>
+          <p:cNvSpPr>
+            <a:spLocks noGrp="1"/>
+          </p:cNvSpPr>
+          <p:nvPr>
+            <p:ph type="dt" sz="half" idx="10"/>
+          </p:nvPr>
+        </p:nvSpPr>
+        <p:spPr/>
+        <p:txBody>
+          <a:bodyPr/>
+          <a:lstStyle/>
+          <a:p>
+            <a:fld id="{6B5966FC-E2A4-4A41-ABE3-89077E29579A}" type="datetimeFigureOut">
+              <a:rPr lang="fr-FR" smtClean="0"/>
+              <a:t>07/02/2019</a:t>
+            </a:fld>
+            <a:endParaRPr lang="fr-FR"/>
+          </a:p>
+        </p:txBody>
+      </p:sp>
+      <p:sp>
+        <p:nvSpPr>
+          <p:cNvPr id="5" name="Espace réservé du pied de page 4">
+            <a:extLst>
+              <a:ext uri="{FF2B5EF4-FFF2-40B4-BE49-F238E27FC236}">
+                <a16:creationId xmlns:a16="http://schemas.microsoft.com/office/drawing/2014/main" id="{7086F736-C329-4520-A1A1-C647B8839CE3}"/>
+              </a:ext>
+            </a:extLst>
+          </p:cNvPr>
+          <p:cNvSpPr>
+            <a:spLocks noGrp="1"/>
+          </p:cNvSpPr>
+          <p:nvPr>
+            <p:ph type="ftr" sz="quarter" idx="11"/>
+          </p:nvPr>
+        </p:nvSpPr>
+        <p:spPr/>
+        <p:txBody>
+          <a:bodyPr/>
+          <a:lstStyle/>
+          <a:p>
+            <a:endParaRPr lang="fr-FR"/>
+          </a:p>
+        </p:txBody>
+      </p:sp>
+      <p:sp>
+        <p:nvSpPr>
+          <p:cNvPr id="6" name="Espace réservé du numéro de diapositive 5">
+            <a:extLst>
+              <a:ext uri="{FF2B5EF4-FFF2-40B4-BE49-F238E27FC236}">
+                <a16:creationId xmlns:a16="http://schemas.microsoft.com/office/drawing/2014/main" id="{8E904593-EC7D-4774-8F2D-246AD576AA1D}"/>
+              </a:ext>
+            </a:extLst>
+          </p:cNvPr>
+          <p:cNvSpPr>
+            <a:spLocks noGrp="1"/>
+          </p:cNvSpPr>
+          <p:nvPr>
+            <p:ph type="sldNum" sz="quarter" idx="12"/>
+          </p:nvPr>
+        </p:nvSpPr>
+        <p:spPr/>
+        <p:txBody>
+          <a:bodyPr/>
+          <a:lstStyle/>
+          <a:p>
+            <a:fld id="{3991DC1B-8E41-4C6D-8018-8A9D9F046406}" type="slidenum">
+              <a:rPr lang="fr-FR" smtClean="0"/>
+              <a:t>‹N°›</a:t>
+            </a:fld>
+            <a:endParaRPr lang="fr-FR"/>
+          </a:p>
+        </p:txBody>
+      </p:sp>
+    </p:spTree>
+    <p:extLst>
+      <p:ext uri="{BB962C8B-B14F-4D97-AF65-F5344CB8AC3E}">
+        <p14:creationId xmlns:p14="http://schemas.microsoft.com/office/powerpoint/2010/main" val="2466228190"/>
+      </p:ext>
+    </p:extLst>
+  </p:cSld>
+  <p:clrMapOvr>
+    <a:masterClrMapping/>
+  </p:clrMapOvr>
+</p:sldLayout>
+</file>
+
+<file path=ppt/slideLayouts/slideLayout18.xml><?xml version="1.0" encoding="utf-8"?>
+<p:sldLayout xmlns:a="http://schemas.openxmlformats.org/drawingml/2006/main" xmlns:r="http://schemas.openxmlformats.org/officeDocument/2006/relationships" xmlns:p="http://schemas.openxmlformats.org/presentationml/2006/main" type="twoObj" preserve="1">
+  <p:cSld name="Deux contenus">
+    <p:spTree>
+      <p:nvGrpSpPr>
+        <p:cNvPr id="1" name=""/>
+        <p:cNvGrpSpPr/>
+        <p:nvPr/>
+      </p:nvGrpSpPr>
+      <p:grpSpPr>
+        <a:xfrm>
+          <a:off x="0" y="0"/>
+          <a:ext cx="0" cy="0"/>
+          <a:chOff x="0" y="0"/>
+          <a:chExt cx="0" cy="0"/>
+        </a:xfrm>
+      </p:grpSpPr>
+      <p:sp>
+        <p:nvSpPr>
+          <p:cNvPr id="2" name="Titre 1">
+            <a:extLst>
+              <a:ext uri="{FF2B5EF4-FFF2-40B4-BE49-F238E27FC236}">
+                <a16:creationId xmlns:a16="http://schemas.microsoft.com/office/drawing/2014/main" id="{28FC936E-595B-4F1A-A95C-9452E656C364}"/>
+              </a:ext>
+            </a:extLst>
+          </p:cNvPr>
+          <p:cNvSpPr>
+            <a:spLocks noGrp="1"/>
+          </p:cNvSpPr>
+          <p:nvPr>
+            <p:ph type="title"/>
+          </p:nvPr>
+        </p:nvSpPr>
+        <p:spPr/>
+        <p:txBody>
+          <a:bodyPr/>
+          <a:lstStyle/>
+          <a:p>
+            <a:r>
+              <a:rPr lang="fr-FR"/>
+              <a:t>Modifiez le style du titre</a:t>
+            </a:r>
+          </a:p>
+        </p:txBody>
+      </p:sp>
+      <p:sp>
+        <p:nvSpPr>
+          <p:cNvPr id="3" name="Espace réservé du contenu 2">
+            <a:extLst>
+              <a:ext uri="{FF2B5EF4-FFF2-40B4-BE49-F238E27FC236}">
+                <a16:creationId xmlns:a16="http://schemas.microsoft.com/office/drawing/2014/main" id="{AFFF9FAE-7BD2-4851-8383-80D18BAF91F5}"/>
+              </a:ext>
+            </a:extLst>
+          </p:cNvPr>
+          <p:cNvSpPr>
+            <a:spLocks noGrp="1"/>
+          </p:cNvSpPr>
+          <p:nvPr>
+            <p:ph sz="half" idx="1"/>
+          </p:nvPr>
+        </p:nvSpPr>
+        <p:spPr>
+          <a:xfrm>
+            <a:off x="838200" y="1825625"/>
+            <a:ext cx="5181600" cy="4351338"/>
+          </a:xfrm>
+        </p:spPr>
+        <p:txBody>
+          <a:bodyPr/>
+          <a:lstStyle/>
+          <a:p>
+            <a:pPr lvl="0"/>
+            <a:r>
+              <a:rPr lang="fr-FR"/>
+              <a:t>Modifier les styles du texte du masque</a:t>
+            </a:r>
+          </a:p>
+          <a:p>
+            <a:pPr lvl="1"/>
+            <a:r>
+              <a:rPr lang="fr-FR"/>
+              <a:t>Deuxième niveau</a:t>
+            </a:r>
+          </a:p>
+          <a:p>
+            <a:pPr lvl="2"/>
+            <a:r>
+              <a:rPr lang="fr-FR"/>
+              <a:t>Troisième niveau</a:t>
+            </a:r>
+          </a:p>
+          <a:p>
+            <a:pPr lvl="3"/>
+            <a:r>
+              <a:rPr lang="fr-FR"/>
+              <a:t>Quatrième niveau</a:t>
+            </a:r>
+          </a:p>
+          <a:p>
+            <a:pPr lvl="4"/>
+            <a:r>
+              <a:rPr lang="fr-FR"/>
+              <a:t>Cinquième niveau</a:t>
+            </a:r>
+          </a:p>
+        </p:txBody>
+      </p:sp>
+      <p:sp>
+        <p:nvSpPr>
+          <p:cNvPr id="4" name="Espace réservé du contenu 3">
+            <a:extLst>
+              <a:ext uri="{FF2B5EF4-FFF2-40B4-BE49-F238E27FC236}">
+                <a16:creationId xmlns:a16="http://schemas.microsoft.com/office/drawing/2014/main" id="{1BCDC2E2-2EEB-4B42-8B43-D39FACF6A718}"/>
+              </a:ext>
+            </a:extLst>
+          </p:cNvPr>
+          <p:cNvSpPr>
+            <a:spLocks noGrp="1"/>
+          </p:cNvSpPr>
+          <p:nvPr>
+            <p:ph sz="half" idx="2"/>
+          </p:nvPr>
+        </p:nvSpPr>
+        <p:spPr>
+          <a:xfrm>
+            <a:off x="6172200" y="1825625"/>
+            <a:ext cx="5181600" cy="4351338"/>
+          </a:xfrm>
+        </p:spPr>
+        <p:txBody>
+          <a:bodyPr/>
+          <a:lstStyle/>
+          <a:p>
+            <a:pPr lvl="0"/>
+            <a:r>
+              <a:rPr lang="fr-FR"/>
+              <a:t>Modifier les styles du texte du masque</a:t>
+            </a:r>
+          </a:p>
+          <a:p>
+            <a:pPr lvl="1"/>
+            <a:r>
+              <a:rPr lang="fr-FR"/>
+              <a:t>Deuxième niveau</a:t>
+            </a:r>
+          </a:p>
+          <a:p>
+            <a:pPr lvl="2"/>
+            <a:r>
+              <a:rPr lang="fr-FR"/>
+              <a:t>Troisième niveau</a:t>
+            </a:r>
+          </a:p>
+          <a:p>
+            <a:pPr lvl="3"/>
+            <a:r>
+              <a:rPr lang="fr-FR"/>
+              <a:t>Quatrième niveau</a:t>
+            </a:r>
+          </a:p>
+          <a:p>
+            <a:pPr lvl="4"/>
+            <a:r>
+              <a:rPr lang="fr-FR"/>
+              <a:t>Cinquième niveau</a:t>
+            </a:r>
+          </a:p>
+        </p:txBody>
+      </p:sp>
+      <p:sp>
+        <p:nvSpPr>
+          <p:cNvPr id="5" name="Espace réservé de la date 4">
+            <a:extLst>
+              <a:ext uri="{FF2B5EF4-FFF2-40B4-BE49-F238E27FC236}">
+                <a16:creationId xmlns:a16="http://schemas.microsoft.com/office/drawing/2014/main" id="{6B0E868B-9D6D-4D79-A173-FD2F2C985C7E}"/>
+              </a:ext>
+            </a:extLst>
+          </p:cNvPr>
+          <p:cNvSpPr>
+            <a:spLocks noGrp="1"/>
+          </p:cNvSpPr>
+          <p:nvPr>
+            <p:ph type="dt" sz="half" idx="10"/>
+          </p:nvPr>
+        </p:nvSpPr>
+        <p:spPr/>
+        <p:txBody>
+          <a:bodyPr/>
+          <a:lstStyle/>
+          <a:p>
+            <a:fld id="{6B5966FC-E2A4-4A41-ABE3-89077E29579A}" type="datetimeFigureOut">
+              <a:rPr lang="fr-FR" smtClean="0"/>
+              <a:t>07/02/2019</a:t>
+            </a:fld>
+            <a:endParaRPr lang="fr-FR"/>
+          </a:p>
+        </p:txBody>
+      </p:sp>
+      <p:sp>
+        <p:nvSpPr>
+          <p:cNvPr id="6" name="Espace réservé du pied de page 5">
+            <a:extLst>
+              <a:ext uri="{FF2B5EF4-FFF2-40B4-BE49-F238E27FC236}">
+                <a16:creationId xmlns:a16="http://schemas.microsoft.com/office/drawing/2014/main" id="{797A828D-F4A3-425B-81BD-478EC8B001F2}"/>
+              </a:ext>
+            </a:extLst>
+          </p:cNvPr>
+          <p:cNvSpPr>
+            <a:spLocks noGrp="1"/>
+          </p:cNvSpPr>
+          <p:nvPr>
+            <p:ph type="ftr" sz="quarter" idx="11"/>
+          </p:nvPr>
+        </p:nvSpPr>
+        <p:spPr/>
+        <p:txBody>
+          <a:bodyPr/>
+          <a:lstStyle/>
+          <a:p>
+            <a:endParaRPr lang="fr-FR"/>
+          </a:p>
+        </p:txBody>
+      </p:sp>
+      <p:sp>
+        <p:nvSpPr>
+          <p:cNvPr id="7" name="Espace réservé du numéro de diapositive 6">
+            <a:extLst>
+              <a:ext uri="{FF2B5EF4-FFF2-40B4-BE49-F238E27FC236}">
+                <a16:creationId xmlns:a16="http://schemas.microsoft.com/office/drawing/2014/main" id="{FD006246-8B1D-4BB6-A191-845E60A9205C}"/>
+              </a:ext>
+            </a:extLst>
+          </p:cNvPr>
+          <p:cNvSpPr>
+            <a:spLocks noGrp="1"/>
+          </p:cNvSpPr>
+          <p:nvPr>
+            <p:ph type="sldNum" sz="quarter" idx="12"/>
+          </p:nvPr>
+        </p:nvSpPr>
+        <p:spPr/>
+        <p:txBody>
+          <a:bodyPr/>
+          <a:lstStyle/>
+          <a:p>
+            <a:fld id="{3991DC1B-8E41-4C6D-8018-8A9D9F046406}" type="slidenum">
+              <a:rPr lang="fr-FR" smtClean="0"/>
+              <a:t>‹N°›</a:t>
+            </a:fld>
+            <a:endParaRPr lang="fr-FR"/>
+          </a:p>
+        </p:txBody>
+      </p:sp>
+    </p:spTree>
+    <p:extLst>
+      <p:ext uri="{BB962C8B-B14F-4D97-AF65-F5344CB8AC3E}">
+        <p14:creationId xmlns:p14="http://schemas.microsoft.com/office/powerpoint/2010/main" val="1964432639"/>
+      </p:ext>
+    </p:extLst>
+  </p:cSld>
+  <p:clrMapOvr>
+    <a:masterClrMapping/>
+  </p:clrMapOvr>
+</p:sldLayout>
+</file>
+
+<file path=ppt/slideLayouts/slideLayout19.xml><?xml version="1.0" encoding="utf-8"?>
+<p:sldLayout xmlns:a="http://schemas.openxmlformats.org/drawingml/2006/main" xmlns:r="http://schemas.openxmlformats.org/officeDocument/2006/relationships" xmlns:p="http://schemas.openxmlformats.org/presentationml/2006/main" type="twoTxTwoObj" preserve="1">
+  <p:cSld name="Comparaison">
+    <p:spTree>
+      <p:nvGrpSpPr>
+        <p:cNvPr id="1" name=""/>
+        <p:cNvGrpSpPr/>
+        <p:nvPr/>
+      </p:nvGrpSpPr>
+      <p:grpSpPr>
+        <a:xfrm>
+          <a:off x="0" y="0"/>
+          <a:ext cx="0" cy="0"/>
+          <a:chOff x="0" y="0"/>
+          <a:chExt cx="0" cy="0"/>
+        </a:xfrm>
+      </p:grpSpPr>
+      <p:sp>
+        <p:nvSpPr>
+          <p:cNvPr id="2" name="Titre 1">
+            <a:extLst>
+              <a:ext uri="{FF2B5EF4-FFF2-40B4-BE49-F238E27FC236}">
+                <a16:creationId xmlns:a16="http://schemas.microsoft.com/office/drawing/2014/main" id="{2199099F-590D-4644-8D02-C96EA495ADC4}"/>
+              </a:ext>
+            </a:extLst>
+          </p:cNvPr>
+          <p:cNvSpPr>
+            <a:spLocks noGrp="1"/>
+          </p:cNvSpPr>
+          <p:nvPr>
+            <p:ph type="title"/>
+          </p:nvPr>
+        </p:nvSpPr>
+        <p:spPr>
+          <a:xfrm>
+            <a:off x="839788" y="365125"/>
+            <a:ext cx="10515600" cy="1325563"/>
+          </a:xfrm>
+        </p:spPr>
+        <p:txBody>
+          <a:bodyPr/>
+          <a:lstStyle/>
+          <a:p>
+            <a:r>
+              <a:rPr lang="fr-FR"/>
+              <a:t>Modifiez le style du titre</a:t>
+            </a:r>
+          </a:p>
+        </p:txBody>
+      </p:sp>
+      <p:sp>
+        <p:nvSpPr>
+          <p:cNvPr id="3" name="Espace réservé du texte 2">
+            <a:extLst>
+              <a:ext uri="{FF2B5EF4-FFF2-40B4-BE49-F238E27FC236}">
+                <a16:creationId xmlns:a16="http://schemas.microsoft.com/office/drawing/2014/main" id="{F0A7E73A-39E2-423D-868A-C305953AD0E8}"/>
+              </a:ext>
+            </a:extLst>
+          </p:cNvPr>
+          <p:cNvSpPr>
+            <a:spLocks noGrp="1"/>
+          </p:cNvSpPr>
+          <p:nvPr>
+            <p:ph type="body" idx="1"/>
+          </p:nvPr>
+        </p:nvSpPr>
+        <p:spPr>
+          <a:xfrm>
+            <a:off x="839788" y="1681163"/>
+            <a:ext cx="5157787" cy="823912"/>
+          </a:xfrm>
+        </p:spPr>
+        <p:txBody>
+          <a:bodyPr anchor="b"/>
+          <a:lstStyle>
+            <a:lvl1pPr marL="0" indent="0">
+              <a:buNone/>
+              <a:defRPr sz="2400" b="1"/>
+            </a:lvl1pPr>
+            <a:lvl2pPr marL="457200" indent="0">
+              <a:buNone/>
+              <a:defRPr sz="2000" b="1"/>
+            </a:lvl2pPr>
+            <a:lvl3pPr marL="914400" indent="0">
+              <a:buNone/>
+              <a:defRPr sz="1800" b="1"/>
+            </a:lvl3pPr>
+            <a:lvl4pPr marL="1371600" indent="0">
+              <a:buNone/>
+              <a:defRPr sz="1600" b="1"/>
+            </a:lvl4pPr>
+            <a:lvl5pPr marL="1828800" indent="0">
+              <a:buNone/>
+              <a:defRPr sz="1600" b="1"/>
+            </a:lvl5pPr>
+            <a:lvl6pPr marL="2286000" indent="0">
+              <a:buNone/>
+              <a:defRPr sz="1600" b="1"/>
+            </a:lvl6pPr>
+            <a:lvl7pPr marL="2743200" indent="0">
+              <a:buNone/>
+              <a:defRPr sz="1600" b="1"/>
+            </a:lvl7pPr>
+            <a:lvl8pPr marL="3200400" indent="0">
+              <a:buNone/>
+              <a:defRPr sz="1600" b="1"/>
+            </a:lvl8pPr>
+            <a:lvl9pPr marL="3657600" indent="0">
+              <a:buNone/>
+              <a:defRPr sz="1600" b="1"/>
+            </a:lvl9pPr>
+          </a:lstStyle>
+          <a:p>
+            <a:pPr lvl="0"/>
+            <a:r>
+              <a:rPr lang="fr-FR"/>
+              <a:t>Modifier les styles du texte du masque</a:t>
+            </a:r>
+          </a:p>
+        </p:txBody>
+      </p:sp>
+      <p:sp>
+        <p:nvSpPr>
+          <p:cNvPr id="4" name="Espace réservé du contenu 3">
+            <a:extLst>
+              <a:ext uri="{FF2B5EF4-FFF2-40B4-BE49-F238E27FC236}">
+                <a16:creationId xmlns:a16="http://schemas.microsoft.com/office/drawing/2014/main" id="{2A7E596C-5DA1-413B-BC91-CF03F1E1A69A}"/>
+              </a:ext>
+            </a:extLst>
+          </p:cNvPr>
+          <p:cNvSpPr>
+            <a:spLocks noGrp="1"/>
+          </p:cNvSpPr>
+          <p:nvPr>
+            <p:ph sz="half" idx="2"/>
+          </p:nvPr>
+        </p:nvSpPr>
+        <p:spPr>
+          <a:xfrm>
+            <a:off x="839788" y="2505075"/>
+            <a:ext cx="5157787" cy="3684588"/>
+          </a:xfrm>
+        </p:spPr>
+        <p:txBody>
+          <a:bodyPr/>
+          <a:lstStyle/>
+          <a:p>
+            <a:pPr lvl="0"/>
+            <a:r>
+              <a:rPr lang="fr-FR"/>
+              <a:t>Modifier les styles du texte du masque</a:t>
+            </a:r>
+          </a:p>
+          <a:p>
+            <a:pPr lvl="1"/>
+            <a:r>
+              <a:rPr lang="fr-FR"/>
+              <a:t>Deuxième niveau</a:t>
+            </a:r>
+          </a:p>
+          <a:p>
+            <a:pPr lvl="2"/>
+            <a:r>
+              <a:rPr lang="fr-FR"/>
+              <a:t>Troisième niveau</a:t>
+            </a:r>
+          </a:p>
+          <a:p>
+            <a:pPr lvl="3"/>
+            <a:r>
+              <a:rPr lang="fr-FR"/>
+              <a:t>Quatrième niveau</a:t>
+            </a:r>
+          </a:p>
+          <a:p>
+            <a:pPr lvl="4"/>
+            <a:r>
+              <a:rPr lang="fr-FR"/>
+              <a:t>Cinquième niveau</a:t>
+            </a:r>
+          </a:p>
+        </p:txBody>
+      </p:sp>
+      <p:sp>
+        <p:nvSpPr>
+          <p:cNvPr id="5" name="Espace réservé du texte 4">
+            <a:extLst>
+              <a:ext uri="{FF2B5EF4-FFF2-40B4-BE49-F238E27FC236}">
+                <a16:creationId xmlns:a16="http://schemas.microsoft.com/office/drawing/2014/main" id="{EE0F7BE8-6677-4794-8580-535AE2CC4296}"/>
+              </a:ext>
+            </a:extLst>
+          </p:cNvPr>
+          <p:cNvSpPr>
+            <a:spLocks noGrp="1"/>
+          </p:cNvSpPr>
+          <p:nvPr>
+            <p:ph type="body" sz="quarter" idx="3"/>
+          </p:nvPr>
+        </p:nvSpPr>
+        <p:spPr>
+          <a:xfrm>
+            <a:off x="6172200" y="1681163"/>
+            <a:ext cx="5183188" cy="823912"/>
+          </a:xfrm>
+        </p:spPr>
+        <p:txBody>
+          <a:bodyPr anchor="b"/>
+          <a:lstStyle>
+            <a:lvl1pPr marL="0" indent="0">
+              <a:buNone/>
+              <a:defRPr sz="2400" b="1"/>
+            </a:lvl1pPr>
+            <a:lvl2pPr marL="457200" indent="0">
+              <a:buNone/>
+              <a:defRPr sz="2000" b="1"/>
+            </a:lvl2pPr>
+            <a:lvl3pPr marL="914400" indent="0">
+              <a:buNone/>
+              <a:defRPr sz="1800" b="1"/>
+            </a:lvl3pPr>
+            <a:lvl4pPr marL="1371600" indent="0">
+              <a:buNone/>
+              <a:defRPr sz="1600" b="1"/>
+            </a:lvl4pPr>
+            <a:lvl5pPr marL="1828800" indent="0">
+              <a:buNone/>
+              <a:defRPr sz="1600" b="1"/>
+            </a:lvl5pPr>
+            <a:lvl6pPr marL="2286000" indent="0">
+              <a:buNone/>
+              <a:defRPr sz="1600" b="1"/>
+            </a:lvl6pPr>
+            <a:lvl7pPr marL="2743200" indent="0">
+              <a:buNone/>
+              <a:defRPr sz="1600" b="1"/>
+            </a:lvl7pPr>
+            <a:lvl8pPr marL="3200400" indent="0">
+              <a:buNone/>
+              <a:defRPr sz="1600" b="1"/>
+            </a:lvl8pPr>
+            <a:lvl9pPr marL="3657600" indent="0">
+              <a:buNone/>
+              <a:defRPr sz="1600" b="1"/>
+            </a:lvl9pPr>
+          </a:lstStyle>
+          <a:p>
+            <a:pPr lvl="0"/>
+            <a:r>
+              <a:rPr lang="fr-FR"/>
+              <a:t>Modifier les styles du texte du masque</a:t>
+            </a:r>
+          </a:p>
+        </p:txBody>
+      </p:sp>
+      <p:sp>
+        <p:nvSpPr>
+          <p:cNvPr id="6" name="Espace réservé du contenu 5">
+            <a:extLst>
+              <a:ext uri="{FF2B5EF4-FFF2-40B4-BE49-F238E27FC236}">
+                <a16:creationId xmlns:a16="http://schemas.microsoft.com/office/drawing/2014/main" id="{099EFDD6-3C1B-4B58-8335-F85F1F59277D}"/>
+              </a:ext>
+            </a:extLst>
+          </p:cNvPr>
+          <p:cNvSpPr>
+            <a:spLocks noGrp="1"/>
+          </p:cNvSpPr>
+          <p:nvPr>
+            <p:ph sz="quarter" idx="4"/>
+          </p:nvPr>
+        </p:nvSpPr>
+        <p:spPr>
+          <a:xfrm>
+            <a:off x="6172200" y="2505075"/>
+            <a:ext cx="5183188" cy="3684588"/>
+          </a:xfrm>
+        </p:spPr>
+        <p:txBody>
+          <a:bodyPr/>
+          <a:lstStyle/>
+          <a:p>
+            <a:pPr lvl="0"/>
+            <a:r>
+              <a:rPr lang="fr-FR"/>
+              <a:t>Modifier les styles du texte du masque</a:t>
+            </a:r>
+          </a:p>
+          <a:p>
+            <a:pPr lvl="1"/>
+            <a:r>
+              <a:rPr lang="fr-FR"/>
+              <a:t>Deuxième niveau</a:t>
+            </a:r>
+          </a:p>
+          <a:p>
+            <a:pPr lvl="2"/>
+            <a:r>
+              <a:rPr lang="fr-FR"/>
+              <a:t>Troisième niveau</a:t>
+            </a:r>
+          </a:p>
+          <a:p>
+            <a:pPr lvl="3"/>
+            <a:r>
+              <a:rPr lang="fr-FR"/>
+              <a:t>Quatrième niveau</a:t>
+            </a:r>
+          </a:p>
+          <a:p>
+            <a:pPr lvl="4"/>
+            <a:r>
+              <a:rPr lang="fr-FR"/>
+              <a:t>Cinquième niveau</a:t>
+            </a:r>
+          </a:p>
+        </p:txBody>
+      </p:sp>
+      <p:sp>
+        <p:nvSpPr>
+          <p:cNvPr id="7" name="Espace réservé de la date 6">
+            <a:extLst>
+              <a:ext uri="{FF2B5EF4-FFF2-40B4-BE49-F238E27FC236}">
+                <a16:creationId xmlns:a16="http://schemas.microsoft.com/office/drawing/2014/main" id="{4F430EFE-1230-4EA7-86E6-0CB57B725101}"/>
+              </a:ext>
+            </a:extLst>
+          </p:cNvPr>
+          <p:cNvSpPr>
+            <a:spLocks noGrp="1"/>
+          </p:cNvSpPr>
+          <p:nvPr>
+            <p:ph type="dt" sz="half" idx="10"/>
+          </p:nvPr>
+        </p:nvSpPr>
+        <p:spPr/>
+        <p:txBody>
+          <a:bodyPr/>
+          <a:lstStyle/>
+          <a:p>
+            <a:fld id="{6B5966FC-E2A4-4A41-ABE3-89077E29579A}" type="datetimeFigureOut">
+              <a:rPr lang="fr-FR" smtClean="0"/>
+              <a:t>07/02/2019</a:t>
+            </a:fld>
+            <a:endParaRPr lang="fr-FR"/>
+          </a:p>
+        </p:txBody>
+      </p:sp>
+      <p:sp>
+        <p:nvSpPr>
+          <p:cNvPr id="8" name="Espace réservé du pied de page 7">
+            <a:extLst>
+              <a:ext uri="{FF2B5EF4-FFF2-40B4-BE49-F238E27FC236}">
+                <a16:creationId xmlns:a16="http://schemas.microsoft.com/office/drawing/2014/main" id="{1C4ACD1A-8AB4-44E4-98C4-DD88CE52C8B0}"/>
+              </a:ext>
+            </a:extLst>
+          </p:cNvPr>
+          <p:cNvSpPr>
+            <a:spLocks noGrp="1"/>
+          </p:cNvSpPr>
+          <p:nvPr>
+            <p:ph type="ftr" sz="quarter" idx="11"/>
+          </p:nvPr>
+        </p:nvSpPr>
+        <p:spPr/>
+        <p:txBody>
+          <a:bodyPr/>
+          <a:lstStyle/>
+          <a:p>
+            <a:endParaRPr lang="fr-FR"/>
+          </a:p>
+        </p:txBody>
+      </p:sp>
+      <p:sp>
+        <p:nvSpPr>
+          <p:cNvPr id="9" name="Espace réservé du numéro de diapositive 8">
+            <a:extLst>
+              <a:ext uri="{FF2B5EF4-FFF2-40B4-BE49-F238E27FC236}">
+                <a16:creationId xmlns:a16="http://schemas.microsoft.com/office/drawing/2014/main" id="{CA5B89FA-E345-40FE-9CED-0D74A283DBFC}"/>
+              </a:ext>
+            </a:extLst>
+          </p:cNvPr>
+          <p:cNvSpPr>
+            <a:spLocks noGrp="1"/>
+          </p:cNvSpPr>
+          <p:nvPr>
+            <p:ph type="sldNum" sz="quarter" idx="12"/>
+          </p:nvPr>
+        </p:nvSpPr>
+        <p:spPr/>
+        <p:txBody>
+          <a:bodyPr/>
+          <a:lstStyle/>
+          <a:p>
+            <a:fld id="{3991DC1B-8E41-4C6D-8018-8A9D9F046406}" type="slidenum">
+              <a:rPr lang="fr-FR" smtClean="0"/>
+              <a:t>‹N°›</a:t>
+            </a:fld>
+            <a:endParaRPr lang="fr-FR"/>
+          </a:p>
+        </p:txBody>
+      </p:sp>
+    </p:spTree>
+    <p:extLst>
+      <p:ext uri="{BB962C8B-B14F-4D97-AF65-F5344CB8AC3E}">
+        <p14:creationId xmlns:p14="http://schemas.microsoft.com/office/powerpoint/2010/main" val="3807422201"/>
+      </p:ext>
+    </p:extLst>
   </p:cSld>
   <p:clrMapOvr>
     <a:masterClrMapping/>
@@ -2281,7 +3797,7 @@
           <a:ln/>
           <a:extLst>
             <a:ext uri="{91240B29-F687-4f45-9708-019B960494DF}">
-              <a14:hiddenLine xmlns:a14="http://schemas.microsoft.com/office/drawing/2010/main" xmlns="" w="9525">
+              <a14:hiddenLine xmlns="" xmlns:a14="http://schemas.microsoft.com/office/drawing/2010/main" w="9525">
                 <a:solidFill>
                   <a:srgbClr val="000000"/>
                 </a:solidFill>
@@ -2322,6 +3838,9 @@
             <a:off x="810000" y="447188"/>
             <a:ext cx="10571998" cy="970450"/>
           </a:xfrm>
+          <a:prstGeom prst="rect">
+            <a:avLst/>
+          </a:prstGeom>
         </p:spPr>
         <p:txBody>
           <a:bodyPr/>
@@ -2350,6 +3869,9 @@
             <a:off x="818712" y="2222287"/>
             <a:ext cx="10554574" cy="3636511"/>
           </a:xfrm>
+          <a:prstGeom prst="rect">
+            <a:avLst/>
+          </a:prstGeom>
         </p:spPr>
         <p:txBody>
           <a:bodyPr/>
@@ -2402,7 +3924,15 @@
             <p:ph type="dt" sz="half" idx="10"/>
           </p:nvPr>
         </p:nvSpPr>
-        <p:spPr/>
+        <p:spPr>
+          <a:xfrm>
+            <a:off x="9334626" y="6041362"/>
+            <a:ext cx="1343706" cy="365125"/>
+          </a:xfrm>
+          <a:prstGeom prst="rect">
+            <a:avLst/>
+          </a:prstGeom>
+        </p:spPr>
         <p:txBody>
           <a:bodyPr/>
           <a:lstStyle/>
@@ -2410,7 +3940,7 @@
             <a:fld id="{9B3A1323-8D79-1946-B0D7-40001CF92E9D}" type="datetimeFigureOut">
               <a:rPr lang="en-US" dirty="0"/>
               <a:pPr/>
-              <a:t>2/6/2019</a:t>
+              <a:t>2/7/2019</a:t>
             </a:fld>
             <a:endParaRPr lang="en-US" dirty="0"/>
           </a:p>
@@ -2445,7 +3975,15 @@
             <p:ph type="sldNum" sz="quarter" idx="12"/>
           </p:nvPr>
         </p:nvSpPr>
-        <p:spPr/>
+        <p:spPr>
+          <a:xfrm>
+            <a:off x="10678331" y="5915888"/>
+            <a:ext cx="1062155" cy="490599"/>
+          </a:xfrm>
+          <a:prstGeom prst="rect">
+            <a:avLst/>
+          </a:prstGeom>
+        </p:spPr>
         <p:txBody>
           <a:bodyPr/>
           <a:lstStyle/>
@@ -2460,6 +3998,1265 @@
         </p:txBody>
       </p:sp>
     </p:spTree>
+  </p:cSld>
+  <p:clrMapOvr>
+    <a:masterClrMapping/>
+  </p:clrMapOvr>
+</p:sldLayout>
+</file>
+
+<file path=ppt/slideLayouts/slideLayout20.xml><?xml version="1.0" encoding="utf-8"?>
+<p:sldLayout xmlns:a="http://schemas.openxmlformats.org/drawingml/2006/main" xmlns:r="http://schemas.openxmlformats.org/officeDocument/2006/relationships" xmlns:p="http://schemas.openxmlformats.org/presentationml/2006/main" type="titleOnly" preserve="1">
+  <p:cSld name="Titre seul">
+    <p:spTree>
+      <p:nvGrpSpPr>
+        <p:cNvPr id="1" name=""/>
+        <p:cNvGrpSpPr/>
+        <p:nvPr/>
+      </p:nvGrpSpPr>
+      <p:grpSpPr>
+        <a:xfrm>
+          <a:off x="0" y="0"/>
+          <a:ext cx="0" cy="0"/>
+          <a:chOff x="0" y="0"/>
+          <a:chExt cx="0" cy="0"/>
+        </a:xfrm>
+      </p:grpSpPr>
+      <p:sp>
+        <p:nvSpPr>
+          <p:cNvPr id="2" name="Titre 1">
+            <a:extLst>
+              <a:ext uri="{FF2B5EF4-FFF2-40B4-BE49-F238E27FC236}">
+                <a16:creationId xmlns:a16="http://schemas.microsoft.com/office/drawing/2014/main" id="{3A8D00B2-62C4-4181-86BB-16A1FF77BE1E}"/>
+              </a:ext>
+            </a:extLst>
+          </p:cNvPr>
+          <p:cNvSpPr>
+            <a:spLocks noGrp="1"/>
+          </p:cNvSpPr>
+          <p:nvPr>
+            <p:ph type="title"/>
+          </p:nvPr>
+        </p:nvSpPr>
+        <p:spPr/>
+        <p:txBody>
+          <a:bodyPr/>
+          <a:lstStyle/>
+          <a:p>
+            <a:r>
+              <a:rPr lang="fr-FR"/>
+              <a:t>Modifiez le style du titre</a:t>
+            </a:r>
+          </a:p>
+        </p:txBody>
+      </p:sp>
+      <p:sp>
+        <p:nvSpPr>
+          <p:cNvPr id="3" name="Espace réservé de la date 2">
+            <a:extLst>
+              <a:ext uri="{FF2B5EF4-FFF2-40B4-BE49-F238E27FC236}">
+                <a16:creationId xmlns:a16="http://schemas.microsoft.com/office/drawing/2014/main" id="{B1C81DD1-4BCD-4AE3-B919-69ED5A68A135}"/>
+              </a:ext>
+            </a:extLst>
+          </p:cNvPr>
+          <p:cNvSpPr>
+            <a:spLocks noGrp="1"/>
+          </p:cNvSpPr>
+          <p:nvPr>
+            <p:ph type="dt" sz="half" idx="10"/>
+          </p:nvPr>
+        </p:nvSpPr>
+        <p:spPr/>
+        <p:txBody>
+          <a:bodyPr/>
+          <a:lstStyle/>
+          <a:p>
+            <a:fld id="{6B5966FC-E2A4-4A41-ABE3-89077E29579A}" type="datetimeFigureOut">
+              <a:rPr lang="fr-FR" smtClean="0"/>
+              <a:t>07/02/2019</a:t>
+            </a:fld>
+            <a:endParaRPr lang="fr-FR"/>
+          </a:p>
+        </p:txBody>
+      </p:sp>
+      <p:sp>
+        <p:nvSpPr>
+          <p:cNvPr id="4" name="Espace réservé du pied de page 3">
+            <a:extLst>
+              <a:ext uri="{FF2B5EF4-FFF2-40B4-BE49-F238E27FC236}">
+                <a16:creationId xmlns:a16="http://schemas.microsoft.com/office/drawing/2014/main" id="{319BDAFD-506C-47E6-94F3-AF1E781E7446}"/>
+              </a:ext>
+            </a:extLst>
+          </p:cNvPr>
+          <p:cNvSpPr>
+            <a:spLocks noGrp="1"/>
+          </p:cNvSpPr>
+          <p:nvPr>
+            <p:ph type="ftr" sz="quarter" idx="11"/>
+          </p:nvPr>
+        </p:nvSpPr>
+        <p:spPr/>
+        <p:txBody>
+          <a:bodyPr/>
+          <a:lstStyle/>
+          <a:p>
+            <a:endParaRPr lang="fr-FR"/>
+          </a:p>
+        </p:txBody>
+      </p:sp>
+      <p:sp>
+        <p:nvSpPr>
+          <p:cNvPr id="5" name="Espace réservé du numéro de diapositive 4">
+            <a:extLst>
+              <a:ext uri="{FF2B5EF4-FFF2-40B4-BE49-F238E27FC236}">
+                <a16:creationId xmlns:a16="http://schemas.microsoft.com/office/drawing/2014/main" id="{241B2F4D-AC11-415B-ABE2-F8C38F099763}"/>
+              </a:ext>
+            </a:extLst>
+          </p:cNvPr>
+          <p:cNvSpPr>
+            <a:spLocks noGrp="1"/>
+          </p:cNvSpPr>
+          <p:nvPr>
+            <p:ph type="sldNum" sz="quarter" idx="12"/>
+          </p:nvPr>
+        </p:nvSpPr>
+        <p:spPr/>
+        <p:txBody>
+          <a:bodyPr/>
+          <a:lstStyle/>
+          <a:p>
+            <a:fld id="{3991DC1B-8E41-4C6D-8018-8A9D9F046406}" type="slidenum">
+              <a:rPr lang="fr-FR" smtClean="0"/>
+              <a:t>‹N°›</a:t>
+            </a:fld>
+            <a:endParaRPr lang="fr-FR"/>
+          </a:p>
+        </p:txBody>
+      </p:sp>
+    </p:spTree>
+    <p:extLst>
+      <p:ext uri="{BB962C8B-B14F-4D97-AF65-F5344CB8AC3E}">
+        <p14:creationId xmlns:p14="http://schemas.microsoft.com/office/powerpoint/2010/main" val="2964107329"/>
+      </p:ext>
+    </p:extLst>
+  </p:cSld>
+  <p:clrMapOvr>
+    <a:masterClrMapping/>
+  </p:clrMapOvr>
+</p:sldLayout>
+</file>
+
+<file path=ppt/slideLayouts/slideLayout21.xml><?xml version="1.0" encoding="utf-8"?>
+<p:sldLayout xmlns:a="http://schemas.openxmlformats.org/drawingml/2006/main" xmlns:r="http://schemas.openxmlformats.org/officeDocument/2006/relationships" xmlns:p="http://schemas.openxmlformats.org/presentationml/2006/main" type="blank" preserve="1">
+  <p:cSld name="Vide">
+    <p:spTree>
+      <p:nvGrpSpPr>
+        <p:cNvPr id="1" name=""/>
+        <p:cNvGrpSpPr/>
+        <p:nvPr/>
+      </p:nvGrpSpPr>
+      <p:grpSpPr>
+        <a:xfrm>
+          <a:off x="0" y="0"/>
+          <a:ext cx="0" cy="0"/>
+          <a:chOff x="0" y="0"/>
+          <a:chExt cx="0" cy="0"/>
+        </a:xfrm>
+      </p:grpSpPr>
+      <p:sp>
+        <p:nvSpPr>
+          <p:cNvPr id="2" name="Espace réservé de la date 1">
+            <a:extLst>
+              <a:ext uri="{FF2B5EF4-FFF2-40B4-BE49-F238E27FC236}">
+                <a16:creationId xmlns:a16="http://schemas.microsoft.com/office/drawing/2014/main" id="{B2587E23-A882-4743-BE17-5B8F7F6D56EB}"/>
+              </a:ext>
+            </a:extLst>
+          </p:cNvPr>
+          <p:cNvSpPr>
+            <a:spLocks noGrp="1"/>
+          </p:cNvSpPr>
+          <p:nvPr>
+            <p:ph type="dt" sz="half" idx="10"/>
+          </p:nvPr>
+        </p:nvSpPr>
+        <p:spPr/>
+        <p:txBody>
+          <a:bodyPr/>
+          <a:lstStyle/>
+          <a:p>
+            <a:fld id="{6B5966FC-E2A4-4A41-ABE3-89077E29579A}" type="datetimeFigureOut">
+              <a:rPr lang="fr-FR" smtClean="0"/>
+              <a:t>07/02/2019</a:t>
+            </a:fld>
+            <a:endParaRPr lang="fr-FR"/>
+          </a:p>
+        </p:txBody>
+      </p:sp>
+      <p:sp>
+        <p:nvSpPr>
+          <p:cNvPr id="3" name="Espace réservé du pied de page 2">
+            <a:extLst>
+              <a:ext uri="{FF2B5EF4-FFF2-40B4-BE49-F238E27FC236}">
+                <a16:creationId xmlns:a16="http://schemas.microsoft.com/office/drawing/2014/main" id="{44662CD9-2D36-42B3-A3D6-EAE85B7A9CE7}"/>
+              </a:ext>
+            </a:extLst>
+          </p:cNvPr>
+          <p:cNvSpPr>
+            <a:spLocks noGrp="1"/>
+          </p:cNvSpPr>
+          <p:nvPr>
+            <p:ph type="ftr" sz="quarter" idx="11"/>
+          </p:nvPr>
+        </p:nvSpPr>
+        <p:spPr/>
+        <p:txBody>
+          <a:bodyPr/>
+          <a:lstStyle/>
+          <a:p>
+            <a:endParaRPr lang="fr-FR"/>
+          </a:p>
+        </p:txBody>
+      </p:sp>
+      <p:sp>
+        <p:nvSpPr>
+          <p:cNvPr id="4" name="Espace réservé du numéro de diapositive 3">
+            <a:extLst>
+              <a:ext uri="{FF2B5EF4-FFF2-40B4-BE49-F238E27FC236}">
+                <a16:creationId xmlns:a16="http://schemas.microsoft.com/office/drawing/2014/main" id="{70BAA424-889A-4733-8E82-9196EFAF8A87}"/>
+              </a:ext>
+            </a:extLst>
+          </p:cNvPr>
+          <p:cNvSpPr>
+            <a:spLocks noGrp="1"/>
+          </p:cNvSpPr>
+          <p:nvPr>
+            <p:ph type="sldNum" sz="quarter" idx="12"/>
+          </p:nvPr>
+        </p:nvSpPr>
+        <p:spPr/>
+        <p:txBody>
+          <a:bodyPr/>
+          <a:lstStyle/>
+          <a:p>
+            <a:fld id="{3991DC1B-8E41-4C6D-8018-8A9D9F046406}" type="slidenum">
+              <a:rPr lang="fr-FR" smtClean="0"/>
+              <a:t>‹N°›</a:t>
+            </a:fld>
+            <a:endParaRPr lang="fr-FR"/>
+          </a:p>
+        </p:txBody>
+      </p:sp>
+    </p:spTree>
+    <p:extLst>
+      <p:ext uri="{BB962C8B-B14F-4D97-AF65-F5344CB8AC3E}">
+        <p14:creationId xmlns:p14="http://schemas.microsoft.com/office/powerpoint/2010/main" val="986024765"/>
+      </p:ext>
+    </p:extLst>
+  </p:cSld>
+  <p:clrMapOvr>
+    <a:masterClrMapping/>
+  </p:clrMapOvr>
+</p:sldLayout>
+</file>
+
+<file path=ppt/slideLayouts/slideLayout22.xml><?xml version="1.0" encoding="utf-8"?>
+<p:sldLayout xmlns:a="http://schemas.openxmlformats.org/drawingml/2006/main" xmlns:r="http://schemas.openxmlformats.org/officeDocument/2006/relationships" xmlns:p="http://schemas.openxmlformats.org/presentationml/2006/main" type="objTx" preserve="1">
+  <p:cSld name="Contenu avec légende">
+    <p:spTree>
+      <p:nvGrpSpPr>
+        <p:cNvPr id="1" name=""/>
+        <p:cNvGrpSpPr/>
+        <p:nvPr/>
+      </p:nvGrpSpPr>
+      <p:grpSpPr>
+        <a:xfrm>
+          <a:off x="0" y="0"/>
+          <a:ext cx="0" cy="0"/>
+          <a:chOff x="0" y="0"/>
+          <a:chExt cx="0" cy="0"/>
+        </a:xfrm>
+      </p:grpSpPr>
+      <p:sp>
+        <p:nvSpPr>
+          <p:cNvPr id="2" name="Titre 1">
+            <a:extLst>
+              <a:ext uri="{FF2B5EF4-FFF2-40B4-BE49-F238E27FC236}">
+                <a16:creationId xmlns:a16="http://schemas.microsoft.com/office/drawing/2014/main" id="{D70E45E9-92C7-4B91-9074-E543B70AB35A}"/>
+              </a:ext>
+            </a:extLst>
+          </p:cNvPr>
+          <p:cNvSpPr>
+            <a:spLocks noGrp="1"/>
+          </p:cNvSpPr>
+          <p:nvPr>
+            <p:ph type="title"/>
+          </p:nvPr>
+        </p:nvSpPr>
+        <p:spPr>
+          <a:xfrm>
+            <a:off x="839788" y="457200"/>
+            <a:ext cx="3932237" cy="1600200"/>
+          </a:xfrm>
+        </p:spPr>
+        <p:txBody>
+          <a:bodyPr anchor="b"/>
+          <a:lstStyle>
+            <a:lvl1pPr>
+              <a:defRPr sz="3200"/>
+            </a:lvl1pPr>
+          </a:lstStyle>
+          <a:p>
+            <a:r>
+              <a:rPr lang="fr-FR"/>
+              <a:t>Modifiez le style du titre</a:t>
+            </a:r>
+          </a:p>
+        </p:txBody>
+      </p:sp>
+      <p:sp>
+        <p:nvSpPr>
+          <p:cNvPr id="3" name="Espace réservé du contenu 2">
+            <a:extLst>
+              <a:ext uri="{FF2B5EF4-FFF2-40B4-BE49-F238E27FC236}">
+                <a16:creationId xmlns:a16="http://schemas.microsoft.com/office/drawing/2014/main" id="{689DB12B-4994-454F-AB63-0C9304C35FAC}"/>
+              </a:ext>
+            </a:extLst>
+          </p:cNvPr>
+          <p:cNvSpPr>
+            <a:spLocks noGrp="1"/>
+          </p:cNvSpPr>
+          <p:nvPr>
+            <p:ph idx="1"/>
+          </p:nvPr>
+        </p:nvSpPr>
+        <p:spPr>
+          <a:xfrm>
+            <a:off x="5183188" y="987425"/>
+            <a:ext cx="6172200" cy="4873625"/>
+          </a:xfrm>
+        </p:spPr>
+        <p:txBody>
+          <a:bodyPr/>
+          <a:lstStyle>
+            <a:lvl1pPr>
+              <a:defRPr sz="3200"/>
+            </a:lvl1pPr>
+            <a:lvl2pPr>
+              <a:defRPr sz="2800"/>
+            </a:lvl2pPr>
+            <a:lvl3pPr>
+              <a:defRPr sz="2400"/>
+            </a:lvl3pPr>
+            <a:lvl4pPr>
+              <a:defRPr sz="2000"/>
+            </a:lvl4pPr>
+            <a:lvl5pPr>
+              <a:defRPr sz="2000"/>
+            </a:lvl5pPr>
+            <a:lvl6pPr>
+              <a:defRPr sz="2000"/>
+            </a:lvl6pPr>
+            <a:lvl7pPr>
+              <a:defRPr sz="2000"/>
+            </a:lvl7pPr>
+            <a:lvl8pPr>
+              <a:defRPr sz="2000"/>
+            </a:lvl8pPr>
+            <a:lvl9pPr>
+              <a:defRPr sz="2000"/>
+            </a:lvl9pPr>
+          </a:lstStyle>
+          <a:p>
+            <a:pPr lvl="0"/>
+            <a:r>
+              <a:rPr lang="fr-FR"/>
+              <a:t>Modifier les styles du texte du masque</a:t>
+            </a:r>
+          </a:p>
+          <a:p>
+            <a:pPr lvl="1"/>
+            <a:r>
+              <a:rPr lang="fr-FR"/>
+              <a:t>Deuxième niveau</a:t>
+            </a:r>
+          </a:p>
+          <a:p>
+            <a:pPr lvl="2"/>
+            <a:r>
+              <a:rPr lang="fr-FR"/>
+              <a:t>Troisième niveau</a:t>
+            </a:r>
+          </a:p>
+          <a:p>
+            <a:pPr lvl="3"/>
+            <a:r>
+              <a:rPr lang="fr-FR"/>
+              <a:t>Quatrième niveau</a:t>
+            </a:r>
+          </a:p>
+          <a:p>
+            <a:pPr lvl="4"/>
+            <a:r>
+              <a:rPr lang="fr-FR"/>
+              <a:t>Cinquième niveau</a:t>
+            </a:r>
+          </a:p>
+        </p:txBody>
+      </p:sp>
+      <p:sp>
+        <p:nvSpPr>
+          <p:cNvPr id="4" name="Espace réservé du texte 3">
+            <a:extLst>
+              <a:ext uri="{FF2B5EF4-FFF2-40B4-BE49-F238E27FC236}">
+                <a16:creationId xmlns:a16="http://schemas.microsoft.com/office/drawing/2014/main" id="{B0A609A4-CB68-4197-82B9-55C1764EAEC4}"/>
+              </a:ext>
+            </a:extLst>
+          </p:cNvPr>
+          <p:cNvSpPr>
+            <a:spLocks noGrp="1"/>
+          </p:cNvSpPr>
+          <p:nvPr>
+            <p:ph type="body" sz="half" idx="2"/>
+          </p:nvPr>
+        </p:nvSpPr>
+        <p:spPr>
+          <a:xfrm>
+            <a:off x="839788" y="2057400"/>
+            <a:ext cx="3932237" cy="3811588"/>
+          </a:xfrm>
+        </p:spPr>
+        <p:txBody>
+          <a:bodyPr/>
+          <a:lstStyle>
+            <a:lvl1pPr marL="0" indent="0">
+              <a:buNone/>
+              <a:defRPr sz="1600"/>
+            </a:lvl1pPr>
+            <a:lvl2pPr marL="457200" indent="0">
+              <a:buNone/>
+              <a:defRPr sz="1400"/>
+            </a:lvl2pPr>
+            <a:lvl3pPr marL="914400" indent="0">
+              <a:buNone/>
+              <a:defRPr sz="1200"/>
+            </a:lvl3pPr>
+            <a:lvl4pPr marL="1371600" indent="0">
+              <a:buNone/>
+              <a:defRPr sz="1000"/>
+            </a:lvl4pPr>
+            <a:lvl5pPr marL="1828800" indent="0">
+              <a:buNone/>
+              <a:defRPr sz="1000"/>
+            </a:lvl5pPr>
+            <a:lvl6pPr marL="2286000" indent="0">
+              <a:buNone/>
+              <a:defRPr sz="1000"/>
+            </a:lvl6pPr>
+            <a:lvl7pPr marL="2743200" indent="0">
+              <a:buNone/>
+              <a:defRPr sz="1000"/>
+            </a:lvl7pPr>
+            <a:lvl8pPr marL="3200400" indent="0">
+              <a:buNone/>
+              <a:defRPr sz="1000"/>
+            </a:lvl8pPr>
+            <a:lvl9pPr marL="3657600" indent="0">
+              <a:buNone/>
+              <a:defRPr sz="1000"/>
+            </a:lvl9pPr>
+          </a:lstStyle>
+          <a:p>
+            <a:pPr lvl="0"/>
+            <a:r>
+              <a:rPr lang="fr-FR"/>
+              <a:t>Modifier les styles du texte du masque</a:t>
+            </a:r>
+          </a:p>
+        </p:txBody>
+      </p:sp>
+      <p:sp>
+        <p:nvSpPr>
+          <p:cNvPr id="5" name="Espace réservé de la date 4">
+            <a:extLst>
+              <a:ext uri="{FF2B5EF4-FFF2-40B4-BE49-F238E27FC236}">
+                <a16:creationId xmlns:a16="http://schemas.microsoft.com/office/drawing/2014/main" id="{97BBFA82-92FF-4222-8C00-617364A9886B}"/>
+              </a:ext>
+            </a:extLst>
+          </p:cNvPr>
+          <p:cNvSpPr>
+            <a:spLocks noGrp="1"/>
+          </p:cNvSpPr>
+          <p:nvPr>
+            <p:ph type="dt" sz="half" idx="10"/>
+          </p:nvPr>
+        </p:nvSpPr>
+        <p:spPr/>
+        <p:txBody>
+          <a:bodyPr/>
+          <a:lstStyle/>
+          <a:p>
+            <a:fld id="{6B5966FC-E2A4-4A41-ABE3-89077E29579A}" type="datetimeFigureOut">
+              <a:rPr lang="fr-FR" smtClean="0"/>
+              <a:t>07/02/2019</a:t>
+            </a:fld>
+            <a:endParaRPr lang="fr-FR"/>
+          </a:p>
+        </p:txBody>
+      </p:sp>
+      <p:sp>
+        <p:nvSpPr>
+          <p:cNvPr id="6" name="Espace réservé du pied de page 5">
+            <a:extLst>
+              <a:ext uri="{FF2B5EF4-FFF2-40B4-BE49-F238E27FC236}">
+                <a16:creationId xmlns:a16="http://schemas.microsoft.com/office/drawing/2014/main" id="{CE4B2707-ECB6-4DA1-9B96-EA1C0B7082CB}"/>
+              </a:ext>
+            </a:extLst>
+          </p:cNvPr>
+          <p:cNvSpPr>
+            <a:spLocks noGrp="1"/>
+          </p:cNvSpPr>
+          <p:nvPr>
+            <p:ph type="ftr" sz="quarter" idx="11"/>
+          </p:nvPr>
+        </p:nvSpPr>
+        <p:spPr/>
+        <p:txBody>
+          <a:bodyPr/>
+          <a:lstStyle/>
+          <a:p>
+            <a:endParaRPr lang="fr-FR"/>
+          </a:p>
+        </p:txBody>
+      </p:sp>
+      <p:sp>
+        <p:nvSpPr>
+          <p:cNvPr id="7" name="Espace réservé du numéro de diapositive 6">
+            <a:extLst>
+              <a:ext uri="{FF2B5EF4-FFF2-40B4-BE49-F238E27FC236}">
+                <a16:creationId xmlns:a16="http://schemas.microsoft.com/office/drawing/2014/main" id="{5DFF1926-7F8D-4B6D-8565-4CC28AE6C884}"/>
+              </a:ext>
+            </a:extLst>
+          </p:cNvPr>
+          <p:cNvSpPr>
+            <a:spLocks noGrp="1"/>
+          </p:cNvSpPr>
+          <p:nvPr>
+            <p:ph type="sldNum" sz="quarter" idx="12"/>
+          </p:nvPr>
+        </p:nvSpPr>
+        <p:spPr/>
+        <p:txBody>
+          <a:bodyPr/>
+          <a:lstStyle/>
+          <a:p>
+            <a:fld id="{3991DC1B-8E41-4C6D-8018-8A9D9F046406}" type="slidenum">
+              <a:rPr lang="fr-FR" smtClean="0"/>
+              <a:t>‹N°›</a:t>
+            </a:fld>
+            <a:endParaRPr lang="fr-FR"/>
+          </a:p>
+        </p:txBody>
+      </p:sp>
+    </p:spTree>
+    <p:extLst>
+      <p:ext uri="{BB962C8B-B14F-4D97-AF65-F5344CB8AC3E}">
+        <p14:creationId xmlns:p14="http://schemas.microsoft.com/office/powerpoint/2010/main" val="1446969159"/>
+      </p:ext>
+    </p:extLst>
+  </p:cSld>
+  <p:clrMapOvr>
+    <a:masterClrMapping/>
+  </p:clrMapOvr>
+</p:sldLayout>
+</file>
+
+<file path=ppt/slideLayouts/slideLayout23.xml><?xml version="1.0" encoding="utf-8"?>
+<p:sldLayout xmlns:a="http://schemas.openxmlformats.org/drawingml/2006/main" xmlns:r="http://schemas.openxmlformats.org/officeDocument/2006/relationships" xmlns:p="http://schemas.openxmlformats.org/presentationml/2006/main" type="picTx" preserve="1">
+  <p:cSld name="Image avec légende">
+    <p:spTree>
+      <p:nvGrpSpPr>
+        <p:cNvPr id="1" name=""/>
+        <p:cNvGrpSpPr/>
+        <p:nvPr/>
+      </p:nvGrpSpPr>
+      <p:grpSpPr>
+        <a:xfrm>
+          <a:off x="0" y="0"/>
+          <a:ext cx="0" cy="0"/>
+          <a:chOff x="0" y="0"/>
+          <a:chExt cx="0" cy="0"/>
+        </a:xfrm>
+      </p:grpSpPr>
+      <p:sp>
+        <p:nvSpPr>
+          <p:cNvPr id="2" name="Titre 1">
+            <a:extLst>
+              <a:ext uri="{FF2B5EF4-FFF2-40B4-BE49-F238E27FC236}">
+                <a16:creationId xmlns:a16="http://schemas.microsoft.com/office/drawing/2014/main" id="{0240633F-EE15-49AC-B20F-F8349B8C8816}"/>
+              </a:ext>
+            </a:extLst>
+          </p:cNvPr>
+          <p:cNvSpPr>
+            <a:spLocks noGrp="1"/>
+          </p:cNvSpPr>
+          <p:nvPr>
+            <p:ph type="title"/>
+          </p:nvPr>
+        </p:nvSpPr>
+        <p:spPr>
+          <a:xfrm>
+            <a:off x="839788" y="457200"/>
+            <a:ext cx="3932237" cy="1600200"/>
+          </a:xfrm>
+        </p:spPr>
+        <p:txBody>
+          <a:bodyPr anchor="b"/>
+          <a:lstStyle>
+            <a:lvl1pPr>
+              <a:defRPr sz="3200"/>
+            </a:lvl1pPr>
+          </a:lstStyle>
+          <a:p>
+            <a:r>
+              <a:rPr lang="fr-FR"/>
+              <a:t>Modifiez le style du titre</a:t>
+            </a:r>
+          </a:p>
+        </p:txBody>
+      </p:sp>
+      <p:sp>
+        <p:nvSpPr>
+          <p:cNvPr id="3" name="Espace réservé pour une image  2">
+            <a:extLst>
+              <a:ext uri="{FF2B5EF4-FFF2-40B4-BE49-F238E27FC236}">
+                <a16:creationId xmlns:a16="http://schemas.microsoft.com/office/drawing/2014/main" id="{FFA265FF-8B7A-40D7-A074-739C0CFE488E}"/>
+              </a:ext>
+            </a:extLst>
+          </p:cNvPr>
+          <p:cNvSpPr>
+            <a:spLocks noGrp="1"/>
+          </p:cNvSpPr>
+          <p:nvPr>
+            <p:ph type="pic" idx="1"/>
+          </p:nvPr>
+        </p:nvSpPr>
+        <p:spPr>
+          <a:xfrm>
+            <a:off x="5183188" y="987425"/>
+            <a:ext cx="6172200" cy="4873625"/>
+          </a:xfrm>
+        </p:spPr>
+        <p:txBody>
+          <a:bodyPr/>
+          <a:lstStyle>
+            <a:lvl1pPr marL="0" indent="0">
+              <a:buNone/>
+              <a:defRPr sz="3200"/>
+            </a:lvl1pPr>
+            <a:lvl2pPr marL="457200" indent="0">
+              <a:buNone/>
+              <a:defRPr sz="2800"/>
+            </a:lvl2pPr>
+            <a:lvl3pPr marL="914400" indent="0">
+              <a:buNone/>
+              <a:defRPr sz="2400"/>
+            </a:lvl3pPr>
+            <a:lvl4pPr marL="1371600" indent="0">
+              <a:buNone/>
+              <a:defRPr sz="2000"/>
+            </a:lvl4pPr>
+            <a:lvl5pPr marL="1828800" indent="0">
+              <a:buNone/>
+              <a:defRPr sz="2000"/>
+            </a:lvl5pPr>
+            <a:lvl6pPr marL="2286000" indent="0">
+              <a:buNone/>
+              <a:defRPr sz="2000"/>
+            </a:lvl6pPr>
+            <a:lvl7pPr marL="2743200" indent="0">
+              <a:buNone/>
+              <a:defRPr sz="2000"/>
+            </a:lvl7pPr>
+            <a:lvl8pPr marL="3200400" indent="0">
+              <a:buNone/>
+              <a:defRPr sz="2000"/>
+            </a:lvl8pPr>
+            <a:lvl9pPr marL="3657600" indent="0">
+              <a:buNone/>
+              <a:defRPr sz="2000"/>
+            </a:lvl9pPr>
+          </a:lstStyle>
+          <a:p>
+            <a:endParaRPr lang="fr-FR"/>
+          </a:p>
+        </p:txBody>
+      </p:sp>
+      <p:sp>
+        <p:nvSpPr>
+          <p:cNvPr id="4" name="Espace réservé du texte 3">
+            <a:extLst>
+              <a:ext uri="{FF2B5EF4-FFF2-40B4-BE49-F238E27FC236}">
+                <a16:creationId xmlns:a16="http://schemas.microsoft.com/office/drawing/2014/main" id="{D21B4CB9-ECD8-4AC6-BB05-203B6B3EC5EB}"/>
+              </a:ext>
+            </a:extLst>
+          </p:cNvPr>
+          <p:cNvSpPr>
+            <a:spLocks noGrp="1"/>
+          </p:cNvSpPr>
+          <p:nvPr>
+            <p:ph type="body" sz="half" idx="2"/>
+          </p:nvPr>
+        </p:nvSpPr>
+        <p:spPr>
+          <a:xfrm>
+            <a:off x="839788" y="2057400"/>
+            <a:ext cx="3932237" cy="3811588"/>
+          </a:xfrm>
+        </p:spPr>
+        <p:txBody>
+          <a:bodyPr/>
+          <a:lstStyle>
+            <a:lvl1pPr marL="0" indent="0">
+              <a:buNone/>
+              <a:defRPr sz="1600"/>
+            </a:lvl1pPr>
+            <a:lvl2pPr marL="457200" indent="0">
+              <a:buNone/>
+              <a:defRPr sz="1400"/>
+            </a:lvl2pPr>
+            <a:lvl3pPr marL="914400" indent="0">
+              <a:buNone/>
+              <a:defRPr sz="1200"/>
+            </a:lvl3pPr>
+            <a:lvl4pPr marL="1371600" indent="0">
+              <a:buNone/>
+              <a:defRPr sz="1000"/>
+            </a:lvl4pPr>
+            <a:lvl5pPr marL="1828800" indent="0">
+              <a:buNone/>
+              <a:defRPr sz="1000"/>
+            </a:lvl5pPr>
+            <a:lvl6pPr marL="2286000" indent="0">
+              <a:buNone/>
+              <a:defRPr sz="1000"/>
+            </a:lvl6pPr>
+            <a:lvl7pPr marL="2743200" indent="0">
+              <a:buNone/>
+              <a:defRPr sz="1000"/>
+            </a:lvl7pPr>
+            <a:lvl8pPr marL="3200400" indent="0">
+              <a:buNone/>
+              <a:defRPr sz="1000"/>
+            </a:lvl8pPr>
+            <a:lvl9pPr marL="3657600" indent="0">
+              <a:buNone/>
+              <a:defRPr sz="1000"/>
+            </a:lvl9pPr>
+          </a:lstStyle>
+          <a:p>
+            <a:pPr lvl="0"/>
+            <a:r>
+              <a:rPr lang="fr-FR"/>
+              <a:t>Modifier les styles du texte du masque</a:t>
+            </a:r>
+          </a:p>
+        </p:txBody>
+      </p:sp>
+      <p:sp>
+        <p:nvSpPr>
+          <p:cNvPr id="5" name="Espace réservé de la date 4">
+            <a:extLst>
+              <a:ext uri="{FF2B5EF4-FFF2-40B4-BE49-F238E27FC236}">
+                <a16:creationId xmlns:a16="http://schemas.microsoft.com/office/drawing/2014/main" id="{6B592455-A689-4346-9928-AF0C391094BA}"/>
+              </a:ext>
+            </a:extLst>
+          </p:cNvPr>
+          <p:cNvSpPr>
+            <a:spLocks noGrp="1"/>
+          </p:cNvSpPr>
+          <p:nvPr>
+            <p:ph type="dt" sz="half" idx="10"/>
+          </p:nvPr>
+        </p:nvSpPr>
+        <p:spPr/>
+        <p:txBody>
+          <a:bodyPr/>
+          <a:lstStyle/>
+          <a:p>
+            <a:fld id="{6B5966FC-E2A4-4A41-ABE3-89077E29579A}" type="datetimeFigureOut">
+              <a:rPr lang="fr-FR" smtClean="0"/>
+              <a:t>07/02/2019</a:t>
+            </a:fld>
+            <a:endParaRPr lang="fr-FR"/>
+          </a:p>
+        </p:txBody>
+      </p:sp>
+      <p:sp>
+        <p:nvSpPr>
+          <p:cNvPr id="6" name="Espace réservé du pied de page 5">
+            <a:extLst>
+              <a:ext uri="{FF2B5EF4-FFF2-40B4-BE49-F238E27FC236}">
+                <a16:creationId xmlns:a16="http://schemas.microsoft.com/office/drawing/2014/main" id="{8C706596-2FEF-4CC6-B79F-10FEF51FF6FB}"/>
+              </a:ext>
+            </a:extLst>
+          </p:cNvPr>
+          <p:cNvSpPr>
+            <a:spLocks noGrp="1"/>
+          </p:cNvSpPr>
+          <p:nvPr>
+            <p:ph type="ftr" sz="quarter" idx="11"/>
+          </p:nvPr>
+        </p:nvSpPr>
+        <p:spPr/>
+        <p:txBody>
+          <a:bodyPr/>
+          <a:lstStyle/>
+          <a:p>
+            <a:endParaRPr lang="fr-FR"/>
+          </a:p>
+        </p:txBody>
+      </p:sp>
+      <p:sp>
+        <p:nvSpPr>
+          <p:cNvPr id="7" name="Espace réservé du numéro de diapositive 6">
+            <a:extLst>
+              <a:ext uri="{FF2B5EF4-FFF2-40B4-BE49-F238E27FC236}">
+                <a16:creationId xmlns:a16="http://schemas.microsoft.com/office/drawing/2014/main" id="{3F5E6022-04C8-472B-9647-C02E0BD8418B}"/>
+              </a:ext>
+            </a:extLst>
+          </p:cNvPr>
+          <p:cNvSpPr>
+            <a:spLocks noGrp="1"/>
+          </p:cNvSpPr>
+          <p:nvPr>
+            <p:ph type="sldNum" sz="quarter" idx="12"/>
+          </p:nvPr>
+        </p:nvSpPr>
+        <p:spPr/>
+        <p:txBody>
+          <a:bodyPr/>
+          <a:lstStyle/>
+          <a:p>
+            <a:fld id="{3991DC1B-8E41-4C6D-8018-8A9D9F046406}" type="slidenum">
+              <a:rPr lang="fr-FR" smtClean="0"/>
+              <a:t>‹N°›</a:t>
+            </a:fld>
+            <a:endParaRPr lang="fr-FR"/>
+          </a:p>
+        </p:txBody>
+      </p:sp>
+    </p:spTree>
+    <p:extLst>
+      <p:ext uri="{BB962C8B-B14F-4D97-AF65-F5344CB8AC3E}">
+        <p14:creationId xmlns:p14="http://schemas.microsoft.com/office/powerpoint/2010/main" val="4246376271"/>
+      </p:ext>
+    </p:extLst>
+  </p:cSld>
+  <p:clrMapOvr>
+    <a:masterClrMapping/>
+  </p:clrMapOvr>
+</p:sldLayout>
+</file>
+
+<file path=ppt/slideLayouts/slideLayout24.xml><?xml version="1.0" encoding="utf-8"?>
+<p:sldLayout xmlns:a="http://schemas.openxmlformats.org/drawingml/2006/main" xmlns:r="http://schemas.openxmlformats.org/officeDocument/2006/relationships" xmlns:p="http://schemas.openxmlformats.org/presentationml/2006/main" type="vertTx" preserve="1">
+  <p:cSld name="Titre et texte vertical">
+    <p:spTree>
+      <p:nvGrpSpPr>
+        <p:cNvPr id="1" name=""/>
+        <p:cNvGrpSpPr/>
+        <p:nvPr/>
+      </p:nvGrpSpPr>
+      <p:grpSpPr>
+        <a:xfrm>
+          <a:off x="0" y="0"/>
+          <a:ext cx="0" cy="0"/>
+          <a:chOff x="0" y="0"/>
+          <a:chExt cx="0" cy="0"/>
+        </a:xfrm>
+      </p:grpSpPr>
+      <p:sp>
+        <p:nvSpPr>
+          <p:cNvPr id="2" name="Titre 1">
+            <a:extLst>
+              <a:ext uri="{FF2B5EF4-FFF2-40B4-BE49-F238E27FC236}">
+                <a16:creationId xmlns:a16="http://schemas.microsoft.com/office/drawing/2014/main" id="{B9202459-975F-4917-BCA1-5B2CD25C06BA}"/>
+              </a:ext>
+            </a:extLst>
+          </p:cNvPr>
+          <p:cNvSpPr>
+            <a:spLocks noGrp="1"/>
+          </p:cNvSpPr>
+          <p:nvPr>
+            <p:ph type="title"/>
+          </p:nvPr>
+        </p:nvSpPr>
+        <p:spPr/>
+        <p:txBody>
+          <a:bodyPr/>
+          <a:lstStyle/>
+          <a:p>
+            <a:r>
+              <a:rPr lang="fr-FR"/>
+              <a:t>Modifiez le style du titre</a:t>
+            </a:r>
+          </a:p>
+        </p:txBody>
+      </p:sp>
+      <p:sp>
+        <p:nvSpPr>
+          <p:cNvPr id="3" name="Espace réservé du texte vertical 2">
+            <a:extLst>
+              <a:ext uri="{FF2B5EF4-FFF2-40B4-BE49-F238E27FC236}">
+                <a16:creationId xmlns:a16="http://schemas.microsoft.com/office/drawing/2014/main" id="{516751CD-676B-45EA-8140-1301B38C94B8}"/>
+              </a:ext>
+            </a:extLst>
+          </p:cNvPr>
+          <p:cNvSpPr>
+            <a:spLocks noGrp="1"/>
+          </p:cNvSpPr>
+          <p:nvPr>
+            <p:ph type="body" orient="vert" idx="1"/>
+          </p:nvPr>
+        </p:nvSpPr>
+        <p:spPr/>
+        <p:txBody>
+          <a:bodyPr vert="eaVert"/>
+          <a:lstStyle/>
+          <a:p>
+            <a:pPr lvl="0"/>
+            <a:r>
+              <a:rPr lang="fr-FR"/>
+              <a:t>Modifier les styles du texte du masque</a:t>
+            </a:r>
+          </a:p>
+          <a:p>
+            <a:pPr lvl="1"/>
+            <a:r>
+              <a:rPr lang="fr-FR"/>
+              <a:t>Deuxième niveau</a:t>
+            </a:r>
+          </a:p>
+          <a:p>
+            <a:pPr lvl="2"/>
+            <a:r>
+              <a:rPr lang="fr-FR"/>
+              <a:t>Troisième niveau</a:t>
+            </a:r>
+          </a:p>
+          <a:p>
+            <a:pPr lvl="3"/>
+            <a:r>
+              <a:rPr lang="fr-FR"/>
+              <a:t>Quatrième niveau</a:t>
+            </a:r>
+          </a:p>
+          <a:p>
+            <a:pPr lvl="4"/>
+            <a:r>
+              <a:rPr lang="fr-FR"/>
+              <a:t>Cinquième niveau</a:t>
+            </a:r>
+          </a:p>
+        </p:txBody>
+      </p:sp>
+      <p:sp>
+        <p:nvSpPr>
+          <p:cNvPr id="4" name="Espace réservé de la date 3">
+            <a:extLst>
+              <a:ext uri="{FF2B5EF4-FFF2-40B4-BE49-F238E27FC236}">
+                <a16:creationId xmlns:a16="http://schemas.microsoft.com/office/drawing/2014/main" id="{F2261A2E-62E9-4017-814D-2992D1228516}"/>
+              </a:ext>
+            </a:extLst>
+          </p:cNvPr>
+          <p:cNvSpPr>
+            <a:spLocks noGrp="1"/>
+          </p:cNvSpPr>
+          <p:nvPr>
+            <p:ph type="dt" sz="half" idx="10"/>
+          </p:nvPr>
+        </p:nvSpPr>
+        <p:spPr/>
+        <p:txBody>
+          <a:bodyPr/>
+          <a:lstStyle/>
+          <a:p>
+            <a:fld id="{6B5966FC-E2A4-4A41-ABE3-89077E29579A}" type="datetimeFigureOut">
+              <a:rPr lang="fr-FR" smtClean="0"/>
+              <a:t>07/02/2019</a:t>
+            </a:fld>
+            <a:endParaRPr lang="fr-FR"/>
+          </a:p>
+        </p:txBody>
+      </p:sp>
+      <p:sp>
+        <p:nvSpPr>
+          <p:cNvPr id="5" name="Espace réservé du pied de page 4">
+            <a:extLst>
+              <a:ext uri="{FF2B5EF4-FFF2-40B4-BE49-F238E27FC236}">
+                <a16:creationId xmlns:a16="http://schemas.microsoft.com/office/drawing/2014/main" id="{8652F141-7B16-42AB-8C50-6B1B57F7BF7E}"/>
+              </a:ext>
+            </a:extLst>
+          </p:cNvPr>
+          <p:cNvSpPr>
+            <a:spLocks noGrp="1"/>
+          </p:cNvSpPr>
+          <p:nvPr>
+            <p:ph type="ftr" sz="quarter" idx="11"/>
+          </p:nvPr>
+        </p:nvSpPr>
+        <p:spPr/>
+        <p:txBody>
+          <a:bodyPr/>
+          <a:lstStyle/>
+          <a:p>
+            <a:endParaRPr lang="fr-FR"/>
+          </a:p>
+        </p:txBody>
+      </p:sp>
+      <p:sp>
+        <p:nvSpPr>
+          <p:cNvPr id="6" name="Espace réservé du numéro de diapositive 5">
+            <a:extLst>
+              <a:ext uri="{FF2B5EF4-FFF2-40B4-BE49-F238E27FC236}">
+                <a16:creationId xmlns:a16="http://schemas.microsoft.com/office/drawing/2014/main" id="{F0F29A2A-EAE2-4ED2-B598-230960A0C143}"/>
+              </a:ext>
+            </a:extLst>
+          </p:cNvPr>
+          <p:cNvSpPr>
+            <a:spLocks noGrp="1"/>
+          </p:cNvSpPr>
+          <p:nvPr>
+            <p:ph type="sldNum" sz="quarter" idx="12"/>
+          </p:nvPr>
+        </p:nvSpPr>
+        <p:spPr/>
+        <p:txBody>
+          <a:bodyPr/>
+          <a:lstStyle/>
+          <a:p>
+            <a:fld id="{3991DC1B-8E41-4C6D-8018-8A9D9F046406}" type="slidenum">
+              <a:rPr lang="fr-FR" smtClean="0"/>
+              <a:t>‹N°›</a:t>
+            </a:fld>
+            <a:endParaRPr lang="fr-FR"/>
+          </a:p>
+        </p:txBody>
+      </p:sp>
+    </p:spTree>
+    <p:extLst>
+      <p:ext uri="{BB962C8B-B14F-4D97-AF65-F5344CB8AC3E}">
+        <p14:creationId xmlns:p14="http://schemas.microsoft.com/office/powerpoint/2010/main" val="4000347686"/>
+      </p:ext>
+    </p:extLst>
+  </p:cSld>
+  <p:clrMapOvr>
+    <a:masterClrMapping/>
+  </p:clrMapOvr>
+</p:sldLayout>
+</file>
+
+<file path=ppt/slideLayouts/slideLayout25.xml><?xml version="1.0" encoding="utf-8"?>
+<p:sldLayout xmlns:a="http://schemas.openxmlformats.org/drawingml/2006/main" xmlns:r="http://schemas.openxmlformats.org/officeDocument/2006/relationships" xmlns:p="http://schemas.openxmlformats.org/presentationml/2006/main" type="vertTitleAndTx" preserve="1">
+  <p:cSld name="Titre vertical et texte">
+    <p:spTree>
+      <p:nvGrpSpPr>
+        <p:cNvPr id="1" name=""/>
+        <p:cNvGrpSpPr/>
+        <p:nvPr/>
+      </p:nvGrpSpPr>
+      <p:grpSpPr>
+        <a:xfrm>
+          <a:off x="0" y="0"/>
+          <a:ext cx="0" cy="0"/>
+          <a:chOff x="0" y="0"/>
+          <a:chExt cx="0" cy="0"/>
+        </a:xfrm>
+      </p:grpSpPr>
+      <p:sp>
+        <p:nvSpPr>
+          <p:cNvPr id="2" name="Titre vertical 1">
+            <a:extLst>
+              <a:ext uri="{FF2B5EF4-FFF2-40B4-BE49-F238E27FC236}">
+                <a16:creationId xmlns:a16="http://schemas.microsoft.com/office/drawing/2014/main" id="{E619A28F-B09B-4621-92D6-BC0B4E90D3AD}"/>
+              </a:ext>
+            </a:extLst>
+          </p:cNvPr>
+          <p:cNvSpPr>
+            <a:spLocks noGrp="1"/>
+          </p:cNvSpPr>
+          <p:nvPr>
+            <p:ph type="title" orient="vert"/>
+          </p:nvPr>
+        </p:nvSpPr>
+        <p:spPr>
+          <a:xfrm>
+            <a:off x="8724900" y="365125"/>
+            <a:ext cx="2628900" cy="5811838"/>
+          </a:xfrm>
+        </p:spPr>
+        <p:txBody>
+          <a:bodyPr vert="eaVert"/>
+          <a:lstStyle/>
+          <a:p>
+            <a:r>
+              <a:rPr lang="fr-FR"/>
+              <a:t>Modifiez le style du titre</a:t>
+            </a:r>
+          </a:p>
+        </p:txBody>
+      </p:sp>
+      <p:sp>
+        <p:nvSpPr>
+          <p:cNvPr id="3" name="Espace réservé du texte vertical 2">
+            <a:extLst>
+              <a:ext uri="{FF2B5EF4-FFF2-40B4-BE49-F238E27FC236}">
+                <a16:creationId xmlns:a16="http://schemas.microsoft.com/office/drawing/2014/main" id="{DF3DA765-3830-48B7-A288-891FE40EF15C}"/>
+              </a:ext>
+            </a:extLst>
+          </p:cNvPr>
+          <p:cNvSpPr>
+            <a:spLocks noGrp="1"/>
+          </p:cNvSpPr>
+          <p:nvPr>
+            <p:ph type="body" orient="vert" idx="1"/>
+          </p:nvPr>
+        </p:nvSpPr>
+        <p:spPr>
+          <a:xfrm>
+            <a:off x="838200" y="365125"/>
+            <a:ext cx="7734300" cy="5811838"/>
+          </a:xfrm>
+        </p:spPr>
+        <p:txBody>
+          <a:bodyPr vert="eaVert"/>
+          <a:lstStyle/>
+          <a:p>
+            <a:pPr lvl="0"/>
+            <a:r>
+              <a:rPr lang="fr-FR"/>
+              <a:t>Modifier les styles du texte du masque</a:t>
+            </a:r>
+          </a:p>
+          <a:p>
+            <a:pPr lvl="1"/>
+            <a:r>
+              <a:rPr lang="fr-FR"/>
+              <a:t>Deuxième niveau</a:t>
+            </a:r>
+          </a:p>
+          <a:p>
+            <a:pPr lvl="2"/>
+            <a:r>
+              <a:rPr lang="fr-FR"/>
+              <a:t>Troisième niveau</a:t>
+            </a:r>
+          </a:p>
+          <a:p>
+            <a:pPr lvl="3"/>
+            <a:r>
+              <a:rPr lang="fr-FR"/>
+              <a:t>Quatrième niveau</a:t>
+            </a:r>
+          </a:p>
+          <a:p>
+            <a:pPr lvl="4"/>
+            <a:r>
+              <a:rPr lang="fr-FR"/>
+              <a:t>Cinquième niveau</a:t>
+            </a:r>
+          </a:p>
+        </p:txBody>
+      </p:sp>
+      <p:sp>
+        <p:nvSpPr>
+          <p:cNvPr id="4" name="Espace réservé de la date 3">
+            <a:extLst>
+              <a:ext uri="{FF2B5EF4-FFF2-40B4-BE49-F238E27FC236}">
+                <a16:creationId xmlns:a16="http://schemas.microsoft.com/office/drawing/2014/main" id="{BC15F309-3A63-4A67-98E3-E87CAF0D65CA}"/>
+              </a:ext>
+            </a:extLst>
+          </p:cNvPr>
+          <p:cNvSpPr>
+            <a:spLocks noGrp="1"/>
+          </p:cNvSpPr>
+          <p:nvPr>
+            <p:ph type="dt" sz="half" idx="10"/>
+          </p:nvPr>
+        </p:nvSpPr>
+        <p:spPr/>
+        <p:txBody>
+          <a:bodyPr/>
+          <a:lstStyle/>
+          <a:p>
+            <a:fld id="{6B5966FC-E2A4-4A41-ABE3-89077E29579A}" type="datetimeFigureOut">
+              <a:rPr lang="fr-FR" smtClean="0"/>
+              <a:t>07/02/2019</a:t>
+            </a:fld>
+            <a:endParaRPr lang="fr-FR"/>
+          </a:p>
+        </p:txBody>
+      </p:sp>
+      <p:sp>
+        <p:nvSpPr>
+          <p:cNvPr id="5" name="Espace réservé du pied de page 4">
+            <a:extLst>
+              <a:ext uri="{FF2B5EF4-FFF2-40B4-BE49-F238E27FC236}">
+                <a16:creationId xmlns:a16="http://schemas.microsoft.com/office/drawing/2014/main" id="{BED52247-FAD2-4CAC-A2F6-AE0B0148526F}"/>
+              </a:ext>
+            </a:extLst>
+          </p:cNvPr>
+          <p:cNvSpPr>
+            <a:spLocks noGrp="1"/>
+          </p:cNvSpPr>
+          <p:nvPr>
+            <p:ph type="ftr" sz="quarter" idx="11"/>
+          </p:nvPr>
+        </p:nvSpPr>
+        <p:spPr/>
+        <p:txBody>
+          <a:bodyPr/>
+          <a:lstStyle/>
+          <a:p>
+            <a:endParaRPr lang="fr-FR"/>
+          </a:p>
+        </p:txBody>
+      </p:sp>
+      <p:sp>
+        <p:nvSpPr>
+          <p:cNvPr id="6" name="Espace réservé du numéro de diapositive 5">
+            <a:extLst>
+              <a:ext uri="{FF2B5EF4-FFF2-40B4-BE49-F238E27FC236}">
+                <a16:creationId xmlns:a16="http://schemas.microsoft.com/office/drawing/2014/main" id="{46C8868A-AF3A-4379-97A5-74C25EEBFE4C}"/>
+              </a:ext>
+            </a:extLst>
+          </p:cNvPr>
+          <p:cNvSpPr>
+            <a:spLocks noGrp="1"/>
+          </p:cNvSpPr>
+          <p:nvPr>
+            <p:ph type="sldNum" sz="quarter" idx="12"/>
+          </p:nvPr>
+        </p:nvSpPr>
+        <p:spPr/>
+        <p:txBody>
+          <a:bodyPr/>
+          <a:lstStyle/>
+          <a:p>
+            <a:fld id="{3991DC1B-8E41-4C6D-8018-8A9D9F046406}" type="slidenum">
+              <a:rPr lang="fr-FR" smtClean="0"/>
+              <a:t>‹N°›</a:t>
+            </a:fld>
+            <a:endParaRPr lang="fr-FR"/>
+          </a:p>
+        </p:txBody>
+      </p:sp>
+    </p:spTree>
+    <p:extLst>
+      <p:ext uri="{BB962C8B-B14F-4D97-AF65-F5344CB8AC3E}">
+        <p14:creationId xmlns:p14="http://schemas.microsoft.com/office/powerpoint/2010/main" val="606332859"/>
+      </p:ext>
+    </p:extLst>
   </p:cSld>
   <p:clrMapOvr>
     <a:masterClrMapping/>
@@ -2596,6 +5393,9 @@
             <a:off x="810000" y="2951396"/>
             <a:ext cx="10561418" cy="1468800"/>
           </a:xfrm>
+          <a:prstGeom prst="rect">
+            <a:avLst/>
+          </a:prstGeom>
         </p:spPr>
         <p:txBody>
           <a:bodyPr anchor="b"/>
@@ -2628,6 +5428,9 @@
             <a:off x="810000" y="5281201"/>
             <a:ext cx="10561418" cy="433955"/>
           </a:xfrm>
+          <a:prstGeom prst="rect">
+            <a:avLst/>
+          </a:prstGeom>
         </p:spPr>
         <p:txBody>
           <a:bodyPr anchor="t">
@@ -2742,7 +5545,15 @@
             <p:ph type="dt" sz="half" idx="10"/>
           </p:nvPr>
         </p:nvSpPr>
-        <p:spPr/>
+        <p:spPr>
+          <a:xfrm>
+            <a:off x="9334626" y="6041362"/>
+            <a:ext cx="1343706" cy="365125"/>
+          </a:xfrm>
+          <a:prstGeom prst="rect">
+            <a:avLst/>
+          </a:prstGeom>
+        </p:spPr>
         <p:txBody>
           <a:bodyPr/>
           <a:lstStyle/>
@@ -2750,7 +5561,7 @@
             <a:fld id="{8DFA1846-DA80-1C48-A609-854EA85C59AD}" type="datetimeFigureOut">
               <a:rPr lang="en-US" dirty="0"/>
               <a:pPr/>
-              <a:t>2/6/2019</a:t>
+              <a:t>2/7/2019</a:t>
             </a:fld>
             <a:endParaRPr lang="en-US" dirty="0"/>
           </a:p>
@@ -2785,7 +5596,15 @@
             <p:ph type="sldNum" sz="quarter" idx="12"/>
           </p:nvPr>
         </p:nvSpPr>
-        <p:spPr/>
+        <p:spPr>
+          <a:xfrm>
+            <a:off x="10678331" y="5915888"/>
+            <a:ext cx="1062155" cy="490599"/>
+          </a:xfrm>
+          <a:prstGeom prst="rect">
+            <a:avLst/>
+          </a:prstGeom>
+        </p:spPr>
         <p:txBody>
           <a:bodyPr/>
           <a:lstStyle/>
@@ -2901,7 +5720,7 @@
           <a:ln/>
           <a:extLst>
             <a:ext uri="{91240B29-F687-4f45-9708-019B960494DF}">
-              <a14:hiddenLine xmlns:a14="http://schemas.microsoft.com/office/drawing/2010/main" xmlns="" w="9525">
+              <a14:hiddenLine xmlns="" xmlns:a14="http://schemas.microsoft.com/office/drawing/2010/main" w="9525">
                 <a:solidFill>
                   <a:srgbClr val="000000"/>
                 </a:solidFill>
@@ -2937,7 +5756,15 @@
             <p:ph type="title"/>
           </p:nvPr>
         </p:nvSpPr>
-        <p:spPr/>
+        <p:spPr>
+          <a:xfrm>
+            <a:off x="810000" y="447188"/>
+            <a:ext cx="10571998" cy="970450"/>
+          </a:xfrm>
+          <a:prstGeom prst="rect">
+            <a:avLst/>
+          </a:prstGeom>
+        </p:spPr>
         <p:txBody>
           <a:bodyPr/>
           <a:lstStyle/>
@@ -2965,6 +5792,9 @@
             <a:off x="818712" y="2222287"/>
             <a:ext cx="5185873" cy="3638763"/>
           </a:xfrm>
+          <a:prstGeom prst="rect">
+            <a:avLst/>
+          </a:prstGeom>
         </p:spPr>
         <p:txBody>
           <a:bodyPr>
@@ -3024,6 +5854,9 @@
             <a:off x="6187415" y="2222287"/>
             <a:ext cx="5194583" cy="3638764"/>
           </a:xfrm>
+          <a:prstGeom prst="rect">
+            <a:avLst/>
+          </a:prstGeom>
         </p:spPr>
         <p:txBody>
           <a:bodyPr>
@@ -3078,7 +5911,15 @@
             <p:ph type="dt" sz="half" idx="10"/>
           </p:nvPr>
         </p:nvSpPr>
-        <p:spPr/>
+        <p:spPr>
+          <a:xfrm>
+            <a:off x="9334626" y="6041362"/>
+            <a:ext cx="1343706" cy="365125"/>
+          </a:xfrm>
+          <a:prstGeom prst="rect">
+            <a:avLst/>
+          </a:prstGeom>
+        </p:spPr>
         <p:txBody>
           <a:bodyPr/>
           <a:lstStyle/>
@@ -3086,7 +5927,7 @@
             <a:fld id="{57302355-E14B-8545-A8F8-0FE83CC9D524}" type="datetimeFigureOut">
               <a:rPr lang="en-US" dirty="0"/>
               <a:pPr/>
-              <a:t>2/6/2019</a:t>
+              <a:t>2/7/2019</a:t>
             </a:fld>
             <a:endParaRPr lang="en-US" dirty="0"/>
           </a:p>
@@ -3121,7 +5962,15 @@
             <p:ph type="sldNum" sz="quarter" idx="12"/>
           </p:nvPr>
         </p:nvSpPr>
-        <p:spPr/>
+        <p:spPr>
+          <a:xfrm>
+            <a:off x="10678331" y="5915888"/>
+            <a:ext cx="1062155" cy="490599"/>
+          </a:xfrm>
+          <a:prstGeom prst="rect">
+            <a:avLst/>
+          </a:prstGeom>
+        </p:spPr>
         <p:txBody>
           <a:bodyPr/>
           <a:lstStyle/>
@@ -3237,7 +6086,7 @@
           <a:ln/>
           <a:extLst>
             <a:ext uri="{91240B29-F687-4f45-9708-019B960494DF}">
-              <a14:hiddenLine xmlns:a14="http://schemas.microsoft.com/office/drawing/2010/main" xmlns="" w="9525">
+              <a14:hiddenLine xmlns="" xmlns:a14="http://schemas.microsoft.com/office/drawing/2010/main" w="9525">
                 <a:solidFill>
                   <a:srgbClr val="000000"/>
                 </a:solidFill>
@@ -3273,7 +6122,15 @@
             <p:ph type="title"/>
           </p:nvPr>
         </p:nvSpPr>
-        <p:spPr/>
+        <p:spPr>
+          <a:xfrm>
+            <a:off x="810000" y="447188"/>
+            <a:ext cx="10571998" cy="970450"/>
+          </a:xfrm>
+          <a:prstGeom prst="rect">
+            <a:avLst/>
+          </a:prstGeom>
+        </p:spPr>
         <p:txBody>
           <a:bodyPr/>
           <a:lstStyle>
@@ -3305,6 +6162,9 @@
             <a:off x="814728" y="2174875"/>
             <a:ext cx="5189857" cy="576262"/>
           </a:xfrm>
+          <a:prstGeom prst="rect">
+            <a:avLst/>
+          </a:prstGeom>
         </p:spPr>
         <p:txBody>
           <a:bodyPr anchor="b">
@@ -3372,6 +6232,9 @@
             <a:off x="814729" y="2751138"/>
             <a:ext cx="5189856" cy="3109913"/>
           </a:xfrm>
+          <a:prstGeom prst="rect">
+            <a:avLst/>
+          </a:prstGeom>
         </p:spPr>
         <p:txBody>
           <a:bodyPr anchor="t">
@@ -3431,6 +6294,9 @@
             <a:off x="6187415" y="2174875"/>
             <a:ext cx="5194583" cy="576262"/>
           </a:xfrm>
+          <a:prstGeom prst="rect">
+            <a:avLst/>
+          </a:prstGeom>
         </p:spPr>
         <p:txBody>
           <a:bodyPr anchor="b">
@@ -3498,6 +6364,9 @@
             <a:off x="6187415" y="2751138"/>
             <a:ext cx="5194583" cy="3109913"/>
           </a:xfrm>
+          <a:prstGeom prst="rect">
+            <a:avLst/>
+          </a:prstGeom>
         </p:spPr>
         <p:txBody>
           <a:bodyPr anchor="t">
@@ -3552,7 +6421,15 @@
             <p:ph type="dt" sz="half" idx="10"/>
           </p:nvPr>
         </p:nvSpPr>
-        <p:spPr/>
+        <p:spPr>
+          <a:xfrm>
+            <a:off x="9334626" y="6041362"/>
+            <a:ext cx="1343706" cy="365125"/>
+          </a:xfrm>
+          <a:prstGeom prst="rect">
+            <a:avLst/>
+          </a:prstGeom>
+        </p:spPr>
         <p:txBody>
           <a:bodyPr/>
           <a:lstStyle/>
@@ -3560,7 +6437,7 @@
             <a:fld id="{02640F58-564D-2B4F-AE67-E407BA4FCF45}" type="datetimeFigureOut">
               <a:rPr lang="en-US" dirty="0"/>
               <a:pPr/>
-              <a:t>2/6/2019</a:t>
+              <a:t>2/7/2019</a:t>
             </a:fld>
             <a:endParaRPr lang="en-US" dirty="0"/>
           </a:p>
@@ -3595,7 +6472,15 @@
             <p:ph type="sldNum" sz="quarter" idx="12"/>
           </p:nvPr>
         </p:nvSpPr>
-        <p:spPr/>
+        <p:spPr>
+          <a:xfrm>
+            <a:off x="10678331" y="5915888"/>
+            <a:ext cx="1062155" cy="490599"/>
+          </a:xfrm>
+          <a:prstGeom prst="rect">
+            <a:avLst/>
+          </a:prstGeom>
+        </p:spPr>
         <p:txBody>
           <a:bodyPr/>
           <a:lstStyle/>
@@ -3711,7 +6596,7 @@
           <a:ln/>
           <a:extLst>
             <a:ext uri="{91240B29-F687-4f45-9708-019B960494DF}">
-              <a14:hiddenLine xmlns:a14="http://schemas.microsoft.com/office/drawing/2010/main" xmlns="" w="9525">
+              <a14:hiddenLine xmlns="" xmlns:a14="http://schemas.microsoft.com/office/drawing/2010/main" w="9525">
                 <a:solidFill>
                   <a:srgbClr val="000000"/>
                 </a:solidFill>
@@ -3747,7 +6632,15 @@
             <p:ph type="title"/>
           </p:nvPr>
         </p:nvSpPr>
-        <p:spPr/>
+        <p:spPr>
+          <a:xfrm>
+            <a:off x="810000" y="447188"/>
+            <a:ext cx="10571998" cy="970450"/>
+          </a:xfrm>
+          <a:prstGeom prst="rect">
+            <a:avLst/>
+          </a:prstGeom>
+        </p:spPr>
         <p:txBody>
           <a:bodyPr/>
           <a:lstStyle/>
@@ -3770,7 +6663,15 @@
             <p:ph type="dt" sz="half" idx="10"/>
           </p:nvPr>
         </p:nvSpPr>
-        <p:spPr/>
+        <p:spPr>
+          <a:xfrm>
+            <a:off x="9334626" y="6041362"/>
+            <a:ext cx="1343706" cy="365125"/>
+          </a:xfrm>
+          <a:prstGeom prst="rect">
+            <a:avLst/>
+          </a:prstGeom>
+        </p:spPr>
         <p:txBody>
           <a:bodyPr/>
           <a:lstStyle/>
@@ -3778,7 +6679,7 @@
             <a:fld id="{F13A34C8-038E-2045-AF43-DF7DBB8E0E9E}" type="datetimeFigureOut">
               <a:rPr lang="en-US" dirty="0"/>
               <a:pPr/>
-              <a:t>2/6/2019</a:t>
+              <a:t>2/7/2019</a:t>
             </a:fld>
             <a:endParaRPr lang="en-US" dirty="0"/>
           </a:p>
@@ -3813,7 +6714,15 @@
             <p:ph type="sldNum" sz="quarter" idx="12"/>
           </p:nvPr>
         </p:nvSpPr>
-        <p:spPr/>
+        <p:spPr>
+          <a:xfrm>
+            <a:off x="10678331" y="5915888"/>
+            <a:ext cx="1062155" cy="490599"/>
+          </a:xfrm>
+          <a:prstGeom prst="rect">
+            <a:avLst/>
+          </a:prstGeom>
+        </p:spPr>
         <p:txBody>
           <a:bodyPr/>
           <a:lstStyle/>
@@ -3862,7 +6771,15 @@
             <p:ph type="dt" sz="half" idx="10"/>
           </p:nvPr>
         </p:nvSpPr>
-        <p:spPr/>
+        <p:spPr>
+          <a:xfrm>
+            <a:off x="9334626" y="6041362"/>
+            <a:ext cx="1343706" cy="365125"/>
+          </a:xfrm>
+          <a:prstGeom prst="rect">
+            <a:avLst/>
+          </a:prstGeom>
+        </p:spPr>
         <p:txBody>
           <a:bodyPr/>
           <a:lstStyle/>
@@ -3870,7 +6787,7 @@
             <a:fld id="{8818C68F-D26B-8F47-958C-23B49CF8A634}" type="datetimeFigureOut">
               <a:rPr lang="en-US" dirty="0"/>
               <a:pPr/>
-              <a:t>2/6/2019</a:t>
+              <a:t>2/7/2019</a:t>
             </a:fld>
             <a:endParaRPr lang="en-US" dirty="0"/>
           </a:p>
@@ -3905,7 +6822,15 @@
             <p:ph type="sldNum" sz="quarter" idx="12"/>
           </p:nvPr>
         </p:nvSpPr>
-        <p:spPr/>
+        <p:spPr>
+          <a:xfrm>
+            <a:off x="10678331" y="5915888"/>
+            <a:ext cx="1062155" cy="490599"/>
+          </a:xfrm>
+          <a:prstGeom prst="rect">
+            <a:avLst/>
+          </a:prstGeom>
+        </p:spPr>
         <p:txBody>
           <a:bodyPr/>
           <a:lstStyle/>
@@ -4134,7 +7059,7 @@
           <a:ln/>
           <a:extLst>
             <a:ext uri="{91240B29-F687-4f45-9708-019B960494DF}">
-              <a14:hiddenLine xmlns:a14="http://schemas.microsoft.com/office/drawing/2010/main" xmlns="" w="9525">
+              <a14:hiddenLine xmlns="" xmlns:a14="http://schemas.microsoft.com/office/drawing/2010/main" w="9525">
                 <a:solidFill>
                   <a:srgbClr val="000000"/>
                 </a:solidFill>
@@ -4175,6 +7100,9 @@
             <a:off x="1073151" y="446088"/>
             <a:ext cx="3547533" cy="1618396"/>
           </a:xfrm>
+          <a:prstGeom prst="rect">
+            <a:avLst/>
+          </a:prstGeom>
         </p:spPr>
         <p:txBody>
           <a:bodyPr anchor="b"/>
@@ -4207,6 +7135,9 @@
             <a:off x="4855633" y="446088"/>
             <a:ext cx="6252633" cy="5414963"/>
           </a:xfrm>
+          <a:prstGeom prst="rect">
+            <a:avLst/>
+          </a:prstGeom>
         </p:spPr>
         <p:txBody>
           <a:bodyPr>
@@ -4266,6 +7197,9 @@
             <a:off x="1073151" y="2260738"/>
             <a:ext cx="3547533" cy="3600311"/>
           </a:xfrm>
+          <a:prstGeom prst="rect">
+            <a:avLst/>
+          </a:prstGeom>
         </p:spPr>
         <p:txBody>
           <a:bodyPr/>
@@ -4326,7 +7260,15 @@
             <p:ph type="dt" sz="half" idx="10"/>
           </p:nvPr>
         </p:nvSpPr>
-        <p:spPr/>
+        <p:spPr>
+          <a:xfrm>
+            <a:off x="9334626" y="6041362"/>
+            <a:ext cx="1343706" cy="365125"/>
+          </a:xfrm>
+          <a:prstGeom prst="rect">
+            <a:avLst/>
+          </a:prstGeom>
+        </p:spPr>
         <p:txBody>
           <a:bodyPr/>
           <a:lstStyle/>
@@ -4334,7 +7276,7 @@
             <a:fld id="{D0DF5E60-9974-AC48-9591-99C2BB44B7CF}" type="datetimeFigureOut">
               <a:rPr lang="en-US" dirty="0"/>
               <a:pPr/>
-              <a:t>2/6/2019</a:t>
+              <a:t>2/7/2019</a:t>
             </a:fld>
             <a:endParaRPr lang="en-US" dirty="0"/>
           </a:p>
@@ -4369,7 +7311,15 @@
             <p:ph type="sldNum" sz="quarter" idx="12"/>
           </p:nvPr>
         </p:nvSpPr>
-        <p:spPr/>
+        <p:spPr>
+          <a:xfrm>
+            <a:off x="10678331" y="5915888"/>
+            <a:ext cx="1062155" cy="490599"/>
+          </a:xfrm>
+          <a:prstGeom prst="rect">
+            <a:avLst/>
+          </a:prstGeom>
+        </p:spPr>
         <p:txBody>
           <a:bodyPr/>
           <a:lstStyle/>
@@ -4423,6 +7373,9 @@
             <a:off x="814728" y="727522"/>
             <a:ext cx="4852988" cy="1617163"/>
           </a:xfrm>
+          <a:prstGeom prst="rect">
+            <a:avLst/>
+          </a:prstGeom>
         </p:spPr>
         <p:txBody>
           <a:bodyPr anchor="b">
@@ -4569,6 +7522,9 @@
             <a:off x="814728" y="2344684"/>
             <a:ext cx="4852988" cy="3516365"/>
           </a:xfrm>
+          <a:prstGeom prst="rect">
+            <a:avLst/>
+          </a:prstGeom>
         </p:spPr>
         <p:txBody>
           <a:bodyPr anchor="t">
@@ -4636,6 +7592,9 @@
             <a:off x="3885810" y="6041362"/>
             <a:ext cx="976879" cy="365125"/>
           </a:xfrm>
+          <a:prstGeom prst="rect">
+            <a:avLst/>
+          </a:prstGeom>
         </p:spPr>
         <p:txBody>
           <a:bodyPr/>
@@ -4644,7 +7603,7 @@
             <a:fld id="{18C79C5D-2A6F-F04D-97DA-BEF2467B64E4}" type="datetimeFigureOut">
               <a:rPr lang="en-US" dirty="0"/>
               <a:pPr/>
-              <a:t>2/6/2019</a:t>
+              <a:t>2/7/2019</a:t>
             </a:fld>
             <a:endParaRPr lang="en-US" dirty="0"/>
           </a:p>
@@ -4689,6 +7648,9 @@
             <a:off x="4862689" y="5915888"/>
             <a:ext cx="1062155" cy="490599"/>
           </a:xfrm>
+          <a:prstGeom prst="rect">
+            <a:avLst/>
+          </a:prstGeom>
         </p:spPr>
         <p:txBody>
           <a:bodyPr/>
@@ -4735,115 +7697,6 @@
       </p:grpSpPr>
       <p:sp>
         <p:nvSpPr>
-          <p:cNvPr id="2" name="Title Placeholder 1"/>
-          <p:cNvSpPr>
-            <a:spLocks noGrp="1"/>
-          </p:cNvSpPr>
-          <p:nvPr>
-            <p:ph type="title"/>
-          </p:nvPr>
-        </p:nvSpPr>
-        <p:spPr>
-          <a:xfrm>
-            <a:off x="810000" y="447188"/>
-            <a:ext cx="10571998" cy="970450"/>
-          </a:xfrm>
-          <a:prstGeom prst="rect">
-            <a:avLst/>
-          </a:prstGeom>
-          <a:effectLst>
-            <a:outerShdw blurRad="50800" dir="14400000">
-              <a:srgbClr val="000000">
-                <a:alpha val="60000"/>
-              </a:srgbClr>
-            </a:outerShdw>
-          </a:effectLst>
-        </p:spPr>
-        <p:txBody>
-          <a:bodyPr vert="horz" lIns="91440" tIns="45720" rIns="91440" bIns="45720" rtlCol="0" anchor="b">
-            <a:noAutofit/>
-          </a:bodyPr>
-          <a:lstStyle/>
-          <a:p>
-            <a:r>
-              <a:rPr lang="fr-FR"/>
-              <a:t>Modifiez le style du titre</a:t>
-            </a:r>
-            <a:endParaRPr lang="en-US" dirty="0"/>
-          </a:p>
-        </p:txBody>
-      </p:sp>
-      <p:sp>
-        <p:nvSpPr>
-          <p:cNvPr id="3" name="Text Placeholder 2"/>
-          <p:cNvSpPr>
-            <a:spLocks noGrp="1"/>
-          </p:cNvSpPr>
-          <p:nvPr>
-            <p:ph type="body" idx="1"/>
-          </p:nvPr>
-        </p:nvSpPr>
-        <p:spPr>
-          <a:xfrm>
-            <a:off x="810000" y="2184401"/>
-            <a:ext cx="10563285" cy="3674397"/>
-          </a:xfrm>
-          <a:prstGeom prst="rect">
-            <a:avLst/>
-          </a:prstGeom>
-          <a:effectLst>
-            <a:outerShdw blurRad="50800" dir="14400000">
-              <a:srgbClr val="000000">
-                <a:alpha val="40000"/>
-              </a:srgbClr>
-            </a:outerShdw>
-          </a:effectLst>
-        </p:spPr>
-        <p:txBody>
-          <a:bodyPr vert="horz" lIns="91440" tIns="45720" rIns="91440" bIns="45720" rtlCol="0" anchor="ctr">
-            <a:normAutofit/>
-          </a:bodyPr>
-          <a:lstStyle/>
-          <a:p>
-            <a:pPr lvl="0"/>
-            <a:r>
-              <a:rPr lang="fr-FR"/>
-              <a:t>Modifier les styles du texte du masque</a:t>
-            </a:r>
-          </a:p>
-          <a:p>
-            <a:pPr lvl="1"/>
-            <a:r>
-              <a:rPr lang="fr-FR"/>
-              <a:t>Deuxième niveau</a:t>
-            </a:r>
-          </a:p>
-          <a:p>
-            <a:pPr lvl="2"/>
-            <a:r>
-              <a:rPr lang="fr-FR"/>
-              <a:t>Troisième niveau</a:t>
-            </a:r>
-          </a:p>
-          <a:p>
-            <a:pPr lvl="3"/>
-            <a:r>
-              <a:rPr lang="fr-FR"/>
-              <a:t>Quatrième niveau</a:t>
-            </a:r>
-          </a:p>
-          <a:p>
-            <a:pPr lvl="4"/>
-            <a:r>
-              <a:rPr lang="fr-FR"/>
-              <a:t>Cinquième niveau</a:t>
-            </a:r>
-            <a:endParaRPr lang="en-US" dirty="0"/>
-          </a:p>
-        </p:txBody>
-      </p:sp>
-      <p:sp>
-        <p:nvSpPr>
           <p:cNvPr id="5" name="Footer Placeholder 4"/>
           <p:cNvSpPr>
             <a:spLocks noGrp="1"/>
@@ -4873,87 +7726,10 @@
             </a:lvl1pPr>
           </a:lstStyle>
           <a:p>
-            <a:endParaRPr lang="en-US" dirty="0"/>
-          </a:p>
-        </p:txBody>
-      </p:sp>
-      <p:sp>
-        <p:nvSpPr>
-          <p:cNvPr id="4" name="Date Placeholder 3"/>
-          <p:cNvSpPr>
-            <a:spLocks noGrp="1"/>
-          </p:cNvSpPr>
-          <p:nvPr>
-            <p:ph type="dt" sz="half" idx="2"/>
-          </p:nvPr>
-        </p:nvSpPr>
-        <p:spPr>
-          <a:xfrm>
-            <a:off x="9334626" y="6041362"/>
-            <a:ext cx="1343706" cy="365125"/>
-          </a:xfrm>
-          <a:prstGeom prst="rect">
-            <a:avLst/>
-          </a:prstGeom>
-        </p:spPr>
-        <p:txBody>
-          <a:bodyPr vert="horz" lIns="91440" tIns="45720" rIns="91440" bIns="45720" rtlCol="0" anchor="b"/>
-          <a:lstStyle>
-            <a:lvl1pPr algn="r">
-              <a:defRPr sz="900">
-                <a:solidFill>
-                  <a:schemeClr val="tx1"/>
-                </a:solidFill>
-              </a:defRPr>
-            </a:lvl1pPr>
-          </a:lstStyle>
-          <a:p>
-            <a:fld id="{09B482E8-6E0E-1B4F-B1FD-C69DB9E858D9}" type="datetimeFigureOut">
+            <a:r>
               <a:rPr lang="en-US" dirty="0"/>
-              <a:pPr/>
-              <a:t>2/6/2019</a:t>
-            </a:fld>
-            <a:endParaRPr lang="en-US" dirty="0"/>
-          </a:p>
-        </p:txBody>
-      </p:sp>
-      <p:sp>
-        <p:nvSpPr>
-          <p:cNvPr id="6" name="Slide Number Placeholder 5"/>
-          <p:cNvSpPr>
-            <a:spLocks noGrp="1"/>
-          </p:cNvSpPr>
-          <p:nvPr>
-            <p:ph type="sldNum" sz="quarter" idx="4"/>
-          </p:nvPr>
-        </p:nvSpPr>
-        <p:spPr>
-          <a:xfrm>
-            <a:off x="10678331" y="5915888"/>
-            <a:ext cx="1062155" cy="490599"/>
-          </a:xfrm>
-          <a:prstGeom prst="rect">
-            <a:avLst/>
-          </a:prstGeom>
-        </p:spPr>
-        <p:txBody>
-          <a:bodyPr vert="horz" lIns="91440" tIns="45720" rIns="91440" bIns="10800" rtlCol="0" anchor="b"/>
-          <a:lstStyle>
-            <a:lvl1pPr algn="r">
-              <a:defRPr sz="2000">
-                <a:solidFill>
-                  <a:schemeClr val="accent1"/>
-                </a:solidFill>
-              </a:defRPr>
-            </a:lvl1pPr>
-          </a:lstStyle>
-          <a:p>
-            <a:fld id="{D57F1E4F-1CFF-5643-939E-217C01CDF565}" type="slidenum">
-              <a:rPr lang="en-US" dirty="0"/>
-              <a:pPr/>
-              <a:t>‹N°›</a:t>
-            </a:fld>
-            <a:endParaRPr lang="en-US" dirty="0"/>
+              <a:t>Bonjour</a:t>
+            </a:r>
           </a:p>
         </p:txBody>
       </p:sp>
@@ -5340,6 +8116,574 @@
 </p:sldMaster>
 </file>
 
+<file path=ppt/slideMasters/slideMaster2.xml><?xml version="1.0" encoding="utf-8"?>
+<p:sldMaster xmlns:a="http://schemas.openxmlformats.org/drawingml/2006/main" xmlns:r="http://schemas.openxmlformats.org/officeDocument/2006/relationships" xmlns:p="http://schemas.openxmlformats.org/presentationml/2006/main" preserve="1">
+  <p:cSld>
+    <p:bg>
+      <p:bgRef idx="1001">
+        <a:schemeClr val="bg1"/>
+      </p:bgRef>
+    </p:bg>
+    <p:spTree>
+      <p:nvGrpSpPr>
+        <p:cNvPr id="1" name=""/>
+        <p:cNvGrpSpPr/>
+        <p:nvPr/>
+      </p:nvGrpSpPr>
+      <p:grpSpPr>
+        <a:xfrm>
+          <a:off x="0" y="0"/>
+          <a:ext cx="0" cy="0"/>
+          <a:chOff x="0" y="0"/>
+          <a:chExt cx="0" cy="0"/>
+        </a:xfrm>
+      </p:grpSpPr>
+      <p:sp>
+        <p:nvSpPr>
+          <p:cNvPr id="2" name="Espace réservé du titre 1">
+            <a:extLst>
+              <a:ext uri="{FF2B5EF4-FFF2-40B4-BE49-F238E27FC236}">
+                <a16:creationId xmlns:a16="http://schemas.microsoft.com/office/drawing/2014/main" id="{5179C598-499E-44FD-ABC0-E3ACDD808817}"/>
+              </a:ext>
+            </a:extLst>
+          </p:cNvPr>
+          <p:cNvSpPr>
+            <a:spLocks noGrp="1"/>
+          </p:cNvSpPr>
+          <p:nvPr>
+            <p:ph type="title"/>
+          </p:nvPr>
+        </p:nvSpPr>
+        <p:spPr>
+          <a:xfrm>
+            <a:off x="838200" y="365125"/>
+            <a:ext cx="10515600" cy="1325563"/>
+          </a:xfrm>
+          <a:prstGeom prst="rect">
+            <a:avLst/>
+          </a:prstGeom>
+        </p:spPr>
+        <p:txBody>
+          <a:bodyPr vert="horz" lIns="91440" tIns="45720" rIns="91440" bIns="45720" rtlCol="0" anchor="ctr">
+            <a:normAutofit/>
+          </a:bodyPr>
+          <a:lstStyle/>
+          <a:p>
+            <a:r>
+              <a:rPr lang="fr-FR"/>
+              <a:t>Modifiez le style du titre</a:t>
+            </a:r>
+          </a:p>
+        </p:txBody>
+      </p:sp>
+      <p:sp>
+        <p:nvSpPr>
+          <p:cNvPr id="3" name="Espace réservé du texte 2">
+            <a:extLst>
+              <a:ext uri="{FF2B5EF4-FFF2-40B4-BE49-F238E27FC236}">
+                <a16:creationId xmlns:a16="http://schemas.microsoft.com/office/drawing/2014/main" id="{01E72419-F1CF-4646-8D98-92D7F8075077}"/>
+              </a:ext>
+            </a:extLst>
+          </p:cNvPr>
+          <p:cNvSpPr>
+            <a:spLocks noGrp="1"/>
+          </p:cNvSpPr>
+          <p:nvPr>
+            <p:ph type="body" idx="1"/>
+          </p:nvPr>
+        </p:nvSpPr>
+        <p:spPr>
+          <a:xfrm>
+            <a:off x="838200" y="1825625"/>
+            <a:ext cx="10515600" cy="4351338"/>
+          </a:xfrm>
+          <a:prstGeom prst="rect">
+            <a:avLst/>
+          </a:prstGeom>
+        </p:spPr>
+        <p:txBody>
+          <a:bodyPr vert="horz" lIns="91440" tIns="45720" rIns="91440" bIns="45720" rtlCol="0">
+            <a:normAutofit/>
+          </a:bodyPr>
+          <a:lstStyle/>
+          <a:p>
+            <a:pPr lvl="0"/>
+            <a:r>
+              <a:rPr lang="fr-FR"/>
+              <a:t>Modifier les styles du texte du masque</a:t>
+            </a:r>
+          </a:p>
+          <a:p>
+            <a:pPr lvl="1"/>
+            <a:r>
+              <a:rPr lang="fr-FR"/>
+              <a:t>Deuxième niveau</a:t>
+            </a:r>
+          </a:p>
+          <a:p>
+            <a:pPr lvl="2"/>
+            <a:r>
+              <a:rPr lang="fr-FR"/>
+              <a:t>Troisième niveau</a:t>
+            </a:r>
+          </a:p>
+          <a:p>
+            <a:pPr lvl="3"/>
+            <a:r>
+              <a:rPr lang="fr-FR"/>
+              <a:t>Quatrième niveau</a:t>
+            </a:r>
+          </a:p>
+          <a:p>
+            <a:pPr lvl="4"/>
+            <a:r>
+              <a:rPr lang="fr-FR"/>
+              <a:t>Cinquième niveau</a:t>
+            </a:r>
+          </a:p>
+        </p:txBody>
+      </p:sp>
+      <p:sp>
+        <p:nvSpPr>
+          <p:cNvPr id="4" name="Espace réservé de la date 3">
+            <a:extLst>
+              <a:ext uri="{FF2B5EF4-FFF2-40B4-BE49-F238E27FC236}">
+                <a16:creationId xmlns:a16="http://schemas.microsoft.com/office/drawing/2014/main" id="{B02D8104-A949-41BF-8AA7-A195ADF5D5E9}"/>
+              </a:ext>
+            </a:extLst>
+          </p:cNvPr>
+          <p:cNvSpPr>
+            <a:spLocks noGrp="1"/>
+          </p:cNvSpPr>
+          <p:nvPr>
+            <p:ph type="dt" sz="half" idx="2"/>
+          </p:nvPr>
+        </p:nvSpPr>
+        <p:spPr>
+          <a:xfrm>
+            <a:off x="838200" y="6356350"/>
+            <a:ext cx="2743200" cy="365125"/>
+          </a:xfrm>
+          <a:prstGeom prst="rect">
+            <a:avLst/>
+          </a:prstGeom>
+        </p:spPr>
+        <p:txBody>
+          <a:bodyPr vert="horz" lIns="91440" tIns="45720" rIns="91440" bIns="45720" rtlCol="0" anchor="ctr"/>
+          <a:lstStyle>
+            <a:lvl1pPr algn="l">
+              <a:defRPr sz="1200">
+                <a:solidFill>
+                  <a:schemeClr val="tx1">
+                    <a:tint val="75000"/>
+                  </a:schemeClr>
+                </a:solidFill>
+              </a:defRPr>
+            </a:lvl1pPr>
+          </a:lstStyle>
+          <a:p>
+            <a:fld id="{6B5966FC-E2A4-4A41-ABE3-89077E29579A}" type="datetimeFigureOut">
+              <a:rPr lang="fr-FR" smtClean="0"/>
+              <a:t>07/02/2019</a:t>
+            </a:fld>
+            <a:endParaRPr lang="fr-FR"/>
+          </a:p>
+        </p:txBody>
+      </p:sp>
+      <p:sp>
+        <p:nvSpPr>
+          <p:cNvPr id="5" name="Espace réservé du pied de page 4">
+            <a:extLst>
+              <a:ext uri="{FF2B5EF4-FFF2-40B4-BE49-F238E27FC236}">
+                <a16:creationId xmlns:a16="http://schemas.microsoft.com/office/drawing/2014/main" id="{B8F03D7B-487E-4824-9BD0-95E1A400206F}"/>
+              </a:ext>
+            </a:extLst>
+          </p:cNvPr>
+          <p:cNvSpPr>
+            <a:spLocks noGrp="1"/>
+          </p:cNvSpPr>
+          <p:nvPr>
+            <p:ph type="ftr" sz="quarter" idx="3"/>
+          </p:nvPr>
+        </p:nvSpPr>
+        <p:spPr>
+          <a:xfrm>
+            <a:off x="4038600" y="6356350"/>
+            <a:ext cx="4114800" cy="365125"/>
+          </a:xfrm>
+          <a:prstGeom prst="rect">
+            <a:avLst/>
+          </a:prstGeom>
+        </p:spPr>
+        <p:txBody>
+          <a:bodyPr vert="horz" lIns="91440" tIns="45720" rIns="91440" bIns="45720" rtlCol="0" anchor="ctr"/>
+          <a:lstStyle>
+            <a:lvl1pPr algn="ctr">
+              <a:defRPr sz="1200">
+                <a:solidFill>
+                  <a:schemeClr val="tx1">
+                    <a:tint val="75000"/>
+                  </a:schemeClr>
+                </a:solidFill>
+              </a:defRPr>
+            </a:lvl1pPr>
+          </a:lstStyle>
+          <a:p>
+            <a:endParaRPr lang="fr-FR"/>
+          </a:p>
+        </p:txBody>
+      </p:sp>
+      <p:sp>
+        <p:nvSpPr>
+          <p:cNvPr id="6" name="Espace réservé du numéro de diapositive 5">
+            <a:extLst>
+              <a:ext uri="{FF2B5EF4-FFF2-40B4-BE49-F238E27FC236}">
+                <a16:creationId xmlns:a16="http://schemas.microsoft.com/office/drawing/2014/main" id="{539328DD-5D1F-4FCE-84B6-AED0559FE1D0}"/>
+              </a:ext>
+            </a:extLst>
+          </p:cNvPr>
+          <p:cNvSpPr>
+            <a:spLocks noGrp="1"/>
+          </p:cNvSpPr>
+          <p:nvPr>
+            <p:ph type="sldNum" sz="quarter" idx="4"/>
+          </p:nvPr>
+        </p:nvSpPr>
+        <p:spPr>
+          <a:xfrm>
+            <a:off x="8610600" y="6356350"/>
+            <a:ext cx="2743200" cy="365125"/>
+          </a:xfrm>
+          <a:prstGeom prst="rect">
+            <a:avLst/>
+          </a:prstGeom>
+        </p:spPr>
+        <p:txBody>
+          <a:bodyPr vert="horz" lIns="91440" tIns="45720" rIns="91440" bIns="45720" rtlCol="0" anchor="ctr"/>
+          <a:lstStyle>
+            <a:lvl1pPr algn="r">
+              <a:defRPr sz="1200">
+                <a:solidFill>
+                  <a:schemeClr val="tx1">
+                    <a:tint val="75000"/>
+                  </a:schemeClr>
+                </a:solidFill>
+              </a:defRPr>
+            </a:lvl1pPr>
+          </a:lstStyle>
+          <a:p>
+            <a:fld id="{3991DC1B-8E41-4C6D-8018-8A9D9F046406}" type="slidenum">
+              <a:rPr lang="fr-FR" smtClean="0"/>
+              <a:t>‹N°›</a:t>
+            </a:fld>
+            <a:endParaRPr lang="fr-FR"/>
+          </a:p>
+        </p:txBody>
+      </p:sp>
+    </p:spTree>
+    <p:extLst>
+      <p:ext uri="{BB962C8B-B14F-4D97-AF65-F5344CB8AC3E}">
+        <p14:creationId xmlns:p14="http://schemas.microsoft.com/office/powerpoint/2010/main" val="2399393782"/>
+      </p:ext>
+    </p:extLst>
+  </p:cSld>
+  <p:clrMap bg1="lt1" tx1="dk1" bg2="lt2" tx2="dk2" accent1="accent1" accent2="accent2" accent3="accent3" accent4="accent4" accent5="accent5" accent6="accent6" hlink="hlink" folHlink="folHlink"/>
+  <p:sldLayoutIdLst>
+    <p:sldLayoutId id="2147483668" r:id="rId1"/>
+    <p:sldLayoutId id="2147483669" r:id="rId2"/>
+    <p:sldLayoutId id="2147483670" r:id="rId3"/>
+    <p:sldLayoutId id="2147483671" r:id="rId4"/>
+    <p:sldLayoutId id="2147483672" r:id="rId5"/>
+    <p:sldLayoutId id="2147483673" r:id="rId6"/>
+    <p:sldLayoutId id="2147483674" r:id="rId7"/>
+    <p:sldLayoutId id="2147483675" r:id="rId8"/>
+    <p:sldLayoutId id="2147483676" r:id="rId9"/>
+    <p:sldLayoutId id="2147483677" r:id="rId10"/>
+    <p:sldLayoutId id="2147483678" r:id="rId11"/>
+  </p:sldLayoutIdLst>
+  <p:txStyles>
+    <p:titleStyle>
+      <a:lvl1pPr algn="l" defTabSz="914400" rtl="0" eaLnBrk="1" latinLnBrk="0" hangingPunct="1">
+        <a:lnSpc>
+          <a:spcPct val="90000"/>
+        </a:lnSpc>
+        <a:spcBef>
+          <a:spcPct val="0"/>
+        </a:spcBef>
+        <a:buNone/>
+        <a:defRPr sz="4400" kern="1200">
+          <a:solidFill>
+            <a:schemeClr val="tx1"/>
+          </a:solidFill>
+          <a:latin typeface="+mj-lt"/>
+          <a:ea typeface="+mj-ea"/>
+          <a:cs typeface="+mj-cs"/>
+        </a:defRPr>
+      </a:lvl1pPr>
+    </p:titleStyle>
+    <p:bodyStyle>
+      <a:lvl1pPr marL="228600" indent="-228600" algn="l" defTabSz="914400" rtl="0" eaLnBrk="1" latinLnBrk="0" hangingPunct="1">
+        <a:lnSpc>
+          <a:spcPct val="90000"/>
+        </a:lnSpc>
+        <a:spcBef>
+          <a:spcPts val="1000"/>
+        </a:spcBef>
+        <a:buFont typeface="Arial" panose="020B0604020202020204" pitchFamily="34" charset="0"/>
+        <a:buChar char="•"/>
+        <a:defRPr sz="2800" kern="1200">
+          <a:solidFill>
+            <a:schemeClr val="tx1"/>
+          </a:solidFill>
+          <a:latin typeface="+mn-lt"/>
+          <a:ea typeface="+mn-ea"/>
+          <a:cs typeface="+mn-cs"/>
+        </a:defRPr>
+      </a:lvl1pPr>
+      <a:lvl2pPr marL="685800" indent="-228600" algn="l" defTabSz="914400" rtl="0" eaLnBrk="1" latinLnBrk="0" hangingPunct="1">
+        <a:lnSpc>
+          <a:spcPct val="90000"/>
+        </a:lnSpc>
+        <a:spcBef>
+          <a:spcPts val="500"/>
+        </a:spcBef>
+        <a:buFont typeface="Arial" panose="020B0604020202020204" pitchFamily="34" charset="0"/>
+        <a:buChar char="•"/>
+        <a:defRPr sz="2400" kern="1200">
+          <a:solidFill>
+            <a:schemeClr val="tx1"/>
+          </a:solidFill>
+          <a:latin typeface="+mn-lt"/>
+          <a:ea typeface="+mn-ea"/>
+          <a:cs typeface="+mn-cs"/>
+        </a:defRPr>
+      </a:lvl2pPr>
+      <a:lvl3pPr marL="1143000" indent="-228600" algn="l" defTabSz="914400" rtl="0" eaLnBrk="1" latinLnBrk="0" hangingPunct="1">
+        <a:lnSpc>
+          <a:spcPct val="90000"/>
+        </a:lnSpc>
+        <a:spcBef>
+          <a:spcPts val="500"/>
+        </a:spcBef>
+        <a:buFont typeface="Arial" panose="020B0604020202020204" pitchFamily="34" charset="0"/>
+        <a:buChar char="•"/>
+        <a:defRPr sz="2000" kern="1200">
+          <a:solidFill>
+            <a:schemeClr val="tx1"/>
+          </a:solidFill>
+          <a:latin typeface="+mn-lt"/>
+          <a:ea typeface="+mn-ea"/>
+          <a:cs typeface="+mn-cs"/>
+        </a:defRPr>
+      </a:lvl3pPr>
+      <a:lvl4pPr marL="1600200" indent="-228600" algn="l" defTabSz="914400" rtl="0" eaLnBrk="1" latinLnBrk="0" hangingPunct="1">
+        <a:lnSpc>
+          <a:spcPct val="90000"/>
+        </a:lnSpc>
+        <a:spcBef>
+          <a:spcPts val="500"/>
+        </a:spcBef>
+        <a:buFont typeface="Arial" panose="020B0604020202020204" pitchFamily="34" charset="0"/>
+        <a:buChar char="•"/>
+        <a:defRPr sz="1800" kern="1200">
+          <a:solidFill>
+            <a:schemeClr val="tx1"/>
+          </a:solidFill>
+          <a:latin typeface="+mn-lt"/>
+          <a:ea typeface="+mn-ea"/>
+          <a:cs typeface="+mn-cs"/>
+        </a:defRPr>
+      </a:lvl4pPr>
+      <a:lvl5pPr marL="2057400" indent="-228600" algn="l" defTabSz="914400" rtl="0" eaLnBrk="1" latinLnBrk="0" hangingPunct="1">
+        <a:lnSpc>
+          <a:spcPct val="90000"/>
+        </a:lnSpc>
+        <a:spcBef>
+          <a:spcPts val="500"/>
+        </a:spcBef>
+        <a:buFont typeface="Arial" panose="020B0604020202020204" pitchFamily="34" charset="0"/>
+        <a:buChar char="•"/>
+        <a:defRPr sz="1800" kern="1200">
+          <a:solidFill>
+            <a:schemeClr val="tx1"/>
+          </a:solidFill>
+          <a:latin typeface="+mn-lt"/>
+          <a:ea typeface="+mn-ea"/>
+          <a:cs typeface="+mn-cs"/>
+        </a:defRPr>
+      </a:lvl5pPr>
+      <a:lvl6pPr marL="2514600" indent="-228600" algn="l" defTabSz="914400" rtl="0" eaLnBrk="1" latinLnBrk="0" hangingPunct="1">
+        <a:lnSpc>
+          <a:spcPct val="90000"/>
+        </a:lnSpc>
+        <a:spcBef>
+          <a:spcPts val="500"/>
+        </a:spcBef>
+        <a:buFont typeface="Arial" panose="020B0604020202020204" pitchFamily="34" charset="0"/>
+        <a:buChar char="•"/>
+        <a:defRPr sz="1800" kern="1200">
+          <a:solidFill>
+            <a:schemeClr val="tx1"/>
+          </a:solidFill>
+          <a:latin typeface="+mn-lt"/>
+          <a:ea typeface="+mn-ea"/>
+          <a:cs typeface="+mn-cs"/>
+        </a:defRPr>
+      </a:lvl6pPr>
+      <a:lvl7pPr marL="2971800" indent="-228600" algn="l" defTabSz="914400" rtl="0" eaLnBrk="1" latinLnBrk="0" hangingPunct="1">
+        <a:lnSpc>
+          <a:spcPct val="90000"/>
+        </a:lnSpc>
+        <a:spcBef>
+          <a:spcPts val="500"/>
+        </a:spcBef>
+        <a:buFont typeface="Arial" panose="020B0604020202020204" pitchFamily="34" charset="0"/>
+        <a:buChar char="•"/>
+        <a:defRPr sz="1800" kern="1200">
+          <a:solidFill>
+            <a:schemeClr val="tx1"/>
+          </a:solidFill>
+          <a:latin typeface="+mn-lt"/>
+          <a:ea typeface="+mn-ea"/>
+          <a:cs typeface="+mn-cs"/>
+        </a:defRPr>
+      </a:lvl7pPr>
+      <a:lvl8pPr marL="3429000" indent="-228600" algn="l" defTabSz="914400" rtl="0" eaLnBrk="1" latinLnBrk="0" hangingPunct="1">
+        <a:lnSpc>
+          <a:spcPct val="90000"/>
+        </a:lnSpc>
+        <a:spcBef>
+          <a:spcPts val="500"/>
+        </a:spcBef>
+        <a:buFont typeface="Arial" panose="020B0604020202020204" pitchFamily="34" charset="0"/>
+        <a:buChar char="•"/>
+        <a:defRPr sz="1800" kern="1200">
+          <a:solidFill>
+            <a:schemeClr val="tx1"/>
+          </a:solidFill>
+          <a:latin typeface="+mn-lt"/>
+          <a:ea typeface="+mn-ea"/>
+          <a:cs typeface="+mn-cs"/>
+        </a:defRPr>
+      </a:lvl8pPr>
+      <a:lvl9pPr marL="3886200" indent="-228600" algn="l" defTabSz="914400" rtl="0" eaLnBrk="1" latinLnBrk="0" hangingPunct="1">
+        <a:lnSpc>
+          <a:spcPct val="90000"/>
+        </a:lnSpc>
+        <a:spcBef>
+          <a:spcPts val="500"/>
+        </a:spcBef>
+        <a:buFont typeface="Arial" panose="020B0604020202020204" pitchFamily="34" charset="0"/>
+        <a:buChar char="•"/>
+        <a:defRPr sz="1800" kern="1200">
+          <a:solidFill>
+            <a:schemeClr val="tx1"/>
+          </a:solidFill>
+          <a:latin typeface="+mn-lt"/>
+          <a:ea typeface="+mn-ea"/>
+          <a:cs typeface="+mn-cs"/>
+        </a:defRPr>
+      </a:lvl9pPr>
+    </p:bodyStyle>
+    <p:otherStyle>
+      <a:defPPr>
+        <a:defRPr lang="fr-FR"/>
+      </a:defPPr>
+      <a:lvl1pPr marL="0" algn="l" defTabSz="914400" rtl="0" eaLnBrk="1" latinLnBrk="0" hangingPunct="1">
+        <a:defRPr sz="1800" kern="1200">
+          <a:solidFill>
+            <a:schemeClr val="tx1"/>
+          </a:solidFill>
+          <a:latin typeface="+mn-lt"/>
+          <a:ea typeface="+mn-ea"/>
+          <a:cs typeface="+mn-cs"/>
+        </a:defRPr>
+      </a:lvl1pPr>
+      <a:lvl2pPr marL="457200" algn="l" defTabSz="914400" rtl="0" eaLnBrk="1" latinLnBrk="0" hangingPunct="1">
+        <a:defRPr sz="1800" kern="1200">
+          <a:solidFill>
+            <a:schemeClr val="tx1"/>
+          </a:solidFill>
+          <a:latin typeface="+mn-lt"/>
+          <a:ea typeface="+mn-ea"/>
+          <a:cs typeface="+mn-cs"/>
+        </a:defRPr>
+      </a:lvl2pPr>
+      <a:lvl3pPr marL="914400" algn="l" defTabSz="914400" rtl="0" eaLnBrk="1" latinLnBrk="0" hangingPunct="1">
+        <a:defRPr sz="1800" kern="1200">
+          <a:solidFill>
+            <a:schemeClr val="tx1"/>
+          </a:solidFill>
+          <a:latin typeface="+mn-lt"/>
+          <a:ea typeface="+mn-ea"/>
+          <a:cs typeface="+mn-cs"/>
+        </a:defRPr>
+      </a:lvl3pPr>
+      <a:lvl4pPr marL="1371600" algn="l" defTabSz="914400" rtl="0" eaLnBrk="1" latinLnBrk="0" hangingPunct="1">
+        <a:defRPr sz="1800" kern="1200">
+          <a:solidFill>
+            <a:schemeClr val="tx1"/>
+          </a:solidFill>
+          <a:latin typeface="+mn-lt"/>
+          <a:ea typeface="+mn-ea"/>
+          <a:cs typeface="+mn-cs"/>
+        </a:defRPr>
+      </a:lvl4pPr>
+      <a:lvl5pPr marL="1828800" algn="l" defTabSz="914400" rtl="0" eaLnBrk="1" latinLnBrk="0" hangingPunct="1">
+        <a:defRPr sz="1800" kern="1200">
+          <a:solidFill>
+            <a:schemeClr val="tx1"/>
+          </a:solidFill>
+          <a:latin typeface="+mn-lt"/>
+          <a:ea typeface="+mn-ea"/>
+          <a:cs typeface="+mn-cs"/>
+        </a:defRPr>
+      </a:lvl5pPr>
+      <a:lvl6pPr marL="2286000" algn="l" defTabSz="914400" rtl="0" eaLnBrk="1" latinLnBrk="0" hangingPunct="1">
+        <a:defRPr sz="1800" kern="1200">
+          <a:solidFill>
+            <a:schemeClr val="tx1"/>
+          </a:solidFill>
+          <a:latin typeface="+mn-lt"/>
+          <a:ea typeface="+mn-ea"/>
+          <a:cs typeface="+mn-cs"/>
+        </a:defRPr>
+      </a:lvl6pPr>
+      <a:lvl7pPr marL="2743200" algn="l" defTabSz="914400" rtl="0" eaLnBrk="1" latinLnBrk="0" hangingPunct="1">
+        <a:defRPr sz="1800" kern="1200">
+          <a:solidFill>
+            <a:schemeClr val="tx1"/>
+          </a:solidFill>
+          <a:latin typeface="+mn-lt"/>
+          <a:ea typeface="+mn-ea"/>
+          <a:cs typeface="+mn-cs"/>
+        </a:defRPr>
+      </a:lvl7pPr>
+      <a:lvl8pPr marL="3200400" algn="l" defTabSz="914400" rtl="0" eaLnBrk="1" latinLnBrk="0" hangingPunct="1">
+        <a:defRPr sz="1800" kern="1200">
+          <a:solidFill>
+            <a:schemeClr val="tx1"/>
+          </a:solidFill>
+          <a:latin typeface="+mn-lt"/>
+          <a:ea typeface="+mn-ea"/>
+          <a:cs typeface="+mn-cs"/>
+        </a:defRPr>
+      </a:lvl8pPr>
+      <a:lvl9pPr marL="3657600" algn="l" defTabSz="914400" rtl="0" eaLnBrk="1" latinLnBrk="0" hangingPunct="1">
+        <a:defRPr sz="1800" kern="1200">
+          <a:solidFill>
+            <a:schemeClr val="tx1"/>
+          </a:solidFill>
+          <a:latin typeface="+mn-lt"/>
+          <a:ea typeface="+mn-ea"/>
+          <a:cs typeface="+mn-cs"/>
+        </a:defRPr>
+      </a:lvl9pPr>
+    </p:otherStyle>
+  </p:txStyles>
+</p:sldMaster>
+</file>
+
 <file path=ppt/slides/slide1.xml><?xml version="1.0" encoding="utf-8"?>
 <p:sld xmlns:a="http://schemas.openxmlformats.org/drawingml/2006/main" xmlns:r="http://schemas.openxmlformats.org/officeDocument/2006/relationships" xmlns:p="http://schemas.openxmlformats.org/presentationml/2006/main">
   <p:cSld>
@@ -5418,7 +8762,12 @@
             <p:ph type="subTitle" idx="1"/>
           </p:nvPr>
         </p:nvSpPr>
-        <p:spPr/>
+        <p:spPr>
+          <a:xfrm>
+            <a:off x="810000" y="5400464"/>
+            <a:ext cx="10572000" cy="434974"/>
+          </a:xfrm>
+        </p:spPr>
         <p:txBody>
           <a:bodyPr/>
           <a:lstStyle/>
@@ -5564,7 +8913,7 @@
           </a:ln>
           <a:extLst>
             <a:ext uri="{91240B29-F687-4f45-9708-019B960494DF}">
-              <a14:hiddenLine xmlns="" xmlns:a16="http://schemas.microsoft.com/office/drawing/2014/main" xmlns:p14="http://schemas.microsoft.com/office/powerpoint/2010/main" xmlns:a14="http://schemas.microsoft.com/office/drawing/2010/main" w="9525">
+              <a14:hiddenLine xmlns:a14="http://schemas.microsoft.com/office/drawing/2010/main" xmlns:p14="http://schemas.microsoft.com/office/powerpoint/2010/main" xmlns:a16="http://schemas.microsoft.com/office/drawing/2014/main" xmlns="" w="9525">
                 <a:solidFill>
                   <a:srgbClr val="000000"/>
                 </a:solidFill>
@@ -5861,7 +9210,7 @@
           </a:ln>
           <a:extLst>
             <a:ext uri="{91240B29-F687-4f45-9708-019B960494DF}">
-              <a14:hiddenLine xmlns="" xmlns:a16="http://schemas.microsoft.com/office/drawing/2014/main" xmlns:p14="http://schemas.microsoft.com/office/powerpoint/2010/main" xmlns:a14="http://schemas.microsoft.com/office/drawing/2010/main" w="9525">
+              <a14:hiddenLine xmlns:a14="http://schemas.microsoft.com/office/drawing/2010/main" xmlns:p14="http://schemas.microsoft.com/office/powerpoint/2010/main" xmlns:a16="http://schemas.microsoft.com/office/drawing/2014/main" xmlns="" w="9525">
                 <a:solidFill>
                   <a:srgbClr val="000000"/>
                 </a:solidFill>
@@ -6155,7 +9504,7 @@
           </a:ln>
           <a:extLst>
             <a:ext uri="{91240B29-F687-4f45-9708-019B960494DF}">
-              <a14:hiddenLine xmlns="" xmlns:a16="http://schemas.microsoft.com/office/drawing/2014/main" xmlns:p14="http://schemas.microsoft.com/office/powerpoint/2010/main" xmlns:a14="http://schemas.microsoft.com/office/drawing/2010/main" w="9525">
+              <a14:hiddenLine xmlns:a14="http://schemas.microsoft.com/office/drawing/2010/main" xmlns:p14="http://schemas.microsoft.com/office/powerpoint/2010/main" xmlns:a16="http://schemas.microsoft.com/office/drawing/2014/main" xmlns="" w="9525">
                 <a:solidFill>
                   <a:srgbClr val="000000"/>
                 </a:solidFill>
@@ -8140,7 +11489,7 @@
           <a:effectLst/>
           <a:extLst>
             <a:ext uri="{91240B29-F687-4f45-9708-019B960494DF}">
-              <a14:hiddenLine xmlns:a14="http://schemas.microsoft.com/office/drawing/2010/main" xmlns:p14="http://schemas.microsoft.com/office/powerpoint/2010/main" xmlns:a16="http://schemas.microsoft.com/office/drawing/2014/main" xmlns="" w="9525">
+              <a14:hiddenLine xmlns="" xmlns:a16="http://schemas.microsoft.com/office/drawing/2014/main" xmlns:p14="http://schemas.microsoft.com/office/powerpoint/2010/main" xmlns:a14="http://schemas.microsoft.com/office/drawing/2010/main" w="9525">
                 <a:solidFill>
                   <a:srgbClr val="000000"/>
                 </a:solidFill>
@@ -8554,7 +11903,7 @@
       </p:grpSpPr>
       <p:sp>
         <p:nvSpPr>
-          <p:cNvPr id="65" name="Freeform 6">
+          <p:cNvPr id="10" name="Freeform 6">
             <a:extLst>
               <a:ext uri="{FF2B5EF4-FFF2-40B4-BE49-F238E27FC236}">
                 <a16:creationId xmlns:a16="http://schemas.microsoft.com/office/drawing/2014/main" id="{133F8CB7-795C-4272-9073-64D8CF97F220}"/>
@@ -8647,7 +11996,509 @@
           <a:effectLst/>
           <a:extLst>
             <a:ext uri="{91240B29-F687-4f45-9708-019B960494DF}">
-              <a14:hiddenLine xmlns:a14="http://schemas.microsoft.com/office/drawing/2010/main" xmlns:p14="http://schemas.microsoft.com/office/powerpoint/2010/main" xmlns:a16="http://schemas.microsoft.com/office/drawing/2014/main" xmlns="" w="9525">
+              <a14:hiddenLine xmlns="" xmlns:a16="http://schemas.microsoft.com/office/drawing/2014/main" xmlns:p14="http://schemas.microsoft.com/office/powerpoint/2010/main" xmlns:a14="http://schemas.microsoft.com/office/drawing/2010/main" w="9525">
+                <a:solidFill>
+                  <a:srgbClr val="000000"/>
+                </a:solidFill>
+                <a:round/>
+                <a:headEnd/>
+                <a:tailEnd/>
+              </a14:hiddenLine>
+            </a:ext>
+          </a:extLst>
+        </p:spPr>
+        <p:style>
+          <a:lnRef idx="1">
+            <a:schemeClr val="accent1"/>
+          </a:lnRef>
+          <a:fillRef idx="3">
+            <a:schemeClr val="accent1"/>
+          </a:fillRef>
+          <a:effectRef idx="2">
+            <a:schemeClr val="accent1"/>
+          </a:effectRef>
+          <a:fontRef idx="minor">
+            <a:schemeClr val="lt1"/>
+          </a:fontRef>
+        </p:style>
+      </p:sp>
+      <p:sp>
+        <p:nvSpPr>
+          <p:cNvPr id="12" name="Rectangle 11">
+            <a:extLst>
+              <a:ext uri="{FF2B5EF4-FFF2-40B4-BE49-F238E27FC236}">
+                <a16:creationId xmlns:a16="http://schemas.microsoft.com/office/drawing/2014/main" id="{B7743172-17A8-4FA4-8434-B813E03B7665}"/>
+              </a:ext>
+              <a:ext uri="{C183D7F6-B498-43B3-948B-1728B52AA6E4}">
+                <adec:decorative xmlns:adec="http://schemas.microsoft.com/office/drawing/2017/decorative" val="1"/>
+              </a:ext>
+            </a:extLst>
+          </p:cNvPr>
+          <p:cNvSpPr>
+            <a:spLocks noGrp="1" noRot="1" noChangeAspect="1" noMove="1" noResize="1" noEditPoints="1" noAdjustHandles="1" noChangeArrowheads="1" noChangeShapeType="1" noTextEdit="1"/>
+          </p:cNvSpPr>
+          <p:nvPr>
+            <p:extLst>
+              <p:ext uri="{386F3935-93C4-4BCD-93E2-E3B085C9AB24}">
+                <p16:designElem xmlns:p16="http://schemas.microsoft.com/office/powerpoint/2015/main" val="1"/>
+              </p:ext>
+            </p:extLst>
+          </p:nvPr>
+        </p:nvSpPr>
+        <p:spPr>
+          <a:xfrm>
+            <a:off x="0" y="0"/>
+            <a:ext cx="12192000" cy="6858000"/>
+          </a:xfrm>
+          <a:prstGeom prst="rect">
+            <a:avLst/>
+          </a:prstGeom>
+          <a:solidFill>
+            <a:schemeClr val="bg1"/>
+          </a:solidFill>
+          <a:ln>
+            <a:noFill/>
+          </a:ln>
+        </p:spPr>
+        <p:style>
+          <a:lnRef idx="2">
+            <a:schemeClr val="accent1">
+              <a:shade val="50000"/>
+            </a:schemeClr>
+          </a:lnRef>
+          <a:fillRef idx="1">
+            <a:schemeClr val="accent1"/>
+          </a:fillRef>
+          <a:effectRef idx="0">
+            <a:schemeClr val="accent1"/>
+          </a:effectRef>
+          <a:fontRef idx="minor">
+            <a:schemeClr val="lt1"/>
+          </a:fontRef>
+        </p:style>
+        <p:txBody>
+          <a:bodyPr rtlCol="0" anchor="ctr"/>
+          <a:lstStyle/>
+          <a:p>
+            <a:pPr algn="ctr"/>
+            <a:endParaRPr lang="en-US"/>
+          </a:p>
+        </p:txBody>
+      </p:sp>
+      <p:sp>
+        <p:nvSpPr>
+          <p:cNvPr id="14" name="Freeform 23">
+            <a:extLst>
+              <a:ext uri="{FF2B5EF4-FFF2-40B4-BE49-F238E27FC236}">
+                <a16:creationId xmlns:a16="http://schemas.microsoft.com/office/drawing/2014/main" id="{4CE1233C-FD2F-489E-BFDE-086F5FED6491}"/>
+              </a:ext>
+              <a:ext uri="{C183D7F6-B498-43B3-948B-1728B52AA6E4}">
+                <adec:decorative xmlns:adec="http://schemas.microsoft.com/office/drawing/2017/decorative" val="1"/>
+              </a:ext>
+            </a:extLst>
+          </p:cNvPr>
+          <p:cNvSpPr>
+            <a:spLocks noGrp="1" noRot="1" noChangeAspect="1" noMove="1" noResize="1" noEditPoints="1" noAdjustHandles="1" noChangeArrowheads="1" noChangeShapeType="1" noTextEdit="1"/>
+          </p:cNvSpPr>
+          <p:nvPr>
+            <p:extLst>
+              <p:ext uri="{386F3935-93C4-4BCD-93E2-E3B085C9AB24}">
+                <p16:designElem xmlns:p16="http://schemas.microsoft.com/office/powerpoint/2015/main" val="1"/>
+              </p:ext>
+            </p:extLst>
+          </p:nvPr>
+        </p:nvSpPr>
+        <p:spPr bwMode="white">
+          <a:xfrm>
+            <a:off x="0" y="0"/>
+            <a:ext cx="4637005" cy="6858000"/>
+          </a:xfrm>
+          <a:custGeom>
+            <a:avLst/>
+            <a:gdLst>
+              <a:gd name="connsiteX0" fmla="*/ 0 w 4637005"/>
+              <a:gd name="connsiteY0" fmla="*/ 0 h 6858000"/>
+              <a:gd name="connsiteX1" fmla="*/ 4637005 w 4637005"/>
+              <a:gd name="connsiteY1" fmla="*/ 0 h 6858000"/>
+              <a:gd name="connsiteX2" fmla="*/ 4637005 w 4637005"/>
+              <a:gd name="connsiteY2" fmla="*/ 1900238 h 6858000"/>
+              <a:gd name="connsiteX3" fmla="*/ 4266589 w 4637005"/>
+              <a:gd name="connsiteY3" fmla="*/ 2178050 h 6858000"/>
+              <a:gd name="connsiteX4" fmla="*/ 4262355 w 4637005"/>
+              <a:gd name="connsiteY4" fmla="*/ 2184400 h 6858000"/>
+              <a:gd name="connsiteX5" fmla="*/ 4256005 w 4637005"/>
+              <a:gd name="connsiteY5" fmla="*/ 2193925 h 6858000"/>
+              <a:gd name="connsiteX6" fmla="*/ 4249655 w 4637005"/>
+              <a:gd name="connsiteY6" fmla="*/ 2201863 h 6858000"/>
+              <a:gd name="connsiteX7" fmla="*/ 4249655 w 4637005"/>
+              <a:gd name="connsiteY7" fmla="*/ 2211388 h 6858000"/>
+              <a:gd name="connsiteX8" fmla="*/ 4249655 w 4637005"/>
+              <a:gd name="connsiteY8" fmla="*/ 2220913 h 6858000"/>
+              <a:gd name="connsiteX9" fmla="*/ 4256005 w 4637005"/>
+              <a:gd name="connsiteY9" fmla="*/ 2228850 h 6858000"/>
+              <a:gd name="connsiteX10" fmla="*/ 4262355 w 4637005"/>
+              <a:gd name="connsiteY10" fmla="*/ 2238375 h 6858000"/>
+              <a:gd name="connsiteX11" fmla="*/ 4266589 w 4637005"/>
+              <a:gd name="connsiteY11" fmla="*/ 2244725 h 6858000"/>
+              <a:gd name="connsiteX12" fmla="*/ 4637005 w 4637005"/>
+              <a:gd name="connsiteY12" fmla="*/ 2522538 h 6858000"/>
+              <a:gd name="connsiteX13" fmla="*/ 4637005 w 4637005"/>
+              <a:gd name="connsiteY13" fmla="*/ 6858000 h 6858000"/>
+              <a:gd name="connsiteX14" fmla="*/ 0 w 4637005"/>
+              <a:gd name="connsiteY14" fmla="*/ 6858000 h 6858000"/>
+            </a:gdLst>
+            <a:ahLst/>
+            <a:cxnLst>
+              <a:cxn ang="0">
+                <a:pos x="connsiteX0" y="connsiteY0"/>
+              </a:cxn>
+              <a:cxn ang="0">
+                <a:pos x="connsiteX1" y="connsiteY1"/>
+              </a:cxn>
+              <a:cxn ang="0">
+                <a:pos x="connsiteX2" y="connsiteY2"/>
+              </a:cxn>
+              <a:cxn ang="0">
+                <a:pos x="connsiteX3" y="connsiteY3"/>
+              </a:cxn>
+              <a:cxn ang="0">
+                <a:pos x="connsiteX4" y="connsiteY4"/>
+              </a:cxn>
+              <a:cxn ang="0">
+                <a:pos x="connsiteX5" y="connsiteY5"/>
+              </a:cxn>
+              <a:cxn ang="0">
+                <a:pos x="connsiteX6" y="connsiteY6"/>
+              </a:cxn>
+              <a:cxn ang="0">
+                <a:pos x="connsiteX7" y="connsiteY7"/>
+              </a:cxn>
+              <a:cxn ang="0">
+                <a:pos x="connsiteX8" y="connsiteY8"/>
+              </a:cxn>
+              <a:cxn ang="0">
+                <a:pos x="connsiteX9" y="connsiteY9"/>
+              </a:cxn>
+              <a:cxn ang="0">
+                <a:pos x="connsiteX10" y="connsiteY10"/>
+              </a:cxn>
+              <a:cxn ang="0">
+                <a:pos x="connsiteX11" y="connsiteY11"/>
+              </a:cxn>
+              <a:cxn ang="0">
+                <a:pos x="connsiteX12" y="connsiteY12"/>
+              </a:cxn>
+              <a:cxn ang="0">
+                <a:pos x="connsiteX13" y="connsiteY13"/>
+              </a:cxn>
+              <a:cxn ang="0">
+                <a:pos x="connsiteX14" y="connsiteY14"/>
+              </a:cxn>
+            </a:cxnLst>
+            <a:rect l="l" t="t" r="r" b="b"/>
+            <a:pathLst>
+              <a:path w="4637005" h="6858000">
+                <a:moveTo>
+                  <a:pt x="0" y="0"/>
+                </a:moveTo>
+                <a:lnTo>
+                  <a:pt x="4637005" y="0"/>
+                </a:lnTo>
+                <a:lnTo>
+                  <a:pt x="4637005" y="1900238"/>
+                </a:lnTo>
+                <a:lnTo>
+                  <a:pt x="4266589" y="2178050"/>
+                </a:lnTo>
+                <a:lnTo>
+                  <a:pt x="4262355" y="2184400"/>
+                </a:lnTo>
+                <a:lnTo>
+                  <a:pt x="4256005" y="2193925"/>
+                </a:lnTo>
+                <a:lnTo>
+                  <a:pt x="4249655" y="2201863"/>
+                </a:lnTo>
+                <a:lnTo>
+                  <a:pt x="4249655" y="2211388"/>
+                </a:lnTo>
+                <a:lnTo>
+                  <a:pt x="4249655" y="2220913"/>
+                </a:lnTo>
+                <a:lnTo>
+                  <a:pt x="4256005" y="2228850"/>
+                </a:lnTo>
+                <a:lnTo>
+                  <a:pt x="4262355" y="2238375"/>
+                </a:lnTo>
+                <a:lnTo>
+                  <a:pt x="4266589" y="2244725"/>
+                </a:lnTo>
+                <a:lnTo>
+                  <a:pt x="4637005" y="2522538"/>
+                </a:lnTo>
+                <a:lnTo>
+                  <a:pt x="4637005" y="6858000"/>
+                </a:lnTo>
+                <a:lnTo>
+                  <a:pt x="0" y="6858000"/>
+                </a:lnTo>
+                <a:close/>
+              </a:path>
+            </a:pathLst>
+          </a:custGeom>
+          <a:blipFill>
+            <a:blip r:embed="rId2">
+              <a:duotone>
+                <a:schemeClr val="accent1">
+                  <a:tint val="98000"/>
+                  <a:lumMod val="102000"/>
+                </a:schemeClr>
+                <a:schemeClr val="accent1">
+                  <a:shade val="98000"/>
+                  <a:lumMod val="98000"/>
+                </a:schemeClr>
+              </a:duotone>
+            </a:blip>
+            <a:tile tx="0" ty="0" sx="100000" sy="100000" flip="none" algn="tl"/>
+          </a:blipFill>
+          <a:ln>
+            <a:headEnd/>
+            <a:tailEnd/>
+          </a:ln>
+        </p:spPr>
+        <p:style>
+          <a:lnRef idx="1">
+            <a:schemeClr val="accent1"/>
+          </a:lnRef>
+          <a:fillRef idx="3">
+            <a:schemeClr val="accent1"/>
+          </a:fillRef>
+          <a:effectRef idx="2">
+            <a:schemeClr val="accent1"/>
+          </a:effectRef>
+          <a:fontRef idx="minor">
+            <a:schemeClr val="lt1"/>
+          </a:fontRef>
+        </p:style>
+        <p:txBody>
+          <a:bodyPr wrap="square" rtlCol="0" anchor="ctr">
+            <a:noAutofit/>
+          </a:bodyPr>
+          <a:lstStyle/>
+          <a:p>
+            <a:pPr algn="ctr"/>
+            <a:endParaRPr lang="en-US"/>
+          </a:p>
+        </p:txBody>
+      </p:sp>
+      <p:sp>
+        <p:nvSpPr>
+          <p:cNvPr id="2" name="Titre 1">
+            <a:extLst>
+              <a:ext uri="{FF2B5EF4-FFF2-40B4-BE49-F238E27FC236}">
+                <a16:creationId xmlns:a16="http://schemas.microsoft.com/office/drawing/2014/main" id="{FA78E051-5A48-4B40-974D-F597DCCADC7B}"/>
+              </a:ext>
+            </a:extLst>
+          </p:cNvPr>
+          <p:cNvSpPr>
+            <a:spLocks noGrp="1"/>
+          </p:cNvSpPr>
+          <p:nvPr>
+            <p:ph type="title"/>
+          </p:nvPr>
+        </p:nvSpPr>
+        <p:spPr>
+          <a:xfrm>
+            <a:off x="451514" y="1800225"/>
+            <a:ext cx="3444211" cy="4241136"/>
+          </a:xfrm>
+        </p:spPr>
+        <p:txBody>
+          <a:bodyPr vert="horz" lIns="91440" tIns="45720" rIns="91440" bIns="45720" rtlCol="0" anchor="t">
+            <a:normAutofit/>
+          </a:bodyPr>
+          <a:lstStyle/>
+          <a:p>
+            <a:r>
+              <a:rPr lang="en-US" sz="4400" dirty="0"/>
+              <a:t>IHM</a:t>
+            </a:r>
+          </a:p>
+        </p:txBody>
+      </p:sp>
+      <p:pic>
+        <p:nvPicPr>
+          <p:cNvPr id="5" name="Espace réservé du contenu 4">
+            <a:extLst>
+              <a:ext uri="{FF2B5EF4-FFF2-40B4-BE49-F238E27FC236}">
+                <a16:creationId xmlns:a16="http://schemas.microsoft.com/office/drawing/2014/main" id="{5BA2DEC4-2E09-4625-AF11-E42A7090B227}"/>
+              </a:ext>
+            </a:extLst>
+          </p:cNvPr>
+          <p:cNvPicPr>
+            <a:picLocks noGrp="1" noChangeAspect="1"/>
+          </p:cNvPicPr>
+          <p:nvPr>
+            <p:ph idx="1"/>
+          </p:nvPr>
+        </p:nvPicPr>
+        <p:blipFill>
+          <a:blip r:embed="rId3"/>
+          <a:stretch>
+            <a:fillRect/>
+          </a:stretch>
+        </p:blipFill>
+        <p:spPr>
+          <a:xfrm>
+            <a:off x="5088519" y="684899"/>
+            <a:ext cx="6796535" cy="5488201"/>
+          </a:xfrm>
+          <a:prstGeom prst="roundRect">
+            <a:avLst>
+              <a:gd name="adj" fmla="val 3876"/>
+            </a:avLst>
+          </a:prstGeom>
+          <a:ln>
+            <a:noFill/>
+          </a:ln>
+          <a:effectLst/>
+        </p:spPr>
+      </p:pic>
+    </p:spTree>
+    <p:extLst>
+      <p:ext uri="{BB962C8B-B14F-4D97-AF65-F5344CB8AC3E}">
+        <p14:creationId xmlns:p14="http://schemas.microsoft.com/office/powerpoint/2010/main" val="453197869"/>
+      </p:ext>
+    </p:extLst>
+  </p:cSld>
+  <p:clrMapOvr>
+    <a:overrideClrMapping bg1="lt1" tx1="dk1" bg2="lt2" tx2="dk2" accent1="accent1" accent2="accent2" accent3="accent3" accent4="accent4" accent5="accent5" accent6="accent6" hlink="hlink" folHlink="folHlink"/>
+  </p:clrMapOvr>
+</p:sld>
+</file>
+
+<file path=ppt/slides/slide8.xml><?xml version="1.0" encoding="utf-8"?>
+<p:sld xmlns:a="http://schemas.openxmlformats.org/drawingml/2006/main" xmlns:r="http://schemas.openxmlformats.org/officeDocument/2006/relationships" xmlns:p="http://schemas.openxmlformats.org/presentationml/2006/main">
+  <p:cSld>
+    <p:bg>
+      <p:bgPr>
+        <a:solidFill>
+          <a:schemeClr val="bg1"/>
+        </a:solidFill>
+        <a:effectLst/>
+      </p:bgPr>
+    </p:bg>
+    <p:spTree>
+      <p:nvGrpSpPr>
+        <p:cNvPr id="1" name=""/>
+        <p:cNvGrpSpPr/>
+        <p:nvPr/>
+      </p:nvGrpSpPr>
+      <p:grpSpPr>
+        <a:xfrm>
+          <a:off x="0" y="0"/>
+          <a:ext cx="0" cy="0"/>
+          <a:chOff x="0" y="0"/>
+          <a:chExt cx="0" cy="0"/>
+        </a:xfrm>
+      </p:grpSpPr>
+      <p:sp>
+        <p:nvSpPr>
+          <p:cNvPr id="65" name="Freeform 6">
+            <a:extLst>
+              <a:ext uri="{FF2B5EF4-FFF2-40B4-BE49-F238E27FC236}">
+                <a16:creationId xmlns:a16="http://schemas.microsoft.com/office/drawing/2014/main" id="{133F8CB7-795C-4272-9073-64D8CF97F220}"/>
+              </a:ext>
+              <a:ext uri="{C183D7F6-B498-43B3-948B-1728B52AA6E4}">
+                <adec:decorative xmlns:adec="http://schemas.microsoft.com/office/drawing/2017/decorative" val="1"/>
+              </a:ext>
+            </a:extLst>
+          </p:cNvPr>
+          <p:cNvSpPr>
+            <a:spLocks noGrp="1" noRot="1" noChangeAspect="1" noMove="1" noResize="1" noEditPoints="1" noAdjustHandles="1" noChangeArrowheads="1" noChangeShapeType="1" noTextEdit="1"/>
+          </p:cNvSpPr>
+          <p:nvPr>
+            <p:extLst>
+              <p:ext uri="{386F3935-93C4-4BCD-93E2-E3B085C9AB24}">
+                <p16:designElem xmlns:p16="http://schemas.microsoft.com/office/powerpoint/2015/main" val="1"/>
+              </p:ext>
+            </p:extLst>
+          </p:nvPr>
+        </p:nvSpPr>
+        <p:spPr bwMode="auto">
+          <a:xfrm>
+            <a:off x="0" y="-3175"/>
+            <a:ext cx="12192000" cy="5203825"/>
+          </a:xfrm>
+          <a:custGeom>
+            <a:avLst/>
+            <a:gdLst/>
+            <a:ahLst/>
+            <a:cxnLst/>
+            <a:rect l="0" t="0" r="r" b="b"/>
+            <a:pathLst>
+              <a:path w="5760" h="3278">
+                <a:moveTo>
+                  <a:pt x="5760" y="0"/>
+                </a:moveTo>
+                <a:lnTo>
+                  <a:pt x="0" y="0"/>
+                </a:lnTo>
+                <a:lnTo>
+                  <a:pt x="0" y="3090"/>
+                </a:lnTo>
+                <a:lnTo>
+                  <a:pt x="943" y="3090"/>
+                </a:lnTo>
+                <a:lnTo>
+                  <a:pt x="1123" y="3270"/>
+                </a:lnTo>
+                <a:lnTo>
+                  <a:pt x="1123" y="3270"/>
+                </a:lnTo>
+                <a:lnTo>
+                  <a:pt x="1127" y="3272"/>
+                </a:lnTo>
+                <a:lnTo>
+                  <a:pt x="1133" y="3275"/>
+                </a:lnTo>
+                <a:lnTo>
+                  <a:pt x="1139" y="3278"/>
+                </a:lnTo>
+                <a:lnTo>
+                  <a:pt x="1144" y="3278"/>
+                </a:lnTo>
+                <a:lnTo>
+                  <a:pt x="1150" y="3278"/>
+                </a:lnTo>
+                <a:lnTo>
+                  <a:pt x="1155" y="3275"/>
+                </a:lnTo>
+                <a:lnTo>
+                  <a:pt x="1161" y="3272"/>
+                </a:lnTo>
+                <a:lnTo>
+                  <a:pt x="1165" y="3270"/>
+                </a:lnTo>
+                <a:lnTo>
+                  <a:pt x="1345" y="3090"/>
+                </a:lnTo>
+                <a:lnTo>
+                  <a:pt x="5760" y="3090"/>
+                </a:lnTo>
+                <a:lnTo>
+                  <a:pt x="5760" y="0"/>
+                </a:lnTo>
+                <a:close/>
+              </a:path>
+            </a:pathLst>
+          </a:custGeom>
+          <a:ln/>
+          <a:effectLst/>
+          <a:extLst>
+            <a:ext uri="{91240B29-F687-4f45-9708-019B960494DF}">
+              <a14:hiddenLine xmlns="" xmlns:a16="http://schemas.microsoft.com/office/drawing/2014/main" xmlns:p14="http://schemas.microsoft.com/office/powerpoint/2010/main" xmlns:a14="http://schemas.microsoft.com/office/drawing/2010/main" w="9525">
                 <a:solidFill>
                   <a:srgbClr val="000000"/>
                 </a:solidFill>
@@ -9124,508 +12975,6 @@
 </p:sld>
 </file>
 
-<file path=ppt/slides/slide8.xml><?xml version="1.0" encoding="utf-8"?>
-<p:sld xmlns:a="http://schemas.openxmlformats.org/drawingml/2006/main" xmlns:r="http://schemas.openxmlformats.org/officeDocument/2006/relationships" xmlns:p="http://schemas.openxmlformats.org/presentationml/2006/main">
-  <p:cSld>
-    <p:bg>
-      <p:bgPr>
-        <a:solidFill>
-          <a:schemeClr val="bg1"/>
-        </a:solidFill>
-        <a:effectLst/>
-      </p:bgPr>
-    </p:bg>
-    <p:spTree>
-      <p:nvGrpSpPr>
-        <p:cNvPr id="1" name=""/>
-        <p:cNvGrpSpPr/>
-        <p:nvPr/>
-      </p:nvGrpSpPr>
-      <p:grpSpPr>
-        <a:xfrm>
-          <a:off x="0" y="0"/>
-          <a:ext cx="0" cy="0"/>
-          <a:chOff x="0" y="0"/>
-          <a:chExt cx="0" cy="0"/>
-        </a:xfrm>
-      </p:grpSpPr>
-      <p:sp>
-        <p:nvSpPr>
-          <p:cNvPr id="10" name="Freeform 6">
-            <a:extLst>
-              <a:ext uri="{FF2B5EF4-FFF2-40B4-BE49-F238E27FC236}">
-                <a16:creationId xmlns:a16="http://schemas.microsoft.com/office/drawing/2014/main" id="{133F8CB7-795C-4272-9073-64D8CF97F220}"/>
-              </a:ext>
-              <a:ext uri="{C183D7F6-B498-43B3-948B-1728B52AA6E4}">
-                <adec:decorative xmlns:adec="http://schemas.microsoft.com/office/drawing/2017/decorative" val="1"/>
-              </a:ext>
-            </a:extLst>
-          </p:cNvPr>
-          <p:cNvSpPr>
-            <a:spLocks noGrp="1" noRot="1" noChangeAspect="1" noMove="1" noResize="1" noEditPoints="1" noAdjustHandles="1" noChangeArrowheads="1" noChangeShapeType="1" noTextEdit="1"/>
-          </p:cNvSpPr>
-          <p:nvPr>
-            <p:extLst>
-              <p:ext uri="{386F3935-93C4-4BCD-93E2-E3B085C9AB24}">
-                <p16:designElem xmlns:p16="http://schemas.microsoft.com/office/powerpoint/2015/main" val="1"/>
-              </p:ext>
-            </p:extLst>
-          </p:nvPr>
-        </p:nvSpPr>
-        <p:spPr bwMode="auto">
-          <a:xfrm>
-            <a:off x="0" y="-3175"/>
-            <a:ext cx="12192000" cy="5203825"/>
-          </a:xfrm>
-          <a:custGeom>
-            <a:avLst/>
-            <a:gdLst/>
-            <a:ahLst/>
-            <a:cxnLst/>
-            <a:rect l="0" t="0" r="r" b="b"/>
-            <a:pathLst>
-              <a:path w="5760" h="3278">
-                <a:moveTo>
-                  <a:pt x="5760" y="0"/>
-                </a:moveTo>
-                <a:lnTo>
-                  <a:pt x="0" y="0"/>
-                </a:lnTo>
-                <a:lnTo>
-                  <a:pt x="0" y="3090"/>
-                </a:lnTo>
-                <a:lnTo>
-                  <a:pt x="943" y="3090"/>
-                </a:lnTo>
-                <a:lnTo>
-                  <a:pt x="1123" y="3270"/>
-                </a:lnTo>
-                <a:lnTo>
-                  <a:pt x="1123" y="3270"/>
-                </a:lnTo>
-                <a:lnTo>
-                  <a:pt x="1127" y="3272"/>
-                </a:lnTo>
-                <a:lnTo>
-                  <a:pt x="1133" y="3275"/>
-                </a:lnTo>
-                <a:lnTo>
-                  <a:pt x="1139" y="3278"/>
-                </a:lnTo>
-                <a:lnTo>
-                  <a:pt x="1144" y="3278"/>
-                </a:lnTo>
-                <a:lnTo>
-                  <a:pt x="1150" y="3278"/>
-                </a:lnTo>
-                <a:lnTo>
-                  <a:pt x="1155" y="3275"/>
-                </a:lnTo>
-                <a:lnTo>
-                  <a:pt x="1161" y="3272"/>
-                </a:lnTo>
-                <a:lnTo>
-                  <a:pt x="1165" y="3270"/>
-                </a:lnTo>
-                <a:lnTo>
-                  <a:pt x="1345" y="3090"/>
-                </a:lnTo>
-                <a:lnTo>
-                  <a:pt x="5760" y="3090"/>
-                </a:lnTo>
-                <a:lnTo>
-                  <a:pt x="5760" y="0"/>
-                </a:lnTo>
-                <a:close/>
-              </a:path>
-            </a:pathLst>
-          </a:custGeom>
-          <a:ln/>
-          <a:effectLst/>
-          <a:extLst>
-            <a:ext uri="{91240B29-F687-4f45-9708-019B960494DF}">
-              <a14:hiddenLine xmlns:a14="http://schemas.microsoft.com/office/drawing/2010/main" xmlns:p14="http://schemas.microsoft.com/office/powerpoint/2010/main" xmlns:a16="http://schemas.microsoft.com/office/drawing/2014/main" xmlns="" w="9525">
-                <a:solidFill>
-                  <a:srgbClr val="000000"/>
-                </a:solidFill>
-                <a:round/>
-                <a:headEnd/>
-                <a:tailEnd/>
-              </a14:hiddenLine>
-            </a:ext>
-          </a:extLst>
-        </p:spPr>
-        <p:style>
-          <a:lnRef idx="1">
-            <a:schemeClr val="accent1"/>
-          </a:lnRef>
-          <a:fillRef idx="3">
-            <a:schemeClr val="accent1"/>
-          </a:fillRef>
-          <a:effectRef idx="2">
-            <a:schemeClr val="accent1"/>
-          </a:effectRef>
-          <a:fontRef idx="minor">
-            <a:schemeClr val="lt1"/>
-          </a:fontRef>
-        </p:style>
-      </p:sp>
-      <p:sp>
-        <p:nvSpPr>
-          <p:cNvPr id="12" name="Rectangle 11">
-            <a:extLst>
-              <a:ext uri="{FF2B5EF4-FFF2-40B4-BE49-F238E27FC236}">
-                <a16:creationId xmlns:a16="http://schemas.microsoft.com/office/drawing/2014/main" id="{B7743172-17A8-4FA4-8434-B813E03B7665}"/>
-              </a:ext>
-              <a:ext uri="{C183D7F6-B498-43B3-948B-1728B52AA6E4}">
-                <adec:decorative xmlns:adec="http://schemas.microsoft.com/office/drawing/2017/decorative" val="1"/>
-              </a:ext>
-            </a:extLst>
-          </p:cNvPr>
-          <p:cNvSpPr>
-            <a:spLocks noGrp="1" noRot="1" noChangeAspect="1" noMove="1" noResize="1" noEditPoints="1" noAdjustHandles="1" noChangeArrowheads="1" noChangeShapeType="1" noTextEdit="1"/>
-          </p:cNvSpPr>
-          <p:nvPr>
-            <p:extLst>
-              <p:ext uri="{386F3935-93C4-4BCD-93E2-E3B085C9AB24}">
-                <p16:designElem xmlns:p16="http://schemas.microsoft.com/office/powerpoint/2015/main" val="1"/>
-              </p:ext>
-            </p:extLst>
-          </p:nvPr>
-        </p:nvSpPr>
-        <p:spPr>
-          <a:xfrm>
-            <a:off x="0" y="0"/>
-            <a:ext cx="12192000" cy="6858000"/>
-          </a:xfrm>
-          <a:prstGeom prst="rect">
-            <a:avLst/>
-          </a:prstGeom>
-          <a:solidFill>
-            <a:schemeClr val="bg1"/>
-          </a:solidFill>
-          <a:ln>
-            <a:noFill/>
-          </a:ln>
-        </p:spPr>
-        <p:style>
-          <a:lnRef idx="2">
-            <a:schemeClr val="accent1">
-              <a:shade val="50000"/>
-            </a:schemeClr>
-          </a:lnRef>
-          <a:fillRef idx="1">
-            <a:schemeClr val="accent1"/>
-          </a:fillRef>
-          <a:effectRef idx="0">
-            <a:schemeClr val="accent1"/>
-          </a:effectRef>
-          <a:fontRef idx="minor">
-            <a:schemeClr val="lt1"/>
-          </a:fontRef>
-        </p:style>
-        <p:txBody>
-          <a:bodyPr rtlCol="0" anchor="ctr"/>
-          <a:lstStyle/>
-          <a:p>
-            <a:pPr algn="ctr"/>
-            <a:endParaRPr lang="en-US"/>
-          </a:p>
-        </p:txBody>
-      </p:sp>
-      <p:sp>
-        <p:nvSpPr>
-          <p:cNvPr id="14" name="Freeform 23">
-            <a:extLst>
-              <a:ext uri="{FF2B5EF4-FFF2-40B4-BE49-F238E27FC236}">
-                <a16:creationId xmlns:a16="http://schemas.microsoft.com/office/drawing/2014/main" id="{4CE1233C-FD2F-489E-BFDE-086F5FED6491}"/>
-              </a:ext>
-              <a:ext uri="{C183D7F6-B498-43B3-948B-1728B52AA6E4}">
-                <adec:decorative xmlns:adec="http://schemas.microsoft.com/office/drawing/2017/decorative" val="1"/>
-              </a:ext>
-            </a:extLst>
-          </p:cNvPr>
-          <p:cNvSpPr>
-            <a:spLocks noGrp="1" noRot="1" noChangeAspect="1" noMove="1" noResize="1" noEditPoints="1" noAdjustHandles="1" noChangeArrowheads="1" noChangeShapeType="1" noTextEdit="1"/>
-          </p:cNvSpPr>
-          <p:nvPr>
-            <p:extLst>
-              <p:ext uri="{386F3935-93C4-4BCD-93E2-E3B085C9AB24}">
-                <p16:designElem xmlns:p16="http://schemas.microsoft.com/office/powerpoint/2015/main" val="1"/>
-              </p:ext>
-            </p:extLst>
-          </p:nvPr>
-        </p:nvSpPr>
-        <p:spPr bwMode="white">
-          <a:xfrm>
-            <a:off x="0" y="0"/>
-            <a:ext cx="4637005" cy="6858000"/>
-          </a:xfrm>
-          <a:custGeom>
-            <a:avLst/>
-            <a:gdLst>
-              <a:gd name="connsiteX0" fmla="*/ 0 w 4637005"/>
-              <a:gd name="connsiteY0" fmla="*/ 0 h 6858000"/>
-              <a:gd name="connsiteX1" fmla="*/ 4637005 w 4637005"/>
-              <a:gd name="connsiteY1" fmla="*/ 0 h 6858000"/>
-              <a:gd name="connsiteX2" fmla="*/ 4637005 w 4637005"/>
-              <a:gd name="connsiteY2" fmla="*/ 1900238 h 6858000"/>
-              <a:gd name="connsiteX3" fmla="*/ 4266589 w 4637005"/>
-              <a:gd name="connsiteY3" fmla="*/ 2178050 h 6858000"/>
-              <a:gd name="connsiteX4" fmla="*/ 4262355 w 4637005"/>
-              <a:gd name="connsiteY4" fmla="*/ 2184400 h 6858000"/>
-              <a:gd name="connsiteX5" fmla="*/ 4256005 w 4637005"/>
-              <a:gd name="connsiteY5" fmla="*/ 2193925 h 6858000"/>
-              <a:gd name="connsiteX6" fmla="*/ 4249655 w 4637005"/>
-              <a:gd name="connsiteY6" fmla="*/ 2201863 h 6858000"/>
-              <a:gd name="connsiteX7" fmla="*/ 4249655 w 4637005"/>
-              <a:gd name="connsiteY7" fmla="*/ 2211388 h 6858000"/>
-              <a:gd name="connsiteX8" fmla="*/ 4249655 w 4637005"/>
-              <a:gd name="connsiteY8" fmla="*/ 2220913 h 6858000"/>
-              <a:gd name="connsiteX9" fmla="*/ 4256005 w 4637005"/>
-              <a:gd name="connsiteY9" fmla="*/ 2228850 h 6858000"/>
-              <a:gd name="connsiteX10" fmla="*/ 4262355 w 4637005"/>
-              <a:gd name="connsiteY10" fmla="*/ 2238375 h 6858000"/>
-              <a:gd name="connsiteX11" fmla="*/ 4266589 w 4637005"/>
-              <a:gd name="connsiteY11" fmla="*/ 2244725 h 6858000"/>
-              <a:gd name="connsiteX12" fmla="*/ 4637005 w 4637005"/>
-              <a:gd name="connsiteY12" fmla="*/ 2522538 h 6858000"/>
-              <a:gd name="connsiteX13" fmla="*/ 4637005 w 4637005"/>
-              <a:gd name="connsiteY13" fmla="*/ 6858000 h 6858000"/>
-              <a:gd name="connsiteX14" fmla="*/ 0 w 4637005"/>
-              <a:gd name="connsiteY14" fmla="*/ 6858000 h 6858000"/>
-            </a:gdLst>
-            <a:ahLst/>
-            <a:cxnLst>
-              <a:cxn ang="0">
-                <a:pos x="connsiteX0" y="connsiteY0"/>
-              </a:cxn>
-              <a:cxn ang="0">
-                <a:pos x="connsiteX1" y="connsiteY1"/>
-              </a:cxn>
-              <a:cxn ang="0">
-                <a:pos x="connsiteX2" y="connsiteY2"/>
-              </a:cxn>
-              <a:cxn ang="0">
-                <a:pos x="connsiteX3" y="connsiteY3"/>
-              </a:cxn>
-              <a:cxn ang="0">
-                <a:pos x="connsiteX4" y="connsiteY4"/>
-              </a:cxn>
-              <a:cxn ang="0">
-                <a:pos x="connsiteX5" y="connsiteY5"/>
-              </a:cxn>
-              <a:cxn ang="0">
-                <a:pos x="connsiteX6" y="connsiteY6"/>
-              </a:cxn>
-              <a:cxn ang="0">
-                <a:pos x="connsiteX7" y="connsiteY7"/>
-              </a:cxn>
-              <a:cxn ang="0">
-                <a:pos x="connsiteX8" y="connsiteY8"/>
-              </a:cxn>
-              <a:cxn ang="0">
-                <a:pos x="connsiteX9" y="connsiteY9"/>
-              </a:cxn>
-              <a:cxn ang="0">
-                <a:pos x="connsiteX10" y="connsiteY10"/>
-              </a:cxn>
-              <a:cxn ang="0">
-                <a:pos x="connsiteX11" y="connsiteY11"/>
-              </a:cxn>
-              <a:cxn ang="0">
-                <a:pos x="connsiteX12" y="connsiteY12"/>
-              </a:cxn>
-              <a:cxn ang="0">
-                <a:pos x="connsiteX13" y="connsiteY13"/>
-              </a:cxn>
-              <a:cxn ang="0">
-                <a:pos x="connsiteX14" y="connsiteY14"/>
-              </a:cxn>
-            </a:cxnLst>
-            <a:rect l="l" t="t" r="r" b="b"/>
-            <a:pathLst>
-              <a:path w="4637005" h="6858000">
-                <a:moveTo>
-                  <a:pt x="0" y="0"/>
-                </a:moveTo>
-                <a:lnTo>
-                  <a:pt x="4637005" y="0"/>
-                </a:lnTo>
-                <a:lnTo>
-                  <a:pt x="4637005" y="1900238"/>
-                </a:lnTo>
-                <a:lnTo>
-                  <a:pt x="4266589" y="2178050"/>
-                </a:lnTo>
-                <a:lnTo>
-                  <a:pt x="4262355" y="2184400"/>
-                </a:lnTo>
-                <a:lnTo>
-                  <a:pt x="4256005" y="2193925"/>
-                </a:lnTo>
-                <a:lnTo>
-                  <a:pt x="4249655" y="2201863"/>
-                </a:lnTo>
-                <a:lnTo>
-                  <a:pt x="4249655" y="2211388"/>
-                </a:lnTo>
-                <a:lnTo>
-                  <a:pt x="4249655" y="2220913"/>
-                </a:lnTo>
-                <a:lnTo>
-                  <a:pt x="4256005" y="2228850"/>
-                </a:lnTo>
-                <a:lnTo>
-                  <a:pt x="4262355" y="2238375"/>
-                </a:lnTo>
-                <a:lnTo>
-                  <a:pt x="4266589" y="2244725"/>
-                </a:lnTo>
-                <a:lnTo>
-                  <a:pt x="4637005" y="2522538"/>
-                </a:lnTo>
-                <a:lnTo>
-                  <a:pt x="4637005" y="6858000"/>
-                </a:lnTo>
-                <a:lnTo>
-                  <a:pt x="0" y="6858000"/>
-                </a:lnTo>
-                <a:close/>
-              </a:path>
-            </a:pathLst>
-          </a:custGeom>
-          <a:blipFill>
-            <a:blip r:embed="rId2">
-              <a:duotone>
-                <a:schemeClr val="accent1">
-                  <a:tint val="98000"/>
-                  <a:lumMod val="102000"/>
-                </a:schemeClr>
-                <a:schemeClr val="accent1">
-                  <a:shade val="98000"/>
-                  <a:lumMod val="98000"/>
-                </a:schemeClr>
-              </a:duotone>
-            </a:blip>
-            <a:tile tx="0" ty="0" sx="100000" sy="100000" flip="none" algn="tl"/>
-          </a:blipFill>
-          <a:ln>
-            <a:headEnd/>
-            <a:tailEnd/>
-          </a:ln>
-        </p:spPr>
-        <p:style>
-          <a:lnRef idx="1">
-            <a:schemeClr val="accent1"/>
-          </a:lnRef>
-          <a:fillRef idx="3">
-            <a:schemeClr val="accent1"/>
-          </a:fillRef>
-          <a:effectRef idx="2">
-            <a:schemeClr val="accent1"/>
-          </a:effectRef>
-          <a:fontRef idx="minor">
-            <a:schemeClr val="lt1"/>
-          </a:fontRef>
-        </p:style>
-        <p:txBody>
-          <a:bodyPr wrap="square" rtlCol="0" anchor="ctr">
-            <a:noAutofit/>
-          </a:bodyPr>
-          <a:lstStyle/>
-          <a:p>
-            <a:pPr algn="ctr"/>
-            <a:endParaRPr lang="en-US"/>
-          </a:p>
-        </p:txBody>
-      </p:sp>
-      <p:sp>
-        <p:nvSpPr>
-          <p:cNvPr id="2" name="Titre 1">
-            <a:extLst>
-              <a:ext uri="{FF2B5EF4-FFF2-40B4-BE49-F238E27FC236}">
-                <a16:creationId xmlns:a16="http://schemas.microsoft.com/office/drawing/2014/main" id="{FA78E051-5A48-4B40-974D-F597DCCADC7B}"/>
-              </a:ext>
-            </a:extLst>
-          </p:cNvPr>
-          <p:cNvSpPr>
-            <a:spLocks noGrp="1"/>
-          </p:cNvSpPr>
-          <p:nvPr>
-            <p:ph type="title"/>
-          </p:nvPr>
-        </p:nvSpPr>
-        <p:spPr>
-          <a:xfrm>
-            <a:off x="451514" y="1800225"/>
-            <a:ext cx="3444211" cy="4241136"/>
-          </a:xfrm>
-        </p:spPr>
-        <p:txBody>
-          <a:bodyPr vert="horz" lIns="91440" tIns="45720" rIns="91440" bIns="45720" rtlCol="0" anchor="t">
-            <a:normAutofit/>
-          </a:bodyPr>
-          <a:lstStyle/>
-          <a:p>
-            <a:r>
-              <a:rPr lang="en-US" sz="4400" dirty="0"/>
-              <a:t>IHM</a:t>
-            </a:r>
-          </a:p>
-        </p:txBody>
-      </p:sp>
-      <p:pic>
-        <p:nvPicPr>
-          <p:cNvPr id="5" name="Espace réservé du contenu 4">
-            <a:extLst>
-              <a:ext uri="{FF2B5EF4-FFF2-40B4-BE49-F238E27FC236}">
-                <a16:creationId xmlns:a16="http://schemas.microsoft.com/office/drawing/2014/main" id="{5BA2DEC4-2E09-4625-AF11-E42A7090B227}"/>
-              </a:ext>
-            </a:extLst>
-          </p:cNvPr>
-          <p:cNvPicPr>
-            <a:picLocks noGrp="1" noChangeAspect="1"/>
-          </p:cNvPicPr>
-          <p:nvPr>
-            <p:ph idx="1"/>
-          </p:nvPr>
-        </p:nvPicPr>
-        <p:blipFill>
-          <a:blip r:embed="rId3"/>
-          <a:stretch>
-            <a:fillRect/>
-          </a:stretch>
-        </p:blipFill>
-        <p:spPr>
-          <a:xfrm>
-            <a:off x="5088519" y="684899"/>
-            <a:ext cx="6796535" cy="5488201"/>
-          </a:xfrm>
-          <a:prstGeom prst="roundRect">
-            <a:avLst>
-              <a:gd name="adj" fmla="val 3876"/>
-            </a:avLst>
-          </a:prstGeom>
-          <a:ln>
-            <a:noFill/>
-          </a:ln>
-          <a:effectLst/>
-        </p:spPr>
-      </p:pic>
-    </p:spTree>
-    <p:extLst>
-      <p:ext uri="{BB962C8B-B14F-4D97-AF65-F5344CB8AC3E}">
-        <p14:creationId xmlns:p14="http://schemas.microsoft.com/office/powerpoint/2010/main" val="453197869"/>
-      </p:ext>
-    </p:extLst>
-  </p:cSld>
-  <p:clrMapOvr>
-    <a:overrideClrMapping bg1="lt1" tx1="dk1" bg2="lt2" tx2="dk2" accent1="accent1" accent2="accent2" accent3="accent3" accent4="accent4" accent5="accent5" accent6="accent6" hlink="hlink" folHlink="folHlink"/>
-  </p:clrMapOvr>
-</p:sld>
-</file>
-
 <file path=ppt/slides/slide9.xml><?xml version="1.0" encoding="utf-8"?>
 <p:sld xmlns:a="http://schemas.openxmlformats.org/drawingml/2006/main" xmlns:r="http://schemas.openxmlformats.org/officeDocument/2006/relationships" xmlns:p="http://schemas.openxmlformats.org/presentationml/2006/main">
   <p:cSld>
@@ -9747,7 +13096,7 @@
           </a:ln>
           <a:extLst>
             <a:ext uri="{91240B29-F687-4f45-9708-019B960494DF}">
-              <a14:hiddenLine xmlns="" xmlns:a16="http://schemas.microsoft.com/office/drawing/2014/main" xmlns:p14="http://schemas.microsoft.com/office/powerpoint/2010/main" xmlns:a14="http://schemas.microsoft.com/office/drawing/2010/main" w="9525">
+              <a14:hiddenLine xmlns:a14="http://schemas.microsoft.com/office/drawing/2010/main" xmlns:p14="http://schemas.microsoft.com/office/powerpoint/2010/main" xmlns:a16="http://schemas.microsoft.com/office/drawing/2014/main" xmlns="" w="9525">
                 <a:solidFill>
                   <a:srgbClr val="000000"/>
                 </a:solidFill>
@@ -10160,6 +13509,301 @@
 </a:theme>
 </file>
 
+<file path=ppt/theme/theme2.xml><?xml version="1.0" encoding="utf-8"?>
+<a:theme xmlns:a="http://schemas.openxmlformats.org/drawingml/2006/main" name="Conception personnalisée">
+  <a:themeElements>
+    <a:clrScheme name="Office">
+      <a:dk1>
+        <a:sysClr val="windowText" lastClr="000000"/>
+      </a:dk1>
+      <a:lt1>
+        <a:sysClr val="window" lastClr="FFFFFF"/>
+      </a:lt1>
+      <a:dk2>
+        <a:srgbClr val="44546A"/>
+      </a:dk2>
+      <a:lt2>
+        <a:srgbClr val="E7E6E6"/>
+      </a:lt2>
+      <a:accent1>
+        <a:srgbClr val="4472C4"/>
+      </a:accent1>
+      <a:accent2>
+        <a:srgbClr val="ED7D31"/>
+      </a:accent2>
+      <a:accent3>
+        <a:srgbClr val="A5A5A5"/>
+      </a:accent3>
+      <a:accent4>
+        <a:srgbClr val="FFC000"/>
+      </a:accent4>
+      <a:accent5>
+        <a:srgbClr val="5B9BD5"/>
+      </a:accent5>
+      <a:accent6>
+        <a:srgbClr val="70AD47"/>
+      </a:accent6>
+      <a:hlink>
+        <a:srgbClr val="0563C1"/>
+      </a:hlink>
+      <a:folHlink>
+        <a:srgbClr val="954F72"/>
+      </a:folHlink>
+    </a:clrScheme>
+    <a:fontScheme name="Office">
+      <a:majorFont>
+        <a:latin typeface="Calibri Light" panose="020F0302020204030204"/>
+        <a:ea typeface=""/>
+        <a:cs typeface=""/>
+        <a:font script="Jpan" typeface="游ゴシック Light"/>
+        <a:font script="Hang" typeface="맑은 고딕"/>
+        <a:font script="Hans" typeface="等线 Light"/>
+        <a:font script="Hant" typeface="新細明體"/>
+        <a:font script="Arab" typeface="Times New Roman"/>
+        <a:font script="Hebr" typeface="Times New Roman"/>
+        <a:font script="Thai" typeface="Angsana New"/>
+        <a:font script="Ethi" typeface="Nyala"/>
+        <a:font script="Beng" typeface="Vrinda"/>
+        <a:font script="Gujr" typeface="Shruti"/>
+        <a:font script="Khmr" typeface="MoolBoran"/>
+        <a:font script="Knda" typeface="Tunga"/>
+        <a:font script="Guru" typeface="Raavi"/>
+        <a:font script="Cans" typeface="Euphemia"/>
+        <a:font script="Cher" typeface="Plantagenet Cherokee"/>
+        <a:font script="Yiii" typeface="Microsoft Yi Baiti"/>
+        <a:font script="Tibt" typeface="Microsoft Himalaya"/>
+        <a:font script="Thaa" typeface="MV Boli"/>
+        <a:font script="Deva" typeface="Mangal"/>
+        <a:font script="Telu" typeface="Gautami"/>
+        <a:font script="Taml" typeface="Latha"/>
+        <a:font script="Syrc" typeface="Estrangelo Edessa"/>
+        <a:font script="Orya" typeface="Kalinga"/>
+        <a:font script="Mlym" typeface="Kartika"/>
+        <a:font script="Laoo" typeface="DokChampa"/>
+        <a:font script="Sinh" typeface="Iskoola Pota"/>
+        <a:font script="Mong" typeface="Mongolian Baiti"/>
+        <a:font script="Viet" typeface="Times New Roman"/>
+        <a:font script="Uigh" typeface="Microsoft Uighur"/>
+        <a:font script="Geor" typeface="Sylfaen"/>
+        <a:font script="Armn" typeface="Arial"/>
+        <a:font script="Bugi" typeface="Leelawadee UI"/>
+        <a:font script="Bopo" typeface="Microsoft JhengHei"/>
+        <a:font script="Java" typeface="Javanese Text"/>
+        <a:font script="Lisu" typeface="Segoe UI"/>
+        <a:font script="Mymr" typeface="Myanmar Text"/>
+        <a:font script="Nkoo" typeface="Ebrima"/>
+        <a:font script="Olck" typeface="Nirmala UI"/>
+        <a:font script="Osma" typeface="Ebrima"/>
+        <a:font script="Phag" typeface="Phagspa"/>
+        <a:font script="Syrn" typeface="Estrangelo Edessa"/>
+        <a:font script="Syrj" typeface="Estrangelo Edessa"/>
+        <a:font script="Syre" typeface="Estrangelo Edessa"/>
+        <a:font script="Sora" typeface="Nirmala UI"/>
+        <a:font script="Tale" typeface="Microsoft Tai Le"/>
+        <a:font script="Talu" typeface="Microsoft New Tai Lue"/>
+        <a:font script="Tfng" typeface="Ebrima"/>
+      </a:majorFont>
+      <a:minorFont>
+        <a:latin typeface="Calibri" panose="020F0502020204030204"/>
+        <a:ea typeface=""/>
+        <a:cs typeface=""/>
+        <a:font script="Jpan" typeface="游ゴシック"/>
+        <a:font script="Hang" typeface="맑은 고딕"/>
+        <a:font script="Hans" typeface="等线"/>
+        <a:font script="Hant" typeface="新細明體"/>
+        <a:font script="Arab" typeface="Arial"/>
+        <a:font script="Hebr" typeface="Arial"/>
+        <a:font script="Thai" typeface="Cordia New"/>
+        <a:font script="Ethi" typeface="Nyala"/>
+        <a:font script="Beng" typeface="Vrinda"/>
+        <a:font script="Gujr" typeface="Shruti"/>
+        <a:font script="Khmr" typeface="DaunPenh"/>
+        <a:font script="Knda" typeface="Tunga"/>
+        <a:font script="Guru" typeface="Raavi"/>
+        <a:font script="Cans" typeface="Euphemia"/>
+        <a:font script="Cher" typeface="Plantagenet Cherokee"/>
+        <a:font script="Yiii" typeface="Microsoft Yi Baiti"/>
+        <a:font script="Tibt" typeface="Microsoft Himalaya"/>
+        <a:font script="Thaa" typeface="MV Boli"/>
+        <a:font script="Deva" typeface="Mangal"/>
+        <a:font script="Telu" typeface="Gautami"/>
+        <a:font script="Taml" typeface="Latha"/>
+        <a:font script="Syrc" typeface="Estrangelo Edessa"/>
+        <a:font script="Orya" typeface="Kalinga"/>
+        <a:font script="Mlym" typeface="Kartika"/>
+        <a:font script="Laoo" typeface="DokChampa"/>
+        <a:font script="Sinh" typeface="Iskoola Pota"/>
+        <a:font script="Mong" typeface="Mongolian Baiti"/>
+        <a:font script="Viet" typeface="Arial"/>
+        <a:font script="Uigh" typeface="Microsoft Uighur"/>
+        <a:font script="Geor" typeface="Sylfaen"/>
+        <a:font script="Armn" typeface="Arial"/>
+        <a:font script="Bugi" typeface="Leelawadee UI"/>
+        <a:font script="Bopo" typeface="Microsoft JhengHei"/>
+        <a:font script="Java" typeface="Javanese Text"/>
+        <a:font script="Lisu" typeface="Segoe UI"/>
+        <a:font script="Mymr" typeface="Myanmar Text"/>
+        <a:font script="Nkoo" typeface="Ebrima"/>
+        <a:font script="Olck" typeface="Nirmala UI"/>
+        <a:font script="Osma" typeface="Ebrima"/>
+        <a:font script="Phag" typeface="Phagspa"/>
+        <a:font script="Syrn" typeface="Estrangelo Edessa"/>
+        <a:font script="Syrj" typeface="Estrangelo Edessa"/>
+        <a:font script="Syre" typeface="Estrangelo Edessa"/>
+        <a:font script="Sora" typeface="Nirmala UI"/>
+        <a:font script="Tale" typeface="Microsoft Tai Le"/>
+        <a:font script="Talu" typeface="Microsoft New Tai Lue"/>
+        <a:font script="Tfng" typeface="Ebrima"/>
+      </a:minorFont>
+    </a:fontScheme>
+    <a:fmtScheme name="Office">
+      <a:fillStyleLst>
+        <a:solidFill>
+          <a:schemeClr val="phClr"/>
+        </a:solidFill>
+        <a:gradFill rotWithShape="1">
+          <a:gsLst>
+            <a:gs pos="0">
+              <a:schemeClr val="phClr">
+                <a:lumMod val="110000"/>
+                <a:satMod val="105000"/>
+                <a:tint val="67000"/>
+              </a:schemeClr>
+            </a:gs>
+            <a:gs pos="50000">
+              <a:schemeClr val="phClr">
+                <a:lumMod val="105000"/>
+                <a:satMod val="103000"/>
+                <a:tint val="73000"/>
+              </a:schemeClr>
+            </a:gs>
+            <a:gs pos="100000">
+              <a:schemeClr val="phClr">
+                <a:lumMod val="105000"/>
+                <a:satMod val="109000"/>
+                <a:tint val="81000"/>
+              </a:schemeClr>
+            </a:gs>
+          </a:gsLst>
+          <a:lin ang="5400000" scaled="0"/>
+        </a:gradFill>
+        <a:gradFill rotWithShape="1">
+          <a:gsLst>
+            <a:gs pos="0">
+              <a:schemeClr val="phClr">
+                <a:satMod val="103000"/>
+                <a:lumMod val="102000"/>
+                <a:tint val="94000"/>
+              </a:schemeClr>
+            </a:gs>
+            <a:gs pos="50000">
+              <a:schemeClr val="phClr">
+                <a:satMod val="110000"/>
+                <a:lumMod val="100000"/>
+                <a:shade val="100000"/>
+              </a:schemeClr>
+            </a:gs>
+            <a:gs pos="100000">
+              <a:schemeClr val="phClr">
+                <a:lumMod val="99000"/>
+                <a:satMod val="120000"/>
+                <a:shade val="78000"/>
+              </a:schemeClr>
+            </a:gs>
+          </a:gsLst>
+          <a:lin ang="5400000" scaled="0"/>
+        </a:gradFill>
+      </a:fillStyleLst>
+      <a:lnStyleLst>
+        <a:ln w="6350" cap="flat" cmpd="sng" algn="ctr">
+          <a:solidFill>
+            <a:schemeClr val="phClr"/>
+          </a:solidFill>
+          <a:prstDash val="solid"/>
+          <a:miter lim="800000"/>
+        </a:ln>
+        <a:ln w="12700" cap="flat" cmpd="sng" algn="ctr">
+          <a:solidFill>
+            <a:schemeClr val="phClr"/>
+          </a:solidFill>
+          <a:prstDash val="solid"/>
+          <a:miter lim="800000"/>
+        </a:ln>
+        <a:ln w="19050" cap="flat" cmpd="sng" algn="ctr">
+          <a:solidFill>
+            <a:schemeClr val="phClr"/>
+          </a:solidFill>
+          <a:prstDash val="solid"/>
+          <a:miter lim="800000"/>
+        </a:ln>
+      </a:lnStyleLst>
+      <a:effectStyleLst>
+        <a:effectStyle>
+          <a:effectLst/>
+        </a:effectStyle>
+        <a:effectStyle>
+          <a:effectLst/>
+        </a:effectStyle>
+        <a:effectStyle>
+          <a:effectLst>
+            <a:outerShdw blurRad="57150" dist="19050" dir="5400000" algn="ctr" rotWithShape="0">
+              <a:srgbClr val="000000">
+                <a:alpha val="63000"/>
+              </a:srgbClr>
+            </a:outerShdw>
+          </a:effectLst>
+        </a:effectStyle>
+      </a:effectStyleLst>
+      <a:bgFillStyleLst>
+        <a:solidFill>
+          <a:schemeClr val="phClr"/>
+        </a:solidFill>
+        <a:solidFill>
+          <a:schemeClr val="phClr">
+            <a:tint val="95000"/>
+            <a:satMod val="170000"/>
+          </a:schemeClr>
+        </a:solidFill>
+        <a:gradFill rotWithShape="1">
+          <a:gsLst>
+            <a:gs pos="0">
+              <a:schemeClr val="phClr">
+                <a:tint val="93000"/>
+                <a:satMod val="150000"/>
+                <a:shade val="98000"/>
+                <a:lumMod val="102000"/>
+              </a:schemeClr>
+            </a:gs>
+            <a:gs pos="50000">
+              <a:schemeClr val="phClr">
+                <a:tint val="98000"/>
+                <a:satMod val="130000"/>
+                <a:shade val="90000"/>
+                <a:lumMod val="103000"/>
+              </a:schemeClr>
+            </a:gs>
+            <a:gs pos="100000">
+              <a:schemeClr val="phClr">
+                <a:shade val="63000"/>
+                <a:satMod val="120000"/>
+              </a:schemeClr>
+            </a:gs>
+          </a:gsLst>
+          <a:lin ang="5400000" scaled="0"/>
+        </a:gradFill>
+      </a:bgFillStyleLst>
+    </a:fmtScheme>
+  </a:themeElements>
+  <a:objectDefaults/>
+  <a:extraClrSchemeLst/>
+  <a:extLst>
+    <a:ext uri="{05A4C25C-085E-4340-85A3-A5531E510DB2}">
+      <thm15:themeFamily xmlns:thm15="http://schemas.microsoft.com/office/thememl/2012/main" name="Office Theme" id="{62F939B6-93AF-4DB8-9C6B-D6C7DFDC589F}" vid="{4A3C46E8-61CC-4603-A589-7422A47A8E4A}"/>
+    </a:ext>
+  </a:extLst>
+</a:theme>
+</file>
+
 <file path=ppt/theme/themeOverride1.xml><?xml version="1.0" encoding="utf-8"?>
 <a:themeOverride xmlns:a="http://schemas.openxmlformats.org/drawingml/2006/main">
   <a:clrScheme name="Quotable">
@@ -10211,13 +13855,13 @@
 
 <file path=customXml/item2.xml><?xml version="1.0" encoding="utf-8"?>
 <Control xmlns="http://schemas.microsoft.com/VisualStudio/2011/storyboarding/control">
-  <Id Name="System.Storyboarding.Annotation.StickyNote" Revision="1" Stencil="System.Storyboarding.Annotation" StencilVersion="0.1"/>
+  <Id Name="System.Storyboarding.WindowsDesktop.ListItemSmall" Revision="1" Stencil="System.Storyboarding.WindowsDesktop" StencilVersion="0.1"/>
 </Control>
 </file>
 
 <file path=customXml/item3.xml><?xml version="1.0" encoding="utf-8"?>
 <Control xmlns="http://schemas.microsoft.com/VisualStudio/2011/storyboarding/control">
-  <Id Name="System.Storyboarding.WindowsDesktop.ListItemSmall" Revision="1" Stencil="System.Storyboarding.WindowsDesktop" StencilVersion="0.1"/>
+  <Id Name="System.Storyboarding.Annotation.StickyNote" Revision="1" Stencil="System.Storyboarding.Annotation" StencilVersion="0.1"/>
 </Control>
 </file>
 
@@ -10230,7 +13874,7 @@
 </file>
 
 <file path=customXml/itemProps2.xml><?xml version="1.0" encoding="utf-8"?>
-<ds:datastoreItem xmlns:ds="http://schemas.openxmlformats.org/officeDocument/2006/customXml" ds:itemID="{853018AC-5FAD-4FD3-9EDF-33F2B2469FEE}">
+<ds:datastoreItem xmlns:ds="http://schemas.openxmlformats.org/officeDocument/2006/customXml" ds:itemID="{DBB0DF8D-2F1D-49BB-82C3-7B45422639DA}">
   <ds:schemaRefs>
     <ds:schemaRef ds:uri="http://schemas.microsoft.com/VisualStudio/2011/storyboarding/control"/>
   </ds:schemaRefs>
@@ -10238,7 +13882,7 @@
 </file>
 
 <file path=customXml/itemProps3.xml><?xml version="1.0" encoding="utf-8"?>
-<ds:datastoreItem xmlns:ds="http://schemas.openxmlformats.org/officeDocument/2006/customXml" ds:itemID="{DBB0DF8D-2F1D-49BB-82C3-7B45422639DA}">
+<ds:datastoreItem xmlns:ds="http://schemas.openxmlformats.org/officeDocument/2006/customXml" ds:itemID="{853018AC-5FAD-4FD3-9EDF-33F2B2469FEE}">
   <ds:schemaRefs>
     <ds:schemaRef ds:uri="http://schemas.microsoft.com/VisualStudio/2011/storyboarding/control"/>
   </ds:schemaRefs>

--- a/Revue n2/Presentation du projet SFL2  (Pierre) Revue 2.pptx
+++ b/Revue n2/Presentation du projet SFL2  (Pierre) Revue 2.pptx
@@ -9,16 +9,17 @@
     <p:sldId id="256" r:id="rId6"/>
     <p:sldId id="257" r:id="rId7"/>
     <p:sldId id="264" r:id="rId8"/>
-    <p:sldId id="260" r:id="rId9"/>
-    <p:sldId id="261" r:id="rId10"/>
-    <p:sldId id="267" r:id="rId11"/>
-    <p:sldId id="271" r:id="rId12"/>
-    <p:sldId id="269" r:id="rId13"/>
-    <p:sldId id="270" r:id="rId14"/>
-    <p:sldId id="263" r:id="rId15"/>
-    <p:sldId id="265" r:id="rId16"/>
-    <p:sldId id="266" r:id="rId17"/>
-    <p:sldId id="273" r:id="rId18"/>
+    <p:sldId id="267" r:id="rId9"/>
+    <p:sldId id="274" r:id="rId10"/>
+    <p:sldId id="260" r:id="rId11"/>
+    <p:sldId id="261" r:id="rId12"/>
+    <p:sldId id="271" r:id="rId13"/>
+    <p:sldId id="269" r:id="rId14"/>
+    <p:sldId id="270" r:id="rId15"/>
+    <p:sldId id="263" r:id="rId16"/>
+    <p:sldId id="265" r:id="rId17"/>
+    <p:sldId id="266" r:id="rId18"/>
+    <p:sldId id="273" r:id="rId19"/>
   </p:sldIdLst>
   <p:sldSz cx="12192000" cy="6858000"/>
   <p:notesSz cx="6858000" cy="9144000"/>
@@ -125,6 +126,10 @@
 </p:presentation>
 </file>
 
+<file path=ppt/revisionInfo.xml><?xml version="1.0" encoding="utf-8"?>
+<p1510:revInfo xmlns:a="http://schemas.openxmlformats.org/drawingml/2006/main" xmlns:r="http://schemas.openxmlformats.org/officeDocument/2006/relationships" xmlns:p1510="http://schemas.microsoft.com/office/powerpoint/2015/10/main"/>
+</file>
+
 <file path=ppt/slideLayouts/slideLayout1.xml><?xml version="1.0" encoding="utf-8"?>
 <p:sldLayout xmlns:a="http://schemas.openxmlformats.org/drawingml/2006/main" xmlns:r="http://schemas.openxmlformats.org/officeDocument/2006/relationships" xmlns:p="http://schemas.openxmlformats.org/presentationml/2006/main" type="title" preserve="1">
   <p:cSld name="Diapositive de titre">
@@ -220,7 +225,7 @@
           <a:effectLst/>
           <a:extLst>
             <a:ext uri="{91240B29-F687-4f45-9708-019B960494DF}">
-              <a14:hiddenLine xmlns="" xmlns:a14="http://schemas.microsoft.com/office/drawing/2010/main" w="9525">
+              <a14:hiddenLine xmlns:a14="http://schemas.microsoft.com/office/drawing/2010/main" xmlns="" w="9525">
                 <a:solidFill>
                   <a:srgbClr val="000000"/>
                 </a:solidFill>
@@ -427,7 +432,7 @@
             <a:fld id="{08B9EBBA-996F-894A-B54A-D6246ED52CEA}" type="datetimeFigureOut">
               <a:rPr lang="en-US" dirty="0"/>
               <a:pPr/>
-              <a:t>2/7/2019</a:t>
+              <a:t>2/8/2019</a:t>
             </a:fld>
             <a:endParaRPr lang="en-US" dirty="0"/>
           </a:p>
@@ -764,7 +769,7 @@
             <a:fld id="{18C79C5D-2A6F-F04D-97DA-BEF2467B64E4}" type="datetimeFigureOut">
               <a:rPr lang="en-US" dirty="0"/>
               <a:pPr/>
-              <a:t>2/7/2019</a:t>
+              <a:t>2/8/2019</a:t>
             </a:fld>
             <a:endParaRPr lang="en-US" dirty="0"/>
           </a:p>
@@ -1274,7 +1279,7 @@
             <a:fld id="{8DFA1846-DA80-1C48-A609-854EA85C59AD}" type="datetimeFigureOut">
               <a:rPr lang="en-US" dirty="0"/>
               <a:pPr/>
-              <a:t>2/7/2019</a:t>
+              <a:t>2/8/2019</a:t>
             </a:fld>
             <a:endParaRPr lang="en-US" dirty="0"/>
           </a:p>
@@ -1662,7 +1667,7 @@
             <a:fld id="{FBF54567-0DE4-3F47-BF90-CB84690072F9}" type="datetimeFigureOut">
               <a:rPr lang="en-US" dirty="0"/>
               <a:pPr/>
-              <a:t>2/7/2019</a:t>
+              <a:t>2/8/2019</a:t>
             </a:fld>
             <a:endParaRPr lang="en-US" dirty="0"/>
           </a:p>
@@ -1821,7 +1826,7 @@
           <a:ln/>
           <a:extLst>
             <a:ext uri="{91240B29-F687-4f45-9708-019B960494DF}">
-              <a14:hiddenLine xmlns="" xmlns:a14="http://schemas.microsoft.com/office/drawing/2010/main" w="9525">
+              <a14:hiddenLine xmlns:a14="http://schemas.microsoft.com/office/drawing/2010/main" xmlns="" w="9525">
                 <a:solidFill>
                   <a:srgbClr val="000000"/>
                 </a:solidFill>
@@ -1964,7 +1969,7 @@
             <a:fld id="{C6C52C72-DE31-F449-A4ED-4C594FD91407}" type="datetimeFigureOut">
               <a:rPr lang="en-US" dirty="0"/>
               <a:pPr/>
-              <a:t>2/7/2019</a:t>
+              <a:t>2/8/2019</a:t>
             </a:fld>
             <a:endParaRPr lang="en-US" dirty="0"/>
           </a:p>
@@ -2125,7 +2130,7 @@
           <a:ln/>
           <a:extLst>
             <a:ext uri="{91240B29-F687-4f45-9708-019B960494DF}">
-              <a14:hiddenLine xmlns="" xmlns:a14="http://schemas.microsoft.com/office/drawing/2010/main" w="9525">
+              <a14:hiddenLine xmlns:a14="http://schemas.microsoft.com/office/drawing/2010/main" xmlns="" w="9525">
                 <a:solidFill>
                   <a:srgbClr val="000000"/>
                 </a:solidFill>
@@ -2268,7 +2273,7 @@
             <a:fld id="{ED62726E-379B-B349-9EED-81ED093FA806}" type="datetimeFigureOut">
               <a:rPr lang="en-US" dirty="0"/>
               <a:pPr/>
-              <a:t>2/7/2019</a:t>
+              <a:t>2/8/2019</a:t>
             </a:fld>
             <a:endParaRPr lang="en-US" dirty="0"/>
           </a:p>
@@ -2480,7 +2485,7 @@
           <a:p>
             <a:fld id="{6B5966FC-E2A4-4A41-ABE3-89077E29579A}" type="datetimeFigureOut">
               <a:rPr lang="fr-FR" smtClean="0"/>
-              <a:t>07/02/2019</a:t>
+              <a:t>08/02/2019</a:t>
             </a:fld>
             <a:endParaRPr lang="fr-FR"/>
           </a:p>
@@ -2678,7 +2683,7 @@
           <a:p>
             <a:fld id="{6B5966FC-E2A4-4A41-ABE3-89077E29579A}" type="datetimeFigureOut">
               <a:rPr lang="fr-FR" smtClean="0"/>
-              <a:t>07/02/2019</a:t>
+              <a:t>08/02/2019</a:t>
             </a:fld>
             <a:endParaRPr lang="fr-FR"/>
           </a:p>
@@ -2953,7 +2958,7 @@
           <a:p>
             <a:fld id="{6B5966FC-E2A4-4A41-ABE3-89077E29579A}" type="datetimeFigureOut">
               <a:rPr lang="fr-FR" smtClean="0"/>
-              <a:t>07/02/2019</a:t>
+              <a:t>08/02/2019</a:t>
             </a:fld>
             <a:endParaRPr lang="fr-FR"/>
           </a:p>
@@ -3218,7 +3223,7 @@
           <a:p>
             <a:fld id="{6B5966FC-E2A4-4A41-ABE3-89077E29579A}" type="datetimeFigureOut">
               <a:rPr lang="fr-FR" smtClean="0"/>
-              <a:t>07/02/2019</a:t>
+              <a:t>08/02/2019</a:t>
             </a:fld>
             <a:endParaRPr lang="fr-FR"/>
           </a:p>
@@ -3630,7 +3635,7 @@
           <a:p>
             <a:fld id="{6B5966FC-E2A4-4A41-ABE3-89077E29579A}" type="datetimeFigureOut">
               <a:rPr lang="fr-FR" smtClean="0"/>
-              <a:t>07/02/2019</a:t>
+              <a:t>08/02/2019</a:t>
             </a:fld>
             <a:endParaRPr lang="fr-FR"/>
           </a:p>
@@ -3797,7 +3802,7 @@
           <a:ln/>
           <a:extLst>
             <a:ext uri="{91240B29-F687-4f45-9708-019B960494DF}">
-              <a14:hiddenLine xmlns="" xmlns:a14="http://schemas.microsoft.com/office/drawing/2010/main" w="9525">
+              <a14:hiddenLine xmlns:a14="http://schemas.microsoft.com/office/drawing/2010/main" xmlns="" w="9525">
                 <a:solidFill>
                   <a:srgbClr val="000000"/>
                 </a:solidFill>
@@ -3940,7 +3945,7 @@
             <a:fld id="{9B3A1323-8D79-1946-B0D7-40001CF92E9D}" type="datetimeFigureOut">
               <a:rPr lang="en-US" dirty="0"/>
               <a:pPr/>
-              <a:t>2/7/2019</a:t>
+              <a:t>2/8/2019</a:t>
             </a:fld>
             <a:endParaRPr lang="en-US" dirty="0"/>
           </a:p>
@@ -4073,7 +4078,7 @@
           <a:p>
             <a:fld id="{6B5966FC-E2A4-4A41-ABE3-89077E29579A}" type="datetimeFigureOut">
               <a:rPr lang="fr-FR" smtClean="0"/>
-              <a:t>07/02/2019</a:t>
+              <a:t>08/02/2019</a:t>
             </a:fld>
             <a:endParaRPr lang="fr-FR"/>
           </a:p>
@@ -4186,7 +4191,7 @@
           <a:p>
             <a:fld id="{6B5966FC-E2A4-4A41-ABE3-89077E29579A}" type="datetimeFigureOut">
               <a:rPr lang="fr-FR" smtClean="0"/>
-              <a:t>07/02/2019</a:t>
+              <a:t>08/02/2019</a:t>
             </a:fld>
             <a:endParaRPr lang="fr-FR"/>
           </a:p>
@@ -4497,7 +4502,7 @@
           <a:p>
             <a:fld id="{6B5966FC-E2A4-4A41-ABE3-89077E29579A}" type="datetimeFigureOut">
               <a:rPr lang="fr-FR" smtClean="0"/>
-              <a:t>07/02/2019</a:t>
+              <a:t>08/02/2019</a:t>
             </a:fld>
             <a:endParaRPr lang="fr-FR"/>
           </a:p>
@@ -4785,7 +4790,7 @@
           <a:p>
             <a:fld id="{6B5966FC-E2A4-4A41-ABE3-89077E29579A}" type="datetimeFigureOut">
               <a:rPr lang="fr-FR" smtClean="0"/>
-              <a:t>07/02/2019</a:t>
+              <a:t>08/02/2019</a:t>
             </a:fld>
             <a:endParaRPr lang="fr-FR"/>
           </a:p>
@@ -4983,7 +4988,7 @@
           <a:p>
             <a:fld id="{6B5966FC-E2A4-4A41-ABE3-89077E29579A}" type="datetimeFigureOut">
               <a:rPr lang="fr-FR" smtClean="0"/>
-              <a:t>07/02/2019</a:t>
+              <a:t>08/02/2019</a:t>
             </a:fld>
             <a:endParaRPr lang="fr-FR"/>
           </a:p>
@@ -5191,7 +5196,7 @@
           <a:p>
             <a:fld id="{6B5966FC-E2A4-4A41-ABE3-89077E29579A}" type="datetimeFigureOut">
               <a:rPr lang="fr-FR" smtClean="0"/>
-              <a:t>07/02/2019</a:t>
+              <a:t>08/02/2019</a:t>
             </a:fld>
             <a:endParaRPr lang="fr-FR"/>
           </a:p>
@@ -5561,7 +5566,7 @@
             <a:fld id="{8DFA1846-DA80-1C48-A609-854EA85C59AD}" type="datetimeFigureOut">
               <a:rPr lang="en-US" dirty="0"/>
               <a:pPr/>
-              <a:t>2/7/2019</a:t>
+              <a:t>2/8/2019</a:t>
             </a:fld>
             <a:endParaRPr lang="en-US" dirty="0"/>
           </a:p>
@@ -5720,7 +5725,7 @@
           <a:ln/>
           <a:extLst>
             <a:ext uri="{91240B29-F687-4f45-9708-019B960494DF}">
-              <a14:hiddenLine xmlns="" xmlns:a14="http://schemas.microsoft.com/office/drawing/2010/main" w="9525">
+              <a14:hiddenLine xmlns:a14="http://schemas.microsoft.com/office/drawing/2010/main" xmlns="" w="9525">
                 <a:solidFill>
                   <a:srgbClr val="000000"/>
                 </a:solidFill>
@@ -5927,7 +5932,7 @@
             <a:fld id="{57302355-E14B-8545-A8F8-0FE83CC9D524}" type="datetimeFigureOut">
               <a:rPr lang="en-US" dirty="0"/>
               <a:pPr/>
-              <a:t>2/7/2019</a:t>
+              <a:t>2/8/2019</a:t>
             </a:fld>
             <a:endParaRPr lang="en-US" dirty="0"/>
           </a:p>
@@ -6086,7 +6091,7 @@
           <a:ln/>
           <a:extLst>
             <a:ext uri="{91240B29-F687-4f45-9708-019B960494DF}">
-              <a14:hiddenLine xmlns="" xmlns:a14="http://schemas.microsoft.com/office/drawing/2010/main" w="9525">
+              <a14:hiddenLine xmlns:a14="http://schemas.microsoft.com/office/drawing/2010/main" xmlns="" w="9525">
                 <a:solidFill>
                   <a:srgbClr val="000000"/>
                 </a:solidFill>
@@ -6437,7 +6442,7 @@
             <a:fld id="{02640F58-564D-2B4F-AE67-E407BA4FCF45}" type="datetimeFigureOut">
               <a:rPr lang="en-US" dirty="0"/>
               <a:pPr/>
-              <a:t>2/7/2019</a:t>
+              <a:t>2/8/2019</a:t>
             </a:fld>
             <a:endParaRPr lang="en-US" dirty="0"/>
           </a:p>
@@ -6596,7 +6601,7 @@
           <a:ln/>
           <a:extLst>
             <a:ext uri="{91240B29-F687-4f45-9708-019B960494DF}">
-              <a14:hiddenLine xmlns="" xmlns:a14="http://schemas.microsoft.com/office/drawing/2010/main" w="9525">
+              <a14:hiddenLine xmlns:a14="http://schemas.microsoft.com/office/drawing/2010/main" xmlns="" w="9525">
                 <a:solidFill>
                   <a:srgbClr val="000000"/>
                 </a:solidFill>
@@ -6679,7 +6684,7 @@
             <a:fld id="{F13A34C8-038E-2045-AF43-DF7DBB8E0E9E}" type="datetimeFigureOut">
               <a:rPr lang="en-US" dirty="0"/>
               <a:pPr/>
-              <a:t>2/7/2019</a:t>
+              <a:t>2/8/2019</a:t>
             </a:fld>
             <a:endParaRPr lang="en-US" dirty="0"/>
           </a:p>
@@ -6787,7 +6792,7 @@
             <a:fld id="{8818C68F-D26B-8F47-958C-23B49CF8A634}" type="datetimeFigureOut">
               <a:rPr lang="en-US" dirty="0"/>
               <a:pPr/>
-              <a:t>2/7/2019</a:t>
+              <a:t>2/8/2019</a:t>
             </a:fld>
             <a:endParaRPr lang="en-US" dirty="0"/>
           </a:p>
@@ -7059,7 +7064,7 @@
           <a:ln/>
           <a:extLst>
             <a:ext uri="{91240B29-F687-4f45-9708-019B960494DF}">
-              <a14:hiddenLine xmlns="" xmlns:a14="http://schemas.microsoft.com/office/drawing/2010/main" w="9525">
+              <a14:hiddenLine xmlns:a14="http://schemas.microsoft.com/office/drawing/2010/main" xmlns="" w="9525">
                 <a:solidFill>
                   <a:srgbClr val="000000"/>
                 </a:solidFill>
@@ -7276,7 +7281,7 @@
             <a:fld id="{D0DF5E60-9974-AC48-9591-99C2BB44B7CF}" type="datetimeFigureOut">
               <a:rPr lang="en-US" dirty="0"/>
               <a:pPr/>
-              <a:t>2/7/2019</a:t>
+              <a:t>2/8/2019</a:t>
             </a:fld>
             <a:endParaRPr lang="en-US" dirty="0"/>
           </a:p>
@@ -7603,7 +7608,7 @@
             <a:fld id="{18C79C5D-2A6F-F04D-97DA-BEF2467B64E4}" type="datetimeFigureOut">
               <a:rPr lang="en-US" dirty="0"/>
               <a:pPr/>
-              <a:t>2/7/2019</a:t>
+              <a:t>2/8/2019</a:t>
             </a:fld>
             <a:endParaRPr lang="en-US" dirty="0"/>
           </a:p>
@@ -8284,7 +8289,7 @@
           <a:p>
             <a:fld id="{6B5966FC-E2A4-4A41-ABE3-89077E29579A}" type="datetimeFigureOut">
               <a:rPr lang="fr-FR" smtClean="0"/>
-              <a:t>07/02/2019</a:t>
+              <a:t>08/02/2019</a:t>
             </a:fld>
             <a:endParaRPr lang="fr-FR"/>
           </a:p>
@@ -8819,13 +8824,13 @@
       </p:grpSpPr>
       <p:sp>
         <p:nvSpPr>
-          <p:cNvPr id="60" name="Freeform 6">
+          <p:cNvPr id="10" name="Freeform 6">
             <a:extLst>
               <a:ext uri="{FF2B5EF4-FFF2-40B4-BE49-F238E27FC236}">
                 <a16:creationId xmlns:a16="http://schemas.microsoft.com/office/drawing/2014/main" id="{E7597382-59B5-427B-9E49-55383F0A5561}"/>
               </a:ext>
               <a:ext uri="{C183D7F6-B498-43B3-948B-1728B52AA6E4}">
-                <adec:decorative xmlns:adec="http://schemas.microsoft.com/office/drawing/2017/decorative" val="1"/>
+                <adec:decorative xmlns:adec="http://schemas.microsoft.com/office/drawing/2017/decorative" xmlns="" val="1"/>
               </a:ext>
             </a:extLst>
           </p:cNvPr>
@@ -8913,7 +8918,7 @@
           </a:ln>
           <a:extLst>
             <a:ext uri="{91240B29-F687-4f45-9708-019B960494DF}">
-              <a14:hiddenLine xmlns:a14="http://schemas.microsoft.com/office/drawing/2010/main" xmlns:p14="http://schemas.microsoft.com/office/powerpoint/2010/main" xmlns:a16="http://schemas.microsoft.com/office/drawing/2014/main" xmlns="" w="9525">
+              <a14:hiddenLine xmlns="" xmlns:a16="http://schemas.microsoft.com/office/drawing/2014/main" xmlns:p14="http://schemas.microsoft.com/office/powerpoint/2010/main" xmlns:a14="http://schemas.microsoft.com/office/drawing/2010/main" w="9525">
                 <a:solidFill>
                   <a:srgbClr val="000000"/>
                 </a:solidFill>
@@ -8941,13 +8946,13 @@
       </p:sp>
       <p:sp>
         <p:nvSpPr>
-          <p:cNvPr id="59" name="Rounded Rectangle 16">
+          <p:cNvPr id="12" name="Rounded Rectangle 16">
             <a:extLst>
               <a:ext uri="{FF2B5EF4-FFF2-40B4-BE49-F238E27FC236}">
                 <a16:creationId xmlns:a16="http://schemas.microsoft.com/office/drawing/2014/main" id="{26471DC7-FA6E-40EF-A167-93BB0BCE16AD}"/>
               </a:ext>
               <a:ext uri="{C183D7F6-B498-43B3-948B-1728B52AA6E4}">
-                <adec:decorative xmlns:adec="http://schemas.microsoft.com/office/drawing/2017/decorative" val="1"/>
+                <adec:decorative xmlns:adec="http://schemas.microsoft.com/office/drawing/2017/decorative" xmlns="" val="1"/>
               </a:ext>
             </a:extLst>
           </p:cNvPr>
@@ -9011,10 +9016,10 @@
       </p:sp>
       <p:pic>
         <p:nvPicPr>
-          <p:cNvPr id="61" name="Espace réservé du contenu 4">
+          <p:cNvPr id="5" name="Espace réservé du contenu 4">
             <a:extLst>
               <a:ext uri="{FF2B5EF4-FFF2-40B4-BE49-F238E27FC236}">
-                <a16:creationId xmlns:a16="http://schemas.microsoft.com/office/drawing/2014/main" id="{5BD8D0FE-A840-406F-A3FA-233E2F28EB3D}"/>
+                <a16:creationId xmlns:a16="http://schemas.microsoft.com/office/drawing/2014/main" id="{36FB0DA3-348E-4453-AE0D-EA21836AF17A}"/>
               </a:ext>
             </a:extLst>
           </p:cNvPr>
@@ -9033,8 +9038,8 @@
         </p:blipFill>
         <p:spPr>
           <a:xfrm>
-            <a:off x="1878565" y="873202"/>
-            <a:ext cx="8434872" cy="4133088"/>
+            <a:off x="1813009" y="873202"/>
+            <a:ext cx="8565984" cy="4133088"/>
           </a:xfrm>
           <a:prstGeom prst="rect">
             <a:avLst/>
@@ -9043,10 +9048,10 @@
       </p:pic>
       <p:sp>
         <p:nvSpPr>
-          <p:cNvPr id="10" name="ZoneTexte 9">
+          <p:cNvPr id="6" name="ZoneTexte 5">
             <a:extLst>
               <a:ext uri="{FF2B5EF4-FFF2-40B4-BE49-F238E27FC236}">
-                <a16:creationId xmlns:a16="http://schemas.microsoft.com/office/drawing/2014/main" id="{41AC9DED-FB16-4D5F-808F-CFAFF56BD818}"/>
+                <a16:creationId xmlns:a16="http://schemas.microsoft.com/office/drawing/2014/main" id="{1931F64B-F46F-45C4-AE5F-04D71766FB19}"/>
               </a:ext>
             </a:extLst>
           </p:cNvPr>
@@ -9055,8 +9060,8 @@
         </p:nvSpPr>
         <p:spPr>
           <a:xfrm>
-            <a:off x="897622" y="6352598"/>
-            <a:ext cx="3649211" cy="369332"/>
+            <a:off x="1065402" y="6352598"/>
+            <a:ext cx="2827090" cy="369332"/>
           </a:xfrm>
           <a:prstGeom prst="rect">
             <a:avLst/>
@@ -9071,7 +9076,7 @@
           <a:p>
             <a:r>
               <a:rPr lang="fr-FR" dirty="0"/>
-              <a:t>Identification par QR code</a:t>
+              <a:t>Identification par NFC</a:t>
             </a:r>
           </a:p>
         </p:txBody>
@@ -9079,7 +9084,7 @@
     </p:spTree>
     <p:extLst>
       <p:ext uri="{BB962C8B-B14F-4D97-AF65-F5344CB8AC3E}">
-        <p14:creationId xmlns:p14="http://schemas.microsoft.com/office/powerpoint/2010/main" val="385290132"/>
+        <p14:creationId xmlns:p14="http://schemas.microsoft.com/office/powerpoint/2010/main" val="2270383845"/>
       </p:ext>
     </p:extLst>
   </p:cSld>
@@ -9122,7 +9127,7 @@
                 <a16:creationId xmlns:a16="http://schemas.microsoft.com/office/drawing/2014/main" id="{E7597382-59B5-427B-9E49-55383F0A5561}"/>
               </a:ext>
               <a:ext uri="{C183D7F6-B498-43B3-948B-1728B52AA6E4}">
-                <adec:decorative xmlns:adec="http://schemas.microsoft.com/office/drawing/2017/decorative" val="1"/>
+                <adec:decorative xmlns:adec="http://schemas.microsoft.com/office/drawing/2017/decorative" xmlns="" val="1"/>
               </a:ext>
             </a:extLst>
           </p:cNvPr>
@@ -9210,7 +9215,7 @@
           </a:ln>
           <a:extLst>
             <a:ext uri="{91240B29-F687-4f45-9708-019B960494DF}">
-              <a14:hiddenLine xmlns:a14="http://schemas.microsoft.com/office/drawing/2010/main" xmlns:p14="http://schemas.microsoft.com/office/powerpoint/2010/main" xmlns:a16="http://schemas.microsoft.com/office/drawing/2014/main" xmlns="" w="9525">
+              <a14:hiddenLine xmlns="" xmlns:a16="http://schemas.microsoft.com/office/drawing/2014/main" xmlns:p14="http://schemas.microsoft.com/office/powerpoint/2010/main" xmlns:a14="http://schemas.microsoft.com/office/drawing/2010/main" w="9525">
                 <a:solidFill>
                   <a:srgbClr val="000000"/>
                 </a:solidFill>
@@ -9244,7 +9249,7 @@
                 <a16:creationId xmlns:a16="http://schemas.microsoft.com/office/drawing/2014/main" id="{26471DC7-FA6E-40EF-A167-93BB0BCE16AD}"/>
               </a:ext>
               <a:ext uri="{C183D7F6-B498-43B3-948B-1728B52AA6E4}">
-                <adec:decorative xmlns:adec="http://schemas.microsoft.com/office/drawing/2017/decorative" val="1"/>
+                <adec:decorative xmlns:adec="http://schemas.microsoft.com/office/drawing/2017/decorative" xmlns="" val="1"/>
               </a:ext>
             </a:extLst>
           </p:cNvPr>
@@ -9306,47 +9311,12 @@
           </a:p>
         </p:txBody>
       </p:sp>
-      <p:sp>
-        <p:nvSpPr>
-          <p:cNvPr id="10" name="ZoneTexte 9">
+      <p:pic>
+        <p:nvPicPr>
+          <p:cNvPr id="61" name="Espace réservé du contenu 4">
             <a:extLst>
               <a:ext uri="{FF2B5EF4-FFF2-40B4-BE49-F238E27FC236}">
-                <a16:creationId xmlns:a16="http://schemas.microsoft.com/office/drawing/2014/main" id="{41AC9DED-FB16-4D5F-808F-CFAFF56BD818}"/>
-              </a:ext>
-            </a:extLst>
-          </p:cNvPr>
-          <p:cNvSpPr txBox="1"/>
-          <p:nvPr/>
-        </p:nvSpPr>
-        <p:spPr>
-          <a:xfrm>
-            <a:off x="860300" y="6292291"/>
-            <a:ext cx="3649211" cy="369332"/>
-          </a:xfrm>
-          <a:prstGeom prst="rect">
-            <a:avLst/>
-          </a:prstGeom>
-          <a:noFill/>
-        </p:spPr>
-        <p:txBody>
-          <a:bodyPr wrap="square" rtlCol="0">
-            <a:spAutoFit/>
-          </a:bodyPr>
-          <a:lstStyle/>
-          <a:p>
-            <a:r>
-              <a:rPr lang="fr-FR" dirty="0"/>
-              <a:t>Emprunter par NFC</a:t>
-            </a:r>
-          </a:p>
-        </p:txBody>
-      </p:sp>
-      <p:pic>
-        <p:nvPicPr>
-          <p:cNvPr id="9" name="Espace réservé du contenu 8">
-            <a:extLst>
-              <a:ext uri="{FF2B5EF4-FFF2-40B4-BE49-F238E27FC236}">
-                <a16:creationId xmlns:a16="http://schemas.microsoft.com/office/drawing/2014/main" id="{703D726A-6292-48DB-8C7D-70EFB8FC9A83}"/>
+                <a16:creationId xmlns:a16="http://schemas.microsoft.com/office/drawing/2014/main" id="{5BD8D0FE-A840-406F-A3FA-233E2F28EB3D}"/>
               </a:ext>
             </a:extLst>
           </p:cNvPr>
@@ -9365,15 +9335,53 @@
         </p:blipFill>
         <p:spPr>
           <a:xfrm>
-            <a:off x="1091683" y="709128"/>
-            <a:ext cx="9955762" cy="4049100"/>
-          </a:xfrm>
+            <a:off x="1878565" y="873202"/>
+            <a:ext cx="8434872" cy="4133088"/>
+          </a:xfrm>
+          <a:prstGeom prst="rect">
+            <a:avLst/>
+          </a:prstGeom>
         </p:spPr>
       </p:pic>
+      <p:sp>
+        <p:nvSpPr>
+          <p:cNvPr id="10" name="ZoneTexte 9">
+            <a:extLst>
+              <a:ext uri="{FF2B5EF4-FFF2-40B4-BE49-F238E27FC236}">
+                <a16:creationId xmlns:a16="http://schemas.microsoft.com/office/drawing/2014/main" id="{41AC9DED-FB16-4D5F-808F-CFAFF56BD818}"/>
+              </a:ext>
+            </a:extLst>
+          </p:cNvPr>
+          <p:cNvSpPr txBox="1"/>
+          <p:nvPr/>
+        </p:nvSpPr>
+        <p:spPr>
+          <a:xfrm>
+            <a:off x="897622" y="6352598"/>
+            <a:ext cx="3649211" cy="369332"/>
+          </a:xfrm>
+          <a:prstGeom prst="rect">
+            <a:avLst/>
+          </a:prstGeom>
+          <a:noFill/>
+        </p:spPr>
+        <p:txBody>
+          <a:bodyPr wrap="square" rtlCol="0">
+            <a:spAutoFit/>
+          </a:bodyPr>
+          <a:lstStyle/>
+          <a:p>
+            <a:r>
+              <a:rPr lang="fr-FR" dirty="0"/>
+              <a:t>Identification par QR code</a:t>
+            </a:r>
+          </a:p>
+        </p:txBody>
+      </p:sp>
     </p:spTree>
     <p:extLst>
       <p:ext uri="{BB962C8B-B14F-4D97-AF65-F5344CB8AC3E}">
-        <p14:creationId xmlns:p14="http://schemas.microsoft.com/office/powerpoint/2010/main" val="3490439325"/>
+        <p14:creationId xmlns:p14="http://schemas.microsoft.com/office/powerpoint/2010/main" val="385290132"/>
       </p:ext>
     </p:extLst>
   </p:cSld>
@@ -9416,7 +9424,7 @@
                 <a16:creationId xmlns:a16="http://schemas.microsoft.com/office/drawing/2014/main" id="{E7597382-59B5-427B-9E49-55383F0A5561}"/>
               </a:ext>
               <a:ext uri="{C183D7F6-B498-43B3-948B-1728B52AA6E4}">
-                <adec:decorative xmlns:adec="http://schemas.microsoft.com/office/drawing/2017/decorative" val="1"/>
+                <adec:decorative xmlns:adec="http://schemas.microsoft.com/office/drawing/2017/decorative" xmlns="" val="1"/>
               </a:ext>
             </a:extLst>
           </p:cNvPr>
@@ -9504,7 +9512,7 @@
           </a:ln>
           <a:extLst>
             <a:ext uri="{91240B29-F687-4f45-9708-019B960494DF}">
-              <a14:hiddenLine xmlns:a14="http://schemas.microsoft.com/office/drawing/2010/main" xmlns:p14="http://schemas.microsoft.com/office/powerpoint/2010/main" xmlns:a16="http://schemas.microsoft.com/office/drawing/2014/main" xmlns="" w="9525">
+              <a14:hiddenLine xmlns="" xmlns:a16="http://schemas.microsoft.com/office/drawing/2014/main" xmlns:p14="http://schemas.microsoft.com/office/powerpoint/2010/main" xmlns:a14="http://schemas.microsoft.com/office/drawing/2010/main" w="9525">
                 <a:solidFill>
                   <a:srgbClr val="000000"/>
                 </a:solidFill>
@@ -9538,7 +9546,7 @@
                 <a16:creationId xmlns:a16="http://schemas.microsoft.com/office/drawing/2014/main" id="{26471DC7-FA6E-40EF-A167-93BB0BCE16AD}"/>
               </a:ext>
               <a:ext uri="{C183D7F6-B498-43B3-948B-1728B52AA6E4}">
-                <adec:decorative xmlns:adec="http://schemas.microsoft.com/office/drawing/2017/decorative" val="1"/>
+                <adec:decorative xmlns:adec="http://schemas.microsoft.com/office/drawing/2017/decorative" xmlns="" val="1"/>
               </a:ext>
             </a:extLst>
           </p:cNvPr>
@@ -9614,7 +9622,7 @@
         </p:nvSpPr>
         <p:spPr>
           <a:xfrm>
-            <a:off x="897622" y="6352598"/>
+            <a:off x="860300" y="6292291"/>
             <a:ext cx="3649211" cy="369332"/>
           </a:xfrm>
           <a:prstGeom prst="rect">
@@ -9630,17 +9638,17 @@
           <a:p>
             <a:r>
               <a:rPr lang="fr-FR" dirty="0"/>
-              <a:t>Emprunter par QR Code</a:t>
+              <a:t>Emprunter par NFC</a:t>
             </a:r>
           </a:p>
         </p:txBody>
       </p:sp>
       <p:pic>
         <p:nvPicPr>
-          <p:cNvPr id="5" name="Espace réservé du contenu 4">
+          <p:cNvPr id="9" name="Espace réservé du contenu 8">
             <a:extLst>
               <a:ext uri="{FF2B5EF4-FFF2-40B4-BE49-F238E27FC236}">
-                <a16:creationId xmlns:a16="http://schemas.microsoft.com/office/drawing/2014/main" id="{B2C70422-16AF-42CF-B98F-B1E235038380}"/>
+                <a16:creationId xmlns:a16="http://schemas.microsoft.com/office/drawing/2014/main" id="{703D726A-6292-48DB-8C7D-70EFB8FC9A83}"/>
               </a:ext>
             </a:extLst>
           </p:cNvPr>
@@ -9659,15 +9667,15 @@
         </p:blipFill>
         <p:spPr>
           <a:xfrm>
-            <a:off x="1334278" y="914400"/>
-            <a:ext cx="9367934" cy="4180113"/>
+            <a:off x="1091683" y="709128"/>
+            <a:ext cx="9955762" cy="4049100"/>
           </a:xfrm>
         </p:spPr>
       </p:pic>
     </p:spTree>
     <p:extLst>
       <p:ext uri="{BB962C8B-B14F-4D97-AF65-F5344CB8AC3E}">
-        <p14:creationId xmlns:p14="http://schemas.microsoft.com/office/powerpoint/2010/main" val="477034004"/>
+        <p14:creationId xmlns:p14="http://schemas.microsoft.com/office/powerpoint/2010/main" val="3490439325"/>
       </p:ext>
     </p:extLst>
   </p:cSld>
@@ -9704,13 +9712,307 @@
       </p:grpSpPr>
       <p:sp>
         <p:nvSpPr>
+          <p:cNvPr id="60" name="Freeform 6">
+            <a:extLst>
+              <a:ext uri="{FF2B5EF4-FFF2-40B4-BE49-F238E27FC236}">
+                <a16:creationId xmlns:a16="http://schemas.microsoft.com/office/drawing/2014/main" id="{E7597382-59B5-427B-9E49-55383F0A5561}"/>
+              </a:ext>
+              <a:ext uri="{C183D7F6-B498-43B3-948B-1728B52AA6E4}">
+                <adec:decorative xmlns:adec="http://schemas.microsoft.com/office/drawing/2017/decorative" xmlns="" val="1"/>
+              </a:ext>
+            </a:extLst>
+          </p:cNvPr>
+          <p:cNvSpPr>
+            <a:spLocks noGrp="1" noRot="1" noChangeAspect="1" noMove="1" noResize="1" noEditPoints="1" noAdjustHandles="1" noChangeArrowheads="1" noChangeShapeType="1" noTextEdit="1"/>
+          </p:cNvSpPr>
+          <p:nvPr>
+            <p:extLst>
+              <p:ext uri="{386F3935-93C4-4BCD-93E2-E3B085C9AB24}">
+                <p16:designElem xmlns:p16="http://schemas.microsoft.com/office/powerpoint/2015/main" val="1"/>
+              </p:ext>
+            </p:extLst>
+          </p:nvPr>
+        </p:nvSpPr>
+        <p:spPr bwMode="auto">
+          <a:xfrm>
+            <a:off x="0" y="-3175"/>
+            <a:ext cx="12192000" cy="6229804"/>
+          </a:xfrm>
+          <a:custGeom>
+            <a:avLst/>
+            <a:gdLst/>
+            <a:ahLst/>
+            <a:cxnLst/>
+            <a:rect l="0" t="0" r="r" b="b"/>
+            <a:pathLst>
+              <a:path w="5760" h="3278">
+                <a:moveTo>
+                  <a:pt x="5760" y="0"/>
+                </a:moveTo>
+                <a:lnTo>
+                  <a:pt x="0" y="0"/>
+                </a:lnTo>
+                <a:lnTo>
+                  <a:pt x="0" y="3090"/>
+                </a:lnTo>
+                <a:lnTo>
+                  <a:pt x="943" y="3090"/>
+                </a:lnTo>
+                <a:lnTo>
+                  <a:pt x="1123" y="3270"/>
+                </a:lnTo>
+                <a:lnTo>
+                  <a:pt x="1123" y="3270"/>
+                </a:lnTo>
+                <a:lnTo>
+                  <a:pt x="1127" y="3272"/>
+                </a:lnTo>
+                <a:lnTo>
+                  <a:pt x="1133" y="3275"/>
+                </a:lnTo>
+                <a:lnTo>
+                  <a:pt x="1139" y="3278"/>
+                </a:lnTo>
+                <a:lnTo>
+                  <a:pt x="1144" y="3278"/>
+                </a:lnTo>
+                <a:lnTo>
+                  <a:pt x="1150" y="3278"/>
+                </a:lnTo>
+                <a:lnTo>
+                  <a:pt x="1155" y="3275"/>
+                </a:lnTo>
+                <a:lnTo>
+                  <a:pt x="1161" y="3272"/>
+                </a:lnTo>
+                <a:lnTo>
+                  <a:pt x="1165" y="3270"/>
+                </a:lnTo>
+                <a:lnTo>
+                  <a:pt x="1345" y="3090"/>
+                </a:lnTo>
+                <a:lnTo>
+                  <a:pt x="5760" y="3090"/>
+                </a:lnTo>
+                <a:lnTo>
+                  <a:pt x="5760" y="0"/>
+                </a:lnTo>
+                <a:close/>
+              </a:path>
+            </a:pathLst>
+          </a:custGeom>
+          <a:ln>
+            <a:noFill/>
+          </a:ln>
+          <a:extLst>
+            <a:ext uri="{91240B29-F687-4f45-9708-019B960494DF}">
+              <a14:hiddenLine xmlns="" xmlns:a16="http://schemas.microsoft.com/office/drawing/2014/main" xmlns:p14="http://schemas.microsoft.com/office/powerpoint/2010/main" xmlns:a14="http://schemas.microsoft.com/office/drawing/2010/main" w="9525">
+                <a:solidFill>
+                  <a:srgbClr val="000000"/>
+                </a:solidFill>
+                <a:round/>
+                <a:headEnd/>
+                <a:tailEnd/>
+              </a14:hiddenLine>
+            </a:ext>
+          </a:extLst>
+        </p:spPr>
+        <p:style>
+          <a:lnRef idx="1">
+            <a:schemeClr val="accent1"/>
+          </a:lnRef>
+          <a:fillRef idx="3">
+            <a:schemeClr val="accent1"/>
+          </a:fillRef>
+          <a:effectRef idx="2">
+            <a:schemeClr val="accent1"/>
+          </a:effectRef>
+          <a:fontRef idx="minor">
+            <a:schemeClr val="lt1"/>
+          </a:fontRef>
+        </p:style>
+      </p:sp>
+      <p:sp>
+        <p:nvSpPr>
+          <p:cNvPr id="59" name="Rounded Rectangle 16">
+            <a:extLst>
+              <a:ext uri="{FF2B5EF4-FFF2-40B4-BE49-F238E27FC236}">
+                <a16:creationId xmlns:a16="http://schemas.microsoft.com/office/drawing/2014/main" id="{26471DC7-FA6E-40EF-A167-93BB0BCE16AD}"/>
+              </a:ext>
+              <a:ext uri="{C183D7F6-B498-43B3-948B-1728B52AA6E4}">
+                <adec:decorative xmlns:adec="http://schemas.microsoft.com/office/drawing/2017/decorative" xmlns="" val="1"/>
+              </a:ext>
+            </a:extLst>
+          </p:cNvPr>
+          <p:cNvSpPr>
+            <a:spLocks noGrp="1" noRot="1" noChangeAspect="1" noMove="1" noResize="1" noEditPoints="1" noAdjustHandles="1" noChangeArrowheads="1" noChangeShapeType="1" noTextEdit="1"/>
+          </p:cNvSpPr>
+          <p:nvPr>
+            <p:extLst>
+              <p:ext uri="{386F3935-93C4-4BCD-93E2-E3B085C9AB24}">
+                <p16:designElem xmlns:p16="http://schemas.microsoft.com/office/powerpoint/2015/main" val="1"/>
+              </p:ext>
+            </p:extLst>
+          </p:nvPr>
+        </p:nvSpPr>
+        <p:spPr>
+          <a:xfrm>
+            <a:off x="643468" y="643466"/>
+            <a:ext cx="10905066" cy="4592561"/>
+          </a:xfrm>
+          <a:prstGeom prst="roundRect">
+            <a:avLst>
+              <a:gd name="adj" fmla="val 3513"/>
+            </a:avLst>
+          </a:prstGeom>
+          <a:solidFill>
+            <a:schemeClr val="tx1"/>
+          </a:solidFill>
+          <a:ln>
+            <a:solidFill>
+              <a:schemeClr val="accent1">
+                <a:lumMod val="75000"/>
+              </a:schemeClr>
+            </a:solidFill>
+          </a:ln>
+          <a:effectLst/>
+        </p:spPr>
+        <p:style>
+          <a:lnRef idx="2">
+            <a:schemeClr val="accent1">
+              <a:shade val="50000"/>
+            </a:schemeClr>
+          </a:lnRef>
+          <a:fillRef idx="1">
+            <a:schemeClr val="accent1"/>
+          </a:fillRef>
+          <a:effectRef idx="0">
+            <a:schemeClr val="accent1"/>
+          </a:effectRef>
+          <a:fontRef idx="minor">
+            <a:schemeClr val="lt1"/>
+          </a:fontRef>
+        </p:style>
+        <p:txBody>
+          <a:bodyPr rtlCol="0" anchor="ctr"/>
+          <a:lstStyle/>
+          <a:p>
+            <a:pPr algn="ctr"/>
+            <a:endParaRPr lang="en-US"/>
+          </a:p>
+        </p:txBody>
+      </p:sp>
+      <p:sp>
+        <p:nvSpPr>
+          <p:cNvPr id="10" name="ZoneTexte 9">
+            <a:extLst>
+              <a:ext uri="{FF2B5EF4-FFF2-40B4-BE49-F238E27FC236}">
+                <a16:creationId xmlns:a16="http://schemas.microsoft.com/office/drawing/2014/main" id="{41AC9DED-FB16-4D5F-808F-CFAFF56BD818}"/>
+              </a:ext>
+            </a:extLst>
+          </p:cNvPr>
+          <p:cNvSpPr txBox="1"/>
+          <p:nvPr/>
+        </p:nvSpPr>
+        <p:spPr>
+          <a:xfrm>
+            <a:off x="897622" y="6352598"/>
+            <a:ext cx="3649211" cy="369332"/>
+          </a:xfrm>
+          <a:prstGeom prst="rect">
+            <a:avLst/>
+          </a:prstGeom>
+          <a:noFill/>
+        </p:spPr>
+        <p:txBody>
+          <a:bodyPr wrap="square" rtlCol="0">
+            <a:spAutoFit/>
+          </a:bodyPr>
+          <a:lstStyle/>
+          <a:p>
+            <a:r>
+              <a:rPr lang="fr-FR" dirty="0"/>
+              <a:t>Emprunter par QR Code</a:t>
+            </a:r>
+          </a:p>
+        </p:txBody>
+      </p:sp>
+      <p:pic>
+        <p:nvPicPr>
+          <p:cNvPr id="5" name="Espace réservé du contenu 4">
+            <a:extLst>
+              <a:ext uri="{FF2B5EF4-FFF2-40B4-BE49-F238E27FC236}">
+                <a16:creationId xmlns:a16="http://schemas.microsoft.com/office/drawing/2014/main" id="{B2C70422-16AF-42CF-B98F-B1E235038380}"/>
+              </a:ext>
+            </a:extLst>
+          </p:cNvPr>
+          <p:cNvPicPr>
+            <a:picLocks noGrp="1" noChangeAspect="1"/>
+          </p:cNvPicPr>
+          <p:nvPr>
+            <p:ph idx="1"/>
+          </p:nvPr>
+        </p:nvPicPr>
+        <p:blipFill>
+          <a:blip r:embed="rId2"/>
+          <a:stretch>
+            <a:fillRect/>
+          </a:stretch>
+        </p:blipFill>
+        <p:spPr>
+          <a:xfrm>
+            <a:off x="1334278" y="914400"/>
+            <a:ext cx="9367934" cy="4180113"/>
+          </a:xfrm>
+        </p:spPr>
+      </p:pic>
+    </p:spTree>
+    <p:extLst>
+      <p:ext uri="{BB962C8B-B14F-4D97-AF65-F5344CB8AC3E}">
+        <p14:creationId xmlns:p14="http://schemas.microsoft.com/office/powerpoint/2010/main" val="477034004"/>
+      </p:ext>
+    </p:extLst>
+  </p:cSld>
+  <p:clrMapOvr>
+    <a:masterClrMapping/>
+  </p:clrMapOvr>
+</p:sld>
+</file>
+
+<file path=ppt/slides/slide14.xml><?xml version="1.0" encoding="utf-8"?>
+<p:sld xmlns:a="http://schemas.openxmlformats.org/drawingml/2006/main" xmlns:r="http://schemas.openxmlformats.org/officeDocument/2006/relationships" xmlns:p="http://schemas.openxmlformats.org/presentationml/2006/main">
+  <p:cSld>
+    <p:bg>
+      <p:bgPr>
+        <a:solidFill>
+          <a:schemeClr val="bg2"/>
+        </a:solidFill>
+        <a:effectLst/>
+      </p:bgPr>
+    </p:bg>
+    <p:spTree>
+      <p:nvGrpSpPr>
+        <p:cNvPr id="1" name=""/>
+        <p:cNvGrpSpPr/>
+        <p:nvPr/>
+      </p:nvGrpSpPr>
+      <p:grpSpPr>
+        <a:xfrm>
+          <a:off x="0" y="0"/>
+          <a:ext cx="0" cy="0"/>
+          <a:chOff x="0" y="0"/>
+          <a:chExt cx="0" cy="0"/>
+        </a:xfrm>
+      </p:grpSpPr>
+      <p:sp>
+        <p:nvSpPr>
           <p:cNvPr id="10" name="Rectangle 9">
             <a:extLst>
               <a:ext uri="{FF2B5EF4-FFF2-40B4-BE49-F238E27FC236}">
                 <a16:creationId xmlns:a16="http://schemas.microsoft.com/office/drawing/2014/main" id="{6A01907A-BF04-440F-BA0D-49BC9627344C}"/>
               </a:ext>
               <a:ext uri="{C183D7F6-B498-43B3-948B-1728B52AA6E4}">
-                <adec:decorative xmlns:adec="http://schemas.microsoft.com/office/drawing/2017/decorative" val="1"/>
+                <adec:decorative xmlns:adec="http://schemas.microsoft.com/office/drawing/2017/decorative" xmlns="" val="1"/>
               </a:ext>
             </a:extLst>
           </p:cNvPr>
@@ -9762,10 +10064,10 @@
       </p:sp>
       <p:pic>
         <p:nvPicPr>
-          <p:cNvPr id="5" name="Espace réservé du contenu 4">
+          <p:cNvPr id="6" name="Espace réservé du contenu 5" descr="Une image contenant texte&#10;&#10;Description générée avec un niveau de confiance très élevé">
             <a:extLst>
               <a:ext uri="{FF2B5EF4-FFF2-40B4-BE49-F238E27FC236}">
-                <a16:creationId xmlns:a16="http://schemas.microsoft.com/office/drawing/2014/main" id="{B945844E-7FA3-4332-8D8F-FF0AF4080F3E}"/>
+                <a16:creationId xmlns:a16="http://schemas.microsoft.com/office/drawing/2014/main" id="{5B66F69D-05B1-4B4F-9B65-CF004AC130B4}"/>
               </a:ext>
             </a:extLst>
           </p:cNvPr>
@@ -9784,12 +10086,9 @@
         </p:blipFill>
         <p:spPr>
           <a:xfrm>
-            <a:off x="933403" y="86219"/>
-            <a:ext cx="10325194" cy="6685562"/>
-          </a:xfrm>
-          <a:prstGeom prst="rect">
-            <a:avLst/>
-          </a:prstGeom>
+            <a:off x="0" y="373878"/>
+            <a:ext cx="12201545" cy="6110243"/>
+          </a:xfrm>
         </p:spPr>
       </p:pic>
     </p:spTree>
@@ -9838,7 +10137,7 @@
                 <a16:creationId xmlns:a16="http://schemas.microsoft.com/office/drawing/2014/main" id="{E2264E67-6F59-4D8D-8E5F-8245B0FEAE76}"/>
               </a:ext>
               <a:ext uri="{C183D7F6-B498-43B3-948B-1728B52AA6E4}">
-                <adec:decorative xmlns:adec="http://schemas.microsoft.com/office/drawing/2017/decorative" val="1"/>
+                <adec:decorative xmlns:adec="http://schemas.microsoft.com/office/drawing/2017/decorative" xmlns="" val="1"/>
               </a:ext>
             </a:extLst>
           </p:cNvPr>
@@ -9901,7 +10200,7 @@
                 <a16:creationId xmlns:a16="http://schemas.microsoft.com/office/drawing/2014/main" id="{158E1C6E-D299-4F5D-B15B-155EBF7F62FD}"/>
               </a:ext>
               <a:ext uri="{C183D7F6-B498-43B3-948B-1728B52AA6E4}">
-                <adec:decorative xmlns:adec="http://schemas.microsoft.com/office/drawing/2017/decorative" val="1"/>
+                <adec:decorative xmlns:adec="http://schemas.microsoft.com/office/drawing/2017/decorative" xmlns="" val="1"/>
               </a:ext>
             </a:extLst>
           </p:cNvPr>
@@ -10252,7 +10551,7 @@
                 <a16:creationId xmlns:a16="http://schemas.microsoft.com/office/drawing/2014/main" id="{A416E3E5-5186-46A4-AFBD-337387D3163D}"/>
               </a:ext>
               <a:ext uri="{C183D7F6-B498-43B3-948B-1728B52AA6E4}">
-                <adec:decorative xmlns:adec="http://schemas.microsoft.com/office/drawing/2017/decorative" val="1"/>
+                <adec:decorative xmlns:adec="http://schemas.microsoft.com/office/drawing/2017/decorative" xmlns="" val="1"/>
               </a:ext>
             </a:extLst>
           </p:cNvPr>
@@ -10315,7 +10614,7 @@
                 <a16:creationId xmlns:a16="http://schemas.microsoft.com/office/drawing/2014/main" id="{7B8FAACC-353E-4F84-BA62-A5514185D9A9}"/>
               </a:ext>
               <a:ext uri="{C183D7F6-B498-43B3-948B-1728B52AA6E4}">
-                <adec:decorative xmlns:adec="http://schemas.microsoft.com/office/drawing/2017/decorative" val="1"/>
+                <adec:decorative xmlns:adec="http://schemas.microsoft.com/office/drawing/2017/decorative" xmlns="" val="1"/>
               </a:ext>
             </a:extLst>
           </p:cNvPr>
@@ -10635,743 +10934,6 @@
 <file path=ppt/slides/slide4.xml><?xml version="1.0" encoding="utf-8"?>
 <p:sld xmlns:a="http://schemas.openxmlformats.org/drawingml/2006/main" xmlns:r="http://schemas.openxmlformats.org/officeDocument/2006/relationships" xmlns:p="http://schemas.openxmlformats.org/presentationml/2006/main">
   <p:cSld>
-    <p:spTree>
-      <p:nvGrpSpPr>
-        <p:cNvPr id="1" name=""/>
-        <p:cNvGrpSpPr/>
-        <p:nvPr/>
-      </p:nvGrpSpPr>
-      <p:grpSpPr>
-        <a:xfrm>
-          <a:off x="0" y="0"/>
-          <a:ext cx="0" cy="0"/>
-          <a:chOff x="0" y="0"/>
-          <a:chExt cx="0" cy="0"/>
-        </a:xfrm>
-      </p:grpSpPr>
-      <p:sp>
-        <p:nvSpPr>
-          <p:cNvPr id="2" name="Titre 1">
-            <a:extLst>
-              <a:ext uri="{FF2B5EF4-FFF2-40B4-BE49-F238E27FC236}">
-                <a16:creationId xmlns:a16="http://schemas.microsoft.com/office/drawing/2014/main" id="{C0EABB35-02BF-4927-88A2-2B4347F5A20D}"/>
-              </a:ext>
-            </a:extLst>
-          </p:cNvPr>
-          <p:cNvSpPr>
-            <a:spLocks noGrp="1"/>
-          </p:cNvSpPr>
-          <p:nvPr>
-            <p:ph type="title"/>
-          </p:nvPr>
-        </p:nvSpPr>
-        <p:spPr>
-          <a:xfrm>
-            <a:off x="850986" y="2112525"/>
-            <a:ext cx="5893840" cy="1342908"/>
-          </a:xfrm>
-        </p:spPr>
-        <p:txBody>
-          <a:bodyPr/>
-          <a:lstStyle/>
-          <a:p>
-            <a:r>
-              <a:rPr lang="fr-FR" dirty="0"/>
-              <a:t>Rôle étudiant 3 :</a:t>
-            </a:r>
-            <a:br>
-              <a:rPr lang="fr-FR" dirty="0"/>
-            </a:br>
-            <a:r>
-              <a:rPr lang="fr-FR" dirty="0"/>
-              <a:t>Application emprunteur</a:t>
-            </a:r>
-          </a:p>
-        </p:txBody>
-      </p:sp>
-      <p:sp>
-        <p:nvSpPr>
-          <p:cNvPr id="3" name="Espace réservé du texte 2">
-            <a:extLst>
-              <a:ext uri="{FF2B5EF4-FFF2-40B4-BE49-F238E27FC236}">
-                <a16:creationId xmlns:a16="http://schemas.microsoft.com/office/drawing/2014/main" id="{B5912F65-287A-4632-ABC3-8E74B190C1FA}"/>
-              </a:ext>
-            </a:extLst>
-          </p:cNvPr>
-          <p:cNvSpPr>
-            <a:spLocks noGrp="1"/>
-          </p:cNvSpPr>
-          <p:nvPr>
-            <p:ph type="body" idx="1"/>
-          </p:nvPr>
-        </p:nvSpPr>
-        <p:spPr>
-          <a:xfrm>
-            <a:off x="853190" y="4443680"/>
-            <a:ext cx="5891636" cy="2133583"/>
-          </a:xfrm>
-        </p:spPr>
-        <p:txBody>
-          <a:bodyPr/>
-          <a:lstStyle/>
-          <a:p>
-            <a:pPr marL="285750" indent="-285750">
-              <a:buFont typeface="Courier New" panose="02070309020205020404" pitchFamily="49" charset="0"/>
-              <a:buChar char="o"/>
-            </a:pPr>
-            <a:r>
-              <a:rPr lang="fr-FR" sz="2400" dirty="0"/>
-              <a:t>Création d’une partie d’application « SCAN » sous Android Studio</a:t>
-            </a:r>
-          </a:p>
-          <a:p>
-            <a:pPr marL="285750" indent="-285750">
-              <a:buFont typeface="Courier New" panose="02070309020205020404" pitchFamily="49" charset="0"/>
-              <a:buChar char="o"/>
-            </a:pPr>
-            <a:r>
-              <a:rPr lang="fr-FR" sz="2400" dirty="0"/>
-              <a:t>Aider à la création de la partie application « Emprunteur » avec l’étudiant 4</a:t>
-            </a:r>
-          </a:p>
-        </p:txBody>
-      </p:sp>
-      <p:pic>
-        <p:nvPicPr>
-          <p:cNvPr id="10" name="Image 9">
-            <a:extLst>
-              <a:ext uri="{FF2B5EF4-FFF2-40B4-BE49-F238E27FC236}">
-                <a16:creationId xmlns:a16="http://schemas.microsoft.com/office/drawing/2014/main" id="{61FAD1AB-71DB-4156-899F-DCC887E024CD}"/>
-              </a:ext>
-            </a:extLst>
-          </p:cNvPr>
-          <p:cNvPicPr>
-            <a:picLocks noChangeAspect="1"/>
-          </p:cNvPicPr>
-          <p:nvPr/>
-        </p:nvPicPr>
-        <p:blipFill>
-          <a:blip r:embed="rId2" cstate="print">
-            <a:extLst>
-              <a:ext uri="{28A0092B-C50C-407E-A947-70E740481C1C}">
-                <a14:useLocalDpi xmlns:a14="http://schemas.microsoft.com/office/drawing/2010/main" val="0"/>
-              </a:ext>
-            </a:extLst>
-          </a:blip>
-          <a:stretch>
-            <a:fillRect/>
-          </a:stretch>
-        </p:blipFill>
-        <p:spPr>
-          <a:xfrm>
-            <a:off x="8694759" y="3940156"/>
-            <a:ext cx="1989283" cy="2490356"/>
-          </a:xfrm>
-          <a:prstGeom prst="rect">
-            <a:avLst/>
-          </a:prstGeom>
-        </p:spPr>
-      </p:pic>
-      <p:sp>
-        <p:nvSpPr>
-          <p:cNvPr id="4" name="ZoneTexte 3">
-            <a:extLst>
-              <a:ext uri="{FF2B5EF4-FFF2-40B4-BE49-F238E27FC236}">
-                <a16:creationId xmlns:a16="http://schemas.microsoft.com/office/drawing/2014/main" id="{CBEFB6C7-F802-4D47-80D7-841B6A40CDA6}"/>
-              </a:ext>
-            </a:extLst>
-          </p:cNvPr>
-          <p:cNvSpPr txBox="1"/>
-          <p:nvPr/>
-        </p:nvSpPr>
-        <p:spPr>
-          <a:xfrm>
-            <a:off x="8679408" y="1008924"/>
-            <a:ext cx="2004634" cy="830997"/>
-          </a:xfrm>
-          <a:prstGeom prst="rect">
-            <a:avLst/>
-          </a:prstGeom>
-          <a:noFill/>
-        </p:spPr>
-        <p:txBody>
-          <a:bodyPr wrap="square" rtlCol="0">
-            <a:spAutoFit/>
-          </a:bodyPr>
-          <a:lstStyle/>
-          <a:p>
-            <a:r>
-              <a:rPr lang="fr-FR" sz="2400" b="1" u="sng" dirty="0"/>
-              <a:t>Application Emprunteur</a:t>
-            </a:r>
-          </a:p>
-        </p:txBody>
-      </p:sp>
-      <p:sp>
-        <p:nvSpPr>
-          <p:cNvPr id="7" name="Espace réservé du texte 2">
-            <a:extLst>
-              <a:ext uri="{FF2B5EF4-FFF2-40B4-BE49-F238E27FC236}">
-                <a16:creationId xmlns:a16="http://schemas.microsoft.com/office/drawing/2014/main" id="{14E3AEFB-7170-42B0-A722-64066F6E406D}"/>
-              </a:ext>
-            </a:extLst>
-          </p:cNvPr>
-          <p:cNvSpPr txBox="1">
-            <a:spLocks/>
-          </p:cNvSpPr>
-          <p:nvPr/>
-        </p:nvSpPr>
-        <p:spPr>
-          <a:xfrm>
-            <a:off x="7426992" y="1839921"/>
-            <a:ext cx="4524814" cy="1615512"/>
-          </a:xfrm>
-          <a:prstGeom prst="rect">
-            <a:avLst/>
-          </a:prstGeom>
-          <a:effectLst>
-            <a:outerShdw blurRad="50800" dir="14400000">
-              <a:srgbClr val="000000">
-                <a:alpha val="40000"/>
-              </a:srgbClr>
-            </a:outerShdw>
-          </a:effectLst>
-        </p:spPr>
-        <p:txBody>
-          <a:bodyPr vert="horz" lIns="91440" tIns="45720" rIns="91440" bIns="45720" rtlCol="0" anchor="t">
-            <a:noAutofit/>
-          </a:bodyPr>
-          <a:lstStyle>
-            <a:lvl1pPr marL="0" indent="0" algn="l" defTabSz="457200" rtl="0" eaLnBrk="1" latinLnBrk="0" hangingPunct="1">
-              <a:spcBef>
-                <a:spcPct val="20000"/>
-              </a:spcBef>
-              <a:spcAft>
-                <a:spcPts val="600"/>
-              </a:spcAft>
-              <a:buClr>
-                <a:schemeClr val="accent1"/>
-              </a:buClr>
-              <a:buFont typeface="Wingdings 2" charset="2"/>
-              <a:buNone/>
-              <a:defRPr sz="1800" kern="1200">
-                <a:solidFill>
-                  <a:schemeClr val="tx1"/>
-                </a:solidFill>
-                <a:latin typeface="+mn-lt"/>
-                <a:ea typeface="+mn-ea"/>
-                <a:cs typeface="+mn-cs"/>
-              </a:defRPr>
-            </a:lvl1pPr>
-            <a:lvl2pPr marL="457200" indent="0" algn="l" defTabSz="457200" rtl="0" eaLnBrk="1" latinLnBrk="0" hangingPunct="1">
-              <a:spcBef>
-                <a:spcPct val="20000"/>
-              </a:spcBef>
-              <a:spcAft>
-                <a:spcPts val="600"/>
-              </a:spcAft>
-              <a:buClr>
-                <a:schemeClr val="accent1"/>
-              </a:buClr>
-              <a:buFont typeface="Wingdings 2" charset="2"/>
-              <a:buNone/>
-              <a:defRPr sz="1800" kern="1200">
-                <a:solidFill>
-                  <a:schemeClr val="tx1">
-                    <a:tint val="75000"/>
-                  </a:schemeClr>
-                </a:solidFill>
-                <a:latin typeface="+mn-lt"/>
-                <a:ea typeface="+mn-ea"/>
-                <a:cs typeface="+mn-cs"/>
-              </a:defRPr>
-            </a:lvl2pPr>
-            <a:lvl3pPr marL="914400" indent="0" algn="l" defTabSz="457200" rtl="0" eaLnBrk="1" latinLnBrk="0" hangingPunct="1">
-              <a:spcBef>
-                <a:spcPct val="20000"/>
-              </a:spcBef>
-              <a:spcAft>
-                <a:spcPts val="600"/>
-              </a:spcAft>
-              <a:buClr>
-                <a:schemeClr val="accent1"/>
-              </a:buClr>
-              <a:buFont typeface="Wingdings 2" charset="2"/>
-              <a:buNone/>
-              <a:defRPr sz="1600" kern="1200">
-                <a:solidFill>
-                  <a:schemeClr val="tx1">
-                    <a:tint val="75000"/>
-                  </a:schemeClr>
-                </a:solidFill>
-                <a:latin typeface="+mn-lt"/>
-                <a:ea typeface="+mn-ea"/>
-                <a:cs typeface="+mn-cs"/>
-              </a:defRPr>
-            </a:lvl3pPr>
-            <a:lvl4pPr marL="1371600" indent="0" algn="l" defTabSz="457200" rtl="0" eaLnBrk="1" latinLnBrk="0" hangingPunct="1">
-              <a:spcBef>
-                <a:spcPct val="20000"/>
-              </a:spcBef>
-              <a:spcAft>
-                <a:spcPts val="600"/>
-              </a:spcAft>
-              <a:buClr>
-                <a:schemeClr val="accent1"/>
-              </a:buClr>
-              <a:buFont typeface="Wingdings 2" charset="2"/>
-              <a:buNone/>
-              <a:defRPr sz="1400" kern="1200">
-                <a:solidFill>
-                  <a:schemeClr val="tx1">
-                    <a:tint val="75000"/>
-                  </a:schemeClr>
-                </a:solidFill>
-                <a:latin typeface="+mn-lt"/>
-                <a:ea typeface="+mn-ea"/>
-                <a:cs typeface="+mn-cs"/>
-              </a:defRPr>
-            </a:lvl4pPr>
-            <a:lvl5pPr marL="1828800" indent="0" algn="l" defTabSz="457200" rtl="0" eaLnBrk="1" latinLnBrk="0" hangingPunct="1">
-              <a:spcBef>
-                <a:spcPct val="20000"/>
-              </a:spcBef>
-              <a:spcAft>
-                <a:spcPts val="600"/>
-              </a:spcAft>
-              <a:buClr>
-                <a:schemeClr val="accent1"/>
-              </a:buClr>
-              <a:buFont typeface="Wingdings 2" charset="2"/>
-              <a:buNone/>
-              <a:defRPr sz="1400" kern="1200">
-                <a:solidFill>
-                  <a:schemeClr val="tx1">
-                    <a:tint val="75000"/>
-                  </a:schemeClr>
-                </a:solidFill>
-                <a:latin typeface="+mn-lt"/>
-                <a:ea typeface="+mn-ea"/>
-                <a:cs typeface="+mn-cs"/>
-              </a:defRPr>
-            </a:lvl5pPr>
-            <a:lvl6pPr marL="2286000" indent="0" algn="l" defTabSz="457200" rtl="0" eaLnBrk="1" latinLnBrk="0" hangingPunct="1">
-              <a:spcBef>
-                <a:spcPct val="20000"/>
-              </a:spcBef>
-              <a:spcAft>
-                <a:spcPts val="600"/>
-              </a:spcAft>
-              <a:buClr>
-                <a:schemeClr val="accent1"/>
-              </a:buClr>
-              <a:buFont typeface="Wingdings 2" charset="2"/>
-              <a:buNone/>
-              <a:defRPr sz="1400" kern="1200">
-                <a:solidFill>
-                  <a:schemeClr val="tx1">
-                    <a:tint val="75000"/>
-                  </a:schemeClr>
-                </a:solidFill>
-                <a:latin typeface="+mn-lt"/>
-                <a:ea typeface="+mn-ea"/>
-                <a:cs typeface="+mn-cs"/>
-              </a:defRPr>
-            </a:lvl6pPr>
-            <a:lvl7pPr marL="2743200" indent="0" algn="l" defTabSz="457200" rtl="0" eaLnBrk="1" latinLnBrk="0" hangingPunct="1">
-              <a:spcBef>
-                <a:spcPct val="20000"/>
-              </a:spcBef>
-              <a:spcAft>
-                <a:spcPts val="600"/>
-              </a:spcAft>
-              <a:buClr>
-                <a:schemeClr val="accent1"/>
-              </a:buClr>
-              <a:buFont typeface="Wingdings 2" charset="2"/>
-              <a:buNone/>
-              <a:defRPr sz="1400" kern="1200">
-                <a:solidFill>
-                  <a:schemeClr val="tx1">
-                    <a:tint val="75000"/>
-                  </a:schemeClr>
-                </a:solidFill>
-                <a:latin typeface="+mn-lt"/>
-                <a:ea typeface="+mn-ea"/>
-                <a:cs typeface="+mn-cs"/>
-              </a:defRPr>
-            </a:lvl7pPr>
-            <a:lvl8pPr marL="3200400" indent="0" algn="l" defTabSz="457200" rtl="0" eaLnBrk="1" latinLnBrk="0" hangingPunct="1">
-              <a:spcBef>
-                <a:spcPct val="20000"/>
-              </a:spcBef>
-              <a:spcAft>
-                <a:spcPts val="600"/>
-              </a:spcAft>
-              <a:buClr>
-                <a:schemeClr val="accent1"/>
-              </a:buClr>
-              <a:buFont typeface="Wingdings 2" charset="2"/>
-              <a:buNone/>
-              <a:defRPr sz="1400" kern="1200">
-                <a:solidFill>
-                  <a:schemeClr val="tx1">
-                    <a:tint val="75000"/>
-                  </a:schemeClr>
-                </a:solidFill>
-                <a:latin typeface="+mn-lt"/>
-                <a:ea typeface="+mn-ea"/>
-                <a:cs typeface="+mn-cs"/>
-              </a:defRPr>
-            </a:lvl8pPr>
-            <a:lvl9pPr marL="3657600" indent="0" algn="l" defTabSz="457200" rtl="0" eaLnBrk="1" latinLnBrk="0" hangingPunct="1">
-              <a:spcBef>
-                <a:spcPct val="20000"/>
-              </a:spcBef>
-              <a:spcAft>
-                <a:spcPts val="600"/>
-              </a:spcAft>
-              <a:buClr>
-                <a:schemeClr val="accent1"/>
-              </a:buClr>
-              <a:buFont typeface="Wingdings 2" charset="2"/>
-              <a:buNone/>
-              <a:defRPr sz="1400" kern="1200">
-                <a:solidFill>
-                  <a:schemeClr val="tx1">
-                    <a:tint val="75000"/>
-                  </a:schemeClr>
-                </a:solidFill>
-                <a:latin typeface="+mn-lt"/>
-                <a:ea typeface="+mn-ea"/>
-                <a:cs typeface="+mn-cs"/>
-              </a:defRPr>
-            </a:lvl9pPr>
-          </a:lstStyle>
-          <a:p>
-            <a:pPr marL="285750" indent="-285750">
-              <a:buFont typeface="Courier New" panose="02070309020205020404" pitchFamily="49" charset="0"/>
-              <a:buChar char="o"/>
-            </a:pPr>
-            <a:r>
-              <a:rPr lang="fr-FR" sz="2400" dirty="0"/>
-              <a:t>Scanner une étiquette RFID</a:t>
-            </a:r>
-          </a:p>
-          <a:p>
-            <a:pPr marL="285750" indent="-285750">
-              <a:buFont typeface="Courier New" panose="02070309020205020404" pitchFamily="49" charset="0"/>
-              <a:buChar char="o"/>
-            </a:pPr>
-            <a:r>
-              <a:rPr lang="fr-FR" sz="2400" dirty="0"/>
-              <a:t>Sécuriser le matériel</a:t>
-            </a:r>
-          </a:p>
-          <a:p>
-            <a:pPr marL="285750" indent="-285750">
-              <a:buFont typeface="Courier New" panose="02070309020205020404" pitchFamily="49" charset="0"/>
-              <a:buChar char="o"/>
-            </a:pPr>
-            <a:r>
-              <a:rPr lang="fr-FR" sz="2400" dirty="0"/>
-              <a:t>Emprunte le matériel</a:t>
-            </a:r>
-          </a:p>
-          <a:p>
-            <a:pPr marL="285750" indent="-285750">
-              <a:buFont typeface="Courier New" panose="02070309020205020404" pitchFamily="49" charset="0"/>
-              <a:buChar char="o"/>
-            </a:pPr>
-            <a:r>
-              <a:rPr lang="fr-FR" sz="2400" dirty="0"/>
-              <a:t>Information sur le matériel</a:t>
-            </a:r>
-          </a:p>
-        </p:txBody>
-      </p:sp>
-    </p:spTree>
-    <p:extLst>
-      <p:ext uri="{BB962C8B-B14F-4D97-AF65-F5344CB8AC3E}">
-        <p14:creationId xmlns:p14="http://schemas.microsoft.com/office/powerpoint/2010/main" val="1622655360"/>
-      </p:ext>
-    </p:extLst>
-  </p:cSld>
-  <p:clrMapOvr>
-    <a:masterClrMapping/>
-  </p:clrMapOvr>
-</p:sld>
-</file>
-
-<file path=ppt/slides/slide5.xml><?xml version="1.0" encoding="utf-8"?>
-<p:sld xmlns:a="http://schemas.openxmlformats.org/drawingml/2006/main" xmlns:r="http://schemas.openxmlformats.org/officeDocument/2006/relationships" xmlns:p="http://schemas.openxmlformats.org/presentationml/2006/main">
-  <p:cSld>
-    <p:spTree>
-      <p:nvGrpSpPr>
-        <p:cNvPr id="1" name=""/>
-        <p:cNvGrpSpPr/>
-        <p:nvPr/>
-      </p:nvGrpSpPr>
-      <p:grpSpPr>
-        <a:xfrm>
-          <a:off x="0" y="0"/>
-          <a:ext cx="0" cy="0"/>
-          <a:chOff x="0" y="0"/>
-          <a:chExt cx="0" cy="0"/>
-        </a:xfrm>
-      </p:grpSpPr>
-      <p:sp>
-        <p:nvSpPr>
-          <p:cNvPr id="2" name="Titre 1">
-            <a:extLst>
-              <a:ext uri="{FF2B5EF4-FFF2-40B4-BE49-F238E27FC236}">
-                <a16:creationId xmlns:a16="http://schemas.microsoft.com/office/drawing/2014/main" id="{E0B0C63A-BD8F-4F56-BCC9-E96007308935}"/>
-              </a:ext>
-            </a:extLst>
-          </p:cNvPr>
-          <p:cNvSpPr>
-            <a:spLocks noGrp="1"/>
-          </p:cNvSpPr>
-          <p:nvPr>
-            <p:ph type="title"/>
-          </p:nvPr>
-        </p:nvSpPr>
-        <p:spPr/>
-        <p:txBody>
-          <a:bodyPr/>
-          <a:lstStyle/>
-          <a:p>
-            <a:r>
-              <a:rPr lang="fr-FR" sz="5400" dirty="0"/>
-              <a:t>Matériels &amp; technologies</a:t>
-            </a:r>
-          </a:p>
-        </p:txBody>
-      </p:sp>
-      <p:pic>
-        <p:nvPicPr>
-          <p:cNvPr id="3" name="Image 2">
-            <a:extLst>
-              <a:ext uri="{FF2B5EF4-FFF2-40B4-BE49-F238E27FC236}">
-                <a16:creationId xmlns:a16="http://schemas.microsoft.com/office/drawing/2014/main" id="{9BC7E72C-AC4F-4DF5-A115-1C40F59723F4}"/>
-              </a:ext>
-            </a:extLst>
-          </p:cNvPr>
-          <p:cNvPicPr>
-            <a:picLocks noChangeAspect="1"/>
-          </p:cNvPicPr>
-          <p:nvPr/>
-        </p:nvPicPr>
-        <p:blipFill>
-          <a:blip r:embed="rId2" cstate="print">
-            <a:extLst>
-              <a:ext uri="{28A0092B-C50C-407E-A947-70E740481C1C}">
-                <a14:useLocalDpi xmlns:a14="http://schemas.microsoft.com/office/drawing/2010/main" val="0"/>
-              </a:ext>
-            </a:extLst>
-          </a:blip>
-          <a:stretch>
-            <a:fillRect/>
-          </a:stretch>
-        </p:blipFill>
-        <p:spPr>
-          <a:xfrm>
-            <a:off x="3596152" y="3833536"/>
-            <a:ext cx="1361257" cy="2382198"/>
-          </a:xfrm>
-          <a:prstGeom prst="rect">
-            <a:avLst/>
-          </a:prstGeom>
-        </p:spPr>
-      </p:pic>
-      <p:sp>
-        <p:nvSpPr>
-          <p:cNvPr id="5" name="ZoneTexte 4">
-            <a:extLst>
-              <a:ext uri="{FF2B5EF4-FFF2-40B4-BE49-F238E27FC236}">
-                <a16:creationId xmlns:a16="http://schemas.microsoft.com/office/drawing/2014/main" id="{2F61662E-57F0-4406-A385-9957ECCC1D3C}"/>
-              </a:ext>
-            </a:extLst>
-          </p:cNvPr>
-          <p:cNvSpPr txBox="1"/>
-          <p:nvPr/>
-        </p:nvSpPr>
-        <p:spPr>
-          <a:xfrm>
-            <a:off x="1945249" y="2782669"/>
-            <a:ext cx="2331532" cy="646331"/>
-          </a:xfrm>
-          <a:prstGeom prst="rect">
-            <a:avLst/>
-          </a:prstGeom>
-          <a:noFill/>
-        </p:spPr>
-        <p:txBody>
-          <a:bodyPr wrap="square" rtlCol="0">
-            <a:spAutoFit/>
-          </a:bodyPr>
-          <a:lstStyle/>
-          <a:p>
-            <a:r>
-              <a:rPr lang="fr-FR" sz="3600" b="1" dirty="0"/>
-              <a:t>Physique</a:t>
-            </a:r>
-          </a:p>
-        </p:txBody>
-      </p:sp>
-      <p:sp>
-        <p:nvSpPr>
-          <p:cNvPr id="6" name="ZoneTexte 5">
-            <a:extLst>
-              <a:ext uri="{FF2B5EF4-FFF2-40B4-BE49-F238E27FC236}">
-                <a16:creationId xmlns:a16="http://schemas.microsoft.com/office/drawing/2014/main" id="{51E32AEB-A3F5-4B00-8910-12363FA847CF}"/>
-              </a:ext>
-            </a:extLst>
-          </p:cNvPr>
-          <p:cNvSpPr txBox="1"/>
-          <p:nvPr/>
-        </p:nvSpPr>
-        <p:spPr>
-          <a:xfrm>
-            <a:off x="7915219" y="2782669"/>
-            <a:ext cx="2331532" cy="646331"/>
-          </a:xfrm>
-          <a:prstGeom prst="rect">
-            <a:avLst/>
-          </a:prstGeom>
-          <a:noFill/>
-        </p:spPr>
-        <p:txBody>
-          <a:bodyPr wrap="square" rtlCol="0">
-            <a:spAutoFit/>
-          </a:bodyPr>
-          <a:lstStyle/>
-          <a:p>
-            <a:r>
-              <a:rPr lang="fr-FR" sz="3600" b="1" dirty="0"/>
-              <a:t>Logiciel</a:t>
-            </a:r>
-          </a:p>
-        </p:txBody>
-      </p:sp>
-      <p:pic>
-        <p:nvPicPr>
-          <p:cNvPr id="8" name="Image 7">
-            <a:extLst>
-              <a:ext uri="{FF2B5EF4-FFF2-40B4-BE49-F238E27FC236}">
-                <a16:creationId xmlns:a16="http://schemas.microsoft.com/office/drawing/2014/main" id="{10689F10-2223-410A-AD0E-5CA156E7918B}"/>
-              </a:ext>
-            </a:extLst>
-          </p:cNvPr>
-          <p:cNvPicPr>
-            <a:picLocks noChangeAspect="1"/>
-          </p:cNvPicPr>
-          <p:nvPr/>
-        </p:nvPicPr>
-        <p:blipFill>
-          <a:blip r:embed="rId3" cstate="print">
-            <a:extLst>
-              <a:ext uri="{28A0092B-C50C-407E-A947-70E740481C1C}">
-                <a14:useLocalDpi xmlns:a14="http://schemas.microsoft.com/office/drawing/2010/main" val="0"/>
-              </a:ext>
-            </a:extLst>
-          </a:blip>
-          <a:stretch>
-            <a:fillRect/>
-          </a:stretch>
-        </p:blipFill>
-        <p:spPr>
-          <a:xfrm>
-            <a:off x="9349307" y="3690841"/>
-            <a:ext cx="2382117" cy="2382117"/>
-          </a:xfrm>
-          <a:prstGeom prst="rect">
-            <a:avLst/>
-          </a:prstGeom>
-        </p:spPr>
-      </p:pic>
-      <p:pic>
-        <p:nvPicPr>
-          <p:cNvPr id="10" name="Image 9">
-            <a:extLst>
-              <a:ext uri="{FF2B5EF4-FFF2-40B4-BE49-F238E27FC236}">
-                <a16:creationId xmlns:a16="http://schemas.microsoft.com/office/drawing/2014/main" id="{AEBD2E44-5B98-43B8-8E73-3EFD9B28F2CF}"/>
-              </a:ext>
-            </a:extLst>
-          </p:cNvPr>
-          <p:cNvPicPr>
-            <a:picLocks noChangeAspect="1"/>
-          </p:cNvPicPr>
-          <p:nvPr/>
-        </p:nvPicPr>
-        <p:blipFill>
-          <a:blip r:embed="rId4"/>
-          <a:stretch>
-            <a:fillRect/>
-          </a:stretch>
-        </p:blipFill>
-        <p:spPr>
-          <a:xfrm>
-            <a:off x="331503" y="3833617"/>
-            <a:ext cx="2382117" cy="2382117"/>
-          </a:xfrm>
-          <a:prstGeom prst="rect">
-            <a:avLst/>
-          </a:prstGeom>
-        </p:spPr>
-      </p:pic>
-      <p:pic>
-        <p:nvPicPr>
-          <p:cNvPr id="12" name="Image 11">
-            <a:extLst>
-              <a:ext uri="{FF2B5EF4-FFF2-40B4-BE49-F238E27FC236}">
-                <a16:creationId xmlns:a16="http://schemas.microsoft.com/office/drawing/2014/main" id="{0820B6E9-76DB-4683-A480-1E0E7EDAE156}"/>
-              </a:ext>
-            </a:extLst>
-          </p:cNvPr>
-          <p:cNvPicPr>
-            <a:picLocks noChangeAspect="1"/>
-          </p:cNvPicPr>
-          <p:nvPr/>
-        </p:nvPicPr>
-        <p:blipFill>
-          <a:blip r:embed="rId5"/>
-          <a:stretch>
-            <a:fillRect/>
-          </a:stretch>
-        </p:blipFill>
-        <p:spPr>
-          <a:xfrm>
-            <a:off x="6217446" y="3858869"/>
-            <a:ext cx="2331532" cy="2331532"/>
-          </a:xfrm>
-          <a:prstGeom prst="rect">
-            <a:avLst/>
-          </a:prstGeom>
-          <a:scene3d>
-            <a:camera prst="orthographicFront">
-              <a:rot lat="0" lon="0" rev="0"/>
-            </a:camera>
-            <a:lightRig rig="threePt" dir="t"/>
-          </a:scene3d>
-        </p:spPr>
-      </p:pic>
-    </p:spTree>
-    <p:extLst>
-      <p:ext uri="{BB962C8B-B14F-4D97-AF65-F5344CB8AC3E}">
-        <p14:creationId xmlns:p14="http://schemas.microsoft.com/office/powerpoint/2010/main" val="2861865556"/>
-      </p:ext>
-    </p:extLst>
-  </p:cSld>
-  <p:clrMapOvr>
-    <a:masterClrMapping/>
-  </p:clrMapOvr>
-</p:sld>
-</file>
-
-<file path=ppt/slides/slide6.xml><?xml version="1.0" encoding="utf-8"?>
-<p:sld xmlns:a="http://schemas.openxmlformats.org/drawingml/2006/main" xmlns:r="http://schemas.openxmlformats.org/officeDocument/2006/relationships" xmlns:p="http://schemas.openxmlformats.org/presentationml/2006/main">
-  <p:cSld>
     <p:bg>
       <p:bgPr>
         <a:solidFill>
@@ -11402,7 +10964,7 @@
                 <a16:creationId xmlns:a16="http://schemas.microsoft.com/office/drawing/2014/main" id="{133F8CB7-795C-4272-9073-64D8CF97F220}"/>
               </a:ext>
               <a:ext uri="{C183D7F6-B498-43B3-948B-1728B52AA6E4}">
-                <adec:decorative xmlns:adec="http://schemas.microsoft.com/office/drawing/2017/decorative" val="1"/>
+                <adec:decorative xmlns:adec="http://schemas.microsoft.com/office/drawing/2017/decorative" xmlns="" val="1"/>
               </a:ext>
             </a:extLst>
           </p:cNvPr>
@@ -11489,7 +11051,7 @@
           <a:effectLst/>
           <a:extLst>
             <a:ext uri="{91240B29-F687-4f45-9708-019B960494DF}">
-              <a14:hiddenLine xmlns="" xmlns:a16="http://schemas.microsoft.com/office/drawing/2014/main" xmlns:p14="http://schemas.microsoft.com/office/powerpoint/2010/main" xmlns:a14="http://schemas.microsoft.com/office/drawing/2010/main" w="9525">
+              <a14:hiddenLine xmlns:a14="http://schemas.microsoft.com/office/drawing/2010/main" xmlns:p14="http://schemas.microsoft.com/office/powerpoint/2010/main" xmlns:a16="http://schemas.microsoft.com/office/drawing/2014/main" xmlns="" w="9525">
                 <a:solidFill>
                   <a:srgbClr val="000000"/>
                 </a:solidFill>
@@ -11523,7 +11085,7 @@
                 <a16:creationId xmlns:a16="http://schemas.microsoft.com/office/drawing/2014/main" id="{B7743172-17A8-4FA4-8434-B813E03B7665}"/>
               </a:ext>
               <a:ext uri="{C183D7F6-B498-43B3-948B-1728B52AA6E4}">
-                <adec:decorative xmlns:adec="http://schemas.microsoft.com/office/drawing/2017/decorative" val="1"/>
+                <adec:decorative xmlns:adec="http://schemas.microsoft.com/office/drawing/2017/decorative" xmlns="" val="1"/>
               </a:ext>
             </a:extLst>
           </p:cNvPr>
@@ -11586,7 +11148,7 @@
                 <a16:creationId xmlns:a16="http://schemas.microsoft.com/office/drawing/2014/main" id="{4CE1233C-FD2F-489E-BFDE-086F5FED6491}"/>
               </a:ext>
               <a:ext uri="{C183D7F6-B498-43B3-948B-1728B52AA6E4}">
-                <adec:decorative xmlns:adec="http://schemas.microsoft.com/office/drawing/2017/decorative" val="1"/>
+                <adec:decorative xmlns:adec="http://schemas.microsoft.com/office/drawing/2017/decorative" xmlns="" val="1"/>
               </a:ext>
             </a:extLst>
           </p:cNvPr>
@@ -11876,7 +11438,7 @@
 </p:sld>
 </file>
 
-<file path=ppt/slides/slide7.xml><?xml version="1.0" encoding="utf-8"?>
+<file path=ppt/slides/slide5.xml><?xml version="1.0" encoding="utf-8"?>
 <p:sld xmlns:a="http://schemas.openxmlformats.org/drawingml/2006/main" xmlns:r="http://schemas.openxmlformats.org/officeDocument/2006/relationships" xmlns:p="http://schemas.openxmlformats.org/presentationml/2006/main">
   <p:cSld>
     <p:bg>
@@ -11903,13 +11465,13 @@
       </p:grpSpPr>
       <p:sp>
         <p:nvSpPr>
-          <p:cNvPr id="10" name="Freeform 6">
+          <p:cNvPr id="21" name="Freeform 6">
             <a:extLst>
               <a:ext uri="{FF2B5EF4-FFF2-40B4-BE49-F238E27FC236}">
                 <a16:creationId xmlns:a16="http://schemas.microsoft.com/office/drawing/2014/main" id="{133F8CB7-795C-4272-9073-64D8CF97F220}"/>
               </a:ext>
               <a:ext uri="{C183D7F6-B498-43B3-948B-1728B52AA6E4}">
-                <adec:decorative xmlns:adec="http://schemas.microsoft.com/office/drawing/2017/decorative" val="1"/>
+                <adec:decorative xmlns="" xmlns:adec="http://schemas.microsoft.com/office/drawing/2017/decorative" val="1"/>
               </a:ext>
             </a:extLst>
           </p:cNvPr>
@@ -12024,13 +11586,13 @@
       </p:sp>
       <p:sp>
         <p:nvSpPr>
-          <p:cNvPr id="12" name="Rectangle 11">
+          <p:cNvPr id="22" name="Rectangle 10">
             <a:extLst>
               <a:ext uri="{FF2B5EF4-FFF2-40B4-BE49-F238E27FC236}">
-                <a16:creationId xmlns:a16="http://schemas.microsoft.com/office/drawing/2014/main" id="{B7743172-17A8-4FA4-8434-B813E03B7665}"/>
+                <a16:creationId xmlns:a16="http://schemas.microsoft.com/office/drawing/2014/main" id="{F611655D-86DD-44E5-9999-B2135809D20A}"/>
               </a:ext>
               <a:ext uri="{C183D7F6-B498-43B3-948B-1728B52AA6E4}">
-                <adec:decorative xmlns:adec="http://schemas.microsoft.com/office/drawing/2017/decorative" val="1"/>
+                <adec:decorative xmlns="" xmlns:adec="http://schemas.microsoft.com/office/drawing/2017/decorative" val="1"/>
               </a:ext>
             </a:extLst>
           </p:cNvPr>
@@ -12087,13 +11649,1173 @@
       </p:sp>
       <p:sp>
         <p:nvSpPr>
+          <p:cNvPr id="23" name="Freeform 6">
+            <a:extLst>
+              <a:ext uri="{FF2B5EF4-FFF2-40B4-BE49-F238E27FC236}">
+                <a16:creationId xmlns:a16="http://schemas.microsoft.com/office/drawing/2014/main" id="{11443580-A880-4C5F-9EB1-FC254EC650C1}"/>
+              </a:ext>
+              <a:ext uri="{C183D7F6-B498-43B3-948B-1728B52AA6E4}">
+                <adec:decorative xmlns="" xmlns:adec="http://schemas.microsoft.com/office/drawing/2017/decorative" val="1"/>
+              </a:ext>
+            </a:extLst>
+          </p:cNvPr>
+          <p:cNvSpPr>
+            <a:spLocks noGrp="1" noRot="1" noChangeAspect="1" noMove="1" noResize="1" noEditPoints="1" noAdjustHandles="1" noChangeArrowheads="1" noChangeShapeType="1" noTextEdit="1"/>
+          </p:cNvSpPr>
+          <p:nvPr>
+            <p:extLst>
+              <p:ext uri="{386F3935-93C4-4BCD-93E2-E3B085C9AB24}">
+                <p16:designElem xmlns:p16="http://schemas.microsoft.com/office/powerpoint/2015/main" val="1"/>
+              </p:ext>
+            </p:extLst>
+          </p:nvPr>
+        </p:nvSpPr>
+        <p:spPr bwMode="auto">
+          <a:xfrm flipV="1">
+            <a:off x="0" y="4672012"/>
+            <a:ext cx="12192000" cy="2185988"/>
+          </a:xfrm>
+          <a:custGeom>
+            <a:avLst/>
+            <a:gdLst/>
+            <a:ahLst/>
+            <a:cxnLst/>
+            <a:rect l="0" t="0" r="r" b="b"/>
+            <a:pathLst>
+              <a:path w="5760" h="1377">
+                <a:moveTo>
+                  <a:pt x="5760" y="0"/>
+                </a:moveTo>
+                <a:lnTo>
+                  <a:pt x="0" y="0"/>
+                </a:lnTo>
+                <a:lnTo>
+                  <a:pt x="0" y="1189"/>
+                </a:lnTo>
+                <a:lnTo>
+                  <a:pt x="943" y="1189"/>
+                </a:lnTo>
+                <a:lnTo>
+                  <a:pt x="1123" y="1369"/>
+                </a:lnTo>
+                <a:lnTo>
+                  <a:pt x="1123" y="1369"/>
+                </a:lnTo>
+                <a:lnTo>
+                  <a:pt x="1127" y="1371"/>
+                </a:lnTo>
+                <a:lnTo>
+                  <a:pt x="1133" y="1374"/>
+                </a:lnTo>
+                <a:lnTo>
+                  <a:pt x="1139" y="1377"/>
+                </a:lnTo>
+                <a:lnTo>
+                  <a:pt x="1144" y="1377"/>
+                </a:lnTo>
+                <a:lnTo>
+                  <a:pt x="1150" y="1377"/>
+                </a:lnTo>
+                <a:lnTo>
+                  <a:pt x="1155" y="1374"/>
+                </a:lnTo>
+                <a:lnTo>
+                  <a:pt x="1161" y="1371"/>
+                </a:lnTo>
+                <a:lnTo>
+                  <a:pt x="1165" y="1369"/>
+                </a:lnTo>
+                <a:lnTo>
+                  <a:pt x="1345" y="1189"/>
+                </a:lnTo>
+                <a:lnTo>
+                  <a:pt x="5760" y="1189"/>
+                </a:lnTo>
+                <a:lnTo>
+                  <a:pt x="5760" y="0"/>
+                </a:lnTo>
+                <a:close/>
+              </a:path>
+            </a:pathLst>
+          </a:custGeom>
+          <a:solidFill>
+            <a:srgbClr val="212121"/>
+          </a:solidFill>
+          <a:ln>
+            <a:noFill/>
+          </a:ln>
+          <a:extLst>
+            <a:ext uri="{91240B29-F687-4f45-9708-019B960494DF}">
+              <a14:hiddenLine xmlns="" xmlns:a16="http://schemas.microsoft.com/office/drawing/2014/main" xmlns:p14="http://schemas.microsoft.com/office/powerpoint/2010/main" xmlns:a14="http://schemas.microsoft.com/office/drawing/2010/main" w="9525">
+                <a:solidFill>
+                  <a:srgbClr val="000000"/>
+                </a:solidFill>
+                <a:round/>
+                <a:headEnd/>
+                <a:tailEnd/>
+              </a14:hiddenLine>
+            </a:ext>
+          </a:extLst>
+        </p:spPr>
+        <p:style>
+          <a:lnRef idx="1">
+            <a:schemeClr val="accent1"/>
+          </a:lnRef>
+          <a:fillRef idx="3">
+            <a:schemeClr val="accent1"/>
+          </a:fillRef>
+          <a:effectRef idx="2">
+            <a:schemeClr val="accent1"/>
+          </a:effectRef>
+          <a:fontRef idx="minor">
+            <a:schemeClr val="lt1"/>
+          </a:fontRef>
+        </p:style>
+      </p:sp>
+      <p:sp>
+        <p:nvSpPr>
+          <p:cNvPr id="2" name="Titre 1">
+            <a:extLst>
+              <a:ext uri="{FF2B5EF4-FFF2-40B4-BE49-F238E27FC236}">
+                <a16:creationId xmlns:a16="http://schemas.microsoft.com/office/drawing/2014/main" id="{4FE15B45-5402-4D5B-AA5A-D680105516E4}"/>
+              </a:ext>
+            </a:extLst>
+          </p:cNvPr>
+          <p:cNvSpPr>
+            <a:spLocks noGrp="1"/>
+          </p:cNvSpPr>
+          <p:nvPr>
+            <p:ph type="title"/>
+          </p:nvPr>
+        </p:nvSpPr>
+        <p:spPr>
+          <a:xfrm>
+            <a:off x="451514" y="5151992"/>
+            <a:ext cx="10930487" cy="673446"/>
+          </a:xfrm>
+          <a:effectLst/>
+        </p:spPr>
+        <p:txBody>
+          <a:bodyPr vert="horz" lIns="91440" tIns="45720" rIns="91440" bIns="45720" rtlCol="0" anchor="b">
+            <a:normAutofit/>
+          </a:bodyPr>
+          <a:lstStyle/>
+          <a:p>
+            <a:r>
+              <a:rPr lang="en-US" sz="3200">
+                <a:solidFill>
+                  <a:srgbClr val="FFFFFF"/>
+                </a:solidFill>
+              </a:rPr>
+              <a:t>Diagramme de classe</a:t>
+            </a:r>
+          </a:p>
+        </p:txBody>
+      </p:sp>
+      <p:pic>
+        <p:nvPicPr>
+          <p:cNvPr id="4" name="Image 3" descr="Une image contenant texte&#10;&#10;Description générée avec un niveau de confiance élevé">
+            <a:extLst>
+              <a:ext uri="{FF2B5EF4-FFF2-40B4-BE49-F238E27FC236}">
+                <a16:creationId xmlns:a16="http://schemas.microsoft.com/office/drawing/2014/main" id="{DFEC523B-2E86-42C3-A876-E2D6DADC9E87}"/>
+              </a:ext>
+            </a:extLst>
+          </p:cNvPr>
+          <p:cNvPicPr>
+            <a:picLocks noChangeAspect="1"/>
+          </p:cNvPicPr>
+          <p:nvPr/>
+        </p:nvPicPr>
+        <p:blipFill>
+          <a:blip r:embed="rId2"/>
+          <a:stretch>
+            <a:fillRect/>
+          </a:stretch>
+        </p:blipFill>
+        <p:spPr>
+          <a:xfrm>
+            <a:off x="1100731" y="1"/>
+            <a:ext cx="9632052" cy="4672012"/>
+          </a:xfrm>
+          <a:prstGeom prst="roundRect">
+            <a:avLst>
+              <a:gd name="adj" fmla="val 3876"/>
+            </a:avLst>
+          </a:prstGeom>
+          <a:ln>
+            <a:noFill/>
+          </a:ln>
+          <a:effectLst/>
+        </p:spPr>
+      </p:pic>
+    </p:spTree>
+    <p:extLst>
+      <p:ext uri="{BB962C8B-B14F-4D97-AF65-F5344CB8AC3E}">
+        <p14:creationId xmlns:p14="http://schemas.microsoft.com/office/powerpoint/2010/main" val="219190704"/>
+      </p:ext>
+    </p:extLst>
+  </p:cSld>
+  <p:clrMapOvr>
+    <a:overrideClrMapping bg1="lt1" tx1="dk1" bg2="lt2" tx2="dk2" accent1="accent1" accent2="accent2" accent3="accent3" accent4="accent4" accent5="accent5" accent6="accent6" hlink="hlink" folHlink="folHlink"/>
+  </p:clrMapOvr>
+</p:sld>
+</file>
+
+<file path=ppt/slides/slide6.xml><?xml version="1.0" encoding="utf-8"?>
+<p:sld xmlns:a="http://schemas.openxmlformats.org/drawingml/2006/main" xmlns:r="http://schemas.openxmlformats.org/officeDocument/2006/relationships" xmlns:p="http://schemas.openxmlformats.org/presentationml/2006/main">
+  <p:cSld>
+    <p:spTree>
+      <p:nvGrpSpPr>
+        <p:cNvPr id="1" name=""/>
+        <p:cNvGrpSpPr/>
+        <p:nvPr/>
+      </p:nvGrpSpPr>
+      <p:grpSpPr>
+        <a:xfrm>
+          <a:off x="0" y="0"/>
+          <a:ext cx="0" cy="0"/>
+          <a:chOff x="0" y="0"/>
+          <a:chExt cx="0" cy="0"/>
+        </a:xfrm>
+      </p:grpSpPr>
+      <p:sp>
+        <p:nvSpPr>
+          <p:cNvPr id="2" name="Titre 1">
+            <a:extLst>
+              <a:ext uri="{FF2B5EF4-FFF2-40B4-BE49-F238E27FC236}">
+                <a16:creationId xmlns:a16="http://schemas.microsoft.com/office/drawing/2014/main" id="{C0EABB35-02BF-4927-88A2-2B4347F5A20D}"/>
+              </a:ext>
+            </a:extLst>
+          </p:cNvPr>
+          <p:cNvSpPr>
+            <a:spLocks noGrp="1"/>
+          </p:cNvSpPr>
+          <p:nvPr>
+            <p:ph type="title"/>
+          </p:nvPr>
+        </p:nvSpPr>
+        <p:spPr>
+          <a:xfrm>
+            <a:off x="850986" y="2112525"/>
+            <a:ext cx="5893840" cy="1342908"/>
+          </a:xfrm>
+        </p:spPr>
+        <p:txBody>
+          <a:bodyPr/>
+          <a:lstStyle/>
+          <a:p>
+            <a:r>
+              <a:rPr lang="fr-FR" dirty="0"/>
+              <a:t>Rôle étudiant 3 :</a:t>
+            </a:r>
+            <a:br>
+              <a:rPr lang="fr-FR" dirty="0"/>
+            </a:br>
+            <a:r>
+              <a:rPr lang="fr-FR" dirty="0"/>
+              <a:t>Application emprunteur</a:t>
+            </a:r>
+          </a:p>
+        </p:txBody>
+      </p:sp>
+      <p:sp>
+        <p:nvSpPr>
+          <p:cNvPr id="3" name="Espace réservé du texte 2">
+            <a:extLst>
+              <a:ext uri="{FF2B5EF4-FFF2-40B4-BE49-F238E27FC236}">
+                <a16:creationId xmlns:a16="http://schemas.microsoft.com/office/drawing/2014/main" id="{B5912F65-287A-4632-ABC3-8E74B190C1FA}"/>
+              </a:ext>
+            </a:extLst>
+          </p:cNvPr>
+          <p:cNvSpPr>
+            <a:spLocks noGrp="1"/>
+          </p:cNvSpPr>
+          <p:nvPr>
+            <p:ph type="body" idx="1"/>
+          </p:nvPr>
+        </p:nvSpPr>
+        <p:spPr>
+          <a:xfrm>
+            <a:off x="853190" y="4443680"/>
+            <a:ext cx="5891636" cy="2133583"/>
+          </a:xfrm>
+        </p:spPr>
+        <p:txBody>
+          <a:bodyPr/>
+          <a:lstStyle/>
+          <a:p>
+            <a:pPr marL="285750" indent="-285750">
+              <a:buFont typeface="Courier New" panose="02070309020205020404" pitchFamily="49" charset="0"/>
+              <a:buChar char="o"/>
+            </a:pPr>
+            <a:r>
+              <a:rPr lang="fr-FR" sz="2400" dirty="0"/>
+              <a:t>Création d’une partie d’application « SCAN » sous Android Studio</a:t>
+            </a:r>
+          </a:p>
+          <a:p>
+            <a:pPr marL="285750" indent="-285750">
+              <a:buFont typeface="Courier New" panose="02070309020205020404" pitchFamily="49" charset="0"/>
+              <a:buChar char="o"/>
+            </a:pPr>
+            <a:r>
+              <a:rPr lang="fr-FR" sz="2400" dirty="0"/>
+              <a:t>Aider à la création de la partie application « Emprunteur » avec l’étudiant 4</a:t>
+            </a:r>
+          </a:p>
+        </p:txBody>
+      </p:sp>
+      <p:pic>
+        <p:nvPicPr>
+          <p:cNvPr id="10" name="Image 9">
+            <a:extLst>
+              <a:ext uri="{FF2B5EF4-FFF2-40B4-BE49-F238E27FC236}">
+                <a16:creationId xmlns:a16="http://schemas.microsoft.com/office/drawing/2014/main" id="{61FAD1AB-71DB-4156-899F-DCC887E024CD}"/>
+              </a:ext>
+            </a:extLst>
+          </p:cNvPr>
+          <p:cNvPicPr>
+            <a:picLocks noChangeAspect="1"/>
+          </p:cNvPicPr>
+          <p:nvPr/>
+        </p:nvPicPr>
+        <p:blipFill>
+          <a:blip r:embed="rId2" cstate="print">
+            <a:extLst>
+              <a:ext uri="{28A0092B-C50C-407E-A947-70E740481C1C}">
+                <a14:useLocalDpi xmlns:a14="http://schemas.microsoft.com/office/drawing/2010/main" val="0"/>
+              </a:ext>
+            </a:extLst>
+          </a:blip>
+          <a:stretch>
+            <a:fillRect/>
+          </a:stretch>
+        </p:blipFill>
+        <p:spPr>
+          <a:xfrm>
+            <a:off x="8694759" y="3940156"/>
+            <a:ext cx="1989283" cy="2490356"/>
+          </a:xfrm>
+          <a:prstGeom prst="rect">
+            <a:avLst/>
+          </a:prstGeom>
+        </p:spPr>
+      </p:pic>
+      <p:sp>
+        <p:nvSpPr>
+          <p:cNvPr id="4" name="ZoneTexte 3">
+            <a:extLst>
+              <a:ext uri="{FF2B5EF4-FFF2-40B4-BE49-F238E27FC236}">
+                <a16:creationId xmlns:a16="http://schemas.microsoft.com/office/drawing/2014/main" id="{CBEFB6C7-F802-4D47-80D7-841B6A40CDA6}"/>
+              </a:ext>
+            </a:extLst>
+          </p:cNvPr>
+          <p:cNvSpPr txBox="1"/>
+          <p:nvPr/>
+        </p:nvSpPr>
+        <p:spPr>
+          <a:xfrm>
+            <a:off x="8679408" y="1008924"/>
+            <a:ext cx="2004634" cy="830997"/>
+          </a:xfrm>
+          <a:prstGeom prst="rect">
+            <a:avLst/>
+          </a:prstGeom>
+          <a:noFill/>
+        </p:spPr>
+        <p:txBody>
+          <a:bodyPr wrap="square" rtlCol="0">
+            <a:spAutoFit/>
+          </a:bodyPr>
+          <a:lstStyle/>
+          <a:p>
+            <a:r>
+              <a:rPr lang="fr-FR" sz="2400" b="1" u="sng" dirty="0"/>
+              <a:t>Application Emprunteur</a:t>
+            </a:r>
+          </a:p>
+        </p:txBody>
+      </p:sp>
+      <p:sp>
+        <p:nvSpPr>
+          <p:cNvPr id="7" name="Espace réservé du texte 2">
+            <a:extLst>
+              <a:ext uri="{FF2B5EF4-FFF2-40B4-BE49-F238E27FC236}">
+                <a16:creationId xmlns:a16="http://schemas.microsoft.com/office/drawing/2014/main" id="{14E3AEFB-7170-42B0-A722-64066F6E406D}"/>
+              </a:ext>
+            </a:extLst>
+          </p:cNvPr>
+          <p:cNvSpPr txBox="1">
+            <a:spLocks/>
+          </p:cNvSpPr>
+          <p:nvPr/>
+        </p:nvSpPr>
+        <p:spPr>
+          <a:xfrm>
+            <a:off x="7426992" y="1839921"/>
+            <a:ext cx="4524814" cy="1615512"/>
+          </a:xfrm>
+          <a:prstGeom prst="rect">
+            <a:avLst/>
+          </a:prstGeom>
+          <a:effectLst>
+            <a:outerShdw blurRad="50800" dir="14400000">
+              <a:srgbClr val="000000">
+                <a:alpha val="40000"/>
+              </a:srgbClr>
+            </a:outerShdw>
+          </a:effectLst>
+        </p:spPr>
+        <p:txBody>
+          <a:bodyPr vert="horz" lIns="91440" tIns="45720" rIns="91440" bIns="45720" rtlCol="0" anchor="t">
+            <a:noAutofit/>
+          </a:bodyPr>
+          <a:lstStyle>
+            <a:lvl1pPr marL="0" indent="0" algn="l" defTabSz="457200" rtl="0" eaLnBrk="1" latinLnBrk="0" hangingPunct="1">
+              <a:spcBef>
+                <a:spcPct val="20000"/>
+              </a:spcBef>
+              <a:spcAft>
+                <a:spcPts val="600"/>
+              </a:spcAft>
+              <a:buClr>
+                <a:schemeClr val="accent1"/>
+              </a:buClr>
+              <a:buFont typeface="Wingdings 2" charset="2"/>
+              <a:buNone/>
+              <a:defRPr sz="1800" kern="1200">
+                <a:solidFill>
+                  <a:schemeClr val="tx1"/>
+                </a:solidFill>
+                <a:latin typeface="+mn-lt"/>
+                <a:ea typeface="+mn-ea"/>
+                <a:cs typeface="+mn-cs"/>
+              </a:defRPr>
+            </a:lvl1pPr>
+            <a:lvl2pPr marL="457200" indent="0" algn="l" defTabSz="457200" rtl="0" eaLnBrk="1" latinLnBrk="0" hangingPunct="1">
+              <a:spcBef>
+                <a:spcPct val="20000"/>
+              </a:spcBef>
+              <a:spcAft>
+                <a:spcPts val="600"/>
+              </a:spcAft>
+              <a:buClr>
+                <a:schemeClr val="accent1"/>
+              </a:buClr>
+              <a:buFont typeface="Wingdings 2" charset="2"/>
+              <a:buNone/>
+              <a:defRPr sz="1800" kern="1200">
+                <a:solidFill>
+                  <a:schemeClr val="tx1">
+                    <a:tint val="75000"/>
+                  </a:schemeClr>
+                </a:solidFill>
+                <a:latin typeface="+mn-lt"/>
+                <a:ea typeface="+mn-ea"/>
+                <a:cs typeface="+mn-cs"/>
+              </a:defRPr>
+            </a:lvl2pPr>
+            <a:lvl3pPr marL="914400" indent="0" algn="l" defTabSz="457200" rtl="0" eaLnBrk="1" latinLnBrk="0" hangingPunct="1">
+              <a:spcBef>
+                <a:spcPct val="20000"/>
+              </a:spcBef>
+              <a:spcAft>
+                <a:spcPts val="600"/>
+              </a:spcAft>
+              <a:buClr>
+                <a:schemeClr val="accent1"/>
+              </a:buClr>
+              <a:buFont typeface="Wingdings 2" charset="2"/>
+              <a:buNone/>
+              <a:defRPr sz="1600" kern="1200">
+                <a:solidFill>
+                  <a:schemeClr val="tx1">
+                    <a:tint val="75000"/>
+                  </a:schemeClr>
+                </a:solidFill>
+                <a:latin typeface="+mn-lt"/>
+                <a:ea typeface="+mn-ea"/>
+                <a:cs typeface="+mn-cs"/>
+              </a:defRPr>
+            </a:lvl3pPr>
+            <a:lvl4pPr marL="1371600" indent="0" algn="l" defTabSz="457200" rtl="0" eaLnBrk="1" latinLnBrk="0" hangingPunct="1">
+              <a:spcBef>
+                <a:spcPct val="20000"/>
+              </a:spcBef>
+              <a:spcAft>
+                <a:spcPts val="600"/>
+              </a:spcAft>
+              <a:buClr>
+                <a:schemeClr val="accent1"/>
+              </a:buClr>
+              <a:buFont typeface="Wingdings 2" charset="2"/>
+              <a:buNone/>
+              <a:defRPr sz="1400" kern="1200">
+                <a:solidFill>
+                  <a:schemeClr val="tx1">
+                    <a:tint val="75000"/>
+                  </a:schemeClr>
+                </a:solidFill>
+                <a:latin typeface="+mn-lt"/>
+                <a:ea typeface="+mn-ea"/>
+                <a:cs typeface="+mn-cs"/>
+              </a:defRPr>
+            </a:lvl4pPr>
+            <a:lvl5pPr marL="1828800" indent="0" algn="l" defTabSz="457200" rtl="0" eaLnBrk="1" latinLnBrk="0" hangingPunct="1">
+              <a:spcBef>
+                <a:spcPct val="20000"/>
+              </a:spcBef>
+              <a:spcAft>
+                <a:spcPts val="600"/>
+              </a:spcAft>
+              <a:buClr>
+                <a:schemeClr val="accent1"/>
+              </a:buClr>
+              <a:buFont typeface="Wingdings 2" charset="2"/>
+              <a:buNone/>
+              <a:defRPr sz="1400" kern="1200">
+                <a:solidFill>
+                  <a:schemeClr val="tx1">
+                    <a:tint val="75000"/>
+                  </a:schemeClr>
+                </a:solidFill>
+                <a:latin typeface="+mn-lt"/>
+                <a:ea typeface="+mn-ea"/>
+                <a:cs typeface="+mn-cs"/>
+              </a:defRPr>
+            </a:lvl5pPr>
+            <a:lvl6pPr marL="2286000" indent="0" algn="l" defTabSz="457200" rtl="0" eaLnBrk="1" latinLnBrk="0" hangingPunct="1">
+              <a:spcBef>
+                <a:spcPct val="20000"/>
+              </a:spcBef>
+              <a:spcAft>
+                <a:spcPts val="600"/>
+              </a:spcAft>
+              <a:buClr>
+                <a:schemeClr val="accent1"/>
+              </a:buClr>
+              <a:buFont typeface="Wingdings 2" charset="2"/>
+              <a:buNone/>
+              <a:defRPr sz="1400" kern="1200">
+                <a:solidFill>
+                  <a:schemeClr val="tx1">
+                    <a:tint val="75000"/>
+                  </a:schemeClr>
+                </a:solidFill>
+                <a:latin typeface="+mn-lt"/>
+                <a:ea typeface="+mn-ea"/>
+                <a:cs typeface="+mn-cs"/>
+              </a:defRPr>
+            </a:lvl6pPr>
+            <a:lvl7pPr marL="2743200" indent="0" algn="l" defTabSz="457200" rtl="0" eaLnBrk="1" latinLnBrk="0" hangingPunct="1">
+              <a:spcBef>
+                <a:spcPct val="20000"/>
+              </a:spcBef>
+              <a:spcAft>
+                <a:spcPts val="600"/>
+              </a:spcAft>
+              <a:buClr>
+                <a:schemeClr val="accent1"/>
+              </a:buClr>
+              <a:buFont typeface="Wingdings 2" charset="2"/>
+              <a:buNone/>
+              <a:defRPr sz="1400" kern="1200">
+                <a:solidFill>
+                  <a:schemeClr val="tx1">
+                    <a:tint val="75000"/>
+                  </a:schemeClr>
+                </a:solidFill>
+                <a:latin typeface="+mn-lt"/>
+                <a:ea typeface="+mn-ea"/>
+                <a:cs typeface="+mn-cs"/>
+              </a:defRPr>
+            </a:lvl7pPr>
+            <a:lvl8pPr marL="3200400" indent="0" algn="l" defTabSz="457200" rtl="0" eaLnBrk="1" latinLnBrk="0" hangingPunct="1">
+              <a:spcBef>
+                <a:spcPct val="20000"/>
+              </a:spcBef>
+              <a:spcAft>
+                <a:spcPts val="600"/>
+              </a:spcAft>
+              <a:buClr>
+                <a:schemeClr val="accent1"/>
+              </a:buClr>
+              <a:buFont typeface="Wingdings 2" charset="2"/>
+              <a:buNone/>
+              <a:defRPr sz="1400" kern="1200">
+                <a:solidFill>
+                  <a:schemeClr val="tx1">
+                    <a:tint val="75000"/>
+                  </a:schemeClr>
+                </a:solidFill>
+                <a:latin typeface="+mn-lt"/>
+                <a:ea typeface="+mn-ea"/>
+                <a:cs typeface="+mn-cs"/>
+              </a:defRPr>
+            </a:lvl8pPr>
+            <a:lvl9pPr marL="3657600" indent="0" algn="l" defTabSz="457200" rtl="0" eaLnBrk="1" latinLnBrk="0" hangingPunct="1">
+              <a:spcBef>
+                <a:spcPct val="20000"/>
+              </a:spcBef>
+              <a:spcAft>
+                <a:spcPts val="600"/>
+              </a:spcAft>
+              <a:buClr>
+                <a:schemeClr val="accent1"/>
+              </a:buClr>
+              <a:buFont typeface="Wingdings 2" charset="2"/>
+              <a:buNone/>
+              <a:defRPr sz="1400" kern="1200">
+                <a:solidFill>
+                  <a:schemeClr val="tx1">
+                    <a:tint val="75000"/>
+                  </a:schemeClr>
+                </a:solidFill>
+                <a:latin typeface="+mn-lt"/>
+                <a:ea typeface="+mn-ea"/>
+                <a:cs typeface="+mn-cs"/>
+              </a:defRPr>
+            </a:lvl9pPr>
+          </a:lstStyle>
+          <a:p>
+            <a:pPr marL="285750" indent="-285750">
+              <a:buFont typeface="Courier New" panose="02070309020205020404" pitchFamily="49" charset="0"/>
+              <a:buChar char="o"/>
+            </a:pPr>
+            <a:r>
+              <a:rPr lang="fr-FR" sz="2400" dirty="0"/>
+              <a:t>Scanner une étiquette RFID</a:t>
+            </a:r>
+          </a:p>
+          <a:p>
+            <a:pPr marL="285750" indent="-285750">
+              <a:buFont typeface="Courier New" panose="02070309020205020404" pitchFamily="49" charset="0"/>
+              <a:buChar char="o"/>
+            </a:pPr>
+            <a:r>
+              <a:rPr lang="fr-FR" sz="2400" dirty="0"/>
+              <a:t>Sécuriser le matériel</a:t>
+            </a:r>
+          </a:p>
+          <a:p>
+            <a:pPr marL="285750" indent="-285750">
+              <a:buFont typeface="Courier New" panose="02070309020205020404" pitchFamily="49" charset="0"/>
+              <a:buChar char="o"/>
+            </a:pPr>
+            <a:r>
+              <a:rPr lang="fr-FR" sz="2400" dirty="0"/>
+              <a:t>Emprunte le matériel</a:t>
+            </a:r>
+          </a:p>
+          <a:p>
+            <a:pPr marL="285750" indent="-285750">
+              <a:buFont typeface="Courier New" panose="02070309020205020404" pitchFamily="49" charset="0"/>
+              <a:buChar char="o"/>
+            </a:pPr>
+            <a:r>
+              <a:rPr lang="fr-FR" sz="2400" dirty="0"/>
+              <a:t>Information sur le matériel</a:t>
+            </a:r>
+          </a:p>
+        </p:txBody>
+      </p:sp>
+    </p:spTree>
+    <p:extLst>
+      <p:ext uri="{BB962C8B-B14F-4D97-AF65-F5344CB8AC3E}">
+        <p14:creationId xmlns:p14="http://schemas.microsoft.com/office/powerpoint/2010/main" val="1622655360"/>
+      </p:ext>
+    </p:extLst>
+  </p:cSld>
+  <p:clrMapOvr>
+    <a:masterClrMapping/>
+  </p:clrMapOvr>
+</p:sld>
+</file>
+
+<file path=ppt/slides/slide7.xml><?xml version="1.0" encoding="utf-8"?>
+<p:sld xmlns:a="http://schemas.openxmlformats.org/drawingml/2006/main" xmlns:r="http://schemas.openxmlformats.org/officeDocument/2006/relationships" xmlns:p="http://schemas.openxmlformats.org/presentationml/2006/main">
+  <p:cSld>
+    <p:spTree>
+      <p:nvGrpSpPr>
+        <p:cNvPr id="1" name=""/>
+        <p:cNvGrpSpPr/>
+        <p:nvPr/>
+      </p:nvGrpSpPr>
+      <p:grpSpPr>
+        <a:xfrm>
+          <a:off x="0" y="0"/>
+          <a:ext cx="0" cy="0"/>
+          <a:chOff x="0" y="0"/>
+          <a:chExt cx="0" cy="0"/>
+        </a:xfrm>
+      </p:grpSpPr>
+      <p:sp>
+        <p:nvSpPr>
+          <p:cNvPr id="2" name="Titre 1">
+            <a:extLst>
+              <a:ext uri="{FF2B5EF4-FFF2-40B4-BE49-F238E27FC236}">
+                <a16:creationId xmlns:a16="http://schemas.microsoft.com/office/drawing/2014/main" id="{E0B0C63A-BD8F-4F56-BCC9-E96007308935}"/>
+              </a:ext>
+            </a:extLst>
+          </p:cNvPr>
+          <p:cNvSpPr>
+            <a:spLocks noGrp="1"/>
+          </p:cNvSpPr>
+          <p:nvPr>
+            <p:ph type="title"/>
+          </p:nvPr>
+        </p:nvSpPr>
+        <p:spPr/>
+        <p:txBody>
+          <a:bodyPr/>
+          <a:lstStyle/>
+          <a:p>
+            <a:r>
+              <a:rPr lang="fr-FR" sz="5400" dirty="0"/>
+              <a:t>Matériels &amp; technologies</a:t>
+            </a:r>
+          </a:p>
+        </p:txBody>
+      </p:sp>
+      <p:pic>
+        <p:nvPicPr>
+          <p:cNvPr id="3" name="Image 2">
+            <a:extLst>
+              <a:ext uri="{FF2B5EF4-FFF2-40B4-BE49-F238E27FC236}">
+                <a16:creationId xmlns:a16="http://schemas.microsoft.com/office/drawing/2014/main" id="{9BC7E72C-AC4F-4DF5-A115-1C40F59723F4}"/>
+              </a:ext>
+            </a:extLst>
+          </p:cNvPr>
+          <p:cNvPicPr>
+            <a:picLocks noChangeAspect="1"/>
+          </p:cNvPicPr>
+          <p:nvPr/>
+        </p:nvPicPr>
+        <p:blipFill>
+          <a:blip r:embed="rId2" cstate="print">
+            <a:extLst>
+              <a:ext uri="{28A0092B-C50C-407E-A947-70E740481C1C}">
+                <a14:useLocalDpi xmlns:a14="http://schemas.microsoft.com/office/drawing/2010/main" val="0"/>
+              </a:ext>
+            </a:extLst>
+          </a:blip>
+          <a:stretch>
+            <a:fillRect/>
+          </a:stretch>
+        </p:blipFill>
+        <p:spPr>
+          <a:xfrm>
+            <a:off x="3596152" y="3833536"/>
+            <a:ext cx="1361257" cy="2382198"/>
+          </a:xfrm>
+          <a:prstGeom prst="rect">
+            <a:avLst/>
+          </a:prstGeom>
+        </p:spPr>
+      </p:pic>
+      <p:sp>
+        <p:nvSpPr>
+          <p:cNvPr id="5" name="ZoneTexte 4">
+            <a:extLst>
+              <a:ext uri="{FF2B5EF4-FFF2-40B4-BE49-F238E27FC236}">
+                <a16:creationId xmlns:a16="http://schemas.microsoft.com/office/drawing/2014/main" id="{2F61662E-57F0-4406-A385-9957ECCC1D3C}"/>
+              </a:ext>
+            </a:extLst>
+          </p:cNvPr>
+          <p:cNvSpPr txBox="1"/>
+          <p:nvPr/>
+        </p:nvSpPr>
+        <p:spPr>
+          <a:xfrm>
+            <a:off x="1945249" y="2782669"/>
+            <a:ext cx="2331532" cy="646331"/>
+          </a:xfrm>
+          <a:prstGeom prst="rect">
+            <a:avLst/>
+          </a:prstGeom>
+          <a:noFill/>
+        </p:spPr>
+        <p:txBody>
+          <a:bodyPr wrap="square" rtlCol="0">
+            <a:spAutoFit/>
+          </a:bodyPr>
+          <a:lstStyle/>
+          <a:p>
+            <a:r>
+              <a:rPr lang="fr-FR" sz="3600" b="1" dirty="0"/>
+              <a:t>Physique</a:t>
+            </a:r>
+          </a:p>
+        </p:txBody>
+      </p:sp>
+      <p:sp>
+        <p:nvSpPr>
+          <p:cNvPr id="6" name="ZoneTexte 5">
+            <a:extLst>
+              <a:ext uri="{FF2B5EF4-FFF2-40B4-BE49-F238E27FC236}">
+                <a16:creationId xmlns:a16="http://schemas.microsoft.com/office/drawing/2014/main" id="{51E32AEB-A3F5-4B00-8910-12363FA847CF}"/>
+              </a:ext>
+            </a:extLst>
+          </p:cNvPr>
+          <p:cNvSpPr txBox="1"/>
+          <p:nvPr/>
+        </p:nvSpPr>
+        <p:spPr>
+          <a:xfrm>
+            <a:off x="7915219" y="2782669"/>
+            <a:ext cx="2331532" cy="646331"/>
+          </a:xfrm>
+          <a:prstGeom prst="rect">
+            <a:avLst/>
+          </a:prstGeom>
+          <a:noFill/>
+        </p:spPr>
+        <p:txBody>
+          <a:bodyPr wrap="square" rtlCol="0">
+            <a:spAutoFit/>
+          </a:bodyPr>
+          <a:lstStyle/>
+          <a:p>
+            <a:r>
+              <a:rPr lang="fr-FR" sz="3600" b="1" dirty="0"/>
+              <a:t>Logiciel</a:t>
+            </a:r>
+          </a:p>
+        </p:txBody>
+      </p:sp>
+      <p:pic>
+        <p:nvPicPr>
+          <p:cNvPr id="8" name="Image 7">
+            <a:extLst>
+              <a:ext uri="{FF2B5EF4-FFF2-40B4-BE49-F238E27FC236}">
+                <a16:creationId xmlns:a16="http://schemas.microsoft.com/office/drawing/2014/main" id="{10689F10-2223-410A-AD0E-5CA156E7918B}"/>
+              </a:ext>
+            </a:extLst>
+          </p:cNvPr>
+          <p:cNvPicPr>
+            <a:picLocks noChangeAspect="1"/>
+          </p:cNvPicPr>
+          <p:nvPr/>
+        </p:nvPicPr>
+        <p:blipFill>
+          <a:blip r:embed="rId3" cstate="print">
+            <a:extLst>
+              <a:ext uri="{28A0092B-C50C-407E-A947-70E740481C1C}">
+                <a14:useLocalDpi xmlns:a14="http://schemas.microsoft.com/office/drawing/2010/main" val="0"/>
+              </a:ext>
+            </a:extLst>
+          </a:blip>
+          <a:stretch>
+            <a:fillRect/>
+          </a:stretch>
+        </p:blipFill>
+        <p:spPr>
+          <a:xfrm>
+            <a:off x="9349307" y="3690841"/>
+            <a:ext cx="2382117" cy="2382117"/>
+          </a:xfrm>
+          <a:prstGeom prst="rect">
+            <a:avLst/>
+          </a:prstGeom>
+        </p:spPr>
+      </p:pic>
+      <p:pic>
+        <p:nvPicPr>
+          <p:cNvPr id="10" name="Image 9">
+            <a:extLst>
+              <a:ext uri="{FF2B5EF4-FFF2-40B4-BE49-F238E27FC236}">
+                <a16:creationId xmlns:a16="http://schemas.microsoft.com/office/drawing/2014/main" id="{AEBD2E44-5B98-43B8-8E73-3EFD9B28F2CF}"/>
+              </a:ext>
+            </a:extLst>
+          </p:cNvPr>
+          <p:cNvPicPr>
+            <a:picLocks noChangeAspect="1"/>
+          </p:cNvPicPr>
+          <p:nvPr/>
+        </p:nvPicPr>
+        <p:blipFill>
+          <a:blip r:embed="rId4"/>
+          <a:stretch>
+            <a:fillRect/>
+          </a:stretch>
+        </p:blipFill>
+        <p:spPr>
+          <a:xfrm>
+            <a:off x="331503" y="3833617"/>
+            <a:ext cx="2382117" cy="2382117"/>
+          </a:xfrm>
+          <a:prstGeom prst="rect">
+            <a:avLst/>
+          </a:prstGeom>
+        </p:spPr>
+      </p:pic>
+      <p:pic>
+        <p:nvPicPr>
+          <p:cNvPr id="12" name="Image 11">
+            <a:extLst>
+              <a:ext uri="{FF2B5EF4-FFF2-40B4-BE49-F238E27FC236}">
+                <a16:creationId xmlns:a16="http://schemas.microsoft.com/office/drawing/2014/main" id="{0820B6E9-76DB-4683-A480-1E0E7EDAE156}"/>
+              </a:ext>
+            </a:extLst>
+          </p:cNvPr>
+          <p:cNvPicPr>
+            <a:picLocks noChangeAspect="1"/>
+          </p:cNvPicPr>
+          <p:nvPr/>
+        </p:nvPicPr>
+        <p:blipFill>
+          <a:blip r:embed="rId5"/>
+          <a:stretch>
+            <a:fillRect/>
+          </a:stretch>
+        </p:blipFill>
+        <p:spPr>
+          <a:xfrm>
+            <a:off x="6217446" y="3858869"/>
+            <a:ext cx="2331532" cy="2331532"/>
+          </a:xfrm>
+          <a:prstGeom prst="rect">
+            <a:avLst/>
+          </a:prstGeom>
+          <a:scene3d>
+            <a:camera prst="orthographicFront">
+              <a:rot lat="0" lon="0" rev="0"/>
+            </a:camera>
+            <a:lightRig rig="threePt" dir="t"/>
+          </a:scene3d>
+        </p:spPr>
+      </p:pic>
+    </p:spTree>
+    <p:extLst>
+      <p:ext uri="{BB962C8B-B14F-4D97-AF65-F5344CB8AC3E}">
+        <p14:creationId xmlns:p14="http://schemas.microsoft.com/office/powerpoint/2010/main" val="2861865556"/>
+      </p:ext>
+    </p:extLst>
+  </p:cSld>
+  <p:clrMapOvr>
+    <a:masterClrMapping/>
+  </p:clrMapOvr>
+</p:sld>
+</file>
+
+<file path=ppt/slides/slide8.xml><?xml version="1.0" encoding="utf-8"?>
+<p:sld xmlns:a="http://schemas.openxmlformats.org/drawingml/2006/main" xmlns:r="http://schemas.openxmlformats.org/officeDocument/2006/relationships" xmlns:p="http://schemas.openxmlformats.org/presentationml/2006/main">
+  <p:cSld>
+    <p:bg>
+      <p:bgPr>
+        <a:solidFill>
+          <a:schemeClr val="bg1"/>
+        </a:solidFill>
+        <a:effectLst/>
+      </p:bgPr>
+    </p:bg>
+    <p:spTree>
+      <p:nvGrpSpPr>
+        <p:cNvPr id="1" name=""/>
+        <p:cNvGrpSpPr/>
+        <p:nvPr/>
+      </p:nvGrpSpPr>
+      <p:grpSpPr>
+        <a:xfrm>
+          <a:off x="0" y="0"/>
+          <a:ext cx="0" cy="0"/>
+          <a:chOff x="0" y="0"/>
+          <a:chExt cx="0" cy="0"/>
+        </a:xfrm>
+      </p:grpSpPr>
+      <p:sp>
+        <p:nvSpPr>
+          <p:cNvPr id="10" name="Freeform 6">
+            <a:extLst>
+              <a:ext uri="{FF2B5EF4-FFF2-40B4-BE49-F238E27FC236}">
+                <a16:creationId xmlns:a16="http://schemas.microsoft.com/office/drawing/2014/main" id="{133F8CB7-795C-4272-9073-64D8CF97F220}"/>
+              </a:ext>
+              <a:ext uri="{C183D7F6-B498-43B3-948B-1728B52AA6E4}">
+                <adec:decorative xmlns:adec="http://schemas.microsoft.com/office/drawing/2017/decorative" xmlns="" val="1"/>
+              </a:ext>
+            </a:extLst>
+          </p:cNvPr>
+          <p:cNvSpPr>
+            <a:spLocks noGrp="1" noRot="1" noChangeAspect="1" noMove="1" noResize="1" noEditPoints="1" noAdjustHandles="1" noChangeArrowheads="1" noChangeShapeType="1" noTextEdit="1"/>
+          </p:cNvSpPr>
+          <p:nvPr>
+            <p:extLst>
+              <p:ext uri="{386F3935-93C4-4BCD-93E2-E3B085C9AB24}">
+                <p16:designElem xmlns:p16="http://schemas.microsoft.com/office/powerpoint/2015/main" val="1"/>
+              </p:ext>
+            </p:extLst>
+          </p:nvPr>
+        </p:nvSpPr>
+        <p:spPr bwMode="auto">
+          <a:xfrm>
+            <a:off x="0" y="-3175"/>
+            <a:ext cx="12192000" cy="5203825"/>
+          </a:xfrm>
+          <a:custGeom>
+            <a:avLst/>
+            <a:gdLst/>
+            <a:ahLst/>
+            <a:cxnLst/>
+            <a:rect l="0" t="0" r="r" b="b"/>
+            <a:pathLst>
+              <a:path w="5760" h="3278">
+                <a:moveTo>
+                  <a:pt x="5760" y="0"/>
+                </a:moveTo>
+                <a:lnTo>
+                  <a:pt x="0" y="0"/>
+                </a:lnTo>
+                <a:lnTo>
+                  <a:pt x="0" y="3090"/>
+                </a:lnTo>
+                <a:lnTo>
+                  <a:pt x="943" y="3090"/>
+                </a:lnTo>
+                <a:lnTo>
+                  <a:pt x="1123" y="3270"/>
+                </a:lnTo>
+                <a:lnTo>
+                  <a:pt x="1123" y="3270"/>
+                </a:lnTo>
+                <a:lnTo>
+                  <a:pt x="1127" y="3272"/>
+                </a:lnTo>
+                <a:lnTo>
+                  <a:pt x="1133" y="3275"/>
+                </a:lnTo>
+                <a:lnTo>
+                  <a:pt x="1139" y="3278"/>
+                </a:lnTo>
+                <a:lnTo>
+                  <a:pt x="1144" y="3278"/>
+                </a:lnTo>
+                <a:lnTo>
+                  <a:pt x="1150" y="3278"/>
+                </a:lnTo>
+                <a:lnTo>
+                  <a:pt x="1155" y="3275"/>
+                </a:lnTo>
+                <a:lnTo>
+                  <a:pt x="1161" y="3272"/>
+                </a:lnTo>
+                <a:lnTo>
+                  <a:pt x="1165" y="3270"/>
+                </a:lnTo>
+                <a:lnTo>
+                  <a:pt x="1345" y="3090"/>
+                </a:lnTo>
+                <a:lnTo>
+                  <a:pt x="5760" y="3090"/>
+                </a:lnTo>
+                <a:lnTo>
+                  <a:pt x="5760" y="0"/>
+                </a:lnTo>
+                <a:close/>
+              </a:path>
+            </a:pathLst>
+          </a:custGeom>
+          <a:ln/>
+          <a:effectLst/>
+          <a:extLst>
+            <a:ext uri="{91240B29-F687-4f45-9708-019B960494DF}">
+              <a14:hiddenLine xmlns:a14="http://schemas.microsoft.com/office/drawing/2010/main" xmlns:p14="http://schemas.microsoft.com/office/powerpoint/2010/main" xmlns:a16="http://schemas.microsoft.com/office/drawing/2014/main" xmlns="" w="9525">
+                <a:solidFill>
+                  <a:srgbClr val="000000"/>
+                </a:solidFill>
+                <a:round/>
+                <a:headEnd/>
+                <a:tailEnd/>
+              </a14:hiddenLine>
+            </a:ext>
+          </a:extLst>
+        </p:spPr>
+        <p:style>
+          <a:lnRef idx="1">
+            <a:schemeClr val="accent1"/>
+          </a:lnRef>
+          <a:fillRef idx="3">
+            <a:schemeClr val="accent1"/>
+          </a:fillRef>
+          <a:effectRef idx="2">
+            <a:schemeClr val="accent1"/>
+          </a:effectRef>
+          <a:fontRef idx="minor">
+            <a:schemeClr val="lt1"/>
+          </a:fontRef>
+        </p:style>
+      </p:sp>
+      <p:sp>
+        <p:nvSpPr>
+          <p:cNvPr id="12" name="Rectangle 11">
+            <a:extLst>
+              <a:ext uri="{FF2B5EF4-FFF2-40B4-BE49-F238E27FC236}">
+                <a16:creationId xmlns:a16="http://schemas.microsoft.com/office/drawing/2014/main" id="{B7743172-17A8-4FA4-8434-B813E03B7665}"/>
+              </a:ext>
+              <a:ext uri="{C183D7F6-B498-43B3-948B-1728B52AA6E4}">
+                <adec:decorative xmlns:adec="http://schemas.microsoft.com/office/drawing/2017/decorative" xmlns="" val="1"/>
+              </a:ext>
+            </a:extLst>
+          </p:cNvPr>
+          <p:cNvSpPr>
+            <a:spLocks noGrp="1" noRot="1" noChangeAspect="1" noMove="1" noResize="1" noEditPoints="1" noAdjustHandles="1" noChangeArrowheads="1" noChangeShapeType="1" noTextEdit="1"/>
+          </p:cNvSpPr>
+          <p:nvPr>
+            <p:extLst>
+              <p:ext uri="{386F3935-93C4-4BCD-93E2-E3B085C9AB24}">
+                <p16:designElem xmlns:p16="http://schemas.microsoft.com/office/powerpoint/2015/main" val="1"/>
+              </p:ext>
+            </p:extLst>
+          </p:nvPr>
+        </p:nvSpPr>
+        <p:spPr>
+          <a:xfrm>
+            <a:off x="0" y="0"/>
+            <a:ext cx="12192000" cy="6858000"/>
+          </a:xfrm>
+          <a:prstGeom prst="rect">
+            <a:avLst/>
+          </a:prstGeom>
+          <a:solidFill>
+            <a:schemeClr val="bg1"/>
+          </a:solidFill>
+          <a:ln>
+            <a:noFill/>
+          </a:ln>
+        </p:spPr>
+        <p:style>
+          <a:lnRef idx="2">
+            <a:schemeClr val="accent1">
+              <a:shade val="50000"/>
+            </a:schemeClr>
+          </a:lnRef>
+          <a:fillRef idx="1">
+            <a:schemeClr val="accent1"/>
+          </a:fillRef>
+          <a:effectRef idx="0">
+            <a:schemeClr val="accent1"/>
+          </a:effectRef>
+          <a:fontRef idx="minor">
+            <a:schemeClr val="lt1"/>
+          </a:fontRef>
+        </p:style>
+        <p:txBody>
+          <a:bodyPr rtlCol="0" anchor="ctr"/>
+          <a:lstStyle/>
+          <a:p>
+            <a:pPr algn="ctr"/>
+            <a:endParaRPr lang="en-US"/>
+          </a:p>
+        </p:txBody>
+      </p:sp>
+      <p:sp>
+        <p:nvSpPr>
           <p:cNvPr id="14" name="Freeform 23">
             <a:extLst>
               <a:ext uri="{FF2B5EF4-FFF2-40B4-BE49-F238E27FC236}">
                 <a16:creationId xmlns:a16="http://schemas.microsoft.com/office/drawing/2014/main" id="{4CE1233C-FD2F-489E-BFDE-086F5FED6491}"/>
               </a:ext>
               <a:ext uri="{C183D7F6-B498-43B3-948B-1728B52AA6E4}">
-                <adec:decorative xmlns:adec="http://schemas.microsoft.com/office/drawing/2017/decorative" val="1"/>
+                <adec:decorative xmlns:adec="http://schemas.microsoft.com/office/drawing/2017/decorative" xmlns="" val="1"/>
               </a:ext>
             </a:extLst>
           </p:cNvPr>
@@ -12378,7 +13100,7 @@
 </p:sld>
 </file>
 
-<file path=ppt/slides/slide8.xml><?xml version="1.0" encoding="utf-8"?>
+<file path=ppt/slides/slide9.xml><?xml version="1.0" encoding="utf-8"?>
 <p:sld xmlns:a="http://schemas.openxmlformats.org/drawingml/2006/main" xmlns:r="http://schemas.openxmlformats.org/officeDocument/2006/relationships" xmlns:p="http://schemas.openxmlformats.org/presentationml/2006/main">
   <p:cSld>
     <p:bg>
@@ -12411,7 +13133,7 @@
                 <a16:creationId xmlns:a16="http://schemas.microsoft.com/office/drawing/2014/main" id="{133F8CB7-795C-4272-9073-64D8CF97F220}"/>
               </a:ext>
               <a:ext uri="{C183D7F6-B498-43B3-948B-1728B52AA6E4}">
-                <adec:decorative xmlns:adec="http://schemas.microsoft.com/office/drawing/2017/decorative" val="1"/>
+                <adec:decorative xmlns:adec="http://schemas.microsoft.com/office/drawing/2017/decorative" xmlns="" val="1"/>
               </a:ext>
             </a:extLst>
           </p:cNvPr>
@@ -12498,7 +13220,7 @@
           <a:effectLst/>
           <a:extLst>
             <a:ext uri="{91240B29-F687-4f45-9708-019B960494DF}">
-              <a14:hiddenLine xmlns="" xmlns:a16="http://schemas.microsoft.com/office/drawing/2014/main" xmlns:p14="http://schemas.microsoft.com/office/powerpoint/2010/main" xmlns:a14="http://schemas.microsoft.com/office/drawing/2010/main" w="9525">
+              <a14:hiddenLine xmlns:a14="http://schemas.microsoft.com/office/drawing/2010/main" xmlns:p14="http://schemas.microsoft.com/office/powerpoint/2010/main" xmlns:a16="http://schemas.microsoft.com/office/drawing/2014/main" xmlns="" w="9525">
                 <a:solidFill>
                   <a:srgbClr val="000000"/>
                 </a:solidFill>
@@ -12581,7 +13303,7 @@
                 <a16:creationId xmlns:a16="http://schemas.microsoft.com/office/drawing/2014/main" id="{9674F1F8-962D-4FF5-B378-D9D2FFDFD27E}"/>
               </a:ext>
               <a:ext uri="{C183D7F6-B498-43B3-948B-1728B52AA6E4}">
-                <adec:decorative xmlns:adec="http://schemas.microsoft.com/office/drawing/2017/decorative" val="1"/>
+                <adec:decorative xmlns:adec="http://schemas.microsoft.com/office/drawing/2017/decorative" xmlns="" val="1"/>
               </a:ext>
             </a:extLst>
           </p:cNvPr>
@@ -12809,7 +13531,7 @@
                 <a16:creationId xmlns:a16="http://schemas.microsoft.com/office/drawing/2014/main" id="{C701CDB4-05E2-481A-9165-2455B6FE22A8}"/>
               </a:ext>
               <a:ext uri="{C183D7F6-B498-43B3-948B-1728B52AA6E4}">
-                <adec:decorative xmlns:adec="http://schemas.microsoft.com/office/drawing/2017/decorative" val="1"/>
+                <adec:decorative xmlns:adec="http://schemas.microsoft.com/office/drawing/2017/decorative" xmlns="" val="1"/>
               </a:ext>
             </a:extLst>
           </p:cNvPr>
@@ -12872,7 +13594,7 @@
                 <a16:creationId xmlns:a16="http://schemas.microsoft.com/office/drawing/2014/main" id="{93C43E0F-EC0A-4928-BA40-42313C09961E}"/>
               </a:ext>
               <a:ext uri="{C183D7F6-B498-43B3-948B-1728B52AA6E4}">
-                <adec:decorative xmlns:adec="http://schemas.microsoft.com/office/drawing/2017/decorative" val="1"/>
+                <adec:decorative xmlns:adec="http://schemas.microsoft.com/office/drawing/2017/decorative" xmlns="" val="1"/>
               </a:ext>
             </a:extLst>
           </p:cNvPr>
@@ -12971,303 +13693,6 @@
   </p:cSld>
   <p:clrMapOvr>
     <a:overrideClrMapping bg1="lt1" tx1="dk1" bg2="lt2" tx2="dk2" accent1="accent1" accent2="accent2" accent3="accent3" accent4="accent4" accent5="accent5" accent6="accent6" hlink="hlink" folHlink="folHlink"/>
-  </p:clrMapOvr>
-</p:sld>
-</file>
-
-<file path=ppt/slides/slide9.xml><?xml version="1.0" encoding="utf-8"?>
-<p:sld xmlns:a="http://schemas.openxmlformats.org/drawingml/2006/main" xmlns:r="http://schemas.openxmlformats.org/officeDocument/2006/relationships" xmlns:p="http://schemas.openxmlformats.org/presentationml/2006/main">
-  <p:cSld>
-    <p:bg>
-      <p:bgPr>
-        <a:solidFill>
-          <a:schemeClr val="bg2"/>
-        </a:solidFill>
-        <a:effectLst/>
-      </p:bgPr>
-    </p:bg>
-    <p:spTree>
-      <p:nvGrpSpPr>
-        <p:cNvPr id="1" name=""/>
-        <p:cNvGrpSpPr/>
-        <p:nvPr/>
-      </p:nvGrpSpPr>
-      <p:grpSpPr>
-        <a:xfrm>
-          <a:off x="0" y="0"/>
-          <a:ext cx="0" cy="0"/>
-          <a:chOff x="0" y="0"/>
-          <a:chExt cx="0" cy="0"/>
-        </a:xfrm>
-      </p:grpSpPr>
-      <p:sp>
-        <p:nvSpPr>
-          <p:cNvPr id="10" name="Freeform 6">
-            <a:extLst>
-              <a:ext uri="{FF2B5EF4-FFF2-40B4-BE49-F238E27FC236}">
-                <a16:creationId xmlns:a16="http://schemas.microsoft.com/office/drawing/2014/main" id="{E7597382-59B5-427B-9E49-55383F0A5561}"/>
-              </a:ext>
-              <a:ext uri="{C183D7F6-B498-43B3-948B-1728B52AA6E4}">
-                <adec:decorative xmlns:adec="http://schemas.microsoft.com/office/drawing/2017/decorative" val="1"/>
-              </a:ext>
-            </a:extLst>
-          </p:cNvPr>
-          <p:cNvSpPr>
-            <a:spLocks noGrp="1" noRot="1" noChangeAspect="1" noMove="1" noResize="1" noEditPoints="1" noAdjustHandles="1" noChangeArrowheads="1" noChangeShapeType="1" noTextEdit="1"/>
-          </p:cNvSpPr>
-          <p:nvPr>
-            <p:extLst>
-              <p:ext uri="{386F3935-93C4-4BCD-93E2-E3B085C9AB24}">
-                <p16:designElem xmlns:p16="http://schemas.microsoft.com/office/powerpoint/2015/main" val="1"/>
-              </p:ext>
-            </p:extLst>
-          </p:nvPr>
-        </p:nvSpPr>
-        <p:spPr bwMode="auto">
-          <a:xfrm>
-            <a:off x="0" y="-3175"/>
-            <a:ext cx="12192000" cy="6229804"/>
-          </a:xfrm>
-          <a:custGeom>
-            <a:avLst/>
-            <a:gdLst/>
-            <a:ahLst/>
-            <a:cxnLst/>
-            <a:rect l="0" t="0" r="r" b="b"/>
-            <a:pathLst>
-              <a:path w="5760" h="3278">
-                <a:moveTo>
-                  <a:pt x="5760" y="0"/>
-                </a:moveTo>
-                <a:lnTo>
-                  <a:pt x="0" y="0"/>
-                </a:lnTo>
-                <a:lnTo>
-                  <a:pt x="0" y="3090"/>
-                </a:lnTo>
-                <a:lnTo>
-                  <a:pt x="943" y="3090"/>
-                </a:lnTo>
-                <a:lnTo>
-                  <a:pt x="1123" y="3270"/>
-                </a:lnTo>
-                <a:lnTo>
-                  <a:pt x="1123" y="3270"/>
-                </a:lnTo>
-                <a:lnTo>
-                  <a:pt x="1127" y="3272"/>
-                </a:lnTo>
-                <a:lnTo>
-                  <a:pt x="1133" y="3275"/>
-                </a:lnTo>
-                <a:lnTo>
-                  <a:pt x="1139" y="3278"/>
-                </a:lnTo>
-                <a:lnTo>
-                  <a:pt x="1144" y="3278"/>
-                </a:lnTo>
-                <a:lnTo>
-                  <a:pt x="1150" y="3278"/>
-                </a:lnTo>
-                <a:lnTo>
-                  <a:pt x="1155" y="3275"/>
-                </a:lnTo>
-                <a:lnTo>
-                  <a:pt x="1161" y="3272"/>
-                </a:lnTo>
-                <a:lnTo>
-                  <a:pt x="1165" y="3270"/>
-                </a:lnTo>
-                <a:lnTo>
-                  <a:pt x="1345" y="3090"/>
-                </a:lnTo>
-                <a:lnTo>
-                  <a:pt x="5760" y="3090"/>
-                </a:lnTo>
-                <a:lnTo>
-                  <a:pt x="5760" y="0"/>
-                </a:lnTo>
-                <a:close/>
-              </a:path>
-            </a:pathLst>
-          </a:custGeom>
-          <a:ln>
-            <a:noFill/>
-          </a:ln>
-          <a:extLst>
-            <a:ext uri="{91240B29-F687-4f45-9708-019B960494DF}">
-              <a14:hiddenLine xmlns:a14="http://schemas.microsoft.com/office/drawing/2010/main" xmlns:p14="http://schemas.microsoft.com/office/powerpoint/2010/main" xmlns:a16="http://schemas.microsoft.com/office/drawing/2014/main" xmlns="" w="9525">
-                <a:solidFill>
-                  <a:srgbClr val="000000"/>
-                </a:solidFill>
-                <a:round/>
-                <a:headEnd/>
-                <a:tailEnd/>
-              </a14:hiddenLine>
-            </a:ext>
-          </a:extLst>
-        </p:spPr>
-        <p:style>
-          <a:lnRef idx="1">
-            <a:schemeClr val="accent1"/>
-          </a:lnRef>
-          <a:fillRef idx="3">
-            <a:schemeClr val="accent1"/>
-          </a:fillRef>
-          <a:effectRef idx="2">
-            <a:schemeClr val="accent1"/>
-          </a:effectRef>
-          <a:fontRef idx="minor">
-            <a:schemeClr val="lt1"/>
-          </a:fontRef>
-        </p:style>
-      </p:sp>
-      <p:sp>
-        <p:nvSpPr>
-          <p:cNvPr id="12" name="Rounded Rectangle 16">
-            <a:extLst>
-              <a:ext uri="{FF2B5EF4-FFF2-40B4-BE49-F238E27FC236}">
-                <a16:creationId xmlns:a16="http://schemas.microsoft.com/office/drawing/2014/main" id="{26471DC7-FA6E-40EF-A167-93BB0BCE16AD}"/>
-              </a:ext>
-              <a:ext uri="{C183D7F6-B498-43B3-948B-1728B52AA6E4}">
-                <adec:decorative xmlns:adec="http://schemas.microsoft.com/office/drawing/2017/decorative" val="1"/>
-              </a:ext>
-            </a:extLst>
-          </p:cNvPr>
-          <p:cNvSpPr>
-            <a:spLocks noGrp="1" noRot="1" noChangeAspect="1" noMove="1" noResize="1" noEditPoints="1" noAdjustHandles="1" noChangeArrowheads="1" noChangeShapeType="1" noTextEdit="1"/>
-          </p:cNvSpPr>
-          <p:nvPr>
-            <p:extLst>
-              <p:ext uri="{386F3935-93C4-4BCD-93E2-E3B085C9AB24}">
-                <p16:designElem xmlns:p16="http://schemas.microsoft.com/office/powerpoint/2015/main" val="1"/>
-              </p:ext>
-            </p:extLst>
-          </p:nvPr>
-        </p:nvSpPr>
-        <p:spPr>
-          <a:xfrm>
-            <a:off x="643468" y="643466"/>
-            <a:ext cx="10905066" cy="4592561"/>
-          </a:xfrm>
-          <a:prstGeom prst="roundRect">
-            <a:avLst>
-              <a:gd name="adj" fmla="val 3513"/>
-            </a:avLst>
-          </a:prstGeom>
-          <a:solidFill>
-            <a:schemeClr val="tx1"/>
-          </a:solidFill>
-          <a:ln>
-            <a:solidFill>
-              <a:schemeClr val="accent1">
-                <a:lumMod val="75000"/>
-              </a:schemeClr>
-            </a:solidFill>
-          </a:ln>
-          <a:effectLst/>
-        </p:spPr>
-        <p:style>
-          <a:lnRef idx="2">
-            <a:schemeClr val="accent1">
-              <a:shade val="50000"/>
-            </a:schemeClr>
-          </a:lnRef>
-          <a:fillRef idx="1">
-            <a:schemeClr val="accent1"/>
-          </a:fillRef>
-          <a:effectRef idx="0">
-            <a:schemeClr val="accent1"/>
-          </a:effectRef>
-          <a:fontRef idx="minor">
-            <a:schemeClr val="lt1"/>
-          </a:fontRef>
-        </p:style>
-        <p:txBody>
-          <a:bodyPr rtlCol="0" anchor="ctr"/>
-          <a:lstStyle/>
-          <a:p>
-            <a:pPr algn="ctr"/>
-            <a:endParaRPr lang="en-US"/>
-          </a:p>
-        </p:txBody>
-      </p:sp>
-      <p:pic>
-        <p:nvPicPr>
-          <p:cNvPr id="5" name="Espace réservé du contenu 4">
-            <a:extLst>
-              <a:ext uri="{FF2B5EF4-FFF2-40B4-BE49-F238E27FC236}">
-                <a16:creationId xmlns:a16="http://schemas.microsoft.com/office/drawing/2014/main" id="{36FB0DA3-348E-4453-AE0D-EA21836AF17A}"/>
-              </a:ext>
-            </a:extLst>
-          </p:cNvPr>
-          <p:cNvPicPr>
-            <a:picLocks noGrp="1" noChangeAspect="1"/>
-          </p:cNvPicPr>
-          <p:nvPr>
-            <p:ph idx="1"/>
-          </p:nvPr>
-        </p:nvPicPr>
-        <p:blipFill>
-          <a:blip r:embed="rId2"/>
-          <a:stretch>
-            <a:fillRect/>
-          </a:stretch>
-        </p:blipFill>
-        <p:spPr>
-          <a:xfrm>
-            <a:off x="1813009" y="873202"/>
-            <a:ext cx="8565984" cy="4133088"/>
-          </a:xfrm>
-          <a:prstGeom prst="rect">
-            <a:avLst/>
-          </a:prstGeom>
-        </p:spPr>
-      </p:pic>
-      <p:sp>
-        <p:nvSpPr>
-          <p:cNvPr id="6" name="ZoneTexte 5">
-            <a:extLst>
-              <a:ext uri="{FF2B5EF4-FFF2-40B4-BE49-F238E27FC236}">
-                <a16:creationId xmlns:a16="http://schemas.microsoft.com/office/drawing/2014/main" id="{1931F64B-F46F-45C4-AE5F-04D71766FB19}"/>
-              </a:ext>
-            </a:extLst>
-          </p:cNvPr>
-          <p:cNvSpPr txBox="1"/>
-          <p:nvPr/>
-        </p:nvSpPr>
-        <p:spPr>
-          <a:xfrm>
-            <a:off x="1065402" y="6352598"/>
-            <a:ext cx="2827090" cy="369332"/>
-          </a:xfrm>
-          <a:prstGeom prst="rect">
-            <a:avLst/>
-          </a:prstGeom>
-          <a:noFill/>
-        </p:spPr>
-        <p:txBody>
-          <a:bodyPr wrap="square" rtlCol="0">
-            <a:spAutoFit/>
-          </a:bodyPr>
-          <a:lstStyle/>
-          <a:p>
-            <a:r>
-              <a:rPr lang="fr-FR" dirty="0"/>
-              <a:t>Identification par NFC</a:t>
-            </a:r>
-          </a:p>
-        </p:txBody>
-      </p:sp>
-    </p:spTree>
-    <p:extLst>
-      <p:ext uri="{BB962C8B-B14F-4D97-AF65-F5344CB8AC3E}">
-        <p14:creationId xmlns:p14="http://schemas.microsoft.com/office/powerpoint/2010/main" val="2270383845"/>
-      </p:ext>
-    </p:extLst>
-  </p:cSld>
-  <p:clrMapOvr>
-    <a:masterClrMapping/>
   </p:clrMapOvr>
 </p:sld>
 </file>
@@ -13855,13 +14280,13 @@
 
 <file path=customXml/item2.xml><?xml version="1.0" encoding="utf-8"?>
 <Control xmlns="http://schemas.microsoft.com/VisualStudio/2011/storyboarding/control">
-  <Id Name="System.Storyboarding.WindowsDesktop.ListItemSmall" Revision="1" Stencil="System.Storyboarding.WindowsDesktop" StencilVersion="0.1"/>
+  <Id Name="System.Storyboarding.Annotation.StickyNote" Revision="1" Stencil="System.Storyboarding.Annotation" StencilVersion="0.1"/>
 </Control>
 </file>
 
 <file path=customXml/item3.xml><?xml version="1.0" encoding="utf-8"?>
 <Control xmlns="http://schemas.microsoft.com/VisualStudio/2011/storyboarding/control">
-  <Id Name="System.Storyboarding.Annotation.StickyNote" Revision="1" Stencil="System.Storyboarding.Annotation" StencilVersion="0.1"/>
+  <Id Name="System.Storyboarding.WindowsDesktop.ListItemSmall" Revision="1" Stencil="System.Storyboarding.WindowsDesktop" StencilVersion="0.1"/>
 </Control>
 </file>
 
@@ -13874,7 +14299,7 @@
 </file>
 
 <file path=customXml/itemProps2.xml><?xml version="1.0" encoding="utf-8"?>
-<ds:datastoreItem xmlns:ds="http://schemas.openxmlformats.org/officeDocument/2006/customXml" ds:itemID="{DBB0DF8D-2F1D-49BB-82C3-7B45422639DA}">
+<ds:datastoreItem xmlns:ds="http://schemas.openxmlformats.org/officeDocument/2006/customXml" ds:itemID="{853018AC-5FAD-4FD3-9EDF-33F2B2469FEE}">
   <ds:schemaRefs>
     <ds:schemaRef ds:uri="http://schemas.microsoft.com/VisualStudio/2011/storyboarding/control"/>
   </ds:schemaRefs>
@@ -13882,7 +14307,7 @@
 </file>
 
 <file path=customXml/itemProps3.xml><?xml version="1.0" encoding="utf-8"?>
-<ds:datastoreItem xmlns:ds="http://schemas.openxmlformats.org/officeDocument/2006/customXml" ds:itemID="{853018AC-5FAD-4FD3-9EDF-33F2B2469FEE}">
+<ds:datastoreItem xmlns:ds="http://schemas.openxmlformats.org/officeDocument/2006/customXml" ds:itemID="{DBB0DF8D-2F1D-49BB-82C3-7B45422639DA}">
   <ds:schemaRefs>
     <ds:schemaRef ds:uri="http://schemas.microsoft.com/VisualStudio/2011/storyboarding/control"/>
   </ds:schemaRefs>

--- a/Revue n2/Presentation du projet SFL2  (Pierre) Revue 2.pptx
+++ b/Revue n2/Presentation du projet SFL2  (Pierre) Revue 2.pptx
@@ -11834,8 +11834,8 @@
         </p:blipFill>
         <p:spPr>
           <a:xfrm>
-            <a:off x="1100731" y="1"/>
-            <a:ext cx="9632052" cy="4672012"/>
+            <a:off x="1463089" y="0"/>
+            <a:ext cx="8907335" cy="4672012"/>
           </a:xfrm>
           <a:prstGeom prst="roundRect">
             <a:avLst>
@@ -11896,7 +11896,7 @@
         </p:nvSpPr>
         <p:spPr>
           <a:xfrm>
-            <a:off x="850986" y="2112525"/>
+            <a:off x="853190" y="1976223"/>
             <a:ext cx="5893840" cy="1342908"/>
           </a:xfrm>
         </p:spPr>
@@ -11913,7 +11913,7 @@
             </a:br>
             <a:r>
               <a:rPr lang="fr-FR" dirty="0"/>
-              <a:t>Application emprunteur</a:t>
+              <a:t>Application SCAN</a:t>
             </a:r>
           </a:p>
         </p:txBody>
